--- a/input/images-source/45721.pptx
+++ b/input/images-source/45721.pptx
@@ -2,18 +2,18 @@
 <file path=ppt/presentation.xml><?xml version="1.0" encoding="utf-8"?>
 <p:presentation xmlns:a="http://schemas.openxmlformats.org/drawingml/2006/main" xmlns:r="http://schemas.openxmlformats.org/officeDocument/2006/relationships" xmlns:p="http://schemas.openxmlformats.org/presentationml/2006/main" saveSubsetFonts="1">
   <p:sldMasterIdLst>
-    <p:sldMasterId id="2147483648" r:id="rId1"/>
+    <p:sldMasterId id="2147483660" r:id="rId1"/>
   </p:sldMasterIdLst>
   <p:sldIdLst>
     <p:sldId id="257" r:id="rId2"/>
   </p:sldIdLst>
-  <p:sldSz cx="12192000" cy="6858000"/>
+  <p:sldSz cx="9144000" cy="6858000" type="screen4x3"/>
   <p:notesSz cx="6858000" cy="9144000"/>
   <p:defaultTextStyle>
     <a:defPPr>
       <a:defRPr lang="en-US"/>
     </a:defPPr>
-    <a:lvl1pPr marL="0" algn="l" defTabSz="914400" rtl="0" eaLnBrk="1" latinLnBrk="0" hangingPunct="1">
+    <a:lvl1pPr marL="0" algn="l" defTabSz="457200" rtl="0" eaLnBrk="1" latinLnBrk="0" hangingPunct="1">
       <a:defRPr sz="1800" kern="1200">
         <a:solidFill>
           <a:schemeClr val="tx1"/>
@@ -23,7 +23,7 @@
         <a:cs typeface="+mn-cs"/>
       </a:defRPr>
     </a:lvl1pPr>
-    <a:lvl2pPr marL="457200" algn="l" defTabSz="914400" rtl="0" eaLnBrk="1" latinLnBrk="0" hangingPunct="1">
+    <a:lvl2pPr marL="457200" algn="l" defTabSz="457200" rtl="0" eaLnBrk="1" latinLnBrk="0" hangingPunct="1">
       <a:defRPr sz="1800" kern="1200">
         <a:solidFill>
           <a:schemeClr val="tx1"/>
@@ -33,7 +33,7 @@
         <a:cs typeface="+mn-cs"/>
       </a:defRPr>
     </a:lvl2pPr>
-    <a:lvl3pPr marL="914400" algn="l" defTabSz="914400" rtl="0" eaLnBrk="1" latinLnBrk="0" hangingPunct="1">
+    <a:lvl3pPr marL="914400" algn="l" defTabSz="457200" rtl="0" eaLnBrk="1" latinLnBrk="0" hangingPunct="1">
       <a:defRPr sz="1800" kern="1200">
         <a:solidFill>
           <a:schemeClr val="tx1"/>
@@ -43,7 +43,7 @@
         <a:cs typeface="+mn-cs"/>
       </a:defRPr>
     </a:lvl3pPr>
-    <a:lvl4pPr marL="1371600" algn="l" defTabSz="914400" rtl="0" eaLnBrk="1" latinLnBrk="0" hangingPunct="1">
+    <a:lvl4pPr marL="1371600" algn="l" defTabSz="457200" rtl="0" eaLnBrk="1" latinLnBrk="0" hangingPunct="1">
       <a:defRPr sz="1800" kern="1200">
         <a:solidFill>
           <a:schemeClr val="tx1"/>
@@ -53,7 +53,7 @@
         <a:cs typeface="+mn-cs"/>
       </a:defRPr>
     </a:lvl4pPr>
-    <a:lvl5pPr marL="1828800" algn="l" defTabSz="914400" rtl="0" eaLnBrk="1" latinLnBrk="0" hangingPunct="1">
+    <a:lvl5pPr marL="1828800" algn="l" defTabSz="457200" rtl="0" eaLnBrk="1" latinLnBrk="0" hangingPunct="1">
       <a:defRPr sz="1800" kern="1200">
         <a:solidFill>
           <a:schemeClr val="tx1"/>
@@ -63,7 +63,7 @@
         <a:cs typeface="+mn-cs"/>
       </a:defRPr>
     </a:lvl5pPr>
-    <a:lvl6pPr marL="2286000" algn="l" defTabSz="914400" rtl="0" eaLnBrk="1" latinLnBrk="0" hangingPunct="1">
+    <a:lvl6pPr marL="2286000" algn="l" defTabSz="457200" rtl="0" eaLnBrk="1" latinLnBrk="0" hangingPunct="1">
       <a:defRPr sz="1800" kern="1200">
         <a:solidFill>
           <a:schemeClr val="tx1"/>
@@ -73,7 +73,7 @@
         <a:cs typeface="+mn-cs"/>
       </a:defRPr>
     </a:lvl6pPr>
-    <a:lvl7pPr marL="2743200" algn="l" defTabSz="914400" rtl="0" eaLnBrk="1" latinLnBrk="0" hangingPunct="1">
+    <a:lvl7pPr marL="2743200" algn="l" defTabSz="457200" rtl="0" eaLnBrk="1" latinLnBrk="0" hangingPunct="1">
       <a:defRPr sz="1800" kern="1200">
         <a:solidFill>
           <a:schemeClr val="tx1"/>
@@ -83,7 +83,7 @@
         <a:cs typeface="+mn-cs"/>
       </a:defRPr>
     </a:lvl7pPr>
-    <a:lvl8pPr marL="3200400" algn="l" defTabSz="914400" rtl="0" eaLnBrk="1" latinLnBrk="0" hangingPunct="1">
+    <a:lvl8pPr marL="3200400" algn="l" defTabSz="457200" rtl="0" eaLnBrk="1" latinLnBrk="0" hangingPunct="1">
       <a:defRPr sz="1800" kern="1200">
         <a:solidFill>
           <a:schemeClr val="tx1"/>
@@ -93,7 +93,7 @@
         <a:cs typeface="+mn-cs"/>
       </a:defRPr>
     </a:lvl8pPr>
-    <a:lvl9pPr marL="3657600" algn="l" defTabSz="914400" rtl="0" eaLnBrk="1" latinLnBrk="0" hangingPunct="1">
+    <a:lvl9pPr marL="3657600" algn="l" defTabSz="457200" rtl="0" eaLnBrk="1" latinLnBrk="0" hangingPunct="1">
       <a:defRPr sz="1800" kern="1200">
         <a:solidFill>
           <a:schemeClr val="tx1"/>
@@ -104,6 +104,11 @@
       </a:defRPr>
     </a:lvl9pPr>
   </p:defaultTextStyle>
+  <p:extLst>
+    <p:ext uri="{EFAFB233-063F-42B5-8137-9DF3F51BA10A}">
+      <p15:sldGuideLst xmlns:p15="http://schemas.microsoft.com/office/powerpoint/2012/main"/>
+    </p:ext>
+  </p:extLst>
 </p:presentation>
 </file>
 
@@ -126,13 +131,7 @@
       </p:grpSpPr>
       <p:sp>
         <p:nvSpPr>
-          <p:cNvPr id="2" name="Title 1">
-            <a:extLst>
-              <a:ext uri="{FF2B5EF4-FFF2-40B4-BE49-F238E27FC236}">
-                <a16:creationId xmlns:a16="http://schemas.microsoft.com/office/drawing/2014/main" id="{A344A69B-8368-8ECB-ECE4-C23394168155}"/>
-              </a:ext>
-            </a:extLst>
-          </p:cNvPr>
+          <p:cNvPr id="2" name="Title 1"/>
           <p:cNvSpPr>
             <a:spLocks noGrp="1"/>
           </p:cNvSpPr>
@@ -142,8 +141,8 @@
         </p:nvSpPr>
         <p:spPr>
           <a:xfrm>
-            <a:off x="1524000" y="1122363"/>
-            <a:ext cx="9144000" cy="2387600"/>
+            <a:off x="685800" y="1122363"/>
+            <a:ext cx="7772400" cy="2387600"/>
           </a:xfrm>
         </p:spPr>
         <p:txBody>
@@ -158,18 +157,13 @@
               <a:rPr lang="en-US"/>
               <a:t>Click to edit Master title style</a:t>
             </a:r>
+            <a:endParaRPr lang="en-US" dirty="0"/>
           </a:p>
         </p:txBody>
       </p:sp>
       <p:sp>
         <p:nvSpPr>
-          <p:cNvPr id="3" name="Subtitle 2">
-            <a:extLst>
-              <a:ext uri="{FF2B5EF4-FFF2-40B4-BE49-F238E27FC236}">
-                <a16:creationId xmlns:a16="http://schemas.microsoft.com/office/drawing/2014/main" id="{21E2A669-947C-A038-1C7D-F078CBF8882F}"/>
-              </a:ext>
-            </a:extLst>
-          </p:cNvPr>
+          <p:cNvPr id="3" name="Subtitle 2"/>
           <p:cNvSpPr>
             <a:spLocks noGrp="1"/>
           </p:cNvSpPr>
@@ -179,8 +173,8 @@
         </p:nvSpPr>
         <p:spPr>
           <a:xfrm>
-            <a:off x="1524000" y="3602038"/>
-            <a:ext cx="9144000" cy="1655762"/>
+            <a:off x="1143000" y="3602038"/>
+            <a:ext cx="6858000" cy="1655762"/>
           </a:xfrm>
         </p:spPr>
         <p:txBody>
@@ -228,18 +222,13 @@
               <a:rPr lang="en-US"/>
               <a:t>Click to edit Master subtitle style</a:t>
             </a:r>
+            <a:endParaRPr lang="en-US" dirty="0"/>
           </a:p>
         </p:txBody>
       </p:sp>
       <p:sp>
         <p:nvSpPr>
-          <p:cNvPr id="4" name="Date Placeholder 3">
-            <a:extLst>
-              <a:ext uri="{FF2B5EF4-FFF2-40B4-BE49-F238E27FC236}">
-                <a16:creationId xmlns:a16="http://schemas.microsoft.com/office/drawing/2014/main" id="{E77818AC-4BB4-8385-51F3-F699C7484DD9}"/>
-              </a:ext>
-            </a:extLst>
-          </p:cNvPr>
+          <p:cNvPr id="4" name="Date Placeholder 3"/>
           <p:cNvSpPr>
             <a:spLocks noGrp="1"/>
           </p:cNvSpPr>
@@ -254,7 +243,7 @@
           <a:p>
             <a:fld id="{02F3F171-E89E-4381-892B-F22C3C54A5DB}" type="datetimeFigureOut">
               <a:rPr lang="en-US" smtClean="0"/>
-              <a:t>1/6/2023</a:t>
+              <a:t>1/12/2023</a:t>
             </a:fld>
             <a:endParaRPr lang="en-US"/>
           </a:p>
@@ -262,13 +251,7 @@
       </p:sp>
       <p:sp>
         <p:nvSpPr>
-          <p:cNvPr id="5" name="Footer Placeholder 4">
-            <a:extLst>
-              <a:ext uri="{FF2B5EF4-FFF2-40B4-BE49-F238E27FC236}">
-                <a16:creationId xmlns:a16="http://schemas.microsoft.com/office/drawing/2014/main" id="{2B2A50F3-5B53-B80C-B18D-AB62A3B26D33}"/>
-              </a:ext>
-            </a:extLst>
-          </p:cNvPr>
+          <p:cNvPr id="5" name="Footer Placeholder 4"/>
           <p:cNvSpPr>
             <a:spLocks noGrp="1"/>
           </p:cNvSpPr>
@@ -287,13 +270,7 @@
       </p:sp>
       <p:sp>
         <p:nvSpPr>
-          <p:cNvPr id="6" name="Slide Number Placeholder 5">
-            <a:extLst>
-              <a:ext uri="{FF2B5EF4-FFF2-40B4-BE49-F238E27FC236}">
-                <a16:creationId xmlns:a16="http://schemas.microsoft.com/office/drawing/2014/main" id="{73345148-3CCD-0C61-6A90-9B2FDEAD00D5}"/>
-              </a:ext>
-            </a:extLst>
-          </p:cNvPr>
+          <p:cNvPr id="6" name="Slide Number Placeholder 5"/>
           <p:cNvSpPr>
             <a:spLocks noGrp="1"/>
           </p:cNvSpPr>
@@ -317,7 +294,7 @@
     </p:spTree>
     <p:extLst>
       <p:ext uri="{BB962C8B-B14F-4D97-AF65-F5344CB8AC3E}">
-        <p14:creationId xmlns:p14="http://schemas.microsoft.com/office/powerpoint/2010/main" val="2043216148"/>
+        <p14:creationId xmlns:p14="http://schemas.microsoft.com/office/powerpoint/2010/main" val="217082173"/>
       </p:ext>
     </p:extLst>
   </p:cSld>
@@ -346,13 +323,7 @@
       </p:grpSpPr>
       <p:sp>
         <p:nvSpPr>
-          <p:cNvPr id="2" name="Title 1">
-            <a:extLst>
-              <a:ext uri="{FF2B5EF4-FFF2-40B4-BE49-F238E27FC236}">
-                <a16:creationId xmlns:a16="http://schemas.microsoft.com/office/drawing/2014/main" id="{055499AD-BC1E-AF30-FB6F-768CB3530A12}"/>
-              </a:ext>
-            </a:extLst>
-          </p:cNvPr>
+          <p:cNvPr id="2" name="Title 1"/>
           <p:cNvSpPr>
             <a:spLocks noGrp="1"/>
           </p:cNvSpPr>
@@ -369,18 +340,13 @@
               <a:rPr lang="en-US"/>
               <a:t>Click to edit Master title style</a:t>
             </a:r>
+            <a:endParaRPr lang="en-US" dirty="0"/>
           </a:p>
         </p:txBody>
       </p:sp>
       <p:sp>
         <p:nvSpPr>
-          <p:cNvPr id="3" name="Vertical Text Placeholder 2">
-            <a:extLst>
-              <a:ext uri="{FF2B5EF4-FFF2-40B4-BE49-F238E27FC236}">
-                <a16:creationId xmlns:a16="http://schemas.microsoft.com/office/drawing/2014/main" id="{AF66A8F9-9809-7F77-1545-8E943E3FFA28}"/>
-              </a:ext>
-            </a:extLst>
-          </p:cNvPr>
+          <p:cNvPr id="3" name="Vertical Text Placeholder 2"/>
           <p:cNvSpPr>
             <a:spLocks noGrp="1"/>
           </p:cNvSpPr>
@@ -426,18 +392,13 @@
               <a:rPr lang="en-US"/>
               <a:t>Fifth level</a:t>
             </a:r>
+            <a:endParaRPr lang="en-US" dirty="0"/>
           </a:p>
         </p:txBody>
       </p:sp>
       <p:sp>
         <p:nvSpPr>
-          <p:cNvPr id="4" name="Date Placeholder 3">
-            <a:extLst>
-              <a:ext uri="{FF2B5EF4-FFF2-40B4-BE49-F238E27FC236}">
-                <a16:creationId xmlns:a16="http://schemas.microsoft.com/office/drawing/2014/main" id="{90E0362E-2DA9-10F2-B5B8-B53ADC592B88}"/>
-              </a:ext>
-            </a:extLst>
-          </p:cNvPr>
+          <p:cNvPr id="4" name="Date Placeholder 3"/>
           <p:cNvSpPr>
             <a:spLocks noGrp="1"/>
           </p:cNvSpPr>
@@ -452,7 +413,7 @@
           <a:p>
             <a:fld id="{02F3F171-E89E-4381-892B-F22C3C54A5DB}" type="datetimeFigureOut">
               <a:rPr lang="en-US" smtClean="0"/>
-              <a:t>1/6/2023</a:t>
+              <a:t>1/12/2023</a:t>
             </a:fld>
             <a:endParaRPr lang="en-US"/>
           </a:p>
@@ -460,13 +421,7 @@
       </p:sp>
       <p:sp>
         <p:nvSpPr>
-          <p:cNvPr id="5" name="Footer Placeholder 4">
-            <a:extLst>
-              <a:ext uri="{FF2B5EF4-FFF2-40B4-BE49-F238E27FC236}">
-                <a16:creationId xmlns:a16="http://schemas.microsoft.com/office/drawing/2014/main" id="{CA1E3FEA-96AC-4D00-9945-B7233142DED6}"/>
-              </a:ext>
-            </a:extLst>
-          </p:cNvPr>
+          <p:cNvPr id="5" name="Footer Placeholder 4"/>
           <p:cNvSpPr>
             <a:spLocks noGrp="1"/>
           </p:cNvSpPr>
@@ -485,13 +440,7 @@
       </p:sp>
       <p:sp>
         <p:nvSpPr>
-          <p:cNvPr id="6" name="Slide Number Placeholder 5">
-            <a:extLst>
-              <a:ext uri="{FF2B5EF4-FFF2-40B4-BE49-F238E27FC236}">
-                <a16:creationId xmlns:a16="http://schemas.microsoft.com/office/drawing/2014/main" id="{BF6E635A-5227-7BE8-5FF7-0FD6BF113B98}"/>
-              </a:ext>
-            </a:extLst>
-          </p:cNvPr>
+          <p:cNvPr id="6" name="Slide Number Placeholder 5"/>
           <p:cNvSpPr>
             <a:spLocks noGrp="1"/>
           </p:cNvSpPr>
@@ -515,7 +464,7 @@
     </p:spTree>
     <p:extLst>
       <p:ext uri="{BB962C8B-B14F-4D97-AF65-F5344CB8AC3E}">
-        <p14:creationId xmlns:p14="http://schemas.microsoft.com/office/powerpoint/2010/main" val="3647665527"/>
+        <p14:creationId xmlns:p14="http://schemas.microsoft.com/office/powerpoint/2010/main" val="3322694457"/>
       </p:ext>
     </p:extLst>
   </p:cSld>
@@ -544,13 +493,7 @@
       </p:grpSpPr>
       <p:sp>
         <p:nvSpPr>
-          <p:cNvPr id="2" name="Vertical Title 1">
-            <a:extLst>
-              <a:ext uri="{FF2B5EF4-FFF2-40B4-BE49-F238E27FC236}">
-                <a16:creationId xmlns:a16="http://schemas.microsoft.com/office/drawing/2014/main" id="{896D0720-A831-CE39-CC18-2A27D801E762}"/>
-              </a:ext>
-            </a:extLst>
-          </p:cNvPr>
+          <p:cNvPr id="2" name="Vertical Title 1"/>
           <p:cNvSpPr>
             <a:spLocks noGrp="1"/>
           </p:cNvSpPr>
@@ -560,8 +503,8 @@
         </p:nvSpPr>
         <p:spPr>
           <a:xfrm>
-            <a:off x="8724900" y="365125"/>
-            <a:ext cx="2628900" cy="5811838"/>
+            <a:off x="6543675" y="365125"/>
+            <a:ext cx="1971675" cy="5811838"/>
           </a:xfrm>
         </p:spPr>
         <p:txBody>
@@ -572,18 +515,13 @@
               <a:rPr lang="en-US"/>
               <a:t>Click to edit Master title style</a:t>
             </a:r>
+            <a:endParaRPr lang="en-US" dirty="0"/>
           </a:p>
         </p:txBody>
       </p:sp>
       <p:sp>
         <p:nvSpPr>
-          <p:cNvPr id="3" name="Vertical Text Placeholder 2">
-            <a:extLst>
-              <a:ext uri="{FF2B5EF4-FFF2-40B4-BE49-F238E27FC236}">
-                <a16:creationId xmlns:a16="http://schemas.microsoft.com/office/drawing/2014/main" id="{F48973E7-342B-B137-4486-F3B6BA3D34BA}"/>
-              </a:ext>
-            </a:extLst>
-          </p:cNvPr>
+          <p:cNvPr id="3" name="Vertical Text Placeholder 2"/>
           <p:cNvSpPr>
             <a:spLocks noGrp="1"/>
           </p:cNvSpPr>
@@ -593,8 +531,8 @@
         </p:nvSpPr>
         <p:spPr>
           <a:xfrm>
-            <a:off x="838200" y="365125"/>
-            <a:ext cx="7734300" cy="5811838"/>
+            <a:off x="628650" y="365125"/>
+            <a:ext cx="5800725" cy="5811838"/>
           </a:xfrm>
         </p:spPr>
         <p:txBody>
@@ -634,18 +572,13 @@
               <a:rPr lang="en-US"/>
               <a:t>Fifth level</a:t>
             </a:r>
+            <a:endParaRPr lang="en-US" dirty="0"/>
           </a:p>
         </p:txBody>
       </p:sp>
       <p:sp>
         <p:nvSpPr>
-          <p:cNvPr id="4" name="Date Placeholder 3">
-            <a:extLst>
-              <a:ext uri="{FF2B5EF4-FFF2-40B4-BE49-F238E27FC236}">
-                <a16:creationId xmlns:a16="http://schemas.microsoft.com/office/drawing/2014/main" id="{F207E63A-C343-A3D3-DDE6-D2AE33F372F4}"/>
-              </a:ext>
-            </a:extLst>
-          </p:cNvPr>
+          <p:cNvPr id="4" name="Date Placeholder 3"/>
           <p:cNvSpPr>
             <a:spLocks noGrp="1"/>
           </p:cNvSpPr>
@@ -660,7 +593,7 @@
           <a:p>
             <a:fld id="{02F3F171-E89E-4381-892B-F22C3C54A5DB}" type="datetimeFigureOut">
               <a:rPr lang="en-US" smtClean="0"/>
-              <a:t>1/6/2023</a:t>
+              <a:t>1/12/2023</a:t>
             </a:fld>
             <a:endParaRPr lang="en-US"/>
           </a:p>
@@ -668,13 +601,7 @@
       </p:sp>
       <p:sp>
         <p:nvSpPr>
-          <p:cNvPr id="5" name="Footer Placeholder 4">
-            <a:extLst>
-              <a:ext uri="{FF2B5EF4-FFF2-40B4-BE49-F238E27FC236}">
-                <a16:creationId xmlns:a16="http://schemas.microsoft.com/office/drawing/2014/main" id="{469048D5-E4D6-2120-A004-6D933E2D9DD5}"/>
-              </a:ext>
-            </a:extLst>
-          </p:cNvPr>
+          <p:cNvPr id="5" name="Footer Placeholder 4"/>
           <p:cNvSpPr>
             <a:spLocks noGrp="1"/>
           </p:cNvSpPr>
@@ -693,13 +620,7 @@
       </p:sp>
       <p:sp>
         <p:nvSpPr>
-          <p:cNvPr id="6" name="Slide Number Placeholder 5">
-            <a:extLst>
-              <a:ext uri="{FF2B5EF4-FFF2-40B4-BE49-F238E27FC236}">
-                <a16:creationId xmlns:a16="http://schemas.microsoft.com/office/drawing/2014/main" id="{6DC8932E-C8B3-C4AB-771A-CB3FB146AE1A}"/>
-              </a:ext>
-            </a:extLst>
-          </p:cNvPr>
+          <p:cNvPr id="6" name="Slide Number Placeholder 5"/>
           <p:cNvSpPr>
             <a:spLocks noGrp="1"/>
           </p:cNvSpPr>
@@ -723,7 +644,7 @@
     </p:spTree>
     <p:extLst>
       <p:ext uri="{BB962C8B-B14F-4D97-AF65-F5344CB8AC3E}">
-        <p14:creationId xmlns:p14="http://schemas.microsoft.com/office/powerpoint/2010/main" val="81269709"/>
+        <p14:creationId xmlns:p14="http://schemas.microsoft.com/office/powerpoint/2010/main" val="3932816993"/>
       </p:ext>
     </p:extLst>
   </p:cSld>
@@ -752,13 +673,7 @@
       </p:grpSpPr>
       <p:sp>
         <p:nvSpPr>
-          <p:cNvPr id="2" name="Title 1">
-            <a:extLst>
-              <a:ext uri="{FF2B5EF4-FFF2-40B4-BE49-F238E27FC236}">
-                <a16:creationId xmlns:a16="http://schemas.microsoft.com/office/drawing/2014/main" id="{DB46647A-3C8D-1EBF-D188-015F726A2823}"/>
-              </a:ext>
-            </a:extLst>
-          </p:cNvPr>
+          <p:cNvPr id="2" name="Title 1"/>
           <p:cNvSpPr>
             <a:spLocks noGrp="1"/>
           </p:cNvSpPr>
@@ -775,18 +690,13 @@
               <a:rPr lang="en-US"/>
               <a:t>Click to edit Master title style</a:t>
             </a:r>
+            <a:endParaRPr lang="en-US" dirty="0"/>
           </a:p>
         </p:txBody>
       </p:sp>
       <p:sp>
         <p:nvSpPr>
-          <p:cNvPr id="3" name="Content Placeholder 2">
-            <a:extLst>
-              <a:ext uri="{FF2B5EF4-FFF2-40B4-BE49-F238E27FC236}">
-                <a16:creationId xmlns:a16="http://schemas.microsoft.com/office/drawing/2014/main" id="{A11EBCE3-9BB3-A549-E34D-9B693369D547}"/>
-              </a:ext>
-            </a:extLst>
-          </p:cNvPr>
+          <p:cNvPr id="3" name="Content Placeholder 2"/>
           <p:cNvSpPr>
             <a:spLocks noGrp="1"/>
           </p:cNvSpPr>
@@ -832,18 +742,13 @@
               <a:rPr lang="en-US"/>
               <a:t>Fifth level</a:t>
             </a:r>
+            <a:endParaRPr lang="en-US" dirty="0"/>
           </a:p>
         </p:txBody>
       </p:sp>
       <p:sp>
         <p:nvSpPr>
-          <p:cNvPr id="4" name="Date Placeholder 3">
-            <a:extLst>
-              <a:ext uri="{FF2B5EF4-FFF2-40B4-BE49-F238E27FC236}">
-                <a16:creationId xmlns:a16="http://schemas.microsoft.com/office/drawing/2014/main" id="{406E6620-EA5F-9EC4-AF0D-199A80410A70}"/>
-              </a:ext>
-            </a:extLst>
-          </p:cNvPr>
+          <p:cNvPr id="4" name="Date Placeholder 3"/>
           <p:cNvSpPr>
             <a:spLocks noGrp="1"/>
           </p:cNvSpPr>
@@ -858,7 +763,7 @@
           <a:p>
             <a:fld id="{02F3F171-E89E-4381-892B-F22C3C54A5DB}" type="datetimeFigureOut">
               <a:rPr lang="en-US" smtClean="0"/>
-              <a:t>1/6/2023</a:t>
+              <a:t>1/12/2023</a:t>
             </a:fld>
             <a:endParaRPr lang="en-US"/>
           </a:p>
@@ -866,13 +771,7 @@
       </p:sp>
       <p:sp>
         <p:nvSpPr>
-          <p:cNvPr id="5" name="Footer Placeholder 4">
-            <a:extLst>
-              <a:ext uri="{FF2B5EF4-FFF2-40B4-BE49-F238E27FC236}">
-                <a16:creationId xmlns:a16="http://schemas.microsoft.com/office/drawing/2014/main" id="{6EB7FF9D-802F-50F8-26E4-F966EC32BAF5}"/>
-              </a:ext>
-            </a:extLst>
-          </p:cNvPr>
+          <p:cNvPr id="5" name="Footer Placeholder 4"/>
           <p:cNvSpPr>
             <a:spLocks noGrp="1"/>
           </p:cNvSpPr>
@@ -891,13 +790,7 @@
       </p:sp>
       <p:sp>
         <p:nvSpPr>
-          <p:cNvPr id="6" name="Slide Number Placeholder 5">
-            <a:extLst>
-              <a:ext uri="{FF2B5EF4-FFF2-40B4-BE49-F238E27FC236}">
-                <a16:creationId xmlns:a16="http://schemas.microsoft.com/office/drawing/2014/main" id="{547A60F5-4915-CFD6-E737-CC1BE85E5DEC}"/>
-              </a:ext>
-            </a:extLst>
-          </p:cNvPr>
+          <p:cNvPr id="6" name="Slide Number Placeholder 5"/>
           <p:cNvSpPr>
             <a:spLocks noGrp="1"/>
           </p:cNvSpPr>
@@ -921,7 +814,7 @@
     </p:spTree>
     <p:extLst>
       <p:ext uri="{BB962C8B-B14F-4D97-AF65-F5344CB8AC3E}">
-        <p14:creationId xmlns:p14="http://schemas.microsoft.com/office/powerpoint/2010/main" val="1765605506"/>
+        <p14:creationId xmlns:p14="http://schemas.microsoft.com/office/powerpoint/2010/main" val="2284324341"/>
       </p:ext>
     </p:extLst>
   </p:cSld>
@@ -950,13 +843,7 @@
       </p:grpSpPr>
       <p:sp>
         <p:nvSpPr>
-          <p:cNvPr id="2" name="Title 1">
-            <a:extLst>
-              <a:ext uri="{FF2B5EF4-FFF2-40B4-BE49-F238E27FC236}">
-                <a16:creationId xmlns:a16="http://schemas.microsoft.com/office/drawing/2014/main" id="{E699B56D-10B9-0A5C-C4F4-AF91FF6C7D3D}"/>
-              </a:ext>
-            </a:extLst>
-          </p:cNvPr>
+          <p:cNvPr id="2" name="Title 1"/>
           <p:cNvSpPr>
             <a:spLocks noGrp="1"/>
           </p:cNvSpPr>
@@ -966,8 +853,8 @@
         </p:nvSpPr>
         <p:spPr>
           <a:xfrm>
-            <a:off x="831850" y="1709738"/>
-            <a:ext cx="10515600" cy="2852737"/>
+            <a:off x="623888" y="1709739"/>
+            <a:ext cx="7886700" cy="2852737"/>
           </a:xfrm>
         </p:spPr>
         <p:txBody>
@@ -982,18 +869,13 @@
               <a:rPr lang="en-US"/>
               <a:t>Click to edit Master title style</a:t>
             </a:r>
+            <a:endParaRPr lang="en-US" dirty="0"/>
           </a:p>
         </p:txBody>
       </p:sp>
       <p:sp>
         <p:nvSpPr>
-          <p:cNvPr id="3" name="Text Placeholder 2">
-            <a:extLst>
-              <a:ext uri="{FF2B5EF4-FFF2-40B4-BE49-F238E27FC236}">
-                <a16:creationId xmlns:a16="http://schemas.microsoft.com/office/drawing/2014/main" id="{024DD4B1-5119-00B2-60E3-79A5C1B75AB7}"/>
-              </a:ext>
-            </a:extLst>
-          </p:cNvPr>
+          <p:cNvPr id="3" name="Text Placeholder 2"/>
           <p:cNvSpPr>
             <a:spLocks noGrp="1"/>
           </p:cNvSpPr>
@@ -1003,8 +885,8 @@
         </p:nvSpPr>
         <p:spPr>
           <a:xfrm>
-            <a:off x="831850" y="4589463"/>
-            <a:ext cx="10515600" cy="1500187"/>
+            <a:off x="623888" y="4589464"/>
+            <a:ext cx="7886700" cy="1500187"/>
           </a:xfrm>
         </p:spPr>
         <p:txBody>
@@ -1014,9 +896,7 @@
               <a:buNone/>
               <a:defRPr sz="2400">
                 <a:solidFill>
-                  <a:schemeClr val="tx1">
-                    <a:tint val="75000"/>
-                  </a:schemeClr>
+                  <a:schemeClr val="tx1"/>
                 </a:solidFill>
               </a:defRPr>
             </a:lvl1pPr>
@@ -1112,13 +992,7 @@
       </p:sp>
       <p:sp>
         <p:nvSpPr>
-          <p:cNvPr id="4" name="Date Placeholder 3">
-            <a:extLst>
-              <a:ext uri="{FF2B5EF4-FFF2-40B4-BE49-F238E27FC236}">
-                <a16:creationId xmlns:a16="http://schemas.microsoft.com/office/drawing/2014/main" id="{2778CB36-9DD7-A702-84F4-93AF3AA33852}"/>
-              </a:ext>
-            </a:extLst>
-          </p:cNvPr>
+          <p:cNvPr id="4" name="Date Placeholder 3"/>
           <p:cNvSpPr>
             <a:spLocks noGrp="1"/>
           </p:cNvSpPr>
@@ -1133,7 +1007,7 @@
           <a:p>
             <a:fld id="{02F3F171-E89E-4381-892B-F22C3C54A5DB}" type="datetimeFigureOut">
               <a:rPr lang="en-US" smtClean="0"/>
-              <a:t>1/6/2023</a:t>
+              <a:t>1/12/2023</a:t>
             </a:fld>
             <a:endParaRPr lang="en-US"/>
           </a:p>
@@ -1141,13 +1015,7 @@
       </p:sp>
       <p:sp>
         <p:nvSpPr>
-          <p:cNvPr id="5" name="Footer Placeholder 4">
-            <a:extLst>
-              <a:ext uri="{FF2B5EF4-FFF2-40B4-BE49-F238E27FC236}">
-                <a16:creationId xmlns:a16="http://schemas.microsoft.com/office/drawing/2014/main" id="{5B17D580-F686-5145-69E4-2DE32D814DCF}"/>
-              </a:ext>
-            </a:extLst>
-          </p:cNvPr>
+          <p:cNvPr id="5" name="Footer Placeholder 4"/>
           <p:cNvSpPr>
             <a:spLocks noGrp="1"/>
           </p:cNvSpPr>
@@ -1166,13 +1034,7 @@
       </p:sp>
       <p:sp>
         <p:nvSpPr>
-          <p:cNvPr id="6" name="Slide Number Placeholder 5">
-            <a:extLst>
-              <a:ext uri="{FF2B5EF4-FFF2-40B4-BE49-F238E27FC236}">
-                <a16:creationId xmlns:a16="http://schemas.microsoft.com/office/drawing/2014/main" id="{B79E5302-5132-E42E-CE19-26B253B78AE2}"/>
-              </a:ext>
-            </a:extLst>
-          </p:cNvPr>
+          <p:cNvPr id="6" name="Slide Number Placeholder 5"/>
           <p:cNvSpPr>
             <a:spLocks noGrp="1"/>
           </p:cNvSpPr>
@@ -1196,7 +1058,7 @@
     </p:spTree>
     <p:extLst>
       <p:ext uri="{BB962C8B-B14F-4D97-AF65-F5344CB8AC3E}">
-        <p14:creationId xmlns:p14="http://schemas.microsoft.com/office/powerpoint/2010/main" val="345811710"/>
+        <p14:creationId xmlns:p14="http://schemas.microsoft.com/office/powerpoint/2010/main" val="1653402080"/>
       </p:ext>
     </p:extLst>
   </p:cSld>
@@ -1225,13 +1087,7 @@
       </p:grpSpPr>
       <p:sp>
         <p:nvSpPr>
-          <p:cNvPr id="2" name="Title 1">
-            <a:extLst>
-              <a:ext uri="{FF2B5EF4-FFF2-40B4-BE49-F238E27FC236}">
-                <a16:creationId xmlns:a16="http://schemas.microsoft.com/office/drawing/2014/main" id="{4910758D-9D69-03CF-ED9E-A1479A82699E}"/>
-              </a:ext>
-            </a:extLst>
-          </p:cNvPr>
+          <p:cNvPr id="2" name="Title 1"/>
           <p:cNvSpPr>
             <a:spLocks noGrp="1"/>
           </p:cNvSpPr>
@@ -1248,18 +1104,13 @@
               <a:rPr lang="en-US"/>
               <a:t>Click to edit Master title style</a:t>
             </a:r>
+            <a:endParaRPr lang="en-US" dirty="0"/>
           </a:p>
         </p:txBody>
       </p:sp>
       <p:sp>
         <p:nvSpPr>
-          <p:cNvPr id="3" name="Content Placeholder 2">
-            <a:extLst>
-              <a:ext uri="{FF2B5EF4-FFF2-40B4-BE49-F238E27FC236}">
-                <a16:creationId xmlns:a16="http://schemas.microsoft.com/office/drawing/2014/main" id="{806D5A3F-7D8D-C03E-DC04-6755E899836E}"/>
-              </a:ext>
-            </a:extLst>
-          </p:cNvPr>
+          <p:cNvPr id="3" name="Content Placeholder 2"/>
           <p:cNvSpPr>
             <a:spLocks noGrp="1"/>
           </p:cNvSpPr>
@@ -1269,8 +1120,8 @@
         </p:nvSpPr>
         <p:spPr>
           <a:xfrm>
-            <a:off x="838200" y="1825625"/>
-            <a:ext cx="5181600" cy="4351338"/>
+            <a:off x="628650" y="1825625"/>
+            <a:ext cx="3886200" cy="4351338"/>
           </a:xfrm>
         </p:spPr>
         <p:txBody>
@@ -1310,18 +1161,13 @@
               <a:rPr lang="en-US"/>
               <a:t>Fifth level</a:t>
             </a:r>
+            <a:endParaRPr lang="en-US" dirty="0"/>
           </a:p>
         </p:txBody>
       </p:sp>
       <p:sp>
         <p:nvSpPr>
-          <p:cNvPr id="4" name="Content Placeholder 3">
-            <a:extLst>
-              <a:ext uri="{FF2B5EF4-FFF2-40B4-BE49-F238E27FC236}">
-                <a16:creationId xmlns:a16="http://schemas.microsoft.com/office/drawing/2014/main" id="{1F6F3A02-8085-B8C8-D757-130E70CB82C7}"/>
-              </a:ext>
-            </a:extLst>
-          </p:cNvPr>
+          <p:cNvPr id="4" name="Content Placeholder 3"/>
           <p:cNvSpPr>
             <a:spLocks noGrp="1"/>
           </p:cNvSpPr>
@@ -1331,8 +1177,8 @@
         </p:nvSpPr>
         <p:spPr>
           <a:xfrm>
-            <a:off x="6172200" y="1825625"/>
-            <a:ext cx="5181600" cy="4351338"/>
+            <a:off x="4629150" y="1825625"/>
+            <a:ext cx="3886200" cy="4351338"/>
           </a:xfrm>
         </p:spPr>
         <p:txBody>
@@ -1372,18 +1218,13 @@
               <a:rPr lang="en-US"/>
               <a:t>Fifth level</a:t>
             </a:r>
+            <a:endParaRPr lang="en-US" dirty="0"/>
           </a:p>
         </p:txBody>
       </p:sp>
       <p:sp>
         <p:nvSpPr>
-          <p:cNvPr id="5" name="Date Placeholder 4">
-            <a:extLst>
-              <a:ext uri="{FF2B5EF4-FFF2-40B4-BE49-F238E27FC236}">
-                <a16:creationId xmlns:a16="http://schemas.microsoft.com/office/drawing/2014/main" id="{E2EA76F1-FF72-4CF3-E21C-ED15B4648A3E}"/>
-              </a:ext>
-            </a:extLst>
-          </p:cNvPr>
+          <p:cNvPr id="5" name="Date Placeholder 4"/>
           <p:cNvSpPr>
             <a:spLocks noGrp="1"/>
           </p:cNvSpPr>
@@ -1398,7 +1239,7 @@
           <a:p>
             <a:fld id="{02F3F171-E89E-4381-892B-F22C3C54A5DB}" type="datetimeFigureOut">
               <a:rPr lang="en-US" smtClean="0"/>
-              <a:t>1/6/2023</a:t>
+              <a:t>1/12/2023</a:t>
             </a:fld>
             <a:endParaRPr lang="en-US"/>
           </a:p>
@@ -1406,13 +1247,7 @@
       </p:sp>
       <p:sp>
         <p:nvSpPr>
-          <p:cNvPr id="6" name="Footer Placeholder 5">
-            <a:extLst>
-              <a:ext uri="{FF2B5EF4-FFF2-40B4-BE49-F238E27FC236}">
-                <a16:creationId xmlns:a16="http://schemas.microsoft.com/office/drawing/2014/main" id="{1288A96C-F5F7-4175-911E-CFCEBCFADD08}"/>
-              </a:ext>
-            </a:extLst>
-          </p:cNvPr>
+          <p:cNvPr id="6" name="Footer Placeholder 5"/>
           <p:cNvSpPr>
             <a:spLocks noGrp="1"/>
           </p:cNvSpPr>
@@ -1431,13 +1266,7 @@
       </p:sp>
       <p:sp>
         <p:nvSpPr>
-          <p:cNvPr id="7" name="Slide Number Placeholder 6">
-            <a:extLst>
-              <a:ext uri="{FF2B5EF4-FFF2-40B4-BE49-F238E27FC236}">
-                <a16:creationId xmlns:a16="http://schemas.microsoft.com/office/drawing/2014/main" id="{9D3BCE62-CEE8-C96C-883D-A870270338A4}"/>
-              </a:ext>
-            </a:extLst>
-          </p:cNvPr>
+          <p:cNvPr id="7" name="Slide Number Placeholder 6"/>
           <p:cNvSpPr>
             <a:spLocks noGrp="1"/>
           </p:cNvSpPr>
@@ -1461,7 +1290,7 @@
     </p:spTree>
     <p:extLst>
       <p:ext uri="{BB962C8B-B14F-4D97-AF65-F5344CB8AC3E}">
-        <p14:creationId xmlns:p14="http://schemas.microsoft.com/office/powerpoint/2010/main" val="2653423463"/>
+        <p14:creationId xmlns:p14="http://schemas.microsoft.com/office/powerpoint/2010/main" val="4175105054"/>
       </p:ext>
     </p:extLst>
   </p:cSld>
@@ -1490,13 +1319,7 @@
       </p:grpSpPr>
       <p:sp>
         <p:nvSpPr>
-          <p:cNvPr id="2" name="Title 1">
-            <a:extLst>
-              <a:ext uri="{FF2B5EF4-FFF2-40B4-BE49-F238E27FC236}">
-                <a16:creationId xmlns:a16="http://schemas.microsoft.com/office/drawing/2014/main" id="{64DE2D47-3968-3344-9BEE-1B3030BFAD4F}"/>
-              </a:ext>
-            </a:extLst>
-          </p:cNvPr>
+          <p:cNvPr id="2" name="Title 1"/>
           <p:cNvSpPr>
             <a:spLocks noGrp="1"/>
           </p:cNvSpPr>
@@ -1506,8 +1329,8 @@
         </p:nvSpPr>
         <p:spPr>
           <a:xfrm>
-            <a:off x="839788" y="365125"/>
-            <a:ext cx="10515600" cy="1325563"/>
+            <a:off x="629841" y="365126"/>
+            <a:ext cx="7886700" cy="1325563"/>
           </a:xfrm>
         </p:spPr>
         <p:txBody>
@@ -1518,18 +1341,13 @@
               <a:rPr lang="en-US"/>
               <a:t>Click to edit Master title style</a:t>
             </a:r>
+            <a:endParaRPr lang="en-US" dirty="0"/>
           </a:p>
         </p:txBody>
       </p:sp>
       <p:sp>
         <p:nvSpPr>
-          <p:cNvPr id="3" name="Text Placeholder 2">
-            <a:extLst>
-              <a:ext uri="{FF2B5EF4-FFF2-40B4-BE49-F238E27FC236}">
-                <a16:creationId xmlns:a16="http://schemas.microsoft.com/office/drawing/2014/main" id="{7FFC1F24-95B4-A9DD-7B87-C9E0D8CFC33A}"/>
-              </a:ext>
-            </a:extLst>
-          </p:cNvPr>
+          <p:cNvPr id="3" name="Text Placeholder 2"/>
           <p:cNvSpPr>
             <a:spLocks noGrp="1"/>
           </p:cNvSpPr>
@@ -1539,8 +1357,8 @@
         </p:nvSpPr>
         <p:spPr>
           <a:xfrm>
-            <a:off x="839788" y="1681163"/>
-            <a:ext cx="5157787" cy="823912"/>
+            <a:off x="629842" y="1681163"/>
+            <a:ext cx="3868340" cy="823912"/>
           </a:xfrm>
         </p:spPr>
         <p:txBody>
@@ -1594,13 +1412,7 @@
       </p:sp>
       <p:sp>
         <p:nvSpPr>
-          <p:cNvPr id="4" name="Content Placeholder 3">
-            <a:extLst>
-              <a:ext uri="{FF2B5EF4-FFF2-40B4-BE49-F238E27FC236}">
-                <a16:creationId xmlns:a16="http://schemas.microsoft.com/office/drawing/2014/main" id="{555F3321-F1CB-4836-6F31-25067FB68904}"/>
-              </a:ext>
-            </a:extLst>
-          </p:cNvPr>
+          <p:cNvPr id="4" name="Content Placeholder 3"/>
           <p:cNvSpPr>
             <a:spLocks noGrp="1"/>
           </p:cNvSpPr>
@@ -1610,8 +1422,8 @@
         </p:nvSpPr>
         <p:spPr>
           <a:xfrm>
-            <a:off x="839788" y="2505075"/>
-            <a:ext cx="5157787" cy="3684588"/>
+            <a:off x="629842" y="2505075"/>
+            <a:ext cx="3868340" cy="3684588"/>
           </a:xfrm>
         </p:spPr>
         <p:txBody>
@@ -1651,18 +1463,13 @@
               <a:rPr lang="en-US"/>
               <a:t>Fifth level</a:t>
             </a:r>
+            <a:endParaRPr lang="en-US" dirty="0"/>
           </a:p>
         </p:txBody>
       </p:sp>
       <p:sp>
         <p:nvSpPr>
-          <p:cNvPr id="5" name="Text Placeholder 4">
-            <a:extLst>
-              <a:ext uri="{FF2B5EF4-FFF2-40B4-BE49-F238E27FC236}">
-                <a16:creationId xmlns:a16="http://schemas.microsoft.com/office/drawing/2014/main" id="{3A2ADF46-A17E-F2B5-AC61-3F6E0F7A5630}"/>
-              </a:ext>
-            </a:extLst>
-          </p:cNvPr>
+          <p:cNvPr id="5" name="Text Placeholder 4"/>
           <p:cNvSpPr>
             <a:spLocks noGrp="1"/>
           </p:cNvSpPr>
@@ -1672,8 +1479,8 @@
         </p:nvSpPr>
         <p:spPr>
           <a:xfrm>
-            <a:off x="6172200" y="1681163"/>
-            <a:ext cx="5183188" cy="823912"/>
+            <a:off x="4629150" y="1681163"/>
+            <a:ext cx="3887391" cy="823912"/>
           </a:xfrm>
         </p:spPr>
         <p:txBody>
@@ -1727,13 +1534,7 @@
       </p:sp>
       <p:sp>
         <p:nvSpPr>
-          <p:cNvPr id="6" name="Content Placeholder 5">
-            <a:extLst>
-              <a:ext uri="{FF2B5EF4-FFF2-40B4-BE49-F238E27FC236}">
-                <a16:creationId xmlns:a16="http://schemas.microsoft.com/office/drawing/2014/main" id="{448BF134-6DFB-5A2E-ACFB-5A1A08C6621A}"/>
-              </a:ext>
-            </a:extLst>
-          </p:cNvPr>
+          <p:cNvPr id="6" name="Content Placeholder 5"/>
           <p:cNvSpPr>
             <a:spLocks noGrp="1"/>
           </p:cNvSpPr>
@@ -1743,8 +1544,8 @@
         </p:nvSpPr>
         <p:spPr>
           <a:xfrm>
-            <a:off x="6172200" y="2505075"/>
-            <a:ext cx="5183188" cy="3684588"/>
+            <a:off x="4629150" y="2505075"/>
+            <a:ext cx="3887391" cy="3684588"/>
           </a:xfrm>
         </p:spPr>
         <p:txBody>
@@ -1784,18 +1585,13 @@
               <a:rPr lang="en-US"/>
               <a:t>Fifth level</a:t>
             </a:r>
+            <a:endParaRPr lang="en-US" dirty="0"/>
           </a:p>
         </p:txBody>
       </p:sp>
       <p:sp>
         <p:nvSpPr>
-          <p:cNvPr id="7" name="Date Placeholder 6">
-            <a:extLst>
-              <a:ext uri="{FF2B5EF4-FFF2-40B4-BE49-F238E27FC236}">
-                <a16:creationId xmlns:a16="http://schemas.microsoft.com/office/drawing/2014/main" id="{E57C9526-0189-BA9F-8BE1-C4EA8C926324}"/>
-              </a:ext>
-            </a:extLst>
-          </p:cNvPr>
+          <p:cNvPr id="7" name="Date Placeholder 6"/>
           <p:cNvSpPr>
             <a:spLocks noGrp="1"/>
           </p:cNvSpPr>
@@ -1810,7 +1606,7 @@
           <a:p>
             <a:fld id="{02F3F171-E89E-4381-892B-F22C3C54A5DB}" type="datetimeFigureOut">
               <a:rPr lang="en-US" smtClean="0"/>
-              <a:t>1/6/2023</a:t>
+              <a:t>1/12/2023</a:t>
             </a:fld>
             <a:endParaRPr lang="en-US"/>
           </a:p>
@@ -1818,13 +1614,7 @@
       </p:sp>
       <p:sp>
         <p:nvSpPr>
-          <p:cNvPr id="8" name="Footer Placeholder 7">
-            <a:extLst>
-              <a:ext uri="{FF2B5EF4-FFF2-40B4-BE49-F238E27FC236}">
-                <a16:creationId xmlns:a16="http://schemas.microsoft.com/office/drawing/2014/main" id="{1D29ED7C-1B66-BC27-701F-A05241B233DC}"/>
-              </a:ext>
-            </a:extLst>
-          </p:cNvPr>
+          <p:cNvPr id="8" name="Footer Placeholder 7"/>
           <p:cNvSpPr>
             <a:spLocks noGrp="1"/>
           </p:cNvSpPr>
@@ -1843,13 +1633,7 @@
       </p:sp>
       <p:sp>
         <p:nvSpPr>
-          <p:cNvPr id="9" name="Slide Number Placeholder 8">
-            <a:extLst>
-              <a:ext uri="{FF2B5EF4-FFF2-40B4-BE49-F238E27FC236}">
-                <a16:creationId xmlns:a16="http://schemas.microsoft.com/office/drawing/2014/main" id="{23D47BA6-8C3D-1C9B-62F7-4F1C0C6B73F8}"/>
-              </a:ext>
-            </a:extLst>
-          </p:cNvPr>
+          <p:cNvPr id="9" name="Slide Number Placeholder 8"/>
           <p:cNvSpPr>
             <a:spLocks noGrp="1"/>
           </p:cNvSpPr>
@@ -1873,7 +1657,7 @@
     </p:spTree>
     <p:extLst>
       <p:ext uri="{BB962C8B-B14F-4D97-AF65-F5344CB8AC3E}">
-        <p14:creationId xmlns:p14="http://schemas.microsoft.com/office/powerpoint/2010/main" val="4221731844"/>
+        <p14:creationId xmlns:p14="http://schemas.microsoft.com/office/powerpoint/2010/main" val="2034343829"/>
       </p:ext>
     </p:extLst>
   </p:cSld>
@@ -1902,13 +1686,7 @@
       </p:grpSpPr>
       <p:sp>
         <p:nvSpPr>
-          <p:cNvPr id="2" name="Title 1">
-            <a:extLst>
-              <a:ext uri="{FF2B5EF4-FFF2-40B4-BE49-F238E27FC236}">
-                <a16:creationId xmlns:a16="http://schemas.microsoft.com/office/drawing/2014/main" id="{62491A3C-2763-7047-D1C2-CF7EB394E33D}"/>
-              </a:ext>
-            </a:extLst>
-          </p:cNvPr>
+          <p:cNvPr id="2" name="Title 1"/>
           <p:cNvSpPr>
             <a:spLocks noGrp="1"/>
           </p:cNvSpPr>
@@ -1925,18 +1703,13 @@
               <a:rPr lang="en-US"/>
               <a:t>Click to edit Master title style</a:t>
             </a:r>
+            <a:endParaRPr lang="en-US" dirty="0"/>
           </a:p>
         </p:txBody>
       </p:sp>
       <p:sp>
         <p:nvSpPr>
-          <p:cNvPr id="3" name="Date Placeholder 2">
-            <a:extLst>
-              <a:ext uri="{FF2B5EF4-FFF2-40B4-BE49-F238E27FC236}">
-                <a16:creationId xmlns:a16="http://schemas.microsoft.com/office/drawing/2014/main" id="{32376562-0E59-E777-B465-EAFD2B11692B}"/>
-              </a:ext>
-            </a:extLst>
-          </p:cNvPr>
+          <p:cNvPr id="3" name="Date Placeholder 2"/>
           <p:cNvSpPr>
             <a:spLocks noGrp="1"/>
           </p:cNvSpPr>
@@ -1951,7 +1724,7 @@
           <a:p>
             <a:fld id="{02F3F171-E89E-4381-892B-F22C3C54A5DB}" type="datetimeFigureOut">
               <a:rPr lang="en-US" smtClean="0"/>
-              <a:t>1/6/2023</a:t>
+              <a:t>1/12/2023</a:t>
             </a:fld>
             <a:endParaRPr lang="en-US"/>
           </a:p>
@@ -1959,13 +1732,7 @@
       </p:sp>
       <p:sp>
         <p:nvSpPr>
-          <p:cNvPr id="4" name="Footer Placeholder 3">
-            <a:extLst>
-              <a:ext uri="{FF2B5EF4-FFF2-40B4-BE49-F238E27FC236}">
-                <a16:creationId xmlns:a16="http://schemas.microsoft.com/office/drawing/2014/main" id="{2743E27D-1B0E-DE1C-5A5C-13B044F43F29}"/>
-              </a:ext>
-            </a:extLst>
-          </p:cNvPr>
+          <p:cNvPr id="4" name="Footer Placeholder 3"/>
           <p:cNvSpPr>
             <a:spLocks noGrp="1"/>
           </p:cNvSpPr>
@@ -1984,13 +1751,7 @@
       </p:sp>
       <p:sp>
         <p:nvSpPr>
-          <p:cNvPr id="5" name="Slide Number Placeholder 4">
-            <a:extLst>
-              <a:ext uri="{FF2B5EF4-FFF2-40B4-BE49-F238E27FC236}">
-                <a16:creationId xmlns:a16="http://schemas.microsoft.com/office/drawing/2014/main" id="{8F27E578-0621-6ED2-3B13-D2360E153CAA}"/>
-              </a:ext>
-            </a:extLst>
-          </p:cNvPr>
+          <p:cNvPr id="5" name="Slide Number Placeholder 4"/>
           <p:cNvSpPr>
             <a:spLocks noGrp="1"/>
           </p:cNvSpPr>
@@ -2014,7 +1775,7 @@
     </p:spTree>
     <p:extLst>
       <p:ext uri="{BB962C8B-B14F-4D97-AF65-F5344CB8AC3E}">
-        <p14:creationId xmlns:p14="http://schemas.microsoft.com/office/powerpoint/2010/main" val="1774461370"/>
+        <p14:creationId xmlns:p14="http://schemas.microsoft.com/office/powerpoint/2010/main" val="2044441083"/>
       </p:ext>
     </p:extLst>
   </p:cSld>
@@ -2043,13 +1804,7 @@
       </p:grpSpPr>
       <p:sp>
         <p:nvSpPr>
-          <p:cNvPr id="2" name="Date Placeholder 1">
-            <a:extLst>
-              <a:ext uri="{FF2B5EF4-FFF2-40B4-BE49-F238E27FC236}">
-                <a16:creationId xmlns:a16="http://schemas.microsoft.com/office/drawing/2014/main" id="{579A3A1F-E89E-2179-754B-699ACAF55EA1}"/>
-              </a:ext>
-            </a:extLst>
-          </p:cNvPr>
+          <p:cNvPr id="2" name="Date Placeholder 1"/>
           <p:cNvSpPr>
             <a:spLocks noGrp="1"/>
           </p:cNvSpPr>
@@ -2064,7 +1819,7 @@
           <a:p>
             <a:fld id="{02F3F171-E89E-4381-892B-F22C3C54A5DB}" type="datetimeFigureOut">
               <a:rPr lang="en-US" smtClean="0"/>
-              <a:t>1/6/2023</a:t>
+              <a:t>1/12/2023</a:t>
             </a:fld>
             <a:endParaRPr lang="en-US"/>
           </a:p>
@@ -2072,13 +1827,7 @@
       </p:sp>
       <p:sp>
         <p:nvSpPr>
-          <p:cNvPr id="3" name="Footer Placeholder 2">
-            <a:extLst>
-              <a:ext uri="{FF2B5EF4-FFF2-40B4-BE49-F238E27FC236}">
-                <a16:creationId xmlns:a16="http://schemas.microsoft.com/office/drawing/2014/main" id="{D07A60C4-D7B1-4288-282F-B4F626E44035}"/>
-              </a:ext>
-            </a:extLst>
-          </p:cNvPr>
+          <p:cNvPr id="3" name="Footer Placeholder 2"/>
           <p:cNvSpPr>
             <a:spLocks noGrp="1"/>
           </p:cNvSpPr>
@@ -2097,13 +1846,7 @@
       </p:sp>
       <p:sp>
         <p:nvSpPr>
-          <p:cNvPr id="4" name="Slide Number Placeholder 3">
-            <a:extLst>
-              <a:ext uri="{FF2B5EF4-FFF2-40B4-BE49-F238E27FC236}">
-                <a16:creationId xmlns:a16="http://schemas.microsoft.com/office/drawing/2014/main" id="{2FF5C54C-DD65-CE5F-02BB-165728CF0033}"/>
-              </a:ext>
-            </a:extLst>
-          </p:cNvPr>
+          <p:cNvPr id="4" name="Slide Number Placeholder 3"/>
           <p:cNvSpPr>
             <a:spLocks noGrp="1"/>
           </p:cNvSpPr>
@@ -2127,7 +1870,7 @@
     </p:spTree>
     <p:extLst>
       <p:ext uri="{BB962C8B-B14F-4D97-AF65-F5344CB8AC3E}">
-        <p14:creationId xmlns:p14="http://schemas.microsoft.com/office/powerpoint/2010/main" val="1355474074"/>
+        <p14:creationId xmlns:p14="http://schemas.microsoft.com/office/powerpoint/2010/main" val="1928132853"/>
       </p:ext>
     </p:extLst>
   </p:cSld>
@@ -2156,13 +1899,7 @@
       </p:grpSpPr>
       <p:sp>
         <p:nvSpPr>
-          <p:cNvPr id="2" name="Title 1">
-            <a:extLst>
-              <a:ext uri="{FF2B5EF4-FFF2-40B4-BE49-F238E27FC236}">
-                <a16:creationId xmlns:a16="http://schemas.microsoft.com/office/drawing/2014/main" id="{BD85DC57-DF53-6879-77CF-412820DF0C2A}"/>
-              </a:ext>
-            </a:extLst>
-          </p:cNvPr>
+          <p:cNvPr id="2" name="Title 1"/>
           <p:cNvSpPr>
             <a:spLocks noGrp="1"/>
           </p:cNvSpPr>
@@ -2172,8 +1909,8 @@
         </p:nvSpPr>
         <p:spPr>
           <a:xfrm>
-            <a:off x="839788" y="457200"/>
-            <a:ext cx="3932237" cy="1600200"/>
+            <a:off x="629841" y="457200"/>
+            <a:ext cx="2949178" cy="1600200"/>
           </a:xfrm>
         </p:spPr>
         <p:txBody>
@@ -2188,18 +1925,13 @@
               <a:rPr lang="en-US"/>
               <a:t>Click to edit Master title style</a:t>
             </a:r>
+            <a:endParaRPr lang="en-US" dirty="0"/>
           </a:p>
         </p:txBody>
       </p:sp>
       <p:sp>
         <p:nvSpPr>
-          <p:cNvPr id="3" name="Content Placeholder 2">
-            <a:extLst>
-              <a:ext uri="{FF2B5EF4-FFF2-40B4-BE49-F238E27FC236}">
-                <a16:creationId xmlns:a16="http://schemas.microsoft.com/office/drawing/2014/main" id="{02166196-A20E-0DA7-8835-FD5FC0C3370D}"/>
-              </a:ext>
-            </a:extLst>
-          </p:cNvPr>
+          <p:cNvPr id="3" name="Content Placeholder 2"/>
           <p:cNvSpPr>
             <a:spLocks noGrp="1"/>
           </p:cNvSpPr>
@@ -2209,8 +1941,8 @@
         </p:nvSpPr>
         <p:spPr>
           <a:xfrm>
-            <a:off x="5183188" y="987425"/>
-            <a:ext cx="6172200" cy="4873625"/>
+            <a:off x="3887391" y="987426"/>
+            <a:ext cx="4629150" cy="4873625"/>
           </a:xfrm>
         </p:spPr>
         <p:txBody>
@@ -2278,18 +2010,13 @@
               <a:rPr lang="en-US"/>
               <a:t>Fifth level</a:t>
             </a:r>
+            <a:endParaRPr lang="en-US" dirty="0"/>
           </a:p>
         </p:txBody>
       </p:sp>
       <p:sp>
         <p:nvSpPr>
-          <p:cNvPr id="4" name="Text Placeholder 3">
-            <a:extLst>
-              <a:ext uri="{FF2B5EF4-FFF2-40B4-BE49-F238E27FC236}">
-                <a16:creationId xmlns:a16="http://schemas.microsoft.com/office/drawing/2014/main" id="{A11035B2-169B-6914-C5C1-2A4E3383746F}"/>
-              </a:ext>
-            </a:extLst>
-          </p:cNvPr>
+          <p:cNvPr id="4" name="Text Placeholder 3"/>
           <p:cNvSpPr>
             <a:spLocks noGrp="1"/>
           </p:cNvSpPr>
@@ -2299,8 +2026,8 @@
         </p:nvSpPr>
         <p:spPr>
           <a:xfrm>
-            <a:off x="839788" y="2057400"/>
-            <a:ext cx="3932237" cy="3811588"/>
+            <a:off x="629841" y="2057400"/>
+            <a:ext cx="2949178" cy="3811588"/>
           </a:xfrm>
         </p:spPr>
         <p:txBody>
@@ -2354,13 +2081,7 @@
       </p:sp>
       <p:sp>
         <p:nvSpPr>
-          <p:cNvPr id="5" name="Date Placeholder 4">
-            <a:extLst>
-              <a:ext uri="{FF2B5EF4-FFF2-40B4-BE49-F238E27FC236}">
-                <a16:creationId xmlns:a16="http://schemas.microsoft.com/office/drawing/2014/main" id="{5140EF1B-A54C-8F64-1BD9-C0464D3FC350}"/>
-              </a:ext>
-            </a:extLst>
-          </p:cNvPr>
+          <p:cNvPr id="5" name="Date Placeholder 4"/>
           <p:cNvSpPr>
             <a:spLocks noGrp="1"/>
           </p:cNvSpPr>
@@ -2375,7 +2096,7 @@
           <a:p>
             <a:fld id="{02F3F171-E89E-4381-892B-F22C3C54A5DB}" type="datetimeFigureOut">
               <a:rPr lang="en-US" smtClean="0"/>
-              <a:t>1/6/2023</a:t>
+              <a:t>1/12/2023</a:t>
             </a:fld>
             <a:endParaRPr lang="en-US"/>
           </a:p>
@@ -2383,13 +2104,7 @@
       </p:sp>
       <p:sp>
         <p:nvSpPr>
-          <p:cNvPr id="6" name="Footer Placeholder 5">
-            <a:extLst>
-              <a:ext uri="{FF2B5EF4-FFF2-40B4-BE49-F238E27FC236}">
-                <a16:creationId xmlns:a16="http://schemas.microsoft.com/office/drawing/2014/main" id="{D237A967-7E1B-FE4E-A353-270F2193B37D}"/>
-              </a:ext>
-            </a:extLst>
-          </p:cNvPr>
+          <p:cNvPr id="6" name="Footer Placeholder 5"/>
           <p:cNvSpPr>
             <a:spLocks noGrp="1"/>
           </p:cNvSpPr>
@@ -2408,13 +2123,7 @@
       </p:sp>
       <p:sp>
         <p:nvSpPr>
-          <p:cNvPr id="7" name="Slide Number Placeholder 6">
-            <a:extLst>
-              <a:ext uri="{FF2B5EF4-FFF2-40B4-BE49-F238E27FC236}">
-                <a16:creationId xmlns:a16="http://schemas.microsoft.com/office/drawing/2014/main" id="{04927764-7627-5B19-81D3-E712FDE3F24A}"/>
-              </a:ext>
-            </a:extLst>
-          </p:cNvPr>
+          <p:cNvPr id="7" name="Slide Number Placeholder 6"/>
           <p:cNvSpPr>
             <a:spLocks noGrp="1"/>
           </p:cNvSpPr>
@@ -2438,7 +2147,7 @@
     </p:spTree>
     <p:extLst>
       <p:ext uri="{BB962C8B-B14F-4D97-AF65-F5344CB8AC3E}">
-        <p14:creationId xmlns:p14="http://schemas.microsoft.com/office/powerpoint/2010/main" val="475992300"/>
+        <p14:creationId xmlns:p14="http://schemas.microsoft.com/office/powerpoint/2010/main" val="4070572003"/>
       </p:ext>
     </p:extLst>
   </p:cSld>
@@ -2467,13 +2176,7 @@
       </p:grpSpPr>
       <p:sp>
         <p:nvSpPr>
-          <p:cNvPr id="2" name="Title 1">
-            <a:extLst>
-              <a:ext uri="{FF2B5EF4-FFF2-40B4-BE49-F238E27FC236}">
-                <a16:creationId xmlns:a16="http://schemas.microsoft.com/office/drawing/2014/main" id="{0348ADC8-81B0-E7BF-5E7C-3B502171F151}"/>
-              </a:ext>
-            </a:extLst>
-          </p:cNvPr>
+          <p:cNvPr id="2" name="Title 1"/>
           <p:cNvSpPr>
             <a:spLocks noGrp="1"/>
           </p:cNvSpPr>
@@ -2483,8 +2186,8 @@
         </p:nvSpPr>
         <p:spPr>
           <a:xfrm>
-            <a:off x="839788" y="457200"/>
-            <a:ext cx="3932237" cy="1600200"/>
+            <a:off x="629841" y="457200"/>
+            <a:ext cx="2949178" cy="1600200"/>
           </a:xfrm>
         </p:spPr>
         <p:txBody>
@@ -2499,20 +2202,15 @@
               <a:rPr lang="en-US"/>
               <a:t>Click to edit Master title style</a:t>
             </a:r>
+            <a:endParaRPr lang="en-US" dirty="0"/>
           </a:p>
         </p:txBody>
       </p:sp>
       <p:sp>
         <p:nvSpPr>
-          <p:cNvPr id="3" name="Picture Placeholder 2">
-            <a:extLst>
-              <a:ext uri="{FF2B5EF4-FFF2-40B4-BE49-F238E27FC236}">
-                <a16:creationId xmlns:a16="http://schemas.microsoft.com/office/drawing/2014/main" id="{951AA37F-837E-9A13-CB48-A6AC7E974A95}"/>
-              </a:ext>
-            </a:extLst>
-          </p:cNvPr>
+          <p:cNvPr id="3" name="Picture Placeholder 2"/>
           <p:cNvSpPr>
-            <a:spLocks noGrp="1"/>
+            <a:spLocks noGrp="1" noChangeAspect="1"/>
           </p:cNvSpPr>
           <p:nvPr>
             <p:ph type="pic" idx="1"/>
@@ -2520,12 +2218,12 @@
         </p:nvSpPr>
         <p:spPr>
           <a:xfrm>
-            <a:off x="5183188" y="987425"/>
-            <a:ext cx="6172200" cy="4873625"/>
+            <a:off x="3887391" y="987426"/>
+            <a:ext cx="4629150" cy="4873625"/>
           </a:xfrm>
         </p:spPr>
         <p:txBody>
-          <a:bodyPr/>
+          <a:bodyPr anchor="t"/>
           <a:lstStyle>
             <a:lvl1pPr marL="0" indent="0">
               <a:buNone/>
@@ -2565,19 +2263,17 @@
             </a:lvl9pPr>
           </a:lstStyle>
           <a:p>
-            <a:endParaRPr lang="en-US"/>
+            <a:r>
+              <a:rPr lang="en-US"/>
+              <a:t>Click icon to add picture</a:t>
+            </a:r>
+            <a:endParaRPr lang="en-US" dirty="0"/>
           </a:p>
         </p:txBody>
       </p:sp>
       <p:sp>
         <p:nvSpPr>
-          <p:cNvPr id="4" name="Text Placeholder 3">
-            <a:extLst>
-              <a:ext uri="{FF2B5EF4-FFF2-40B4-BE49-F238E27FC236}">
-                <a16:creationId xmlns:a16="http://schemas.microsoft.com/office/drawing/2014/main" id="{81FAB683-C25A-562D-70FE-DCCBC874C950}"/>
-              </a:ext>
-            </a:extLst>
-          </p:cNvPr>
+          <p:cNvPr id="4" name="Text Placeholder 3"/>
           <p:cNvSpPr>
             <a:spLocks noGrp="1"/>
           </p:cNvSpPr>
@@ -2587,8 +2283,8 @@
         </p:nvSpPr>
         <p:spPr>
           <a:xfrm>
-            <a:off x="839788" y="2057400"/>
-            <a:ext cx="3932237" cy="3811588"/>
+            <a:off x="629841" y="2057400"/>
+            <a:ext cx="2949178" cy="3811588"/>
           </a:xfrm>
         </p:spPr>
         <p:txBody>
@@ -2642,13 +2338,7 @@
       </p:sp>
       <p:sp>
         <p:nvSpPr>
-          <p:cNvPr id="5" name="Date Placeholder 4">
-            <a:extLst>
-              <a:ext uri="{FF2B5EF4-FFF2-40B4-BE49-F238E27FC236}">
-                <a16:creationId xmlns:a16="http://schemas.microsoft.com/office/drawing/2014/main" id="{07BD0A74-9DC6-98AF-8BC3-3D37C73FDDA9}"/>
-              </a:ext>
-            </a:extLst>
-          </p:cNvPr>
+          <p:cNvPr id="5" name="Date Placeholder 4"/>
           <p:cNvSpPr>
             <a:spLocks noGrp="1"/>
           </p:cNvSpPr>
@@ -2663,7 +2353,7 @@
           <a:p>
             <a:fld id="{02F3F171-E89E-4381-892B-F22C3C54A5DB}" type="datetimeFigureOut">
               <a:rPr lang="en-US" smtClean="0"/>
-              <a:t>1/6/2023</a:t>
+              <a:t>1/12/2023</a:t>
             </a:fld>
             <a:endParaRPr lang="en-US"/>
           </a:p>
@@ -2671,13 +2361,7 @@
       </p:sp>
       <p:sp>
         <p:nvSpPr>
-          <p:cNvPr id="6" name="Footer Placeholder 5">
-            <a:extLst>
-              <a:ext uri="{FF2B5EF4-FFF2-40B4-BE49-F238E27FC236}">
-                <a16:creationId xmlns:a16="http://schemas.microsoft.com/office/drawing/2014/main" id="{1E93500F-88C7-2943-3311-8F9A437953FF}"/>
-              </a:ext>
-            </a:extLst>
-          </p:cNvPr>
+          <p:cNvPr id="6" name="Footer Placeholder 5"/>
           <p:cNvSpPr>
             <a:spLocks noGrp="1"/>
           </p:cNvSpPr>
@@ -2696,13 +2380,7 @@
       </p:sp>
       <p:sp>
         <p:nvSpPr>
-          <p:cNvPr id="7" name="Slide Number Placeholder 6">
-            <a:extLst>
-              <a:ext uri="{FF2B5EF4-FFF2-40B4-BE49-F238E27FC236}">
-                <a16:creationId xmlns:a16="http://schemas.microsoft.com/office/drawing/2014/main" id="{0466C45A-D227-DB5F-D326-B0986448037D}"/>
-              </a:ext>
-            </a:extLst>
-          </p:cNvPr>
+          <p:cNvPr id="7" name="Slide Number Placeholder 6"/>
           <p:cNvSpPr>
             <a:spLocks noGrp="1"/>
           </p:cNvSpPr>
@@ -2726,7 +2404,7 @@
     </p:spTree>
     <p:extLst>
       <p:ext uri="{BB962C8B-B14F-4D97-AF65-F5344CB8AC3E}">
-        <p14:creationId xmlns:p14="http://schemas.microsoft.com/office/powerpoint/2010/main" val="4264966498"/>
+        <p14:creationId xmlns:p14="http://schemas.microsoft.com/office/powerpoint/2010/main" val="1772549386"/>
       </p:ext>
     </p:extLst>
   </p:cSld>
@@ -2760,13 +2438,7 @@
       </p:grpSpPr>
       <p:sp>
         <p:nvSpPr>
-          <p:cNvPr id="2" name="Title Placeholder 1">
-            <a:extLst>
-              <a:ext uri="{FF2B5EF4-FFF2-40B4-BE49-F238E27FC236}">
-                <a16:creationId xmlns:a16="http://schemas.microsoft.com/office/drawing/2014/main" id="{4F92BB2F-8B4E-B913-54AD-E67652764336}"/>
-              </a:ext>
-            </a:extLst>
-          </p:cNvPr>
+          <p:cNvPr id="2" name="Title Placeholder 1"/>
           <p:cNvSpPr>
             <a:spLocks noGrp="1"/>
           </p:cNvSpPr>
@@ -2776,8 +2448,8 @@
         </p:nvSpPr>
         <p:spPr>
           <a:xfrm>
-            <a:off x="838200" y="365125"/>
-            <a:ext cx="10515600" cy="1325563"/>
+            <a:off x="628650" y="365126"/>
+            <a:ext cx="7886700" cy="1325563"/>
           </a:xfrm>
           <a:prstGeom prst="rect">
             <a:avLst/>
@@ -2793,18 +2465,13 @@
               <a:rPr lang="en-US"/>
               <a:t>Click to edit Master title style</a:t>
             </a:r>
+            <a:endParaRPr lang="en-US" dirty="0"/>
           </a:p>
         </p:txBody>
       </p:sp>
       <p:sp>
         <p:nvSpPr>
-          <p:cNvPr id="3" name="Text Placeholder 2">
-            <a:extLst>
-              <a:ext uri="{FF2B5EF4-FFF2-40B4-BE49-F238E27FC236}">
-                <a16:creationId xmlns:a16="http://schemas.microsoft.com/office/drawing/2014/main" id="{788CBB58-7D9B-F9D6-DCD0-83CA21F474DD}"/>
-              </a:ext>
-            </a:extLst>
-          </p:cNvPr>
+          <p:cNvPr id="3" name="Text Placeholder 2"/>
           <p:cNvSpPr>
             <a:spLocks noGrp="1"/>
           </p:cNvSpPr>
@@ -2814,8 +2481,8 @@
         </p:nvSpPr>
         <p:spPr>
           <a:xfrm>
-            <a:off x="838200" y="1825625"/>
-            <a:ext cx="10515600" cy="4351338"/>
+            <a:off x="628650" y="1825625"/>
+            <a:ext cx="7886700" cy="4351338"/>
           </a:xfrm>
           <a:prstGeom prst="rect">
             <a:avLst/>
@@ -2860,18 +2527,13 @@
               <a:rPr lang="en-US"/>
               <a:t>Fifth level</a:t>
             </a:r>
+            <a:endParaRPr lang="en-US" dirty="0"/>
           </a:p>
         </p:txBody>
       </p:sp>
       <p:sp>
         <p:nvSpPr>
-          <p:cNvPr id="4" name="Date Placeholder 3">
-            <a:extLst>
-              <a:ext uri="{FF2B5EF4-FFF2-40B4-BE49-F238E27FC236}">
-                <a16:creationId xmlns:a16="http://schemas.microsoft.com/office/drawing/2014/main" id="{F42A5B1B-9C78-C958-FFB9-05CB083E8262}"/>
-              </a:ext>
-            </a:extLst>
-          </p:cNvPr>
+          <p:cNvPr id="4" name="Date Placeholder 3"/>
           <p:cNvSpPr>
             <a:spLocks noGrp="1"/>
           </p:cNvSpPr>
@@ -2881,8 +2543,8 @@
         </p:nvSpPr>
         <p:spPr>
           <a:xfrm>
-            <a:off x="838200" y="6356350"/>
-            <a:ext cx="2743200" cy="365125"/>
+            <a:off x="628650" y="6356351"/>
+            <a:ext cx="2057400" cy="365125"/>
           </a:xfrm>
           <a:prstGeom prst="rect">
             <a:avLst/>
@@ -2904,7 +2566,7 @@
           <a:p>
             <a:fld id="{02F3F171-E89E-4381-892B-F22C3C54A5DB}" type="datetimeFigureOut">
               <a:rPr lang="en-US" smtClean="0"/>
-              <a:t>1/6/2023</a:t>
+              <a:t>1/12/2023</a:t>
             </a:fld>
             <a:endParaRPr lang="en-US"/>
           </a:p>
@@ -2912,13 +2574,7 @@
       </p:sp>
       <p:sp>
         <p:nvSpPr>
-          <p:cNvPr id="5" name="Footer Placeholder 4">
-            <a:extLst>
-              <a:ext uri="{FF2B5EF4-FFF2-40B4-BE49-F238E27FC236}">
-                <a16:creationId xmlns:a16="http://schemas.microsoft.com/office/drawing/2014/main" id="{911CA058-A0E2-9C28-9C32-AA6AD5C44826}"/>
-              </a:ext>
-            </a:extLst>
-          </p:cNvPr>
+          <p:cNvPr id="5" name="Footer Placeholder 4"/>
           <p:cNvSpPr>
             <a:spLocks noGrp="1"/>
           </p:cNvSpPr>
@@ -2928,8 +2584,8 @@
         </p:nvSpPr>
         <p:spPr>
           <a:xfrm>
-            <a:off x="4038600" y="6356350"/>
-            <a:ext cx="4114800" cy="365125"/>
+            <a:off x="3028950" y="6356351"/>
+            <a:ext cx="3086100" cy="365125"/>
           </a:xfrm>
           <a:prstGeom prst="rect">
             <a:avLst/>
@@ -2955,13 +2611,7 @@
       </p:sp>
       <p:sp>
         <p:nvSpPr>
-          <p:cNvPr id="6" name="Slide Number Placeholder 5">
-            <a:extLst>
-              <a:ext uri="{FF2B5EF4-FFF2-40B4-BE49-F238E27FC236}">
-                <a16:creationId xmlns:a16="http://schemas.microsoft.com/office/drawing/2014/main" id="{673623A9-EDB3-C14E-4EAE-73779F786FD3}"/>
-              </a:ext>
-            </a:extLst>
-          </p:cNvPr>
+          <p:cNvPr id="6" name="Slide Number Placeholder 5"/>
           <p:cNvSpPr>
             <a:spLocks noGrp="1"/>
           </p:cNvSpPr>
@@ -2971,8 +2621,8 @@
         </p:nvSpPr>
         <p:spPr>
           <a:xfrm>
-            <a:off x="8610600" y="6356350"/>
-            <a:ext cx="2743200" cy="365125"/>
+            <a:off x="6457950" y="6356351"/>
+            <a:ext cx="2057400" cy="365125"/>
           </a:xfrm>
           <a:prstGeom prst="rect">
             <a:avLst/>
@@ -3003,23 +2653,23 @@
     </p:spTree>
     <p:extLst>
       <p:ext uri="{BB962C8B-B14F-4D97-AF65-F5344CB8AC3E}">
-        <p14:creationId xmlns:p14="http://schemas.microsoft.com/office/powerpoint/2010/main" val="2691907918"/>
+        <p14:creationId xmlns:p14="http://schemas.microsoft.com/office/powerpoint/2010/main" val="2493645321"/>
       </p:ext>
     </p:extLst>
   </p:cSld>
   <p:clrMap bg1="lt1" tx1="dk1" bg2="lt2" tx2="dk2" accent1="accent1" accent2="accent2" accent3="accent3" accent4="accent4" accent5="accent5" accent6="accent6" hlink="hlink" folHlink="folHlink"/>
   <p:sldLayoutIdLst>
-    <p:sldLayoutId id="2147483649" r:id="rId1"/>
-    <p:sldLayoutId id="2147483650" r:id="rId2"/>
-    <p:sldLayoutId id="2147483651" r:id="rId3"/>
-    <p:sldLayoutId id="2147483652" r:id="rId4"/>
-    <p:sldLayoutId id="2147483653" r:id="rId5"/>
-    <p:sldLayoutId id="2147483654" r:id="rId6"/>
-    <p:sldLayoutId id="2147483655" r:id="rId7"/>
-    <p:sldLayoutId id="2147483656" r:id="rId8"/>
-    <p:sldLayoutId id="2147483657" r:id="rId9"/>
-    <p:sldLayoutId id="2147483658" r:id="rId10"/>
-    <p:sldLayoutId id="2147483659" r:id="rId11"/>
+    <p:sldLayoutId id="2147483661" r:id="rId1"/>
+    <p:sldLayoutId id="2147483662" r:id="rId2"/>
+    <p:sldLayoutId id="2147483663" r:id="rId3"/>
+    <p:sldLayoutId id="2147483664" r:id="rId4"/>
+    <p:sldLayoutId id="2147483665" r:id="rId5"/>
+    <p:sldLayoutId id="2147483666" r:id="rId6"/>
+    <p:sldLayoutId id="2147483667" r:id="rId7"/>
+    <p:sldLayoutId id="2147483668" r:id="rId8"/>
+    <p:sldLayoutId id="2147483669" r:id="rId9"/>
+    <p:sldLayoutId id="2147483670" r:id="rId10"/>
+    <p:sldLayoutId id="2147483671" r:id="rId11"/>
   </p:sldLayoutIdLst>
   <p:txStyles>
     <p:titleStyle>
@@ -3335,7 +2985,7 @@
         </p:nvGrpSpPr>
         <p:grpSpPr>
           <a:xfrm>
-            <a:off x="2705878" y="852137"/>
+            <a:off x="1181879" y="852138"/>
             <a:ext cx="7172297" cy="4418103"/>
             <a:chOff x="31778" y="18642"/>
             <a:chExt cx="7172297" cy="4418103"/>
@@ -3410,17 +3060,13 @@
             </a:bodyPr>
             <a:lstStyle/>
             <a:p>
-              <a:pPr marL="0" marR="0" algn="ctr">
+              <a:pPr algn="ctr">
                 <a:spcBef>
                   <a:spcPts val="600"/>
                 </a:spcBef>
-                <a:spcAft>
-                  <a:spcPts val="0"/>
-                </a:spcAft>
               </a:pPr>
               <a:r>
                 <a:rPr lang="en-US" sz="1200">
-                  <a:effectLst/>
                   <a:latin typeface="Times New Roman" panose="02020603050405020304" pitchFamily="18" charset="0"/>
                   <a:ea typeface="Times New Roman" panose="02020603050405020304" pitchFamily="18" charset="0"/>
                 </a:rPr>
@@ -3476,17 +3122,13 @@
             </a:bodyPr>
             <a:lstStyle/>
             <a:p>
-              <a:pPr marL="0" marR="0" algn="ctr">
+              <a:pPr algn="ctr">
                 <a:spcBef>
                   <a:spcPts val="600"/>
                 </a:spcBef>
-                <a:spcAft>
-                  <a:spcPts val="0"/>
-                </a:spcAft>
               </a:pPr>
               <a:r>
                 <a:rPr lang="en-US" sz="1200">
-                  <a:effectLst/>
                   <a:latin typeface="Times New Roman" panose="02020603050405020304" pitchFamily="18" charset="0"/>
                   <a:ea typeface="Times New Roman" panose="02020603050405020304" pitchFamily="18" charset="0"/>
                 </a:rPr>
@@ -3584,7 +3226,7 @@
               </a:ln>
               <a:extLst>
                 <a:ext uri="{909E8E84-426E-40dd-AFC4-6F175D3DCCD1}">
-                  <a14:hiddenFill xmlns:wpc="http://schemas.microsoft.com/office/word/2010/wordprocessingCanvas" xmlns:mc="http://schemas.openxmlformats.org/markup-compatibility/2006" xmlns:m="http://schemas.openxmlformats.org/officeDocument/2006/math" xmlns:wp14="http://schemas.microsoft.com/office/word/2010/wordprocessingDrawing" xmlns:wp="http://schemas.openxmlformats.org/drawingml/2006/wordprocessingDrawing" xmlns:w14="http://schemas.microsoft.com/office/word/2010/wordml" xmlns:w15="http://schemas.microsoft.com/office/word/2012/wordml" xmlns:wpg="http://schemas.microsoft.com/office/word/2010/wordprocessingGroup" xmlns:wpi="http://schemas.microsoft.com/office/word/2010/wordprocessingInk" xmlns:wne="http://schemas.microsoft.com/office/word/2006/wordml" xmlns:wps="http://schemas.microsoft.com/office/word/2010/wordprocessingShape" xmlns:cx="http://schemas.microsoft.com/office/drawing/2014/chartex" xmlns:cx1="http://schemas.microsoft.com/office/drawing/2015/9/8/chartex" xmlns:cx2="http://schemas.microsoft.com/office/drawing/2015/10/21/chartex" xmlns:cx3="http://schemas.microsoft.com/office/drawing/2016/5/9/chartex" xmlns:cx4="http://schemas.microsoft.com/office/drawing/2016/5/10/chartex" xmlns:cx5="http://schemas.microsoft.com/office/drawing/2016/5/11/chartex" xmlns:cx6="http://schemas.microsoft.com/office/drawing/2016/5/12/chartex" xmlns:cx7="http://schemas.microsoft.com/office/drawing/2016/5/13/chartex" xmlns:cx8="http://schemas.microsoft.com/office/drawing/2016/5/14/chartex" xmlns:aink="http://schemas.microsoft.com/office/drawing/2016/ink" xmlns:am3d="http://schemas.microsoft.com/office/drawing/2017/model3d" xmlns:w16cid="http://schemas.microsoft.com/office/word/2016/wordml/cid" xmlns:w16se="http://schemas.microsoft.com/office/word/2015/wordml/symex" xmlns:a14="http://schemas.microsoft.com/office/drawing/2010/main" xmlns:w="http://schemas.openxmlformats.org/wordprocessingml/2006/main" xmlns:w10="urn:schemas-microsoft-com:office:word" xmlns:v="urn:schemas-microsoft-com:vml" xmlns:o="urn:schemas-microsoft-com:office:office" xmlns:mv="urn:schemas-microsoft-com:mac:vml" xmlns:mo="http://schemas.microsoft.com/office/mac/office/2008/main" xmlns="" xmlns:arto="http://schemas.microsoft.com/office/word/2006/arto" xmlns:lc="http://schemas.openxmlformats.org/drawingml/2006/lockedCanvas">
+                  <a14:hiddenFill xmlns:lc="http://schemas.openxmlformats.org/drawingml/2006/lockedCanvas" xmlns:arto="http://schemas.microsoft.com/office/word/2006/arto" xmlns="" xmlns:mo="http://schemas.microsoft.com/office/mac/office/2008/main" xmlns:mv="urn:schemas-microsoft-com:mac:vml" xmlns:o="urn:schemas-microsoft-com:office:office" xmlns:v="urn:schemas-microsoft-com:vml" xmlns:w10="urn:schemas-microsoft-com:office:word" xmlns:w="http://schemas.openxmlformats.org/wordprocessingml/2006/main" xmlns:a14="http://schemas.microsoft.com/office/drawing/2010/main" xmlns:w16se="http://schemas.microsoft.com/office/word/2015/wordml/symex" xmlns:w16cid="http://schemas.microsoft.com/office/word/2016/wordml/cid" xmlns:am3d="http://schemas.microsoft.com/office/drawing/2017/model3d" xmlns:aink="http://schemas.microsoft.com/office/drawing/2016/ink" xmlns:cx8="http://schemas.microsoft.com/office/drawing/2016/5/14/chartex" xmlns:cx7="http://schemas.microsoft.com/office/drawing/2016/5/13/chartex" xmlns:cx6="http://schemas.microsoft.com/office/drawing/2016/5/12/chartex" xmlns:cx5="http://schemas.microsoft.com/office/drawing/2016/5/11/chartex" xmlns:cx4="http://schemas.microsoft.com/office/drawing/2016/5/10/chartex" xmlns:cx3="http://schemas.microsoft.com/office/drawing/2016/5/9/chartex" xmlns:cx2="http://schemas.microsoft.com/office/drawing/2015/10/21/chartex" xmlns:cx1="http://schemas.microsoft.com/office/drawing/2015/9/8/chartex" xmlns:cx="http://schemas.microsoft.com/office/drawing/2014/chartex" xmlns:wps="http://schemas.microsoft.com/office/word/2010/wordprocessingShape" xmlns:wne="http://schemas.microsoft.com/office/word/2006/wordml" xmlns:wpi="http://schemas.microsoft.com/office/word/2010/wordprocessingInk" xmlns:wpg="http://schemas.microsoft.com/office/word/2010/wordprocessingGroup" xmlns:w15="http://schemas.microsoft.com/office/word/2012/wordml" xmlns:w14="http://schemas.microsoft.com/office/word/2010/wordml" xmlns:wp="http://schemas.openxmlformats.org/drawingml/2006/wordprocessingDrawing" xmlns:wp14="http://schemas.microsoft.com/office/word/2010/wordprocessingDrawing" xmlns:m="http://schemas.openxmlformats.org/officeDocument/2006/math" xmlns:mc="http://schemas.openxmlformats.org/markup-compatibility/2006" xmlns:wpc="http://schemas.microsoft.com/office/word/2010/wordprocessingCanvas">
                     <a:noFill/>
                   </a14:hiddenFill>
                 </a:ext>
@@ -3625,7 +3267,7 @@
               </a:ln>
               <a:extLst>
                 <a:ext uri="{909E8E84-426E-40dd-AFC4-6F175D3DCCD1}">
-                  <a14:hiddenFill xmlns:wpc="http://schemas.microsoft.com/office/word/2010/wordprocessingCanvas" xmlns:mc="http://schemas.openxmlformats.org/markup-compatibility/2006" xmlns:m="http://schemas.openxmlformats.org/officeDocument/2006/math" xmlns:wp14="http://schemas.microsoft.com/office/word/2010/wordprocessingDrawing" xmlns:wp="http://schemas.openxmlformats.org/drawingml/2006/wordprocessingDrawing" xmlns:w14="http://schemas.microsoft.com/office/word/2010/wordml" xmlns:w15="http://schemas.microsoft.com/office/word/2012/wordml" xmlns:wpg="http://schemas.microsoft.com/office/word/2010/wordprocessingGroup" xmlns:wpi="http://schemas.microsoft.com/office/word/2010/wordprocessingInk" xmlns:wne="http://schemas.microsoft.com/office/word/2006/wordml" xmlns:wps="http://schemas.microsoft.com/office/word/2010/wordprocessingShape" xmlns:cx="http://schemas.microsoft.com/office/drawing/2014/chartex" xmlns:cx1="http://schemas.microsoft.com/office/drawing/2015/9/8/chartex" xmlns:cx2="http://schemas.microsoft.com/office/drawing/2015/10/21/chartex" xmlns:cx3="http://schemas.microsoft.com/office/drawing/2016/5/9/chartex" xmlns:cx4="http://schemas.microsoft.com/office/drawing/2016/5/10/chartex" xmlns:cx5="http://schemas.microsoft.com/office/drawing/2016/5/11/chartex" xmlns:cx6="http://schemas.microsoft.com/office/drawing/2016/5/12/chartex" xmlns:cx7="http://schemas.microsoft.com/office/drawing/2016/5/13/chartex" xmlns:cx8="http://schemas.microsoft.com/office/drawing/2016/5/14/chartex" xmlns:aink="http://schemas.microsoft.com/office/drawing/2016/ink" xmlns:am3d="http://schemas.microsoft.com/office/drawing/2017/model3d" xmlns:w16cid="http://schemas.microsoft.com/office/word/2016/wordml/cid" xmlns:w16se="http://schemas.microsoft.com/office/word/2015/wordml/symex" xmlns:a14="http://schemas.microsoft.com/office/drawing/2010/main" xmlns:w="http://schemas.openxmlformats.org/wordprocessingml/2006/main" xmlns:w10="urn:schemas-microsoft-com:office:word" xmlns:v="urn:schemas-microsoft-com:vml" xmlns:o="urn:schemas-microsoft-com:office:office" xmlns:mv="urn:schemas-microsoft-com:mac:vml" xmlns:mo="http://schemas.microsoft.com/office/mac/office/2008/main" xmlns="" xmlns:arto="http://schemas.microsoft.com/office/word/2006/arto" xmlns:lc="http://schemas.openxmlformats.org/drawingml/2006/lockedCanvas">
+                  <a14:hiddenFill xmlns:lc="http://schemas.openxmlformats.org/drawingml/2006/lockedCanvas" xmlns:arto="http://schemas.microsoft.com/office/word/2006/arto" xmlns="" xmlns:mo="http://schemas.microsoft.com/office/mac/office/2008/main" xmlns:mv="urn:schemas-microsoft-com:mac:vml" xmlns:o="urn:schemas-microsoft-com:office:office" xmlns:v="urn:schemas-microsoft-com:vml" xmlns:w10="urn:schemas-microsoft-com:office:word" xmlns:w="http://schemas.openxmlformats.org/wordprocessingml/2006/main" xmlns:a14="http://schemas.microsoft.com/office/drawing/2010/main" xmlns:w16se="http://schemas.microsoft.com/office/word/2015/wordml/symex" xmlns:w16cid="http://schemas.microsoft.com/office/word/2016/wordml/cid" xmlns:am3d="http://schemas.microsoft.com/office/drawing/2017/model3d" xmlns:aink="http://schemas.microsoft.com/office/drawing/2016/ink" xmlns:cx8="http://schemas.microsoft.com/office/drawing/2016/5/14/chartex" xmlns:cx7="http://schemas.microsoft.com/office/drawing/2016/5/13/chartex" xmlns:cx6="http://schemas.microsoft.com/office/drawing/2016/5/12/chartex" xmlns:cx5="http://schemas.microsoft.com/office/drawing/2016/5/11/chartex" xmlns:cx4="http://schemas.microsoft.com/office/drawing/2016/5/10/chartex" xmlns:cx3="http://schemas.microsoft.com/office/drawing/2016/5/9/chartex" xmlns:cx2="http://schemas.microsoft.com/office/drawing/2015/10/21/chartex" xmlns:cx1="http://schemas.microsoft.com/office/drawing/2015/9/8/chartex" xmlns:cx="http://schemas.microsoft.com/office/drawing/2014/chartex" xmlns:wps="http://schemas.microsoft.com/office/word/2010/wordprocessingShape" xmlns:wne="http://schemas.microsoft.com/office/word/2006/wordml" xmlns:wpi="http://schemas.microsoft.com/office/word/2010/wordprocessingInk" xmlns:wpg="http://schemas.microsoft.com/office/word/2010/wordprocessingGroup" xmlns:w15="http://schemas.microsoft.com/office/word/2012/wordml" xmlns:w14="http://schemas.microsoft.com/office/word/2010/wordml" xmlns:wp="http://schemas.openxmlformats.org/drawingml/2006/wordprocessingDrawing" xmlns:wp14="http://schemas.microsoft.com/office/word/2010/wordprocessingDrawing" xmlns:m="http://schemas.openxmlformats.org/officeDocument/2006/math" xmlns:mc="http://schemas.openxmlformats.org/markup-compatibility/2006" xmlns:wpc="http://schemas.microsoft.com/office/word/2010/wordprocessingCanvas">
                     <a:noFill/>
                   </a14:hiddenFill>
                 </a:ext>
@@ -3666,7 +3308,7 @@
               </a:ln>
               <a:extLst>
                 <a:ext uri="{909E8E84-426E-40dd-AFC4-6F175D3DCCD1}">
-                  <a14:hiddenFill xmlns:wpc="http://schemas.microsoft.com/office/word/2010/wordprocessingCanvas" xmlns:mc="http://schemas.openxmlformats.org/markup-compatibility/2006" xmlns:m="http://schemas.openxmlformats.org/officeDocument/2006/math" xmlns:wp14="http://schemas.microsoft.com/office/word/2010/wordprocessingDrawing" xmlns:wp="http://schemas.openxmlformats.org/drawingml/2006/wordprocessingDrawing" xmlns:w14="http://schemas.microsoft.com/office/word/2010/wordml" xmlns:w15="http://schemas.microsoft.com/office/word/2012/wordml" xmlns:wpg="http://schemas.microsoft.com/office/word/2010/wordprocessingGroup" xmlns:wpi="http://schemas.microsoft.com/office/word/2010/wordprocessingInk" xmlns:wne="http://schemas.microsoft.com/office/word/2006/wordml" xmlns:wps="http://schemas.microsoft.com/office/word/2010/wordprocessingShape" xmlns:cx="http://schemas.microsoft.com/office/drawing/2014/chartex" xmlns:cx1="http://schemas.microsoft.com/office/drawing/2015/9/8/chartex" xmlns:cx2="http://schemas.microsoft.com/office/drawing/2015/10/21/chartex" xmlns:cx3="http://schemas.microsoft.com/office/drawing/2016/5/9/chartex" xmlns:cx4="http://schemas.microsoft.com/office/drawing/2016/5/10/chartex" xmlns:cx5="http://schemas.microsoft.com/office/drawing/2016/5/11/chartex" xmlns:cx6="http://schemas.microsoft.com/office/drawing/2016/5/12/chartex" xmlns:cx7="http://schemas.microsoft.com/office/drawing/2016/5/13/chartex" xmlns:cx8="http://schemas.microsoft.com/office/drawing/2016/5/14/chartex" xmlns:aink="http://schemas.microsoft.com/office/drawing/2016/ink" xmlns:am3d="http://schemas.microsoft.com/office/drawing/2017/model3d" xmlns:w16cid="http://schemas.microsoft.com/office/word/2016/wordml/cid" xmlns:w16se="http://schemas.microsoft.com/office/word/2015/wordml/symex" xmlns:a14="http://schemas.microsoft.com/office/drawing/2010/main" xmlns:w="http://schemas.openxmlformats.org/wordprocessingml/2006/main" xmlns:w10="urn:schemas-microsoft-com:office:word" xmlns:v="urn:schemas-microsoft-com:vml" xmlns:o="urn:schemas-microsoft-com:office:office" xmlns:mv="urn:schemas-microsoft-com:mac:vml" xmlns:mo="http://schemas.microsoft.com/office/mac/office/2008/main" xmlns="" xmlns:arto="http://schemas.microsoft.com/office/word/2006/arto" xmlns:lc="http://schemas.openxmlformats.org/drawingml/2006/lockedCanvas">
+                  <a14:hiddenFill xmlns:lc="http://schemas.openxmlformats.org/drawingml/2006/lockedCanvas" xmlns:arto="http://schemas.microsoft.com/office/word/2006/arto" xmlns="" xmlns:mo="http://schemas.microsoft.com/office/mac/office/2008/main" xmlns:mv="urn:schemas-microsoft-com:mac:vml" xmlns:o="urn:schemas-microsoft-com:office:office" xmlns:v="urn:schemas-microsoft-com:vml" xmlns:w10="urn:schemas-microsoft-com:office:word" xmlns:w="http://schemas.openxmlformats.org/wordprocessingml/2006/main" xmlns:a14="http://schemas.microsoft.com/office/drawing/2010/main" xmlns:w16se="http://schemas.microsoft.com/office/word/2015/wordml/symex" xmlns:w16cid="http://schemas.microsoft.com/office/word/2016/wordml/cid" xmlns:am3d="http://schemas.microsoft.com/office/drawing/2017/model3d" xmlns:aink="http://schemas.microsoft.com/office/drawing/2016/ink" xmlns:cx8="http://schemas.microsoft.com/office/drawing/2016/5/14/chartex" xmlns:cx7="http://schemas.microsoft.com/office/drawing/2016/5/13/chartex" xmlns:cx6="http://schemas.microsoft.com/office/drawing/2016/5/12/chartex" xmlns:cx5="http://schemas.microsoft.com/office/drawing/2016/5/11/chartex" xmlns:cx4="http://schemas.microsoft.com/office/drawing/2016/5/10/chartex" xmlns:cx3="http://schemas.microsoft.com/office/drawing/2016/5/9/chartex" xmlns:cx2="http://schemas.microsoft.com/office/drawing/2015/10/21/chartex" xmlns:cx1="http://schemas.microsoft.com/office/drawing/2015/9/8/chartex" xmlns:cx="http://schemas.microsoft.com/office/drawing/2014/chartex" xmlns:wps="http://schemas.microsoft.com/office/word/2010/wordprocessingShape" xmlns:wne="http://schemas.microsoft.com/office/word/2006/wordml" xmlns:wpi="http://schemas.microsoft.com/office/word/2010/wordprocessingInk" xmlns:wpg="http://schemas.microsoft.com/office/word/2010/wordprocessingGroup" xmlns:w15="http://schemas.microsoft.com/office/word/2012/wordml" xmlns:w14="http://schemas.microsoft.com/office/word/2010/wordml" xmlns:wp="http://schemas.openxmlformats.org/drawingml/2006/wordprocessingDrawing" xmlns:wp14="http://schemas.microsoft.com/office/word/2010/wordprocessingDrawing" xmlns:m="http://schemas.openxmlformats.org/officeDocument/2006/math" xmlns:mc="http://schemas.openxmlformats.org/markup-compatibility/2006" xmlns:wpc="http://schemas.microsoft.com/office/word/2010/wordprocessingCanvas">
                     <a:noFill/>
                   </a14:hiddenFill>
                 </a:ext>
@@ -3707,7 +3349,7 @@
               </a:ln>
               <a:extLst>
                 <a:ext uri="{909E8E84-426E-40dd-AFC4-6F175D3DCCD1}">
-                  <a14:hiddenFill xmlns:wpc="http://schemas.microsoft.com/office/word/2010/wordprocessingCanvas" xmlns:mc="http://schemas.openxmlformats.org/markup-compatibility/2006" xmlns:m="http://schemas.openxmlformats.org/officeDocument/2006/math" xmlns:wp14="http://schemas.microsoft.com/office/word/2010/wordprocessingDrawing" xmlns:wp="http://schemas.openxmlformats.org/drawingml/2006/wordprocessingDrawing" xmlns:w14="http://schemas.microsoft.com/office/word/2010/wordml" xmlns:w15="http://schemas.microsoft.com/office/word/2012/wordml" xmlns:wpg="http://schemas.microsoft.com/office/word/2010/wordprocessingGroup" xmlns:wpi="http://schemas.microsoft.com/office/word/2010/wordprocessingInk" xmlns:wne="http://schemas.microsoft.com/office/word/2006/wordml" xmlns:wps="http://schemas.microsoft.com/office/word/2010/wordprocessingShape" xmlns:cx="http://schemas.microsoft.com/office/drawing/2014/chartex" xmlns:cx1="http://schemas.microsoft.com/office/drawing/2015/9/8/chartex" xmlns:cx2="http://schemas.microsoft.com/office/drawing/2015/10/21/chartex" xmlns:cx3="http://schemas.microsoft.com/office/drawing/2016/5/9/chartex" xmlns:cx4="http://schemas.microsoft.com/office/drawing/2016/5/10/chartex" xmlns:cx5="http://schemas.microsoft.com/office/drawing/2016/5/11/chartex" xmlns:cx6="http://schemas.microsoft.com/office/drawing/2016/5/12/chartex" xmlns:cx7="http://schemas.microsoft.com/office/drawing/2016/5/13/chartex" xmlns:cx8="http://schemas.microsoft.com/office/drawing/2016/5/14/chartex" xmlns:aink="http://schemas.microsoft.com/office/drawing/2016/ink" xmlns:am3d="http://schemas.microsoft.com/office/drawing/2017/model3d" xmlns:w16cid="http://schemas.microsoft.com/office/word/2016/wordml/cid" xmlns:w16se="http://schemas.microsoft.com/office/word/2015/wordml/symex" xmlns:a14="http://schemas.microsoft.com/office/drawing/2010/main" xmlns:w="http://schemas.openxmlformats.org/wordprocessingml/2006/main" xmlns:w10="urn:schemas-microsoft-com:office:word" xmlns:v="urn:schemas-microsoft-com:vml" xmlns:o="urn:schemas-microsoft-com:office:office" xmlns:mv="urn:schemas-microsoft-com:mac:vml" xmlns:mo="http://schemas.microsoft.com/office/mac/office/2008/main" xmlns="" xmlns:arto="http://schemas.microsoft.com/office/word/2006/arto" xmlns:lc="http://schemas.openxmlformats.org/drawingml/2006/lockedCanvas">
+                  <a14:hiddenFill xmlns:lc="http://schemas.openxmlformats.org/drawingml/2006/lockedCanvas" xmlns:arto="http://schemas.microsoft.com/office/word/2006/arto" xmlns="" xmlns:mo="http://schemas.microsoft.com/office/mac/office/2008/main" xmlns:mv="urn:schemas-microsoft-com:mac:vml" xmlns:o="urn:schemas-microsoft-com:office:office" xmlns:v="urn:schemas-microsoft-com:vml" xmlns:w10="urn:schemas-microsoft-com:office:word" xmlns:w="http://schemas.openxmlformats.org/wordprocessingml/2006/main" xmlns:a14="http://schemas.microsoft.com/office/drawing/2010/main" xmlns:w16se="http://schemas.microsoft.com/office/word/2015/wordml/symex" xmlns:w16cid="http://schemas.microsoft.com/office/word/2016/wordml/cid" xmlns:am3d="http://schemas.microsoft.com/office/drawing/2017/model3d" xmlns:aink="http://schemas.microsoft.com/office/drawing/2016/ink" xmlns:cx8="http://schemas.microsoft.com/office/drawing/2016/5/14/chartex" xmlns:cx7="http://schemas.microsoft.com/office/drawing/2016/5/13/chartex" xmlns:cx6="http://schemas.microsoft.com/office/drawing/2016/5/12/chartex" xmlns:cx5="http://schemas.microsoft.com/office/drawing/2016/5/11/chartex" xmlns:cx4="http://schemas.microsoft.com/office/drawing/2016/5/10/chartex" xmlns:cx3="http://schemas.microsoft.com/office/drawing/2016/5/9/chartex" xmlns:cx2="http://schemas.microsoft.com/office/drawing/2015/10/21/chartex" xmlns:cx1="http://schemas.microsoft.com/office/drawing/2015/9/8/chartex" xmlns:cx="http://schemas.microsoft.com/office/drawing/2014/chartex" xmlns:wps="http://schemas.microsoft.com/office/word/2010/wordprocessingShape" xmlns:wne="http://schemas.microsoft.com/office/word/2006/wordml" xmlns:wpi="http://schemas.microsoft.com/office/word/2010/wordprocessingInk" xmlns:wpg="http://schemas.microsoft.com/office/word/2010/wordprocessingGroup" xmlns:w15="http://schemas.microsoft.com/office/word/2012/wordml" xmlns:w14="http://schemas.microsoft.com/office/word/2010/wordml" xmlns:wp="http://schemas.openxmlformats.org/drawingml/2006/wordprocessingDrawing" xmlns:wp14="http://schemas.microsoft.com/office/word/2010/wordprocessingDrawing" xmlns:m="http://schemas.openxmlformats.org/officeDocument/2006/math" xmlns:mc="http://schemas.openxmlformats.org/markup-compatibility/2006" xmlns:wpc="http://schemas.microsoft.com/office/word/2010/wordprocessingCanvas">
                     <a:noFill/>
                   </a14:hiddenFill>
                 </a:ext>
@@ -3748,7 +3390,7 @@
               </a:ln>
               <a:extLst>
                 <a:ext uri="{909E8E84-426E-40dd-AFC4-6F175D3DCCD1}">
-                  <a14:hiddenFill xmlns:wpc="http://schemas.microsoft.com/office/word/2010/wordprocessingCanvas" xmlns:mc="http://schemas.openxmlformats.org/markup-compatibility/2006" xmlns:m="http://schemas.openxmlformats.org/officeDocument/2006/math" xmlns:wp14="http://schemas.microsoft.com/office/word/2010/wordprocessingDrawing" xmlns:wp="http://schemas.openxmlformats.org/drawingml/2006/wordprocessingDrawing" xmlns:w14="http://schemas.microsoft.com/office/word/2010/wordml" xmlns:w15="http://schemas.microsoft.com/office/word/2012/wordml" xmlns:wpg="http://schemas.microsoft.com/office/word/2010/wordprocessingGroup" xmlns:wpi="http://schemas.microsoft.com/office/word/2010/wordprocessingInk" xmlns:wne="http://schemas.microsoft.com/office/word/2006/wordml" xmlns:wps="http://schemas.microsoft.com/office/word/2010/wordprocessingShape" xmlns:cx="http://schemas.microsoft.com/office/drawing/2014/chartex" xmlns:cx1="http://schemas.microsoft.com/office/drawing/2015/9/8/chartex" xmlns:cx2="http://schemas.microsoft.com/office/drawing/2015/10/21/chartex" xmlns:cx3="http://schemas.microsoft.com/office/drawing/2016/5/9/chartex" xmlns:cx4="http://schemas.microsoft.com/office/drawing/2016/5/10/chartex" xmlns:cx5="http://schemas.microsoft.com/office/drawing/2016/5/11/chartex" xmlns:cx6="http://schemas.microsoft.com/office/drawing/2016/5/12/chartex" xmlns:cx7="http://schemas.microsoft.com/office/drawing/2016/5/13/chartex" xmlns:cx8="http://schemas.microsoft.com/office/drawing/2016/5/14/chartex" xmlns:aink="http://schemas.microsoft.com/office/drawing/2016/ink" xmlns:am3d="http://schemas.microsoft.com/office/drawing/2017/model3d" xmlns:w16cid="http://schemas.microsoft.com/office/word/2016/wordml/cid" xmlns:w16se="http://schemas.microsoft.com/office/word/2015/wordml/symex" xmlns:a14="http://schemas.microsoft.com/office/drawing/2010/main" xmlns:w="http://schemas.openxmlformats.org/wordprocessingml/2006/main" xmlns:w10="urn:schemas-microsoft-com:office:word" xmlns:v="urn:schemas-microsoft-com:vml" xmlns:o="urn:schemas-microsoft-com:office:office" xmlns:mv="urn:schemas-microsoft-com:mac:vml" xmlns:mo="http://schemas.microsoft.com/office/mac/office/2008/main" xmlns="" xmlns:arto="http://schemas.microsoft.com/office/word/2006/arto" xmlns:lc="http://schemas.openxmlformats.org/drawingml/2006/lockedCanvas">
+                  <a14:hiddenFill xmlns:lc="http://schemas.openxmlformats.org/drawingml/2006/lockedCanvas" xmlns:arto="http://schemas.microsoft.com/office/word/2006/arto" xmlns="" xmlns:mo="http://schemas.microsoft.com/office/mac/office/2008/main" xmlns:mv="urn:schemas-microsoft-com:mac:vml" xmlns:o="urn:schemas-microsoft-com:office:office" xmlns:v="urn:schemas-microsoft-com:vml" xmlns:w10="urn:schemas-microsoft-com:office:word" xmlns:w="http://schemas.openxmlformats.org/wordprocessingml/2006/main" xmlns:a14="http://schemas.microsoft.com/office/drawing/2010/main" xmlns:w16se="http://schemas.microsoft.com/office/word/2015/wordml/symex" xmlns:w16cid="http://schemas.microsoft.com/office/word/2016/wordml/cid" xmlns:am3d="http://schemas.microsoft.com/office/drawing/2017/model3d" xmlns:aink="http://schemas.microsoft.com/office/drawing/2016/ink" xmlns:cx8="http://schemas.microsoft.com/office/drawing/2016/5/14/chartex" xmlns:cx7="http://schemas.microsoft.com/office/drawing/2016/5/13/chartex" xmlns:cx6="http://schemas.microsoft.com/office/drawing/2016/5/12/chartex" xmlns:cx5="http://schemas.microsoft.com/office/drawing/2016/5/11/chartex" xmlns:cx4="http://schemas.microsoft.com/office/drawing/2016/5/10/chartex" xmlns:cx3="http://schemas.microsoft.com/office/drawing/2016/5/9/chartex" xmlns:cx2="http://schemas.microsoft.com/office/drawing/2015/10/21/chartex" xmlns:cx1="http://schemas.microsoft.com/office/drawing/2015/9/8/chartex" xmlns:cx="http://schemas.microsoft.com/office/drawing/2014/chartex" xmlns:wps="http://schemas.microsoft.com/office/word/2010/wordprocessingShape" xmlns:wne="http://schemas.microsoft.com/office/word/2006/wordml" xmlns:wpi="http://schemas.microsoft.com/office/word/2010/wordprocessingInk" xmlns:wpg="http://schemas.microsoft.com/office/word/2010/wordprocessingGroup" xmlns:w15="http://schemas.microsoft.com/office/word/2012/wordml" xmlns:w14="http://schemas.microsoft.com/office/word/2010/wordml" xmlns:wp="http://schemas.openxmlformats.org/drawingml/2006/wordprocessingDrawing" xmlns:wp14="http://schemas.microsoft.com/office/word/2010/wordprocessingDrawing" xmlns:m="http://schemas.openxmlformats.org/officeDocument/2006/math" xmlns:mc="http://schemas.openxmlformats.org/markup-compatibility/2006" xmlns:wpc="http://schemas.microsoft.com/office/word/2010/wordprocessingCanvas">
                     <a:noFill/>
                   </a14:hiddenFill>
                 </a:ext>
@@ -3784,14 +3426,14 @@
             </a:ln>
             <a:extLst>
               <a:ext uri="{909E8E84-426E-40dd-AFC4-6F175D3DCCD1}">
-                <a14:hiddenFill xmlns:wpc="http://schemas.microsoft.com/office/word/2010/wordprocessingCanvas" xmlns:mc="http://schemas.openxmlformats.org/markup-compatibility/2006" xmlns:m="http://schemas.openxmlformats.org/officeDocument/2006/math" xmlns:wp14="http://schemas.microsoft.com/office/word/2010/wordprocessingDrawing" xmlns:wp="http://schemas.openxmlformats.org/drawingml/2006/wordprocessingDrawing" xmlns:w14="http://schemas.microsoft.com/office/word/2010/wordml" xmlns:w15="http://schemas.microsoft.com/office/word/2012/wordml" xmlns:wpg="http://schemas.microsoft.com/office/word/2010/wordprocessingGroup" xmlns:wpi="http://schemas.microsoft.com/office/word/2010/wordprocessingInk" xmlns:wne="http://schemas.microsoft.com/office/word/2006/wordml" xmlns:wps="http://schemas.microsoft.com/office/word/2010/wordprocessingShape" xmlns:cx="http://schemas.microsoft.com/office/drawing/2014/chartex" xmlns:cx1="http://schemas.microsoft.com/office/drawing/2015/9/8/chartex" xmlns:cx2="http://schemas.microsoft.com/office/drawing/2015/10/21/chartex" xmlns:cx3="http://schemas.microsoft.com/office/drawing/2016/5/9/chartex" xmlns:cx4="http://schemas.microsoft.com/office/drawing/2016/5/10/chartex" xmlns:cx5="http://schemas.microsoft.com/office/drawing/2016/5/11/chartex" xmlns:cx6="http://schemas.microsoft.com/office/drawing/2016/5/12/chartex" xmlns:cx7="http://schemas.microsoft.com/office/drawing/2016/5/13/chartex" xmlns:cx8="http://schemas.microsoft.com/office/drawing/2016/5/14/chartex" xmlns:aink="http://schemas.microsoft.com/office/drawing/2016/ink" xmlns:am3d="http://schemas.microsoft.com/office/drawing/2017/model3d" xmlns:w16cid="http://schemas.microsoft.com/office/word/2016/wordml/cid" xmlns:w16se="http://schemas.microsoft.com/office/word/2015/wordml/symex" xmlns:a14="http://schemas.microsoft.com/office/drawing/2010/main" xmlns:w="http://schemas.openxmlformats.org/wordprocessingml/2006/main" xmlns:w10="urn:schemas-microsoft-com:office:word" xmlns:v="urn:schemas-microsoft-com:vml" xmlns:o="urn:schemas-microsoft-com:office:office" xmlns:mv="urn:schemas-microsoft-com:mac:vml" xmlns:mo="http://schemas.microsoft.com/office/mac/office/2008/main" xmlns="" xmlns:arto="http://schemas.microsoft.com/office/word/2006/arto" xmlns:lc="http://schemas.openxmlformats.org/drawingml/2006/lockedCanvas">
+                <a14:hiddenFill xmlns:lc="http://schemas.openxmlformats.org/drawingml/2006/lockedCanvas" xmlns:arto="http://schemas.microsoft.com/office/word/2006/arto" xmlns="" xmlns:mo="http://schemas.microsoft.com/office/mac/office/2008/main" xmlns:mv="urn:schemas-microsoft-com:mac:vml" xmlns:o="urn:schemas-microsoft-com:office:office" xmlns:v="urn:schemas-microsoft-com:vml" xmlns:w10="urn:schemas-microsoft-com:office:word" xmlns:w="http://schemas.openxmlformats.org/wordprocessingml/2006/main" xmlns:a14="http://schemas.microsoft.com/office/drawing/2010/main" xmlns:w16se="http://schemas.microsoft.com/office/word/2015/wordml/symex" xmlns:w16cid="http://schemas.microsoft.com/office/word/2016/wordml/cid" xmlns:am3d="http://schemas.microsoft.com/office/drawing/2017/model3d" xmlns:aink="http://schemas.microsoft.com/office/drawing/2016/ink" xmlns:cx8="http://schemas.microsoft.com/office/drawing/2016/5/14/chartex" xmlns:cx7="http://schemas.microsoft.com/office/drawing/2016/5/13/chartex" xmlns:cx6="http://schemas.microsoft.com/office/drawing/2016/5/12/chartex" xmlns:cx5="http://schemas.microsoft.com/office/drawing/2016/5/11/chartex" xmlns:cx4="http://schemas.microsoft.com/office/drawing/2016/5/10/chartex" xmlns:cx3="http://schemas.microsoft.com/office/drawing/2016/5/9/chartex" xmlns:cx2="http://schemas.microsoft.com/office/drawing/2015/10/21/chartex" xmlns:cx1="http://schemas.microsoft.com/office/drawing/2015/9/8/chartex" xmlns:cx="http://schemas.microsoft.com/office/drawing/2014/chartex" xmlns:wps="http://schemas.microsoft.com/office/word/2010/wordprocessingShape" xmlns:wne="http://schemas.microsoft.com/office/word/2006/wordml" xmlns:wpi="http://schemas.microsoft.com/office/word/2010/wordprocessingInk" xmlns:wpg="http://schemas.microsoft.com/office/word/2010/wordprocessingGroup" xmlns:w15="http://schemas.microsoft.com/office/word/2012/wordml" xmlns:w14="http://schemas.microsoft.com/office/word/2010/wordml" xmlns:wp="http://schemas.openxmlformats.org/drawingml/2006/wordprocessingDrawing" xmlns:wp14="http://schemas.microsoft.com/office/word/2010/wordprocessingDrawing" xmlns:m="http://schemas.openxmlformats.org/officeDocument/2006/math" xmlns:mc="http://schemas.openxmlformats.org/markup-compatibility/2006" xmlns:wpc="http://schemas.microsoft.com/office/word/2010/wordprocessingCanvas">
                   <a:solidFill>
                     <a:srgbClr val="FFFFFF"/>
                   </a:solidFill>
                 </a14:hiddenFill>
               </a:ext>
               <a:ext uri="{91240B29-F687-4f45-9708-019B960494DF}">
-                <a14:hiddenLine xmlns:wpc="http://schemas.microsoft.com/office/word/2010/wordprocessingCanvas" xmlns:mc="http://schemas.openxmlformats.org/markup-compatibility/2006" xmlns:m="http://schemas.openxmlformats.org/officeDocument/2006/math" xmlns:wp14="http://schemas.microsoft.com/office/word/2010/wordprocessingDrawing" xmlns:wp="http://schemas.openxmlformats.org/drawingml/2006/wordprocessingDrawing" xmlns:w14="http://schemas.microsoft.com/office/word/2010/wordml" xmlns:w15="http://schemas.microsoft.com/office/word/2012/wordml" xmlns:wpg="http://schemas.microsoft.com/office/word/2010/wordprocessingGroup" xmlns:wpi="http://schemas.microsoft.com/office/word/2010/wordprocessingInk" xmlns:wne="http://schemas.microsoft.com/office/word/2006/wordml" xmlns:wps="http://schemas.microsoft.com/office/word/2010/wordprocessingShape" xmlns:cx="http://schemas.microsoft.com/office/drawing/2014/chartex" xmlns:cx1="http://schemas.microsoft.com/office/drawing/2015/9/8/chartex" xmlns:cx2="http://schemas.microsoft.com/office/drawing/2015/10/21/chartex" xmlns:cx3="http://schemas.microsoft.com/office/drawing/2016/5/9/chartex" xmlns:cx4="http://schemas.microsoft.com/office/drawing/2016/5/10/chartex" xmlns:cx5="http://schemas.microsoft.com/office/drawing/2016/5/11/chartex" xmlns:cx6="http://schemas.microsoft.com/office/drawing/2016/5/12/chartex" xmlns:cx7="http://schemas.microsoft.com/office/drawing/2016/5/13/chartex" xmlns:cx8="http://schemas.microsoft.com/office/drawing/2016/5/14/chartex" xmlns:aink="http://schemas.microsoft.com/office/drawing/2016/ink" xmlns:am3d="http://schemas.microsoft.com/office/drawing/2017/model3d" xmlns:w16cid="http://schemas.microsoft.com/office/word/2016/wordml/cid" xmlns:w16se="http://schemas.microsoft.com/office/word/2015/wordml/symex" xmlns:a14="http://schemas.microsoft.com/office/drawing/2010/main" xmlns:w="http://schemas.openxmlformats.org/wordprocessingml/2006/main" xmlns:w10="urn:schemas-microsoft-com:office:word" xmlns:v="urn:schemas-microsoft-com:vml" xmlns:o="urn:schemas-microsoft-com:office:office" xmlns:mv="urn:schemas-microsoft-com:mac:vml" xmlns:mo="http://schemas.microsoft.com/office/mac/office/2008/main" xmlns="" xmlns:arto="http://schemas.microsoft.com/office/word/2006/arto" xmlns:lc="http://schemas.openxmlformats.org/drawingml/2006/lockedCanvas" w="9525">
+                <a14:hiddenLine xmlns:lc="http://schemas.openxmlformats.org/drawingml/2006/lockedCanvas" xmlns:arto="http://schemas.microsoft.com/office/word/2006/arto" xmlns="" xmlns:mo="http://schemas.microsoft.com/office/mac/office/2008/main" xmlns:mv="urn:schemas-microsoft-com:mac:vml" xmlns:o="urn:schemas-microsoft-com:office:office" xmlns:v="urn:schemas-microsoft-com:vml" xmlns:w10="urn:schemas-microsoft-com:office:word" xmlns:w="http://schemas.openxmlformats.org/wordprocessingml/2006/main" xmlns:a14="http://schemas.microsoft.com/office/drawing/2010/main" xmlns:w16se="http://schemas.microsoft.com/office/word/2015/wordml/symex" xmlns:w16cid="http://schemas.microsoft.com/office/word/2016/wordml/cid" xmlns:am3d="http://schemas.microsoft.com/office/drawing/2017/model3d" xmlns:aink="http://schemas.microsoft.com/office/drawing/2016/ink" xmlns:cx8="http://schemas.microsoft.com/office/drawing/2016/5/14/chartex" xmlns:cx7="http://schemas.microsoft.com/office/drawing/2016/5/13/chartex" xmlns:cx6="http://schemas.microsoft.com/office/drawing/2016/5/12/chartex" xmlns:cx5="http://schemas.microsoft.com/office/drawing/2016/5/11/chartex" xmlns:cx4="http://schemas.microsoft.com/office/drawing/2016/5/10/chartex" xmlns:cx3="http://schemas.microsoft.com/office/drawing/2016/5/9/chartex" xmlns:cx2="http://schemas.microsoft.com/office/drawing/2015/10/21/chartex" xmlns:cx1="http://schemas.microsoft.com/office/drawing/2015/9/8/chartex" xmlns:cx="http://schemas.microsoft.com/office/drawing/2014/chartex" xmlns:wps="http://schemas.microsoft.com/office/word/2010/wordprocessingShape" xmlns:wne="http://schemas.microsoft.com/office/word/2006/wordml" xmlns:wpi="http://schemas.microsoft.com/office/word/2010/wordprocessingInk" xmlns:wpg="http://schemas.microsoft.com/office/word/2010/wordprocessingGroup" xmlns:w15="http://schemas.microsoft.com/office/word/2012/wordml" xmlns:w14="http://schemas.microsoft.com/office/word/2010/wordml" xmlns:wp="http://schemas.openxmlformats.org/drawingml/2006/wordprocessingDrawing" xmlns:wp14="http://schemas.microsoft.com/office/word/2010/wordprocessingDrawing" xmlns:m="http://schemas.openxmlformats.org/officeDocument/2006/math" xmlns:mc="http://schemas.openxmlformats.org/markup-compatibility/2006" xmlns:wpc="http://schemas.microsoft.com/office/word/2010/wordprocessingCanvas" w="9525">
                   <a:solidFill>
                     <a:srgbClr val="000000"/>
                   </a:solidFill>
@@ -3808,20 +3450,13 @@
             </a:bodyPr>
             <a:lstStyle/>
             <a:p>
-              <a:pPr marL="0" marR="0" algn="ctr">
+              <a:pPr algn="ctr">
                 <a:lnSpc>
                   <a:spcPct val="115000"/>
                 </a:lnSpc>
-                <a:spcBef>
-                  <a:spcPts val="0"/>
-                </a:spcBef>
-                <a:spcAft>
-                  <a:spcPts val="0"/>
-                </a:spcAft>
               </a:pPr>
               <a:r>
                 <a:rPr lang="en-US" sz="700">
-                  <a:effectLst/>
                   <a:highlight>
                     <a:srgbClr val="D3D3D3"/>
                   </a:highlight>
@@ -3832,14 +3467,12 @@
               </a:r>
               <a:r>
                 <a:rPr lang="en-US" sz="700">
-                  <a:effectLst/>
                   <a:latin typeface="Times New Roman" panose="02020603050405020304" pitchFamily="18" charset="0"/>
                   <a:ea typeface="Times New Roman" panose="02020603050405020304" pitchFamily="18" charset="0"/>
                 </a:rPr>
                 <a:t> Request</a:t>
               </a:r>
               <a:endParaRPr lang="en-US" sz="1200">
-                <a:effectLst/>
                 <a:latin typeface="Times New Roman" panose="02020603050405020304" pitchFamily="18" charset="0"/>
                 <a:ea typeface="Times New Roman" panose="02020603050405020304" pitchFamily="18" charset="0"/>
               </a:endParaRPr>
@@ -3899,7 +3532,7 @@
               </a:ln>
               <a:extLst>
                 <a:ext uri="{909E8E84-426E-40dd-AFC4-6F175D3DCCD1}">
-                  <a14:hiddenFill xmlns:wpc="http://schemas.microsoft.com/office/word/2010/wordprocessingCanvas" xmlns:mc="http://schemas.openxmlformats.org/markup-compatibility/2006" xmlns:m="http://schemas.openxmlformats.org/officeDocument/2006/math" xmlns:wp14="http://schemas.microsoft.com/office/word/2010/wordprocessingDrawing" xmlns:wp="http://schemas.openxmlformats.org/drawingml/2006/wordprocessingDrawing" xmlns:w14="http://schemas.microsoft.com/office/word/2010/wordml" xmlns:w15="http://schemas.microsoft.com/office/word/2012/wordml" xmlns:wpg="http://schemas.microsoft.com/office/word/2010/wordprocessingGroup" xmlns:wpi="http://schemas.microsoft.com/office/word/2010/wordprocessingInk" xmlns:wne="http://schemas.microsoft.com/office/word/2006/wordml" xmlns:wps="http://schemas.microsoft.com/office/word/2010/wordprocessingShape" xmlns:cx="http://schemas.microsoft.com/office/drawing/2014/chartex" xmlns:cx1="http://schemas.microsoft.com/office/drawing/2015/9/8/chartex" xmlns:cx2="http://schemas.microsoft.com/office/drawing/2015/10/21/chartex" xmlns:cx3="http://schemas.microsoft.com/office/drawing/2016/5/9/chartex" xmlns:cx4="http://schemas.microsoft.com/office/drawing/2016/5/10/chartex" xmlns:cx5="http://schemas.microsoft.com/office/drawing/2016/5/11/chartex" xmlns:cx6="http://schemas.microsoft.com/office/drawing/2016/5/12/chartex" xmlns:cx7="http://schemas.microsoft.com/office/drawing/2016/5/13/chartex" xmlns:cx8="http://schemas.microsoft.com/office/drawing/2016/5/14/chartex" xmlns:aink="http://schemas.microsoft.com/office/drawing/2016/ink" xmlns:am3d="http://schemas.microsoft.com/office/drawing/2017/model3d" xmlns:w16cid="http://schemas.microsoft.com/office/word/2016/wordml/cid" xmlns:w16se="http://schemas.microsoft.com/office/word/2015/wordml/symex" xmlns:a14="http://schemas.microsoft.com/office/drawing/2010/main" xmlns:w="http://schemas.openxmlformats.org/wordprocessingml/2006/main" xmlns:w10="urn:schemas-microsoft-com:office:word" xmlns:v="urn:schemas-microsoft-com:vml" xmlns:o="urn:schemas-microsoft-com:office:office" xmlns:mv="urn:schemas-microsoft-com:mac:vml" xmlns:mo="http://schemas.microsoft.com/office/mac/office/2008/main" xmlns="" xmlns:arto="http://schemas.microsoft.com/office/word/2006/arto" xmlns:lc="http://schemas.openxmlformats.org/drawingml/2006/lockedCanvas">
+                  <a14:hiddenFill xmlns:lc="http://schemas.openxmlformats.org/drawingml/2006/lockedCanvas" xmlns:arto="http://schemas.microsoft.com/office/word/2006/arto" xmlns="" xmlns:mo="http://schemas.microsoft.com/office/mac/office/2008/main" xmlns:mv="urn:schemas-microsoft-com:mac:vml" xmlns:o="urn:schemas-microsoft-com:office:office" xmlns:v="urn:schemas-microsoft-com:vml" xmlns:w10="urn:schemas-microsoft-com:office:word" xmlns:w="http://schemas.openxmlformats.org/wordprocessingml/2006/main" xmlns:a14="http://schemas.microsoft.com/office/drawing/2010/main" xmlns:w16se="http://schemas.microsoft.com/office/word/2015/wordml/symex" xmlns:w16cid="http://schemas.microsoft.com/office/word/2016/wordml/cid" xmlns:am3d="http://schemas.microsoft.com/office/drawing/2017/model3d" xmlns:aink="http://schemas.microsoft.com/office/drawing/2016/ink" xmlns:cx8="http://schemas.microsoft.com/office/drawing/2016/5/14/chartex" xmlns:cx7="http://schemas.microsoft.com/office/drawing/2016/5/13/chartex" xmlns:cx6="http://schemas.microsoft.com/office/drawing/2016/5/12/chartex" xmlns:cx5="http://schemas.microsoft.com/office/drawing/2016/5/11/chartex" xmlns:cx4="http://schemas.microsoft.com/office/drawing/2016/5/10/chartex" xmlns:cx3="http://schemas.microsoft.com/office/drawing/2016/5/9/chartex" xmlns:cx2="http://schemas.microsoft.com/office/drawing/2015/10/21/chartex" xmlns:cx1="http://schemas.microsoft.com/office/drawing/2015/9/8/chartex" xmlns:cx="http://schemas.microsoft.com/office/drawing/2014/chartex" xmlns:wps="http://schemas.microsoft.com/office/word/2010/wordprocessingShape" xmlns:wne="http://schemas.microsoft.com/office/word/2006/wordml" xmlns:wpi="http://schemas.microsoft.com/office/word/2010/wordprocessingInk" xmlns:wpg="http://schemas.microsoft.com/office/word/2010/wordprocessingGroup" xmlns:w15="http://schemas.microsoft.com/office/word/2012/wordml" xmlns:w14="http://schemas.microsoft.com/office/word/2010/wordml" xmlns:wp="http://schemas.openxmlformats.org/drawingml/2006/wordprocessingDrawing" xmlns:wp14="http://schemas.microsoft.com/office/word/2010/wordprocessingDrawing" xmlns:m="http://schemas.openxmlformats.org/officeDocument/2006/math" xmlns:mc="http://schemas.openxmlformats.org/markup-compatibility/2006" xmlns:wpc="http://schemas.microsoft.com/office/word/2010/wordprocessingCanvas">
                     <a:noFill/>
                   </a14:hiddenFill>
                 </a:ext>
@@ -3939,7 +3572,7 @@
               </a:ln>
               <a:extLst>
                 <a:ext uri="{909E8E84-426E-40dd-AFC4-6F175D3DCCD1}">
-                  <a14:hiddenFill xmlns:wpc="http://schemas.microsoft.com/office/word/2010/wordprocessingCanvas" xmlns:mc="http://schemas.openxmlformats.org/markup-compatibility/2006" xmlns:m="http://schemas.openxmlformats.org/officeDocument/2006/math" xmlns:wp14="http://schemas.microsoft.com/office/word/2010/wordprocessingDrawing" xmlns:wp="http://schemas.openxmlformats.org/drawingml/2006/wordprocessingDrawing" xmlns:w14="http://schemas.microsoft.com/office/word/2010/wordml" xmlns:w15="http://schemas.microsoft.com/office/word/2012/wordml" xmlns:wpg="http://schemas.microsoft.com/office/word/2010/wordprocessingGroup" xmlns:wpi="http://schemas.microsoft.com/office/word/2010/wordprocessingInk" xmlns:wne="http://schemas.microsoft.com/office/word/2006/wordml" xmlns:wps="http://schemas.microsoft.com/office/word/2010/wordprocessingShape" xmlns:cx="http://schemas.microsoft.com/office/drawing/2014/chartex" xmlns:cx1="http://schemas.microsoft.com/office/drawing/2015/9/8/chartex" xmlns:cx2="http://schemas.microsoft.com/office/drawing/2015/10/21/chartex" xmlns:cx3="http://schemas.microsoft.com/office/drawing/2016/5/9/chartex" xmlns:cx4="http://schemas.microsoft.com/office/drawing/2016/5/10/chartex" xmlns:cx5="http://schemas.microsoft.com/office/drawing/2016/5/11/chartex" xmlns:cx6="http://schemas.microsoft.com/office/drawing/2016/5/12/chartex" xmlns:cx7="http://schemas.microsoft.com/office/drawing/2016/5/13/chartex" xmlns:cx8="http://schemas.microsoft.com/office/drawing/2016/5/14/chartex" xmlns:aink="http://schemas.microsoft.com/office/drawing/2016/ink" xmlns:am3d="http://schemas.microsoft.com/office/drawing/2017/model3d" xmlns:w16cid="http://schemas.microsoft.com/office/word/2016/wordml/cid" xmlns:w16se="http://schemas.microsoft.com/office/word/2015/wordml/symex" xmlns:a14="http://schemas.microsoft.com/office/drawing/2010/main" xmlns:w="http://schemas.openxmlformats.org/wordprocessingml/2006/main" xmlns:w10="urn:schemas-microsoft-com:office:word" xmlns:v="urn:schemas-microsoft-com:vml" xmlns:o="urn:schemas-microsoft-com:office:office" xmlns:mv="urn:schemas-microsoft-com:mac:vml" xmlns:mo="http://schemas.microsoft.com/office/mac/office/2008/main" xmlns="" xmlns:arto="http://schemas.microsoft.com/office/word/2006/arto" xmlns:lc="http://schemas.openxmlformats.org/drawingml/2006/lockedCanvas">
+                  <a14:hiddenFill xmlns:lc="http://schemas.openxmlformats.org/drawingml/2006/lockedCanvas" xmlns:arto="http://schemas.microsoft.com/office/word/2006/arto" xmlns="" xmlns:mo="http://schemas.microsoft.com/office/mac/office/2008/main" xmlns:mv="urn:schemas-microsoft-com:mac:vml" xmlns:o="urn:schemas-microsoft-com:office:office" xmlns:v="urn:schemas-microsoft-com:vml" xmlns:w10="urn:schemas-microsoft-com:office:word" xmlns:w="http://schemas.openxmlformats.org/wordprocessingml/2006/main" xmlns:a14="http://schemas.microsoft.com/office/drawing/2010/main" xmlns:w16se="http://schemas.microsoft.com/office/word/2015/wordml/symex" xmlns:w16cid="http://schemas.microsoft.com/office/word/2016/wordml/cid" xmlns:am3d="http://schemas.microsoft.com/office/drawing/2017/model3d" xmlns:aink="http://schemas.microsoft.com/office/drawing/2016/ink" xmlns:cx8="http://schemas.microsoft.com/office/drawing/2016/5/14/chartex" xmlns:cx7="http://schemas.microsoft.com/office/drawing/2016/5/13/chartex" xmlns:cx6="http://schemas.microsoft.com/office/drawing/2016/5/12/chartex" xmlns:cx5="http://schemas.microsoft.com/office/drawing/2016/5/11/chartex" xmlns:cx4="http://schemas.microsoft.com/office/drawing/2016/5/10/chartex" xmlns:cx3="http://schemas.microsoft.com/office/drawing/2016/5/9/chartex" xmlns:cx2="http://schemas.microsoft.com/office/drawing/2015/10/21/chartex" xmlns:cx1="http://schemas.microsoft.com/office/drawing/2015/9/8/chartex" xmlns:cx="http://schemas.microsoft.com/office/drawing/2014/chartex" xmlns:wps="http://schemas.microsoft.com/office/word/2010/wordprocessingShape" xmlns:wne="http://schemas.microsoft.com/office/word/2006/wordml" xmlns:wpi="http://schemas.microsoft.com/office/word/2010/wordprocessingInk" xmlns:wpg="http://schemas.microsoft.com/office/word/2010/wordprocessingGroup" xmlns:w15="http://schemas.microsoft.com/office/word/2012/wordml" xmlns:w14="http://schemas.microsoft.com/office/word/2010/wordml" xmlns:wp="http://schemas.openxmlformats.org/drawingml/2006/wordprocessingDrawing" xmlns:wp14="http://schemas.microsoft.com/office/word/2010/wordprocessingDrawing" xmlns:m="http://schemas.openxmlformats.org/officeDocument/2006/math" xmlns:mc="http://schemas.openxmlformats.org/markup-compatibility/2006" xmlns:wpc="http://schemas.microsoft.com/office/word/2010/wordprocessingCanvas">
                     <a:noFill/>
                   </a14:hiddenFill>
                 </a:ext>
@@ -3980,20 +3613,13 @@
             </a:bodyPr>
             <a:lstStyle/>
             <a:p>
-              <a:pPr marL="0" marR="0" algn="ctr">
+              <a:pPr algn="ctr">
                 <a:lnSpc>
                   <a:spcPct val="80000"/>
                 </a:lnSpc>
-                <a:spcBef>
-                  <a:spcPts val="0"/>
-                </a:spcBef>
-                <a:spcAft>
-                  <a:spcPts val="0"/>
-                </a:spcAft>
               </a:pPr>
               <a:r>
                 <a:rPr lang="en-US" sz="650" b="1">
-                  <a:effectLst/>
                   <a:latin typeface="Times New Roman" panose="02020603050405020304" pitchFamily="18" charset="0"/>
                   <a:ea typeface="Times New Roman" panose="02020603050405020304" pitchFamily="18" charset="0"/>
                 </a:rPr>
@@ -4001,21 +3627,18 @@
               </a:r>
               <a:br>
                 <a:rPr lang="en-US" sz="650" b="1">
-                  <a:effectLst/>
                   <a:latin typeface="Times New Roman" panose="02020603050405020304" pitchFamily="18" charset="0"/>
                   <a:ea typeface="Times New Roman" panose="02020603050405020304" pitchFamily="18" charset="0"/>
                 </a:rPr>
               </a:br>
               <a:r>
                 <a:rPr lang="en-US" sz="650" b="1">
-                  <a:effectLst/>
                   <a:latin typeface="Times New Roman" panose="02020603050405020304" pitchFamily="18" charset="0"/>
                   <a:ea typeface="Times New Roman" panose="02020603050405020304" pitchFamily="18" charset="0"/>
                 </a:rPr>
                 <a:t>Document Repository</a:t>
               </a:r>
               <a:endParaRPr lang="en-US" sz="1200">
-                <a:effectLst/>
                 <a:latin typeface="Times New Roman" panose="02020603050405020304" pitchFamily="18" charset="0"/>
                 <a:ea typeface="Times New Roman" panose="02020603050405020304" pitchFamily="18" charset="0"/>
               </a:endParaRPr>
@@ -4050,14 +3673,14 @@
             </a:ln>
             <a:extLst>
               <a:ext uri="{909E8E84-426E-40dd-AFC4-6F175D3DCCD1}">
-                <a14:hiddenFill xmlns:wpc="http://schemas.microsoft.com/office/word/2010/wordprocessingCanvas" xmlns:mc="http://schemas.openxmlformats.org/markup-compatibility/2006" xmlns:m="http://schemas.openxmlformats.org/officeDocument/2006/math" xmlns:wp14="http://schemas.microsoft.com/office/word/2010/wordprocessingDrawing" xmlns:wp="http://schemas.openxmlformats.org/drawingml/2006/wordprocessingDrawing" xmlns:w14="http://schemas.microsoft.com/office/word/2010/wordml" xmlns:w15="http://schemas.microsoft.com/office/word/2012/wordml" xmlns:wpg="http://schemas.microsoft.com/office/word/2010/wordprocessingGroup" xmlns:wpi="http://schemas.microsoft.com/office/word/2010/wordprocessingInk" xmlns:wne="http://schemas.microsoft.com/office/word/2006/wordml" xmlns:wps="http://schemas.microsoft.com/office/word/2010/wordprocessingShape" xmlns:cx="http://schemas.microsoft.com/office/drawing/2014/chartex" xmlns:cx1="http://schemas.microsoft.com/office/drawing/2015/9/8/chartex" xmlns:cx2="http://schemas.microsoft.com/office/drawing/2015/10/21/chartex" xmlns:cx3="http://schemas.microsoft.com/office/drawing/2016/5/9/chartex" xmlns:cx4="http://schemas.microsoft.com/office/drawing/2016/5/10/chartex" xmlns:cx5="http://schemas.microsoft.com/office/drawing/2016/5/11/chartex" xmlns:cx6="http://schemas.microsoft.com/office/drawing/2016/5/12/chartex" xmlns:cx7="http://schemas.microsoft.com/office/drawing/2016/5/13/chartex" xmlns:cx8="http://schemas.microsoft.com/office/drawing/2016/5/14/chartex" xmlns:aink="http://schemas.microsoft.com/office/drawing/2016/ink" xmlns:am3d="http://schemas.microsoft.com/office/drawing/2017/model3d" xmlns:w16cid="http://schemas.microsoft.com/office/word/2016/wordml/cid" xmlns:w16se="http://schemas.microsoft.com/office/word/2015/wordml/symex" xmlns:a14="http://schemas.microsoft.com/office/drawing/2010/main" xmlns:w="http://schemas.openxmlformats.org/wordprocessingml/2006/main" xmlns:w10="urn:schemas-microsoft-com:office:word" xmlns:v="urn:schemas-microsoft-com:vml" xmlns:o="urn:schemas-microsoft-com:office:office" xmlns:mv="urn:schemas-microsoft-com:mac:vml" xmlns:mo="http://schemas.microsoft.com/office/mac/office/2008/main" xmlns="" xmlns:arto="http://schemas.microsoft.com/office/word/2006/arto" xmlns:lc="http://schemas.openxmlformats.org/drawingml/2006/lockedCanvas">
+                <a14:hiddenFill xmlns:lc="http://schemas.openxmlformats.org/drawingml/2006/lockedCanvas" xmlns:arto="http://schemas.microsoft.com/office/word/2006/arto" xmlns="" xmlns:mo="http://schemas.microsoft.com/office/mac/office/2008/main" xmlns:mv="urn:schemas-microsoft-com:mac:vml" xmlns:o="urn:schemas-microsoft-com:office:office" xmlns:v="urn:schemas-microsoft-com:vml" xmlns:w10="urn:schemas-microsoft-com:office:word" xmlns:w="http://schemas.openxmlformats.org/wordprocessingml/2006/main" xmlns:a14="http://schemas.microsoft.com/office/drawing/2010/main" xmlns:w16se="http://schemas.microsoft.com/office/word/2015/wordml/symex" xmlns:w16cid="http://schemas.microsoft.com/office/word/2016/wordml/cid" xmlns:am3d="http://schemas.microsoft.com/office/drawing/2017/model3d" xmlns:aink="http://schemas.microsoft.com/office/drawing/2016/ink" xmlns:cx8="http://schemas.microsoft.com/office/drawing/2016/5/14/chartex" xmlns:cx7="http://schemas.microsoft.com/office/drawing/2016/5/13/chartex" xmlns:cx6="http://schemas.microsoft.com/office/drawing/2016/5/12/chartex" xmlns:cx5="http://schemas.microsoft.com/office/drawing/2016/5/11/chartex" xmlns:cx4="http://schemas.microsoft.com/office/drawing/2016/5/10/chartex" xmlns:cx3="http://schemas.microsoft.com/office/drawing/2016/5/9/chartex" xmlns:cx2="http://schemas.microsoft.com/office/drawing/2015/10/21/chartex" xmlns:cx1="http://schemas.microsoft.com/office/drawing/2015/9/8/chartex" xmlns:cx="http://schemas.microsoft.com/office/drawing/2014/chartex" xmlns:wps="http://schemas.microsoft.com/office/word/2010/wordprocessingShape" xmlns:wne="http://schemas.microsoft.com/office/word/2006/wordml" xmlns:wpi="http://schemas.microsoft.com/office/word/2010/wordprocessingInk" xmlns:wpg="http://schemas.microsoft.com/office/word/2010/wordprocessingGroup" xmlns:w15="http://schemas.microsoft.com/office/word/2012/wordml" xmlns:w14="http://schemas.microsoft.com/office/word/2010/wordml" xmlns:wp="http://schemas.openxmlformats.org/drawingml/2006/wordprocessingDrawing" xmlns:wp14="http://schemas.microsoft.com/office/word/2010/wordprocessingDrawing" xmlns:m="http://schemas.openxmlformats.org/officeDocument/2006/math" xmlns:mc="http://schemas.openxmlformats.org/markup-compatibility/2006" xmlns:wpc="http://schemas.microsoft.com/office/word/2010/wordprocessingCanvas">
                   <a:solidFill>
                     <a:srgbClr val="FFFFFF"/>
                   </a:solidFill>
                 </a14:hiddenFill>
               </a:ext>
               <a:ext uri="{91240B29-F687-4f45-9708-019B960494DF}">
-                <a14:hiddenLine xmlns:wpc="http://schemas.microsoft.com/office/word/2010/wordprocessingCanvas" xmlns:mc="http://schemas.openxmlformats.org/markup-compatibility/2006" xmlns:m="http://schemas.openxmlformats.org/officeDocument/2006/math" xmlns:wp14="http://schemas.microsoft.com/office/word/2010/wordprocessingDrawing" xmlns:wp="http://schemas.openxmlformats.org/drawingml/2006/wordprocessingDrawing" xmlns:w14="http://schemas.microsoft.com/office/word/2010/wordml" xmlns:w15="http://schemas.microsoft.com/office/word/2012/wordml" xmlns:wpg="http://schemas.microsoft.com/office/word/2010/wordprocessingGroup" xmlns:wpi="http://schemas.microsoft.com/office/word/2010/wordprocessingInk" xmlns:wne="http://schemas.microsoft.com/office/word/2006/wordml" xmlns:wps="http://schemas.microsoft.com/office/word/2010/wordprocessingShape" xmlns:cx="http://schemas.microsoft.com/office/drawing/2014/chartex" xmlns:cx1="http://schemas.microsoft.com/office/drawing/2015/9/8/chartex" xmlns:cx2="http://schemas.microsoft.com/office/drawing/2015/10/21/chartex" xmlns:cx3="http://schemas.microsoft.com/office/drawing/2016/5/9/chartex" xmlns:cx4="http://schemas.microsoft.com/office/drawing/2016/5/10/chartex" xmlns:cx5="http://schemas.microsoft.com/office/drawing/2016/5/11/chartex" xmlns:cx6="http://schemas.microsoft.com/office/drawing/2016/5/12/chartex" xmlns:cx7="http://schemas.microsoft.com/office/drawing/2016/5/13/chartex" xmlns:cx8="http://schemas.microsoft.com/office/drawing/2016/5/14/chartex" xmlns:aink="http://schemas.microsoft.com/office/drawing/2016/ink" xmlns:am3d="http://schemas.microsoft.com/office/drawing/2017/model3d" xmlns:w16cid="http://schemas.microsoft.com/office/word/2016/wordml/cid" xmlns:w16se="http://schemas.microsoft.com/office/word/2015/wordml/symex" xmlns:a14="http://schemas.microsoft.com/office/drawing/2010/main" xmlns:w="http://schemas.openxmlformats.org/wordprocessingml/2006/main" xmlns:w10="urn:schemas-microsoft-com:office:word" xmlns:v="urn:schemas-microsoft-com:vml" xmlns:o="urn:schemas-microsoft-com:office:office" xmlns:mv="urn:schemas-microsoft-com:mac:vml" xmlns:mo="http://schemas.microsoft.com/office/mac/office/2008/main" xmlns="" xmlns:arto="http://schemas.microsoft.com/office/word/2006/arto" xmlns:lc="http://schemas.openxmlformats.org/drawingml/2006/lockedCanvas" w="9525">
+                <a14:hiddenLine xmlns:lc="http://schemas.openxmlformats.org/drawingml/2006/lockedCanvas" xmlns:arto="http://schemas.microsoft.com/office/word/2006/arto" xmlns="" xmlns:mo="http://schemas.microsoft.com/office/mac/office/2008/main" xmlns:mv="urn:schemas-microsoft-com:mac:vml" xmlns:o="urn:schemas-microsoft-com:office:office" xmlns:v="urn:schemas-microsoft-com:vml" xmlns:w10="urn:schemas-microsoft-com:office:word" xmlns:w="http://schemas.openxmlformats.org/wordprocessingml/2006/main" xmlns:a14="http://schemas.microsoft.com/office/drawing/2010/main" xmlns:w16se="http://schemas.microsoft.com/office/word/2015/wordml/symex" xmlns:w16cid="http://schemas.microsoft.com/office/word/2016/wordml/cid" xmlns:am3d="http://schemas.microsoft.com/office/drawing/2017/model3d" xmlns:aink="http://schemas.microsoft.com/office/drawing/2016/ink" xmlns:cx8="http://schemas.microsoft.com/office/drawing/2016/5/14/chartex" xmlns:cx7="http://schemas.microsoft.com/office/drawing/2016/5/13/chartex" xmlns:cx6="http://schemas.microsoft.com/office/drawing/2016/5/12/chartex" xmlns:cx5="http://schemas.microsoft.com/office/drawing/2016/5/11/chartex" xmlns:cx4="http://schemas.microsoft.com/office/drawing/2016/5/10/chartex" xmlns:cx3="http://schemas.microsoft.com/office/drawing/2016/5/9/chartex" xmlns:cx2="http://schemas.microsoft.com/office/drawing/2015/10/21/chartex" xmlns:cx1="http://schemas.microsoft.com/office/drawing/2015/9/8/chartex" xmlns:cx="http://schemas.microsoft.com/office/drawing/2014/chartex" xmlns:wps="http://schemas.microsoft.com/office/word/2010/wordprocessingShape" xmlns:wne="http://schemas.microsoft.com/office/word/2006/wordml" xmlns:wpi="http://schemas.microsoft.com/office/word/2010/wordprocessingInk" xmlns:wpg="http://schemas.microsoft.com/office/word/2010/wordprocessingGroup" xmlns:w15="http://schemas.microsoft.com/office/word/2012/wordml" xmlns:w14="http://schemas.microsoft.com/office/word/2010/wordml" xmlns:wp="http://schemas.openxmlformats.org/drawingml/2006/wordprocessingDrawing" xmlns:wp14="http://schemas.microsoft.com/office/word/2010/wordprocessingDrawing" xmlns:m="http://schemas.openxmlformats.org/officeDocument/2006/math" xmlns:mc="http://schemas.openxmlformats.org/markup-compatibility/2006" xmlns:wpc="http://schemas.microsoft.com/office/word/2010/wordprocessingCanvas" w="9525">
                   <a:solidFill>
                     <a:srgbClr val="000000"/>
                   </a:solidFill>
@@ -4074,20 +3697,13 @@
             </a:bodyPr>
             <a:lstStyle/>
             <a:p>
-              <a:pPr marL="0" marR="0" algn="ctr">
+              <a:pPr algn="ctr">
                 <a:lnSpc>
                   <a:spcPct val="115000"/>
                 </a:lnSpc>
-                <a:spcBef>
-                  <a:spcPts val="0"/>
-                </a:spcBef>
-                <a:spcAft>
-                  <a:spcPts val="0"/>
-                </a:spcAft>
               </a:pPr>
               <a:r>
                 <a:rPr lang="en-US" sz="700">
-                  <a:effectLst/>
                   <a:highlight>
                     <a:srgbClr val="D3D3D3"/>
                   </a:highlight>
@@ -4098,14 +3714,12 @@
               </a:r>
               <a:r>
                 <a:rPr lang="en-US" sz="700">
-                  <a:effectLst/>
                   <a:latin typeface="Times New Roman" panose="02020603050405020304" pitchFamily="18" charset="0"/>
                   <a:ea typeface="Times New Roman" panose="02020603050405020304" pitchFamily="18" charset="0"/>
                 </a:rPr>
                 <a:t> Request</a:t>
               </a:r>
               <a:endParaRPr lang="en-US" sz="1200">
-                <a:effectLst/>
                 <a:latin typeface="Times New Roman" panose="02020603050405020304" pitchFamily="18" charset="0"/>
                 <a:ea typeface="Times New Roman" panose="02020603050405020304" pitchFamily="18" charset="0"/>
               </a:endParaRPr>
@@ -4165,7 +3779,7 @@
               </a:ln>
               <a:extLst>
                 <a:ext uri="{909E8E84-426E-40dd-AFC4-6F175D3DCCD1}">
-                  <a14:hiddenFill xmlns:wpc="http://schemas.microsoft.com/office/word/2010/wordprocessingCanvas" xmlns:mc="http://schemas.openxmlformats.org/markup-compatibility/2006" xmlns:m="http://schemas.openxmlformats.org/officeDocument/2006/math" xmlns:wp14="http://schemas.microsoft.com/office/word/2010/wordprocessingDrawing" xmlns:wp="http://schemas.openxmlformats.org/drawingml/2006/wordprocessingDrawing" xmlns:w14="http://schemas.microsoft.com/office/word/2010/wordml" xmlns:w15="http://schemas.microsoft.com/office/word/2012/wordml" xmlns:wpg="http://schemas.microsoft.com/office/word/2010/wordprocessingGroup" xmlns:wpi="http://schemas.microsoft.com/office/word/2010/wordprocessingInk" xmlns:wne="http://schemas.microsoft.com/office/word/2006/wordml" xmlns:wps="http://schemas.microsoft.com/office/word/2010/wordprocessingShape" xmlns:cx="http://schemas.microsoft.com/office/drawing/2014/chartex" xmlns:cx1="http://schemas.microsoft.com/office/drawing/2015/9/8/chartex" xmlns:cx2="http://schemas.microsoft.com/office/drawing/2015/10/21/chartex" xmlns:cx3="http://schemas.microsoft.com/office/drawing/2016/5/9/chartex" xmlns:cx4="http://schemas.microsoft.com/office/drawing/2016/5/10/chartex" xmlns:cx5="http://schemas.microsoft.com/office/drawing/2016/5/11/chartex" xmlns:cx6="http://schemas.microsoft.com/office/drawing/2016/5/12/chartex" xmlns:cx7="http://schemas.microsoft.com/office/drawing/2016/5/13/chartex" xmlns:cx8="http://schemas.microsoft.com/office/drawing/2016/5/14/chartex" xmlns:aink="http://schemas.microsoft.com/office/drawing/2016/ink" xmlns:am3d="http://schemas.microsoft.com/office/drawing/2017/model3d" xmlns:w16cid="http://schemas.microsoft.com/office/word/2016/wordml/cid" xmlns:w16se="http://schemas.microsoft.com/office/word/2015/wordml/symex" xmlns:a14="http://schemas.microsoft.com/office/drawing/2010/main" xmlns:w="http://schemas.openxmlformats.org/wordprocessingml/2006/main" xmlns:w10="urn:schemas-microsoft-com:office:word" xmlns:v="urn:schemas-microsoft-com:vml" xmlns:o="urn:schemas-microsoft-com:office:office" xmlns:mv="urn:schemas-microsoft-com:mac:vml" xmlns:mo="http://schemas.microsoft.com/office/mac/office/2008/main" xmlns="" xmlns:arto="http://schemas.microsoft.com/office/word/2006/arto" xmlns:lc="http://schemas.openxmlformats.org/drawingml/2006/lockedCanvas">
+                  <a14:hiddenFill xmlns:lc="http://schemas.openxmlformats.org/drawingml/2006/lockedCanvas" xmlns:arto="http://schemas.microsoft.com/office/word/2006/arto" xmlns="" xmlns:mo="http://schemas.microsoft.com/office/mac/office/2008/main" xmlns:mv="urn:schemas-microsoft-com:mac:vml" xmlns:o="urn:schemas-microsoft-com:office:office" xmlns:v="urn:schemas-microsoft-com:vml" xmlns:w10="urn:schemas-microsoft-com:office:word" xmlns:w="http://schemas.openxmlformats.org/wordprocessingml/2006/main" xmlns:a14="http://schemas.microsoft.com/office/drawing/2010/main" xmlns:w16se="http://schemas.microsoft.com/office/word/2015/wordml/symex" xmlns:w16cid="http://schemas.microsoft.com/office/word/2016/wordml/cid" xmlns:am3d="http://schemas.microsoft.com/office/drawing/2017/model3d" xmlns:aink="http://schemas.microsoft.com/office/drawing/2016/ink" xmlns:cx8="http://schemas.microsoft.com/office/drawing/2016/5/14/chartex" xmlns:cx7="http://schemas.microsoft.com/office/drawing/2016/5/13/chartex" xmlns:cx6="http://schemas.microsoft.com/office/drawing/2016/5/12/chartex" xmlns:cx5="http://schemas.microsoft.com/office/drawing/2016/5/11/chartex" xmlns:cx4="http://schemas.microsoft.com/office/drawing/2016/5/10/chartex" xmlns:cx3="http://schemas.microsoft.com/office/drawing/2016/5/9/chartex" xmlns:cx2="http://schemas.microsoft.com/office/drawing/2015/10/21/chartex" xmlns:cx1="http://schemas.microsoft.com/office/drawing/2015/9/8/chartex" xmlns:cx="http://schemas.microsoft.com/office/drawing/2014/chartex" xmlns:wps="http://schemas.microsoft.com/office/word/2010/wordprocessingShape" xmlns:wne="http://schemas.microsoft.com/office/word/2006/wordml" xmlns:wpi="http://schemas.microsoft.com/office/word/2010/wordprocessingInk" xmlns:wpg="http://schemas.microsoft.com/office/word/2010/wordprocessingGroup" xmlns:w15="http://schemas.microsoft.com/office/word/2012/wordml" xmlns:w14="http://schemas.microsoft.com/office/word/2010/wordml" xmlns:wp="http://schemas.openxmlformats.org/drawingml/2006/wordprocessingDrawing" xmlns:wp14="http://schemas.microsoft.com/office/word/2010/wordprocessingDrawing" xmlns:m="http://schemas.openxmlformats.org/officeDocument/2006/math" xmlns:mc="http://schemas.openxmlformats.org/markup-compatibility/2006" xmlns:wpc="http://schemas.microsoft.com/office/word/2010/wordprocessingCanvas">
                     <a:noFill/>
                   </a14:hiddenFill>
                 </a:ext>
@@ -4205,7 +3819,7 @@
               </a:ln>
               <a:extLst>
                 <a:ext uri="{909E8E84-426E-40dd-AFC4-6F175D3DCCD1}">
-                  <a14:hiddenFill xmlns:wpc="http://schemas.microsoft.com/office/word/2010/wordprocessingCanvas" xmlns:mc="http://schemas.openxmlformats.org/markup-compatibility/2006" xmlns:m="http://schemas.openxmlformats.org/officeDocument/2006/math" xmlns:wp14="http://schemas.microsoft.com/office/word/2010/wordprocessingDrawing" xmlns:wp="http://schemas.openxmlformats.org/drawingml/2006/wordprocessingDrawing" xmlns:w14="http://schemas.microsoft.com/office/word/2010/wordml" xmlns:w15="http://schemas.microsoft.com/office/word/2012/wordml" xmlns:wpg="http://schemas.microsoft.com/office/word/2010/wordprocessingGroup" xmlns:wpi="http://schemas.microsoft.com/office/word/2010/wordprocessingInk" xmlns:wne="http://schemas.microsoft.com/office/word/2006/wordml" xmlns:wps="http://schemas.microsoft.com/office/word/2010/wordprocessingShape" xmlns:cx="http://schemas.microsoft.com/office/drawing/2014/chartex" xmlns:cx1="http://schemas.microsoft.com/office/drawing/2015/9/8/chartex" xmlns:cx2="http://schemas.microsoft.com/office/drawing/2015/10/21/chartex" xmlns:cx3="http://schemas.microsoft.com/office/drawing/2016/5/9/chartex" xmlns:cx4="http://schemas.microsoft.com/office/drawing/2016/5/10/chartex" xmlns:cx5="http://schemas.microsoft.com/office/drawing/2016/5/11/chartex" xmlns:cx6="http://schemas.microsoft.com/office/drawing/2016/5/12/chartex" xmlns:cx7="http://schemas.microsoft.com/office/drawing/2016/5/13/chartex" xmlns:cx8="http://schemas.microsoft.com/office/drawing/2016/5/14/chartex" xmlns:aink="http://schemas.microsoft.com/office/drawing/2016/ink" xmlns:am3d="http://schemas.microsoft.com/office/drawing/2017/model3d" xmlns:w16cid="http://schemas.microsoft.com/office/word/2016/wordml/cid" xmlns:w16se="http://schemas.microsoft.com/office/word/2015/wordml/symex" xmlns:a14="http://schemas.microsoft.com/office/drawing/2010/main" xmlns:w="http://schemas.openxmlformats.org/wordprocessingml/2006/main" xmlns:w10="urn:schemas-microsoft-com:office:word" xmlns:v="urn:schemas-microsoft-com:vml" xmlns:o="urn:schemas-microsoft-com:office:office" xmlns:mv="urn:schemas-microsoft-com:mac:vml" xmlns:mo="http://schemas.microsoft.com/office/mac/office/2008/main" xmlns="" xmlns:arto="http://schemas.microsoft.com/office/word/2006/arto" xmlns:lc="http://schemas.openxmlformats.org/drawingml/2006/lockedCanvas">
+                  <a14:hiddenFill xmlns:lc="http://schemas.openxmlformats.org/drawingml/2006/lockedCanvas" xmlns:arto="http://schemas.microsoft.com/office/word/2006/arto" xmlns="" xmlns:mo="http://schemas.microsoft.com/office/mac/office/2008/main" xmlns:mv="urn:schemas-microsoft-com:mac:vml" xmlns:o="urn:schemas-microsoft-com:office:office" xmlns:v="urn:schemas-microsoft-com:vml" xmlns:w10="urn:schemas-microsoft-com:office:word" xmlns:w="http://schemas.openxmlformats.org/wordprocessingml/2006/main" xmlns:a14="http://schemas.microsoft.com/office/drawing/2010/main" xmlns:w16se="http://schemas.microsoft.com/office/word/2015/wordml/symex" xmlns:w16cid="http://schemas.microsoft.com/office/word/2016/wordml/cid" xmlns:am3d="http://schemas.microsoft.com/office/drawing/2017/model3d" xmlns:aink="http://schemas.microsoft.com/office/drawing/2016/ink" xmlns:cx8="http://schemas.microsoft.com/office/drawing/2016/5/14/chartex" xmlns:cx7="http://schemas.microsoft.com/office/drawing/2016/5/13/chartex" xmlns:cx6="http://schemas.microsoft.com/office/drawing/2016/5/12/chartex" xmlns:cx5="http://schemas.microsoft.com/office/drawing/2016/5/11/chartex" xmlns:cx4="http://schemas.microsoft.com/office/drawing/2016/5/10/chartex" xmlns:cx3="http://schemas.microsoft.com/office/drawing/2016/5/9/chartex" xmlns:cx2="http://schemas.microsoft.com/office/drawing/2015/10/21/chartex" xmlns:cx1="http://schemas.microsoft.com/office/drawing/2015/9/8/chartex" xmlns:cx="http://schemas.microsoft.com/office/drawing/2014/chartex" xmlns:wps="http://schemas.microsoft.com/office/word/2010/wordprocessingShape" xmlns:wne="http://schemas.microsoft.com/office/word/2006/wordml" xmlns:wpi="http://schemas.microsoft.com/office/word/2010/wordprocessingInk" xmlns:wpg="http://schemas.microsoft.com/office/word/2010/wordprocessingGroup" xmlns:w15="http://schemas.microsoft.com/office/word/2012/wordml" xmlns:w14="http://schemas.microsoft.com/office/word/2010/wordml" xmlns:wp="http://schemas.openxmlformats.org/drawingml/2006/wordprocessingDrawing" xmlns:wp14="http://schemas.microsoft.com/office/word/2010/wordprocessingDrawing" xmlns:m="http://schemas.openxmlformats.org/officeDocument/2006/math" xmlns:mc="http://schemas.openxmlformats.org/markup-compatibility/2006" xmlns:wpc="http://schemas.microsoft.com/office/word/2010/wordprocessingCanvas">
                     <a:noFill/>
                   </a14:hiddenFill>
                 </a:ext>
@@ -4241,14 +3855,14 @@
             </a:ln>
             <a:extLst>
               <a:ext uri="{909E8E84-426E-40dd-AFC4-6F175D3DCCD1}">
-                <a14:hiddenFill xmlns:wpc="http://schemas.microsoft.com/office/word/2010/wordprocessingCanvas" xmlns:mc="http://schemas.openxmlformats.org/markup-compatibility/2006" xmlns:m="http://schemas.openxmlformats.org/officeDocument/2006/math" xmlns:wp14="http://schemas.microsoft.com/office/word/2010/wordprocessingDrawing" xmlns:wp="http://schemas.openxmlformats.org/drawingml/2006/wordprocessingDrawing" xmlns:w14="http://schemas.microsoft.com/office/word/2010/wordml" xmlns:w15="http://schemas.microsoft.com/office/word/2012/wordml" xmlns:wpg="http://schemas.microsoft.com/office/word/2010/wordprocessingGroup" xmlns:wpi="http://schemas.microsoft.com/office/word/2010/wordprocessingInk" xmlns:wne="http://schemas.microsoft.com/office/word/2006/wordml" xmlns:wps="http://schemas.microsoft.com/office/word/2010/wordprocessingShape" xmlns:cx="http://schemas.microsoft.com/office/drawing/2014/chartex" xmlns:cx1="http://schemas.microsoft.com/office/drawing/2015/9/8/chartex" xmlns:cx2="http://schemas.microsoft.com/office/drawing/2015/10/21/chartex" xmlns:cx3="http://schemas.microsoft.com/office/drawing/2016/5/9/chartex" xmlns:cx4="http://schemas.microsoft.com/office/drawing/2016/5/10/chartex" xmlns:cx5="http://schemas.microsoft.com/office/drawing/2016/5/11/chartex" xmlns:cx6="http://schemas.microsoft.com/office/drawing/2016/5/12/chartex" xmlns:cx7="http://schemas.microsoft.com/office/drawing/2016/5/13/chartex" xmlns:cx8="http://schemas.microsoft.com/office/drawing/2016/5/14/chartex" xmlns:aink="http://schemas.microsoft.com/office/drawing/2016/ink" xmlns:am3d="http://schemas.microsoft.com/office/drawing/2017/model3d" xmlns:w16cid="http://schemas.microsoft.com/office/word/2016/wordml/cid" xmlns:w16se="http://schemas.microsoft.com/office/word/2015/wordml/symex" xmlns:a14="http://schemas.microsoft.com/office/drawing/2010/main" xmlns:w="http://schemas.openxmlformats.org/wordprocessingml/2006/main" xmlns:w10="urn:schemas-microsoft-com:office:word" xmlns:v="urn:schemas-microsoft-com:vml" xmlns:o="urn:schemas-microsoft-com:office:office" xmlns:mv="urn:schemas-microsoft-com:mac:vml" xmlns:mo="http://schemas.microsoft.com/office/mac/office/2008/main" xmlns="" xmlns:arto="http://schemas.microsoft.com/office/word/2006/arto" xmlns:lc="http://schemas.openxmlformats.org/drawingml/2006/lockedCanvas">
+                <a14:hiddenFill xmlns:lc="http://schemas.openxmlformats.org/drawingml/2006/lockedCanvas" xmlns:arto="http://schemas.microsoft.com/office/word/2006/arto" xmlns="" xmlns:mo="http://schemas.microsoft.com/office/mac/office/2008/main" xmlns:mv="urn:schemas-microsoft-com:mac:vml" xmlns:o="urn:schemas-microsoft-com:office:office" xmlns:v="urn:schemas-microsoft-com:vml" xmlns:w10="urn:schemas-microsoft-com:office:word" xmlns:w="http://schemas.openxmlformats.org/wordprocessingml/2006/main" xmlns:a14="http://schemas.microsoft.com/office/drawing/2010/main" xmlns:w16se="http://schemas.microsoft.com/office/word/2015/wordml/symex" xmlns:w16cid="http://schemas.microsoft.com/office/word/2016/wordml/cid" xmlns:am3d="http://schemas.microsoft.com/office/drawing/2017/model3d" xmlns:aink="http://schemas.microsoft.com/office/drawing/2016/ink" xmlns:cx8="http://schemas.microsoft.com/office/drawing/2016/5/14/chartex" xmlns:cx7="http://schemas.microsoft.com/office/drawing/2016/5/13/chartex" xmlns:cx6="http://schemas.microsoft.com/office/drawing/2016/5/12/chartex" xmlns:cx5="http://schemas.microsoft.com/office/drawing/2016/5/11/chartex" xmlns:cx4="http://schemas.microsoft.com/office/drawing/2016/5/10/chartex" xmlns:cx3="http://schemas.microsoft.com/office/drawing/2016/5/9/chartex" xmlns:cx2="http://schemas.microsoft.com/office/drawing/2015/10/21/chartex" xmlns:cx1="http://schemas.microsoft.com/office/drawing/2015/9/8/chartex" xmlns:cx="http://schemas.microsoft.com/office/drawing/2014/chartex" xmlns:wps="http://schemas.microsoft.com/office/word/2010/wordprocessingShape" xmlns:wne="http://schemas.microsoft.com/office/word/2006/wordml" xmlns:wpi="http://schemas.microsoft.com/office/word/2010/wordprocessingInk" xmlns:wpg="http://schemas.microsoft.com/office/word/2010/wordprocessingGroup" xmlns:w15="http://schemas.microsoft.com/office/word/2012/wordml" xmlns:w14="http://schemas.microsoft.com/office/word/2010/wordml" xmlns:wp="http://schemas.openxmlformats.org/drawingml/2006/wordprocessingDrawing" xmlns:wp14="http://schemas.microsoft.com/office/word/2010/wordprocessingDrawing" xmlns:m="http://schemas.openxmlformats.org/officeDocument/2006/math" xmlns:mc="http://schemas.openxmlformats.org/markup-compatibility/2006" xmlns:wpc="http://schemas.microsoft.com/office/word/2010/wordprocessingCanvas">
                   <a:solidFill>
                     <a:srgbClr val="FFFFFF"/>
                   </a:solidFill>
                 </a14:hiddenFill>
               </a:ext>
               <a:ext uri="{91240B29-F687-4f45-9708-019B960494DF}">
-                <a14:hiddenLine xmlns:wpc="http://schemas.microsoft.com/office/word/2010/wordprocessingCanvas" xmlns:mc="http://schemas.openxmlformats.org/markup-compatibility/2006" xmlns:m="http://schemas.openxmlformats.org/officeDocument/2006/math" xmlns:wp14="http://schemas.microsoft.com/office/word/2010/wordprocessingDrawing" xmlns:wp="http://schemas.openxmlformats.org/drawingml/2006/wordprocessingDrawing" xmlns:w14="http://schemas.microsoft.com/office/word/2010/wordml" xmlns:w15="http://schemas.microsoft.com/office/word/2012/wordml" xmlns:wpg="http://schemas.microsoft.com/office/word/2010/wordprocessingGroup" xmlns:wpi="http://schemas.microsoft.com/office/word/2010/wordprocessingInk" xmlns:wne="http://schemas.microsoft.com/office/word/2006/wordml" xmlns:wps="http://schemas.microsoft.com/office/word/2010/wordprocessingShape" xmlns:cx="http://schemas.microsoft.com/office/drawing/2014/chartex" xmlns:cx1="http://schemas.microsoft.com/office/drawing/2015/9/8/chartex" xmlns:cx2="http://schemas.microsoft.com/office/drawing/2015/10/21/chartex" xmlns:cx3="http://schemas.microsoft.com/office/drawing/2016/5/9/chartex" xmlns:cx4="http://schemas.microsoft.com/office/drawing/2016/5/10/chartex" xmlns:cx5="http://schemas.microsoft.com/office/drawing/2016/5/11/chartex" xmlns:cx6="http://schemas.microsoft.com/office/drawing/2016/5/12/chartex" xmlns:cx7="http://schemas.microsoft.com/office/drawing/2016/5/13/chartex" xmlns:cx8="http://schemas.microsoft.com/office/drawing/2016/5/14/chartex" xmlns:aink="http://schemas.microsoft.com/office/drawing/2016/ink" xmlns:am3d="http://schemas.microsoft.com/office/drawing/2017/model3d" xmlns:w16cid="http://schemas.microsoft.com/office/word/2016/wordml/cid" xmlns:w16se="http://schemas.microsoft.com/office/word/2015/wordml/symex" xmlns:a14="http://schemas.microsoft.com/office/drawing/2010/main" xmlns:w="http://schemas.openxmlformats.org/wordprocessingml/2006/main" xmlns:w10="urn:schemas-microsoft-com:office:word" xmlns:v="urn:schemas-microsoft-com:vml" xmlns:o="urn:schemas-microsoft-com:office:office" xmlns:mv="urn:schemas-microsoft-com:mac:vml" xmlns:mo="http://schemas.microsoft.com/office/mac/office/2008/main" xmlns="" xmlns:arto="http://schemas.microsoft.com/office/word/2006/arto" xmlns:lc="http://schemas.openxmlformats.org/drawingml/2006/lockedCanvas" w="9525">
+                <a14:hiddenLine xmlns:lc="http://schemas.openxmlformats.org/drawingml/2006/lockedCanvas" xmlns:arto="http://schemas.microsoft.com/office/word/2006/arto" xmlns="" xmlns:mo="http://schemas.microsoft.com/office/mac/office/2008/main" xmlns:mv="urn:schemas-microsoft-com:mac:vml" xmlns:o="urn:schemas-microsoft-com:office:office" xmlns:v="urn:schemas-microsoft-com:vml" xmlns:w10="urn:schemas-microsoft-com:office:word" xmlns:w="http://schemas.openxmlformats.org/wordprocessingml/2006/main" xmlns:a14="http://schemas.microsoft.com/office/drawing/2010/main" xmlns:w16se="http://schemas.microsoft.com/office/word/2015/wordml/symex" xmlns:w16cid="http://schemas.microsoft.com/office/word/2016/wordml/cid" xmlns:am3d="http://schemas.microsoft.com/office/drawing/2017/model3d" xmlns:aink="http://schemas.microsoft.com/office/drawing/2016/ink" xmlns:cx8="http://schemas.microsoft.com/office/drawing/2016/5/14/chartex" xmlns:cx7="http://schemas.microsoft.com/office/drawing/2016/5/13/chartex" xmlns:cx6="http://schemas.microsoft.com/office/drawing/2016/5/12/chartex" xmlns:cx5="http://schemas.microsoft.com/office/drawing/2016/5/11/chartex" xmlns:cx4="http://schemas.microsoft.com/office/drawing/2016/5/10/chartex" xmlns:cx3="http://schemas.microsoft.com/office/drawing/2016/5/9/chartex" xmlns:cx2="http://schemas.microsoft.com/office/drawing/2015/10/21/chartex" xmlns:cx1="http://schemas.microsoft.com/office/drawing/2015/9/8/chartex" xmlns:cx="http://schemas.microsoft.com/office/drawing/2014/chartex" xmlns:wps="http://schemas.microsoft.com/office/word/2010/wordprocessingShape" xmlns:wne="http://schemas.microsoft.com/office/word/2006/wordml" xmlns:wpi="http://schemas.microsoft.com/office/word/2010/wordprocessingInk" xmlns:wpg="http://schemas.microsoft.com/office/word/2010/wordprocessingGroup" xmlns:w15="http://schemas.microsoft.com/office/word/2012/wordml" xmlns:w14="http://schemas.microsoft.com/office/word/2010/wordml" xmlns:wp="http://schemas.openxmlformats.org/drawingml/2006/wordprocessingDrawing" xmlns:wp14="http://schemas.microsoft.com/office/word/2010/wordprocessingDrawing" xmlns:m="http://schemas.openxmlformats.org/officeDocument/2006/math" xmlns:mc="http://schemas.openxmlformats.org/markup-compatibility/2006" xmlns:wpc="http://schemas.microsoft.com/office/word/2010/wordprocessingCanvas" w="9525">
                   <a:solidFill>
                     <a:srgbClr val="000000"/>
                   </a:solidFill>
@@ -4265,17 +3879,9 @@
             </a:bodyPr>
             <a:lstStyle/>
             <a:p>
-              <a:pPr marL="0" marR="0" algn="ctr">
-                <a:spcBef>
-                  <a:spcPts val="0"/>
-                </a:spcBef>
-                <a:spcAft>
-                  <a:spcPts val="0"/>
-                </a:spcAft>
-              </a:pPr>
+              <a:pPr algn="ctr"/>
               <a:r>
                 <a:rPr lang="en-US" sz="700">
-                  <a:effectLst/>
                   <a:highlight>
                     <a:srgbClr val="D3D3D3"/>
                   </a:highlight>
@@ -4286,14 +3892,12 @@
               </a:r>
               <a:r>
                 <a:rPr lang="en-US" sz="700">
-                  <a:effectLst/>
                   <a:latin typeface="Times New Roman" panose="02020603050405020304" pitchFamily="18" charset="0"/>
                   <a:ea typeface="Times New Roman" panose="02020603050405020304" pitchFamily="18" charset="0"/>
                 </a:rPr>
                 <a:t> Response</a:t>
               </a:r>
               <a:endParaRPr lang="en-US" sz="1200">
-                <a:effectLst/>
                 <a:latin typeface="Times New Roman" panose="02020603050405020304" pitchFamily="18" charset="0"/>
                 <a:ea typeface="Times New Roman" panose="02020603050405020304" pitchFamily="18" charset="0"/>
               </a:endParaRPr>
@@ -4374,14 +3978,14 @@
             </a:ln>
             <a:extLst>
               <a:ext uri="{909E8E84-426E-40dd-AFC4-6F175D3DCCD1}">
-                <a14:hiddenFill xmlns:wpc="http://schemas.microsoft.com/office/word/2010/wordprocessingCanvas" xmlns:mc="http://schemas.openxmlformats.org/markup-compatibility/2006" xmlns:m="http://schemas.openxmlformats.org/officeDocument/2006/math" xmlns:wp14="http://schemas.microsoft.com/office/word/2010/wordprocessingDrawing" xmlns:wp="http://schemas.openxmlformats.org/drawingml/2006/wordprocessingDrawing" xmlns:w14="http://schemas.microsoft.com/office/word/2010/wordml" xmlns:w15="http://schemas.microsoft.com/office/word/2012/wordml" xmlns:wpg="http://schemas.microsoft.com/office/word/2010/wordprocessingGroup" xmlns:wpi="http://schemas.microsoft.com/office/word/2010/wordprocessingInk" xmlns:wne="http://schemas.microsoft.com/office/word/2006/wordml" xmlns:wps="http://schemas.microsoft.com/office/word/2010/wordprocessingShape" xmlns:cx="http://schemas.microsoft.com/office/drawing/2014/chartex" xmlns:cx1="http://schemas.microsoft.com/office/drawing/2015/9/8/chartex" xmlns:cx2="http://schemas.microsoft.com/office/drawing/2015/10/21/chartex" xmlns:cx3="http://schemas.microsoft.com/office/drawing/2016/5/9/chartex" xmlns:cx4="http://schemas.microsoft.com/office/drawing/2016/5/10/chartex" xmlns:cx5="http://schemas.microsoft.com/office/drawing/2016/5/11/chartex" xmlns:cx6="http://schemas.microsoft.com/office/drawing/2016/5/12/chartex" xmlns:cx7="http://schemas.microsoft.com/office/drawing/2016/5/13/chartex" xmlns:cx8="http://schemas.microsoft.com/office/drawing/2016/5/14/chartex" xmlns:aink="http://schemas.microsoft.com/office/drawing/2016/ink" xmlns:am3d="http://schemas.microsoft.com/office/drawing/2017/model3d" xmlns:w16cid="http://schemas.microsoft.com/office/word/2016/wordml/cid" xmlns:w16se="http://schemas.microsoft.com/office/word/2015/wordml/symex" xmlns:a14="http://schemas.microsoft.com/office/drawing/2010/main" xmlns:w="http://schemas.openxmlformats.org/wordprocessingml/2006/main" xmlns:w10="urn:schemas-microsoft-com:office:word" xmlns:v="urn:schemas-microsoft-com:vml" xmlns:o="urn:schemas-microsoft-com:office:office" xmlns:mv="urn:schemas-microsoft-com:mac:vml" xmlns:mo="http://schemas.microsoft.com/office/mac/office/2008/main" xmlns="" xmlns:arto="http://schemas.microsoft.com/office/word/2006/arto" xmlns:lc="http://schemas.openxmlformats.org/drawingml/2006/lockedCanvas">
+                <a14:hiddenFill xmlns:lc="http://schemas.openxmlformats.org/drawingml/2006/lockedCanvas" xmlns:arto="http://schemas.microsoft.com/office/word/2006/arto" xmlns="" xmlns:mo="http://schemas.microsoft.com/office/mac/office/2008/main" xmlns:mv="urn:schemas-microsoft-com:mac:vml" xmlns:o="urn:schemas-microsoft-com:office:office" xmlns:v="urn:schemas-microsoft-com:vml" xmlns:w10="urn:schemas-microsoft-com:office:word" xmlns:w="http://schemas.openxmlformats.org/wordprocessingml/2006/main" xmlns:a14="http://schemas.microsoft.com/office/drawing/2010/main" xmlns:w16se="http://schemas.microsoft.com/office/word/2015/wordml/symex" xmlns:w16cid="http://schemas.microsoft.com/office/word/2016/wordml/cid" xmlns:am3d="http://schemas.microsoft.com/office/drawing/2017/model3d" xmlns:aink="http://schemas.microsoft.com/office/drawing/2016/ink" xmlns:cx8="http://schemas.microsoft.com/office/drawing/2016/5/14/chartex" xmlns:cx7="http://schemas.microsoft.com/office/drawing/2016/5/13/chartex" xmlns:cx6="http://schemas.microsoft.com/office/drawing/2016/5/12/chartex" xmlns:cx5="http://schemas.microsoft.com/office/drawing/2016/5/11/chartex" xmlns:cx4="http://schemas.microsoft.com/office/drawing/2016/5/10/chartex" xmlns:cx3="http://schemas.microsoft.com/office/drawing/2016/5/9/chartex" xmlns:cx2="http://schemas.microsoft.com/office/drawing/2015/10/21/chartex" xmlns:cx1="http://schemas.microsoft.com/office/drawing/2015/9/8/chartex" xmlns:cx="http://schemas.microsoft.com/office/drawing/2014/chartex" xmlns:wps="http://schemas.microsoft.com/office/word/2010/wordprocessingShape" xmlns:wne="http://schemas.microsoft.com/office/word/2006/wordml" xmlns:wpi="http://schemas.microsoft.com/office/word/2010/wordprocessingInk" xmlns:wpg="http://schemas.microsoft.com/office/word/2010/wordprocessingGroup" xmlns:w15="http://schemas.microsoft.com/office/word/2012/wordml" xmlns:w14="http://schemas.microsoft.com/office/word/2010/wordml" xmlns:wp="http://schemas.openxmlformats.org/drawingml/2006/wordprocessingDrawing" xmlns:wp14="http://schemas.microsoft.com/office/word/2010/wordprocessingDrawing" xmlns:m="http://schemas.openxmlformats.org/officeDocument/2006/math" xmlns:mc="http://schemas.openxmlformats.org/markup-compatibility/2006" xmlns:wpc="http://schemas.microsoft.com/office/word/2010/wordprocessingCanvas">
                   <a:solidFill>
                     <a:srgbClr val="FFFFFF"/>
                   </a:solidFill>
                 </a14:hiddenFill>
               </a:ext>
               <a:ext uri="{91240B29-F687-4f45-9708-019B960494DF}">
-                <a14:hiddenLine xmlns:wpc="http://schemas.microsoft.com/office/word/2010/wordprocessingCanvas" xmlns:mc="http://schemas.openxmlformats.org/markup-compatibility/2006" xmlns:m="http://schemas.openxmlformats.org/officeDocument/2006/math" xmlns:wp14="http://schemas.microsoft.com/office/word/2010/wordprocessingDrawing" xmlns:wp="http://schemas.openxmlformats.org/drawingml/2006/wordprocessingDrawing" xmlns:w14="http://schemas.microsoft.com/office/word/2010/wordml" xmlns:w15="http://schemas.microsoft.com/office/word/2012/wordml" xmlns:wpg="http://schemas.microsoft.com/office/word/2010/wordprocessingGroup" xmlns:wpi="http://schemas.microsoft.com/office/word/2010/wordprocessingInk" xmlns:wne="http://schemas.microsoft.com/office/word/2006/wordml" xmlns:wps="http://schemas.microsoft.com/office/word/2010/wordprocessingShape" xmlns:cx="http://schemas.microsoft.com/office/drawing/2014/chartex" xmlns:cx1="http://schemas.microsoft.com/office/drawing/2015/9/8/chartex" xmlns:cx2="http://schemas.microsoft.com/office/drawing/2015/10/21/chartex" xmlns:cx3="http://schemas.microsoft.com/office/drawing/2016/5/9/chartex" xmlns:cx4="http://schemas.microsoft.com/office/drawing/2016/5/10/chartex" xmlns:cx5="http://schemas.microsoft.com/office/drawing/2016/5/11/chartex" xmlns:cx6="http://schemas.microsoft.com/office/drawing/2016/5/12/chartex" xmlns:cx7="http://schemas.microsoft.com/office/drawing/2016/5/13/chartex" xmlns:cx8="http://schemas.microsoft.com/office/drawing/2016/5/14/chartex" xmlns:aink="http://schemas.microsoft.com/office/drawing/2016/ink" xmlns:am3d="http://schemas.microsoft.com/office/drawing/2017/model3d" xmlns:w16cid="http://schemas.microsoft.com/office/word/2016/wordml/cid" xmlns:w16se="http://schemas.microsoft.com/office/word/2015/wordml/symex" xmlns:a14="http://schemas.microsoft.com/office/drawing/2010/main" xmlns:w="http://schemas.openxmlformats.org/wordprocessingml/2006/main" xmlns:w10="urn:schemas-microsoft-com:office:word" xmlns:v="urn:schemas-microsoft-com:vml" xmlns:o="urn:schemas-microsoft-com:office:office" xmlns:mv="urn:schemas-microsoft-com:mac:vml" xmlns:mo="http://schemas.microsoft.com/office/mac/office/2008/main" xmlns="" xmlns:arto="http://schemas.microsoft.com/office/word/2006/arto" xmlns:lc="http://schemas.openxmlformats.org/drawingml/2006/lockedCanvas" w="9525">
+                <a14:hiddenLine xmlns:lc="http://schemas.openxmlformats.org/drawingml/2006/lockedCanvas" xmlns:arto="http://schemas.microsoft.com/office/word/2006/arto" xmlns="" xmlns:mo="http://schemas.microsoft.com/office/mac/office/2008/main" xmlns:mv="urn:schemas-microsoft-com:mac:vml" xmlns:o="urn:schemas-microsoft-com:office:office" xmlns:v="urn:schemas-microsoft-com:vml" xmlns:w10="urn:schemas-microsoft-com:office:word" xmlns:w="http://schemas.openxmlformats.org/wordprocessingml/2006/main" xmlns:a14="http://schemas.microsoft.com/office/drawing/2010/main" xmlns:w16se="http://schemas.microsoft.com/office/word/2015/wordml/symex" xmlns:w16cid="http://schemas.microsoft.com/office/word/2016/wordml/cid" xmlns:am3d="http://schemas.microsoft.com/office/drawing/2017/model3d" xmlns:aink="http://schemas.microsoft.com/office/drawing/2016/ink" xmlns:cx8="http://schemas.microsoft.com/office/drawing/2016/5/14/chartex" xmlns:cx7="http://schemas.microsoft.com/office/drawing/2016/5/13/chartex" xmlns:cx6="http://schemas.microsoft.com/office/drawing/2016/5/12/chartex" xmlns:cx5="http://schemas.microsoft.com/office/drawing/2016/5/11/chartex" xmlns:cx4="http://schemas.microsoft.com/office/drawing/2016/5/10/chartex" xmlns:cx3="http://schemas.microsoft.com/office/drawing/2016/5/9/chartex" xmlns:cx2="http://schemas.microsoft.com/office/drawing/2015/10/21/chartex" xmlns:cx1="http://schemas.microsoft.com/office/drawing/2015/9/8/chartex" xmlns:cx="http://schemas.microsoft.com/office/drawing/2014/chartex" xmlns:wps="http://schemas.microsoft.com/office/word/2010/wordprocessingShape" xmlns:wne="http://schemas.microsoft.com/office/word/2006/wordml" xmlns:wpi="http://schemas.microsoft.com/office/word/2010/wordprocessingInk" xmlns:wpg="http://schemas.microsoft.com/office/word/2010/wordprocessingGroup" xmlns:w15="http://schemas.microsoft.com/office/word/2012/wordml" xmlns:w14="http://schemas.microsoft.com/office/word/2010/wordml" xmlns:wp="http://schemas.openxmlformats.org/drawingml/2006/wordprocessingDrawing" xmlns:wp14="http://schemas.microsoft.com/office/word/2010/wordprocessingDrawing" xmlns:m="http://schemas.openxmlformats.org/officeDocument/2006/math" xmlns:mc="http://schemas.openxmlformats.org/markup-compatibility/2006" xmlns:wpc="http://schemas.microsoft.com/office/word/2010/wordprocessingCanvas" w="9525">
                   <a:solidFill>
                     <a:srgbClr val="000000"/>
                   </a:solidFill>
@@ -4398,17 +4002,9 @@
             </a:bodyPr>
             <a:lstStyle/>
             <a:p>
-              <a:pPr marL="0" marR="0" algn="ctr">
-                <a:spcBef>
-                  <a:spcPts val="0"/>
-                </a:spcBef>
-                <a:spcAft>
-                  <a:spcPts val="0"/>
-                </a:spcAft>
-              </a:pPr>
+              <a:pPr algn="ctr"/>
               <a:r>
                 <a:rPr lang="fr-FR" sz="700">
-                  <a:effectLst/>
                   <a:highlight>
                     <a:srgbClr val="D3D3D3"/>
                   </a:highlight>
@@ -4418,7 +4014,6 @@
                 <a:t>Retrieve Documents</a:t>
               </a:r>
               <a:endParaRPr lang="en-US" sz="1200">
-                <a:effectLst/>
                 <a:latin typeface="Times New Roman" panose="02020603050405020304" pitchFamily="18" charset="0"/>
                 <a:ea typeface="Times New Roman" panose="02020603050405020304" pitchFamily="18" charset="0"/>
               </a:endParaRPr>
@@ -4478,7 +4073,7 @@
               </a:ln>
               <a:extLst>
                 <a:ext uri="{909E8E84-426E-40dd-AFC4-6F175D3DCCD1}">
-                  <a14:hiddenFill xmlns:wpc="http://schemas.microsoft.com/office/word/2010/wordprocessingCanvas" xmlns:mc="http://schemas.openxmlformats.org/markup-compatibility/2006" xmlns:m="http://schemas.openxmlformats.org/officeDocument/2006/math" xmlns:wp14="http://schemas.microsoft.com/office/word/2010/wordprocessingDrawing" xmlns:wp="http://schemas.openxmlformats.org/drawingml/2006/wordprocessingDrawing" xmlns:w14="http://schemas.microsoft.com/office/word/2010/wordml" xmlns:w15="http://schemas.microsoft.com/office/word/2012/wordml" xmlns:wpg="http://schemas.microsoft.com/office/word/2010/wordprocessingGroup" xmlns:wpi="http://schemas.microsoft.com/office/word/2010/wordprocessingInk" xmlns:wne="http://schemas.microsoft.com/office/word/2006/wordml" xmlns:wps="http://schemas.microsoft.com/office/word/2010/wordprocessingShape" xmlns:cx="http://schemas.microsoft.com/office/drawing/2014/chartex" xmlns:cx1="http://schemas.microsoft.com/office/drawing/2015/9/8/chartex" xmlns:cx2="http://schemas.microsoft.com/office/drawing/2015/10/21/chartex" xmlns:cx3="http://schemas.microsoft.com/office/drawing/2016/5/9/chartex" xmlns:cx4="http://schemas.microsoft.com/office/drawing/2016/5/10/chartex" xmlns:cx5="http://schemas.microsoft.com/office/drawing/2016/5/11/chartex" xmlns:cx6="http://schemas.microsoft.com/office/drawing/2016/5/12/chartex" xmlns:cx7="http://schemas.microsoft.com/office/drawing/2016/5/13/chartex" xmlns:cx8="http://schemas.microsoft.com/office/drawing/2016/5/14/chartex" xmlns:aink="http://schemas.microsoft.com/office/drawing/2016/ink" xmlns:am3d="http://schemas.microsoft.com/office/drawing/2017/model3d" xmlns:w16cid="http://schemas.microsoft.com/office/word/2016/wordml/cid" xmlns:w16se="http://schemas.microsoft.com/office/word/2015/wordml/symex" xmlns:a14="http://schemas.microsoft.com/office/drawing/2010/main" xmlns:w="http://schemas.openxmlformats.org/wordprocessingml/2006/main" xmlns:w10="urn:schemas-microsoft-com:office:word" xmlns:v="urn:schemas-microsoft-com:vml" xmlns:o="urn:schemas-microsoft-com:office:office" xmlns:mv="urn:schemas-microsoft-com:mac:vml" xmlns:mo="http://schemas.microsoft.com/office/mac/office/2008/main" xmlns="" xmlns:arto="http://schemas.microsoft.com/office/word/2006/arto" xmlns:lc="http://schemas.openxmlformats.org/drawingml/2006/lockedCanvas">
+                  <a14:hiddenFill xmlns:lc="http://schemas.openxmlformats.org/drawingml/2006/lockedCanvas" xmlns:arto="http://schemas.microsoft.com/office/word/2006/arto" xmlns="" xmlns:mo="http://schemas.microsoft.com/office/mac/office/2008/main" xmlns:mv="urn:schemas-microsoft-com:mac:vml" xmlns:o="urn:schemas-microsoft-com:office:office" xmlns:v="urn:schemas-microsoft-com:vml" xmlns:w10="urn:schemas-microsoft-com:office:word" xmlns:w="http://schemas.openxmlformats.org/wordprocessingml/2006/main" xmlns:a14="http://schemas.microsoft.com/office/drawing/2010/main" xmlns:w16se="http://schemas.microsoft.com/office/word/2015/wordml/symex" xmlns:w16cid="http://schemas.microsoft.com/office/word/2016/wordml/cid" xmlns:am3d="http://schemas.microsoft.com/office/drawing/2017/model3d" xmlns:aink="http://schemas.microsoft.com/office/drawing/2016/ink" xmlns:cx8="http://schemas.microsoft.com/office/drawing/2016/5/14/chartex" xmlns:cx7="http://schemas.microsoft.com/office/drawing/2016/5/13/chartex" xmlns:cx6="http://schemas.microsoft.com/office/drawing/2016/5/12/chartex" xmlns:cx5="http://schemas.microsoft.com/office/drawing/2016/5/11/chartex" xmlns:cx4="http://schemas.microsoft.com/office/drawing/2016/5/10/chartex" xmlns:cx3="http://schemas.microsoft.com/office/drawing/2016/5/9/chartex" xmlns:cx2="http://schemas.microsoft.com/office/drawing/2015/10/21/chartex" xmlns:cx1="http://schemas.microsoft.com/office/drawing/2015/9/8/chartex" xmlns:cx="http://schemas.microsoft.com/office/drawing/2014/chartex" xmlns:wps="http://schemas.microsoft.com/office/word/2010/wordprocessingShape" xmlns:wne="http://schemas.microsoft.com/office/word/2006/wordml" xmlns:wpi="http://schemas.microsoft.com/office/word/2010/wordprocessingInk" xmlns:wpg="http://schemas.microsoft.com/office/word/2010/wordprocessingGroup" xmlns:w15="http://schemas.microsoft.com/office/word/2012/wordml" xmlns:w14="http://schemas.microsoft.com/office/word/2010/wordml" xmlns:wp="http://schemas.openxmlformats.org/drawingml/2006/wordprocessingDrawing" xmlns:wp14="http://schemas.microsoft.com/office/word/2010/wordprocessingDrawing" xmlns:m="http://schemas.openxmlformats.org/officeDocument/2006/math" xmlns:mc="http://schemas.openxmlformats.org/markup-compatibility/2006" xmlns:wpc="http://schemas.microsoft.com/office/word/2010/wordprocessingCanvas">
                     <a:noFill/>
                   </a14:hiddenFill>
                 </a:ext>
@@ -4518,7 +4113,7 @@
               </a:ln>
               <a:extLst>
                 <a:ext uri="{909E8E84-426E-40dd-AFC4-6F175D3DCCD1}">
-                  <a14:hiddenFill xmlns:wpc="http://schemas.microsoft.com/office/word/2010/wordprocessingCanvas" xmlns:mc="http://schemas.openxmlformats.org/markup-compatibility/2006" xmlns:m="http://schemas.openxmlformats.org/officeDocument/2006/math" xmlns:wp14="http://schemas.microsoft.com/office/word/2010/wordprocessingDrawing" xmlns:wp="http://schemas.openxmlformats.org/drawingml/2006/wordprocessingDrawing" xmlns:w14="http://schemas.microsoft.com/office/word/2010/wordml" xmlns:w15="http://schemas.microsoft.com/office/word/2012/wordml" xmlns:wpg="http://schemas.microsoft.com/office/word/2010/wordprocessingGroup" xmlns:wpi="http://schemas.microsoft.com/office/word/2010/wordprocessingInk" xmlns:wne="http://schemas.microsoft.com/office/word/2006/wordml" xmlns:wps="http://schemas.microsoft.com/office/word/2010/wordprocessingShape" xmlns:cx="http://schemas.microsoft.com/office/drawing/2014/chartex" xmlns:cx1="http://schemas.microsoft.com/office/drawing/2015/9/8/chartex" xmlns:cx2="http://schemas.microsoft.com/office/drawing/2015/10/21/chartex" xmlns:cx3="http://schemas.microsoft.com/office/drawing/2016/5/9/chartex" xmlns:cx4="http://schemas.microsoft.com/office/drawing/2016/5/10/chartex" xmlns:cx5="http://schemas.microsoft.com/office/drawing/2016/5/11/chartex" xmlns:cx6="http://schemas.microsoft.com/office/drawing/2016/5/12/chartex" xmlns:cx7="http://schemas.microsoft.com/office/drawing/2016/5/13/chartex" xmlns:cx8="http://schemas.microsoft.com/office/drawing/2016/5/14/chartex" xmlns:aink="http://schemas.microsoft.com/office/drawing/2016/ink" xmlns:am3d="http://schemas.microsoft.com/office/drawing/2017/model3d" xmlns:w16cid="http://schemas.microsoft.com/office/word/2016/wordml/cid" xmlns:w16se="http://schemas.microsoft.com/office/word/2015/wordml/symex" xmlns:a14="http://schemas.microsoft.com/office/drawing/2010/main" xmlns:w="http://schemas.openxmlformats.org/wordprocessingml/2006/main" xmlns:w10="urn:schemas-microsoft-com:office:word" xmlns:v="urn:schemas-microsoft-com:vml" xmlns:o="urn:schemas-microsoft-com:office:office" xmlns:mv="urn:schemas-microsoft-com:mac:vml" xmlns:mo="http://schemas.microsoft.com/office/mac/office/2008/main" xmlns="" xmlns:arto="http://schemas.microsoft.com/office/word/2006/arto" xmlns:lc="http://schemas.openxmlformats.org/drawingml/2006/lockedCanvas">
+                  <a14:hiddenFill xmlns:lc="http://schemas.openxmlformats.org/drawingml/2006/lockedCanvas" xmlns:arto="http://schemas.microsoft.com/office/word/2006/arto" xmlns="" xmlns:mo="http://schemas.microsoft.com/office/mac/office/2008/main" xmlns:mv="urn:schemas-microsoft-com:mac:vml" xmlns:o="urn:schemas-microsoft-com:office:office" xmlns:v="urn:schemas-microsoft-com:vml" xmlns:w10="urn:schemas-microsoft-com:office:word" xmlns:w="http://schemas.openxmlformats.org/wordprocessingml/2006/main" xmlns:a14="http://schemas.microsoft.com/office/drawing/2010/main" xmlns:w16se="http://schemas.microsoft.com/office/word/2015/wordml/symex" xmlns:w16cid="http://schemas.microsoft.com/office/word/2016/wordml/cid" xmlns:am3d="http://schemas.microsoft.com/office/drawing/2017/model3d" xmlns:aink="http://schemas.microsoft.com/office/drawing/2016/ink" xmlns:cx8="http://schemas.microsoft.com/office/drawing/2016/5/14/chartex" xmlns:cx7="http://schemas.microsoft.com/office/drawing/2016/5/13/chartex" xmlns:cx6="http://schemas.microsoft.com/office/drawing/2016/5/12/chartex" xmlns:cx5="http://schemas.microsoft.com/office/drawing/2016/5/11/chartex" xmlns:cx4="http://schemas.microsoft.com/office/drawing/2016/5/10/chartex" xmlns:cx3="http://schemas.microsoft.com/office/drawing/2016/5/9/chartex" xmlns:cx2="http://schemas.microsoft.com/office/drawing/2015/10/21/chartex" xmlns:cx1="http://schemas.microsoft.com/office/drawing/2015/9/8/chartex" xmlns:cx="http://schemas.microsoft.com/office/drawing/2014/chartex" xmlns:wps="http://schemas.microsoft.com/office/word/2010/wordprocessingShape" xmlns:wne="http://schemas.microsoft.com/office/word/2006/wordml" xmlns:wpi="http://schemas.microsoft.com/office/word/2010/wordprocessingInk" xmlns:wpg="http://schemas.microsoft.com/office/word/2010/wordprocessingGroup" xmlns:w15="http://schemas.microsoft.com/office/word/2012/wordml" xmlns:w14="http://schemas.microsoft.com/office/word/2010/wordml" xmlns:wp="http://schemas.openxmlformats.org/drawingml/2006/wordprocessingDrawing" xmlns:wp14="http://schemas.microsoft.com/office/word/2010/wordprocessingDrawing" xmlns:m="http://schemas.openxmlformats.org/officeDocument/2006/math" xmlns:mc="http://schemas.openxmlformats.org/markup-compatibility/2006" xmlns:wpc="http://schemas.microsoft.com/office/word/2010/wordprocessingCanvas">
                     <a:noFill/>
                   </a14:hiddenFill>
                 </a:ext>
@@ -4685,27 +4280,18 @@
               </a:bodyPr>
               <a:lstStyle/>
               <a:p>
-                <a:pPr marL="0" marR="0" algn="ctr">
-                  <a:spcBef>
-                    <a:spcPts val="0"/>
-                  </a:spcBef>
-                  <a:spcAft>
-                    <a:spcPts val="0"/>
-                  </a:spcAft>
-                </a:pPr>
+                <a:pPr algn="ctr"/>
                 <a:r>
                   <a:rPr lang="it-IT" sz="700" b="1">
                     <a:solidFill>
                       <a:srgbClr val="595959"/>
                     </a:solidFill>
-                    <a:effectLst/>
                     <a:latin typeface="Arial" panose="020B0604020202020204" pitchFamily="34" charset="0"/>
                     <a:ea typeface="Times New Roman" panose="02020603050405020304" pitchFamily="18" charset="0"/>
                   </a:rPr>
                   <a:t>2</a:t>
                 </a:r>
                 <a:endParaRPr lang="en-US" sz="1200">
-                  <a:effectLst/>
                   <a:latin typeface="Times New Roman" panose="02020603050405020304" pitchFamily="18" charset="0"/>
                   <a:ea typeface="Times New Roman" panose="02020603050405020304" pitchFamily="18" charset="0"/>
                 </a:endParaRPr>
@@ -4859,20 +4445,13 @@
             </a:bodyPr>
             <a:lstStyle/>
             <a:p>
-              <a:pPr marL="0" marR="0" algn="r">
+              <a:pPr algn="r">
                 <a:lnSpc>
                   <a:spcPct val="90000"/>
                 </a:lnSpc>
-                <a:spcBef>
-                  <a:spcPts val="0"/>
-                </a:spcBef>
-                <a:spcAft>
-                  <a:spcPts val="0"/>
-                </a:spcAft>
               </a:pPr>
               <a:r>
                 <a:rPr lang="en-US" sz="650">
-                  <a:effectLst/>
                   <a:latin typeface="Times New Roman" panose="02020603050405020304" pitchFamily="18" charset="0"/>
                   <a:ea typeface="Times New Roman" panose="02020603050405020304" pitchFamily="18" charset="0"/>
                 </a:rPr>
@@ -4880,7 +4459,6 @@
               </a:r>
               <a:r>
                 <a:rPr lang="en-US" sz="650" u="sng">
-                  <a:effectLst/>
                   <a:latin typeface="Times New Roman" panose="02020603050405020304" pitchFamily="18" charset="0"/>
                   <a:ea typeface="Times New Roman" panose="02020603050405020304" pitchFamily="18" charset="0"/>
                 </a:rPr>
@@ -4888,7 +4466,6 @@
               </a:r>
               <a:r>
                 <a:rPr lang="en-US" sz="650">
-                  <a:effectLst/>
                   <a:latin typeface="Times New Roman" panose="02020603050405020304" pitchFamily="18" charset="0"/>
                   <a:ea typeface="Times New Roman" panose="02020603050405020304" pitchFamily="18" charset="0"/>
                 </a:rPr>
@@ -4896,14 +4473,12 @@
               </a:r>
               <a:br>
                 <a:rPr lang="en-US" sz="650">
-                  <a:effectLst/>
                   <a:latin typeface="Times New Roman" panose="02020603050405020304" pitchFamily="18" charset="0"/>
                   <a:ea typeface="Times New Roman" panose="02020603050405020304" pitchFamily="18" charset="0"/>
                 </a:rPr>
               </a:br>
               <a:r>
                 <a:rPr lang="en-US" sz="650">
-                  <a:effectLst/>
                   <a:latin typeface="Times New Roman" panose="02020603050405020304" pitchFamily="18" charset="0"/>
                   <a:ea typeface="Times New Roman" panose="02020603050405020304" pitchFamily="18" charset="0"/>
                 </a:rPr>
@@ -4911,21 +4486,18 @@
               </a:r>
               <a:br>
                 <a:rPr lang="en-US" sz="650">
-                  <a:effectLst/>
                   <a:latin typeface="Times New Roman" panose="02020603050405020304" pitchFamily="18" charset="0"/>
                   <a:ea typeface="Times New Roman" panose="02020603050405020304" pitchFamily="18" charset="0"/>
                 </a:rPr>
               </a:br>
               <a:r>
                 <a:rPr lang="en-US" sz="650">
-                  <a:effectLst/>
                   <a:latin typeface="Times New Roman" panose="02020603050405020304" pitchFamily="18" charset="0"/>
                   <a:ea typeface="Times New Roman" panose="02020603050405020304" pitchFamily="18" charset="0"/>
                 </a:rPr>
                 <a:t>referenced by DE’s provenance</a:t>
               </a:r>
               <a:endParaRPr lang="en-US" sz="1200">
-                <a:effectLst/>
                 <a:latin typeface="Times New Roman" panose="02020603050405020304" pitchFamily="18" charset="0"/>
                 <a:ea typeface="Times New Roman" panose="02020603050405020304" pitchFamily="18" charset="0"/>
               </a:endParaRPr>
@@ -5061,27 +4633,18 @@
             </a:bodyPr>
             <a:lstStyle/>
             <a:p>
-              <a:pPr marL="0" marR="0" algn="ctr">
-                <a:spcBef>
-                  <a:spcPts val="0"/>
-                </a:spcBef>
-                <a:spcAft>
-                  <a:spcPts val="0"/>
-                </a:spcAft>
-              </a:pPr>
+              <a:pPr algn="ctr"/>
               <a:r>
                 <a:rPr lang="en-US" sz="800" b="1">
                   <a:solidFill>
                     <a:srgbClr val="FFFFFF"/>
                   </a:solidFill>
-                  <a:effectLst/>
                   <a:latin typeface="Arial" panose="020B0604020202020204" pitchFamily="34" charset="0"/>
                   <a:ea typeface="Times New Roman" panose="02020603050405020304" pitchFamily="18" charset="0"/>
                 </a:rPr>
                 <a:t>1</a:t>
               </a:r>
               <a:endParaRPr lang="en-US" sz="1200">
-                <a:effectLst/>
                 <a:latin typeface="Times New Roman" panose="02020603050405020304" pitchFamily="18" charset="0"/>
                 <a:ea typeface="Times New Roman" panose="02020603050405020304" pitchFamily="18" charset="0"/>
               </a:endParaRPr>
@@ -5134,27 +4697,18 @@
             </a:bodyPr>
             <a:lstStyle/>
             <a:p>
-              <a:pPr marL="0" marR="0" algn="ctr">
-                <a:spcBef>
-                  <a:spcPts val="0"/>
-                </a:spcBef>
-                <a:spcAft>
-                  <a:spcPts val="0"/>
-                </a:spcAft>
-              </a:pPr>
+              <a:pPr algn="ctr"/>
               <a:r>
                 <a:rPr lang="it-IT" sz="800" b="1">
                   <a:solidFill>
                     <a:srgbClr val="FFFFFF"/>
                   </a:solidFill>
-                  <a:effectLst/>
                   <a:latin typeface="Arial" panose="020B0604020202020204" pitchFamily="34" charset="0"/>
                   <a:ea typeface="Times New Roman" panose="02020603050405020304" pitchFamily="18" charset="0"/>
                 </a:rPr>
                 <a:t>2</a:t>
               </a:r>
               <a:endParaRPr lang="en-US" sz="1200">
-                <a:effectLst/>
                 <a:latin typeface="Times New Roman" panose="02020603050405020304" pitchFamily="18" charset="0"/>
                 <a:ea typeface="Times New Roman" panose="02020603050405020304" pitchFamily="18" charset="0"/>
               </a:endParaRPr>
@@ -5194,20 +4748,13 @@
             </a:bodyPr>
             <a:lstStyle/>
             <a:p>
-              <a:pPr marL="0" marR="0" algn="ctr">
+              <a:pPr algn="ctr">
                 <a:lnSpc>
                   <a:spcPct val="80000"/>
                 </a:lnSpc>
-                <a:spcBef>
-                  <a:spcPts val="0"/>
-                </a:spcBef>
-                <a:spcAft>
-                  <a:spcPts val="0"/>
-                </a:spcAft>
               </a:pPr>
               <a:r>
                 <a:rPr lang="en-US" sz="650" b="1" dirty="0">
-                  <a:effectLst/>
                   <a:latin typeface="Times New Roman" panose="02020603050405020304" pitchFamily="18" charset="0"/>
                   <a:ea typeface="Times New Roman" panose="02020603050405020304" pitchFamily="18" charset="0"/>
                 </a:rPr>
@@ -5215,21 +4762,18 @@
               </a:r>
               <a:br>
                 <a:rPr lang="en-US" sz="650" b="1" dirty="0">
-                  <a:effectLst/>
                   <a:latin typeface="Times New Roman" panose="02020603050405020304" pitchFamily="18" charset="0"/>
                   <a:ea typeface="Times New Roman" panose="02020603050405020304" pitchFamily="18" charset="0"/>
                 </a:rPr>
               </a:br>
               <a:r>
                 <a:rPr lang="en-US" sz="650" b="1" dirty="0">
-                  <a:effectLst/>
                   <a:latin typeface="Times New Roman" panose="02020603050405020304" pitchFamily="18" charset="0"/>
                   <a:ea typeface="Times New Roman" panose="02020603050405020304" pitchFamily="18" charset="0"/>
                 </a:rPr>
                 <a:t>Source</a:t>
               </a:r>
               <a:endParaRPr lang="en-US" sz="1200" dirty="0">
-                <a:effectLst/>
                 <a:latin typeface="Times New Roman" panose="02020603050405020304" pitchFamily="18" charset="0"/>
                 <a:ea typeface="Times New Roman" panose="02020603050405020304" pitchFamily="18" charset="0"/>
               </a:endParaRPr>
@@ -5329,20 +4873,13 @@
                   </a:bodyPr>
                   <a:lstStyle/>
                   <a:p>
-                    <a:pPr marL="0" marR="0">
+                    <a:pPr>
                       <a:lnSpc>
                         <a:spcPct val="80000"/>
                       </a:lnSpc>
-                      <a:spcBef>
-                        <a:spcPts val="0"/>
-                      </a:spcBef>
-                      <a:spcAft>
-                        <a:spcPts val="0"/>
-                      </a:spcAft>
                     </a:pPr>
                     <a:r>
                       <a:rPr lang="it-IT" sz="650" b="1" dirty="0">
-                        <a:effectLst/>
                         <a:latin typeface="Times New Roman" panose="02020603050405020304" pitchFamily="18" charset="0"/>
                         <a:ea typeface="Times New Roman" panose="02020603050405020304" pitchFamily="18" charset="0"/>
                       </a:rPr>
@@ -5350,14 +4887,12 @@
                     </a:r>
                     <a:br>
                       <a:rPr lang="it-IT" sz="650" b="1" dirty="0">
-                        <a:effectLst/>
                         <a:latin typeface="Times New Roman" panose="02020603050405020304" pitchFamily="18" charset="0"/>
                         <a:ea typeface="Times New Roman" panose="02020603050405020304" pitchFamily="18" charset="0"/>
                       </a:rPr>
                     </a:br>
                     <a:r>
                       <a:rPr lang="it-IT" sz="650" b="1" dirty="0">
-                        <a:effectLst/>
                         <a:latin typeface="Times New Roman" panose="02020603050405020304" pitchFamily="18" charset="0"/>
                         <a:ea typeface="Times New Roman" panose="02020603050405020304" pitchFamily="18" charset="0"/>
                       </a:rPr>
@@ -5365,14 +4900,12 @@
                     </a:r>
                     <a:br>
                       <a:rPr lang="it-IT" sz="650" b="1" dirty="0">
-                        <a:effectLst/>
                         <a:latin typeface="Times New Roman" panose="02020603050405020304" pitchFamily="18" charset="0"/>
                         <a:ea typeface="Times New Roman" panose="02020603050405020304" pitchFamily="18" charset="0"/>
                       </a:rPr>
                     </a:br>
                     <a:r>
                       <a:rPr lang="it-IT" sz="650" b="1" dirty="0">
-                        <a:effectLst/>
                         <a:latin typeface="Times New Roman" panose="02020603050405020304" pitchFamily="18" charset="0"/>
                         <a:ea typeface="Times New Roman" panose="02020603050405020304" pitchFamily="18" charset="0"/>
                       </a:rPr>
@@ -5383,13 +4916,11 @@
                         <a:solidFill>
                           <a:srgbClr val="FF0000"/>
                         </a:solidFill>
-                        <a:effectLst/>
                         <a:latin typeface="Times New Roman" panose="02020603050405020304" pitchFamily="18" charset="0"/>
                         <a:ea typeface="Times New Roman" panose="02020603050405020304" pitchFamily="18" charset="0"/>
                       </a:rPr>
                     </a:br>
                     <a:endParaRPr lang="en-US" sz="1200" dirty="0">
-                      <a:effectLst/>
                       <a:latin typeface="Times New Roman" panose="02020603050405020304" pitchFamily="18" charset="0"/>
                       <a:ea typeface="Times New Roman" panose="02020603050405020304" pitchFamily="18" charset="0"/>
                     </a:endParaRPr>
@@ -5429,17 +4960,13 @@
                   </a:bodyPr>
                   <a:lstStyle/>
                   <a:p>
-                    <a:pPr marL="0" marR="0" algn="ctr">
+                    <a:pPr algn="ctr">
                       <a:spcBef>
                         <a:spcPts val="600"/>
                       </a:spcBef>
-                      <a:spcAft>
-                        <a:spcPts val="0"/>
-                      </a:spcAft>
                     </a:pPr>
                     <a:r>
                       <a:rPr lang="it-IT" sz="650" b="1" dirty="0">
-                        <a:effectLst/>
                         <a:latin typeface="Times New Roman" panose="02020603050405020304" pitchFamily="18" charset="0"/>
                         <a:ea typeface="Times New Roman" panose="02020603050405020304" pitchFamily="18" charset="0"/>
                       </a:rPr>
@@ -5447,7 +4974,6 @@
                     </a:r>
                     <a:r>
                       <a:rPr lang="en-US" sz="650" b="1" dirty="0">
-                        <a:effectLst/>
                         <a:latin typeface="Times New Roman" panose="02020603050405020304" pitchFamily="18" charset="0"/>
                         <a:ea typeface="Times New Roman" panose="02020603050405020304" pitchFamily="18" charset="0"/>
                       </a:rPr>
@@ -5455,14 +4981,12 @@
                     </a:r>
                     <a:r>
                       <a:rPr lang="it-IT" sz="650" b="1" dirty="0">
-                        <a:effectLst/>
                         <a:latin typeface="Times New Roman" panose="02020603050405020304" pitchFamily="18" charset="0"/>
                         <a:ea typeface="Times New Roman" panose="02020603050405020304" pitchFamily="18" charset="0"/>
                       </a:rPr>
                       <a:t> Consumer </a:t>
                     </a:r>
                     <a:endParaRPr lang="en-US" sz="1200" dirty="0">
-                      <a:effectLst/>
                       <a:latin typeface="Times New Roman" panose="02020603050405020304" pitchFamily="18" charset="0"/>
                       <a:ea typeface="Times New Roman" panose="02020603050405020304" pitchFamily="18" charset="0"/>
                     </a:endParaRPr>
@@ -5502,20 +5026,13 @@
                   </a:bodyPr>
                   <a:lstStyle/>
                   <a:p>
-                    <a:pPr marL="0" marR="0" algn="r">
+                    <a:pPr algn="r">
                       <a:lnSpc>
                         <a:spcPct val="80000"/>
                       </a:lnSpc>
-                      <a:spcBef>
-                        <a:spcPts val="0"/>
-                      </a:spcBef>
-                      <a:spcAft>
-                        <a:spcPts val="0"/>
-                      </a:spcAft>
                     </a:pPr>
                     <a:r>
                       <a:rPr lang="en-US" sz="650" b="1" dirty="0" err="1">
-                        <a:effectLst/>
                         <a:latin typeface="Times New Roman" panose="02020603050405020304" pitchFamily="18" charset="0"/>
                         <a:ea typeface="Times New Roman" panose="02020603050405020304" pitchFamily="18" charset="0"/>
                       </a:rPr>
@@ -5523,7 +5040,6 @@
                     </a:r>
                     <a:r>
                       <a:rPr lang="en-US" sz="650" b="1" dirty="0">
-                        <a:effectLst/>
                         <a:latin typeface="Times New Roman" panose="02020603050405020304" pitchFamily="18" charset="0"/>
                         <a:ea typeface="Times New Roman" panose="02020603050405020304" pitchFamily="18" charset="0"/>
                       </a:rPr>
@@ -5531,21 +5047,18 @@
                     </a:r>
                     <a:br>
                       <a:rPr lang="en-US" sz="650" b="1" dirty="0">
-                        <a:effectLst/>
                         <a:latin typeface="Times New Roman" panose="02020603050405020304" pitchFamily="18" charset="0"/>
                         <a:ea typeface="Times New Roman" panose="02020603050405020304" pitchFamily="18" charset="0"/>
                       </a:rPr>
                     </a:br>
                     <a:r>
                       <a:rPr lang="en-US" sz="650" b="1" dirty="0">
-                        <a:effectLst/>
                         <a:latin typeface="Times New Roman" panose="02020603050405020304" pitchFamily="18" charset="0"/>
                         <a:ea typeface="Times New Roman" panose="02020603050405020304" pitchFamily="18" charset="0"/>
                       </a:rPr>
                       <a:t>Consumer</a:t>
                     </a:r>
                     <a:endParaRPr lang="en-US" sz="1200" dirty="0">
-                      <a:effectLst/>
                       <a:latin typeface="Times New Roman" panose="02020603050405020304" pitchFamily="18" charset="0"/>
                       <a:ea typeface="Times New Roman" panose="02020603050405020304" pitchFamily="18" charset="0"/>
                     </a:endParaRPr>
@@ -5715,23 +5228,16 @@
                     </a:bodyPr>
                     <a:lstStyle/>
                     <a:p>
-                      <a:pPr marL="0" marR="0" algn="ctr">
+                      <a:pPr algn="ctr">
                         <a:lnSpc>
                           <a:spcPct val="80000"/>
                         </a:lnSpc>
-                        <a:spcBef>
-                          <a:spcPts val="0"/>
-                        </a:spcBef>
-                        <a:spcAft>
-                          <a:spcPts val="0"/>
-                        </a:spcAft>
                       </a:pPr>
                       <a:r>
                         <a:rPr lang="it-IT" sz="650" b="1" dirty="0">
                           <a:solidFill>
                             <a:srgbClr val="595959"/>
                           </a:solidFill>
-                          <a:effectLst/>
                           <a:latin typeface="Times New Roman" panose="02020603050405020304" pitchFamily="18" charset="0"/>
                           <a:ea typeface="Times New Roman" panose="02020603050405020304" pitchFamily="18" charset="0"/>
                         </a:rPr>
@@ -5742,7 +5248,6 @@
                           <a:solidFill>
                             <a:srgbClr val="595959"/>
                           </a:solidFill>
-                          <a:effectLst/>
                           <a:latin typeface="Times New Roman" panose="02020603050405020304" pitchFamily="18" charset="0"/>
                           <a:ea typeface="Times New Roman" panose="02020603050405020304" pitchFamily="18" charset="0"/>
                         </a:rPr>
@@ -5752,7 +5257,6 @@
                           <a:solidFill>
                             <a:srgbClr val="595959"/>
                           </a:solidFill>
-                          <a:effectLst/>
                           <a:latin typeface="Times New Roman" panose="02020603050405020304" pitchFamily="18" charset="0"/>
                           <a:ea typeface="Times New Roman" panose="02020603050405020304" pitchFamily="18" charset="0"/>
                         </a:rPr>
@@ -5763,14 +5267,12 @@
                           <a:solidFill>
                             <a:srgbClr val="595959"/>
                           </a:solidFill>
-                          <a:effectLst/>
                           <a:latin typeface="Times New Roman" panose="02020603050405020304" pitchFamily="18" charset="0"/>
                           <a:ea typeface="Times New Roman" panose="02020603050405020304" pitchFamily="18" charset="0"/>
                         </a:rPr>
                         <a:t>Documents</a:t>
                       </a:r>
                       <a:endParaRPr lang="en-US" sz="1200" dirty="0">
-                        <a:effectLst/>
                         <a:latin typeface="Times New Roman" panose="02020603050405020304" pitchFamily="18" charset="0"/>
                         <a:ea typeface="Times New Roman" panose="02020603050405020304" pitchFamily="18" charset="0"/>
                       </a:endParaRPr>
@@ -6055,23 +5557,16 @@
                   </a:bodyPr>
                   <a:lstStyle/>
                   <a:p>
-                    <a:pPr marL="0" marR="0" algn="ctr">
+                    <a:pPr algn="ctr">
                       <a:lnSpc>
                         <a:spcPct val="80000"/>
                       </a:lnSpc>
-                      <a:spcBef>
-                        <a:spcPts val="0"/>
-                      </a:spcBef>
-                      <a:spcAft>
-                        <a:spcPts val="0"/>
-                      </a:spcAft>
                     </a:pPr>
                     <a:r>
                       <a:rPr lang="it-IT" sz="650" b="1">
                         <a:solidFill>
                           <a:srgbClr val="595959"/>
                         </a:solidFill>
-                        <a:effectLst/>
                         <a:latin typeface="Times New Roman" panose="02020603050405020304" pitchFamily="18" charset="0"/>
                         <a:ea typeface="Times New Roman" panose="02020603050405020304" pitchFamily="18" charset="0"/>
                       </a:rPr>
@@ -6082,14 +5577,12 @@
                         <a:solidFill>
                           <a:srgbClr val="595959"/>
                         </a:solidFill>
-                        <a:effectLst/>
                         <a:latin typeface="Times New Roman" panose="02020603050405020304" pitchFamily="18" charset="0"/>
                         <a:ea typeface="Times New Roman" panose="02020603050405020304" pitchFamily="18" charset="0"/>
                       </a:rPr>
                       <a:t>Documents</a:t>
                     </a:r>
                     <a:endParaRPr lang="en-US" sz="1200">
-                      <a:effectLst/>
                       <a:latin typeface="Times New Roman" panose="02020603050405020304" pitchFamily="18" charset="0"/>
                       <a:ea typeface="Times New Roman" panose="02020603050405020304" pitchFamily="18" charset="0"/>
                     </a:endParaRPr>
@@ -6310,27 +5803,18 @@
               </a:bodyPr>
               <a:lstStyle/>
               <a:p>
-                <a:pPr marL="0" marR="0" algn="ctr">
-                  <a:spcBef>
-                    <a:spcPts val="0"/>
-                  </a:spcBef>
-                  <a:spcAft>
-                    <a:spcPts val="0"/>
-                  </a:spcAft>
-                </a:pPr>
+                <a:pPr algn="ctr"/>
                 <a:r>
                   <a:rPr lang="it-IT" sz="700" b="1">
                     <a:solidFill>
                       <a:srgbClr val="595959"/>
                     </a:solidFill>
-                    <a:effectLst/>
                     <a:latin typeface="Arial" panose="020B0604020202020204" pitchFamily="34" charset="0"/>
                     <a:ea typeface="Times New Roman" panose="02020603050405020304" pitchFamily="18" charset="0"/>
                   </a:rPr>
                   <a:t>1</a:t>
                 </a:r>
                 <a:endParaRPr lang="en-US" sz="1200">
-                  <a:effectLst/>
                   <a:latin typeface="Times New Roman" panose="02020603050405020304" pitchFamily="18" charset="0"/>
                   <a:ea typeface="Times New Roman" panose="02020603050405020304" pitchFamily="18" charset="0"/>
                 </a:endParaRPr>
@@ -6407,20 +5891,13 @@
             </a:bodyPr>
             <a:lstStyle/>
             <a:p>
-              <a:pPr marL="0" marR="0" algn="ctr">
+              <a:pPr algn="ctr">
                 <a:lnSpc>
                   <a:spcPct val="80000"/>
                 </a:lnSpc>
-                <a:spcBef>
-                  <a:spcPts val="0"/>
-                </a:spcBef>
-                <a:spcAft>
-                  <a:spcPts val="0"/>
-                </a:spcAft>
               </a:pPr>
               <a:r>
                 <a:rPr lang="en-US" sz="650" b="1">
-                  <a:effectLst/>
                   <a:latin typeface="Times New Roman" panose="02020603050405020304" pitchFamily="18" charset="0"/>
                   <a:ea typeface="Times New Roman" panose="02020603050405020304" pitchFamily="18" charset="0"/>
                 </a:rPr>
@@ -6428,21 +5905,18 @@
               </a:r>
               <a:br>
                 <a:rPr lang="en-US" sz="650" b="1">
-                  <a:effectLst/>
                   <a:latin typeface="Times New Roman" panose="02020603050405020304" pitchFamily="18" charset="0"/>
                   <a:ea typeface="Times New Roman" panose="02020603050405020304" pitchFamily="18" charset="0"/>
                 </a:rPr>
               </a:br>
               <a:r>
                 <a:rPr lang="en-US" sz="650" b="1">
-                  <a:effectLst/>
                   <a:latin typeface="Times New Roman" panose="02020603050405020304" pitchFamily="18" charset="0"/>
                   <a:ea typeface="Times New Roman" panose="02020603050405020304" pitchFamily="18" charset="0"/>
                 </a:rPr>
                 <a:t>Document Repository</a:t>
               </a:r>
               <a:endParaRPr lang="en-US" sz="1200">
-                <a:effectLst/>
                 <a:latin typeface="Times New Roman" panose="02020603050405020304" pitchFamily="18" charset="0"/>
                 <a:ea typeface="Times New Roman" panose="02020603050405020304" pitchFamily="18" charset="0"/>
               </a:endParaRPr>
@@ -6549,7 +6023,7 @@
               </a:ln>
               <a:extLst>
                 <a:ext uri="{909E8E84-426E-40dd-AFC4-6F175D3DCCD1}">
-                  <a14:hiddenFill xmlns:wpc="http://schemas.microsoft.com/office/word/2010/wordprocessingCanvas" xmlns:mc="http://schemas.openxmlformats.org/markup-compatibility/2006" xmlns:m="http://schemas.openxmlformats.org/officeDocument/2006/math" xmlns:wp14="http://schemas.microsoft.com/office/word/2010/wordprocessingDrawing" xmlns:wp="http://schemas.openxmlformats.org/drawingml/2006/wordprocessingDrawing" xmlns:w14="http://schemas.microsoft.com/office/word/2010/wordml" xmlns:w15="http://schemas.microsoft.com/office/word/2012/wordml" xmlns:wpg="http://schemas.microsoft.com/office/word/2010/wordprocessingGroup" xmlns:wpi="http://schemas.microsoft.com/office/word/2010/wordprocessingInk" xmlns:wne="http://schemas.microsoft.com/office/word/2006/wordml" xmlns:wps="http://schemas.microsoft.com/office/word/2010/wordprocessingShape" xmlns:cx="http://schemas.microsoft.com/office/drawing/2014/chartex" xmlns:cx1="http://schemas.microsoft.com/office/drawing/2015/9/8/chartex" xmlns:cx2="http://schemas.microsoft.com/office/drawing/2015/10/21/chartex" xmlns:cx3="http://schemas.microsoft.com/office/drawing/2016/5/9/chartex" xmlns:cx4="http://schemas.microsoft.com/office/drawing/2016/5/10/chartex" xmlns:cx5="http://schemas.microsoft.com/office/drawing/2016/5/11/chartex" xmlns:cx6="http://schemas.microsoft.com/office/drawing/2016/5/12/chartex" xmlns:cx7="http://schemas.microsoft.com/office/drawing/2016/5/13/chartex" xmlns:cx8="http://schemas.microsoft.com/office/drawing/2016/5/14/chartex" xmlns:aink="http://schemas.microsoft.com/office/drawing/2016/ink" xmlns:am3d="http://schemas.microsoft.com/office/drawing/2017/model3d" xmlns:w16cid="http://schemas.microsoft.com/office/word/2016/wordml/cid" xmlns:w16se="http://schemas.microsoft.com/office/word/2015/wordml/symex" xmlns:a14="http://schemas.microsoft.com/office/drawing/2010/main" xmlns:w="http://schemas.openxmlformats.org/wordprocessingml/2006/main" xmlns:w10="urn:schemas-microsoft-com:office:word" xmlns:v="urn:schemas-microsoft-com:vml" xmlns:o="urn:schemas-microsoft-com:office:office" xmlns:mv="urn:schemas-microsoft-com:mac:vml" xmlns:mo="http://schemas.microsoft.com/office/mac/office/2008/main" xmlns="" xmlns:arto="http://schemas.microsoft.com/office/word/2006/arto" xmlns:lc="http://schemas.openxmlformats.org/drawingml/2006/lockedCanvas">
+                  <a14:hiddenFill xmlns:lc="http://schemas.openxmlformats.org/drawingml/2006/lockedCanvas" xmlns:arto="http://schemas.microsoft.com/office/word/2006/arto" xmlns="" xmlns:mo="http://schemas.microsoft.com/office/mac/office/2008/main" xmlns:mv="urn:schemas-microsoft-com:mac:vml" xmlns:o="urn:schemas-microsoft-com:office:office" xmlns:v="urn:schemas-microsoft-com:vml" xmlns:w10="urn:schemas-microsoft-com:office:word" xmlns:w="http://schemas.openxmlformats.org/wordprocessingml/2006/main" xmlns:a14="http://schemas.microsoft.com/office/drawing/2010/main" xmlns:w16se="http://schemas.microsoft.com/office/word/2015/wordml/symex" xmlns:w16cid="http://schemas.microsoft.com/office/word/2016/wordml/cid" xmlns:am3d="http://schemas.microsoft.com/office/drawing/2017/model3d" xmlns:aink="http://schemas.microsoft.com/office/drawing/2016/ink" xmlns:cx8="http://schemas.microsoft.com/office/drawing/2016/5/14/chartex" xmlns:cx7="http://schemas.microsoft.com/office/drawing/2016/5/13/chartex" xmlns:cx6="http://schemas.microsoft.com/office/drawing/2016/5/12/chartex" xmlns:cx5="http://schemas.microsoft.com/office/drawing/2016/5/11/chartex" xmlns:cx4="http://schemas.microsoft.com/office/drawing/2016/5/10/chartex" xmlns:cx3="http://schemas.microsoft.com/office/drawing/2016/5/9/chartex" xmlns:cx2="http://schemas.microsoft.com/office/drawing/2015/10/21/chartex" xmlns:cx1="http://schemas.microsoft.com/office/drawing/2015/9/8/chartex" xmlns:cx="http://schemas.microsoft.com/office/drawing/2014/chartex" xmlns:wps="http://schemas.microsoft.com/office/word/2010/wordprocessingShape" xmlns:wne="http://schemas.microsoft.com/office/word/2006/wordml" xmlns:wpi="http://schemas.microsoft.com/office/word/2010/wordprocessingInk" xmlns:wpg="http://schemas.microsoft.com/office/word/2010/wordprocessingGroup" xmlns:w15="http://schemas.microsoft.com/office/word/2012/wordml" xmlns:w14="http://schemas.microsoft.com/office/word/2010/wordml" xmlns:wp="http://schemas.openxmlformats.org/drawingml/2006/wordprocessingDrawing" xmlns:wp14="http://schemas.microsoft.com/office/word/2010/wordprocessingDrawing" xmlns:m="http://schemas.openxmlformats.org/officeDocument/2006/math" xmlns:mc="http://schemas.openxmlformats.org/markup-compatibility/2006" xmlns:wpc="http://schemas.microsoft.com/office/word/2010/wordprocessingCanvas">
                     <a:noFill/>
                   </a14:hiddenFill>
                 </a:ext>
@@ -6589,7 +6063,7 @@
               </a:ln>
               <a:extLst>
                 <a:ext uri="{909E8E84-426E-40dd-AFC4-6F175D3DCCD1}">
-                  <a14:hiddenFill xmlns:wpc="http://schemas.microsoft.com/office/word/2010/wordprocessingCanvas" xmlns:mc="http://schemas.openxmlformats.org/markup-compatibility/2006" xmlns:m="http://schemas.openxmlformats.org/officeDocument/2006/math" xmlns:wp14="http://schemas.microsoft.com/office/word/2010/wordprocessingDrawing" xmlns:wp="http://schemas.openxmlformats.org/drawingml/2006/wordprocessingDrawing" xmlns:w14="http://schemas.microsoft.com/office/word/2010/wordml" xmlns:w15="http://schemas.microsoft.com/office/word/2012/wordml" xmlns:wpg="http://schemas.microsoft.com/office/word/2010/wordprocessingGroup" xmlns:wpi="http://schemas.microsoft.com/office/word/2010/wordprocessingInk" xmlns:wne="http://schemas.microsoft.com/office/word/2006/wordml" xmlns:wps="http://schemas.microsoft.com/office/word/2010/wordprocessingShape" xmlns:cx="http://schemas.microsoft.com/office/drawing/2014/chartex" xmlns:cx1="http://schemas.microsoft.com/office/drawing/2015/9/8/chartex" xmlns:cx2="http://schemas.microsoft.com/office/drawing/2015/10/21/chartex" xmlns:cx3="http://schemas.microsoft.com/office/drawing/2016/5/9/chartex" xmlns:cx4="http://schemas.microsoft.com/office/drawing/2016/5/10/chartex" xmlns:cx5="http://schemas.microsoft.com/office/drawing/2016/5/11/chartex" xmlns:cx6="http://schemas.microsoft.com/office/drawing/2016/5/12/chartex" xmlns:cx7="http://schemas.microsoft.com/office/drawing/2016/5/13/chartex" xmlns:cx8="http://schemas.microsoft.com/office/drawing/2016/5/14/chartex" xmlns:aink="http://schemas.microsoft.com/office/drawing/2016/ink" xmlns:am3d="http://schemas.microsoft.com/office/drawing/2017/model3d" xmlns:w16cid="http://schemas.microsoft.com/office/word/2016/wordml/cid" xmlns:w16se="http://schemas.microsoft.com/office/word/2015/wordml/symex" xmlns:a14="http://schemas.microsoft.com/office/drawing/2010/main" xmlns:w="http://schemas.openxmlformats.org/wordprocessingml/2006/main" xmlns:w10="urn:schemas-microsoft-com:office:word" xmlns:v="urn:schemas-microsoft-com:vml" xmlns:o="urn:schemas-microsoft-com:office:office" xmlns:mv="urn:schemas-microsoft-com:mac:vml" xmlns:mo="http://schemas.microsoft.com/office/mac/office/2008/main" xmlns="" xmlns:arto="http://schemas.microsoft.com/office/word/2006/arto" xmlns:lc="http://schemas.openxmlformats.org/drawingml/2006/lockedCanvas">
+                  <a14:hiddenFill xmlns:lc="http://schemas.openxmlformats.org/drawingml/2006/lockedCanvas" xmlns:arto="http://schemas.microsoft.com/office/word/2006/arto" xmlns="" xmlns:mo="http://schemas.microsoft.com/office/mac/office/2008/main" xmlns:mv="urn:schemas-microsoft-com:mac:vml" xmlns:o="urn:schemas-microsoft-com:office:office" xmlns:v="urn:schemas-microsoft-com:vml" xmlns:w10="urn:schemas-microsoft-com:office:word" xmlns:w="http://schemas.openxmlformats.org/wordprocessingml/2006/main" xmlns:a14="http://schemas.microsoft.com/office/drawing/2010/main" xmlns:w16se="http://schemas.microsoft.com/office/word/2015/wordml/symex" xmlns:w16cid="http://schemas.microsoft.com/office/word/2016/wordml/cid" xmlns:am3d="http://schemas.microsoft.com/office/drawing/2017/model3d" xmlns:aink="http://schemas.microsoft.com/office/drawing/2016/ink" xmlns:cx8="http://schemas.microsoft.com/office/drawing/2016/5/14/chartex" xmlns:cx7="http://schemas.microsoft.com/office/drawing/2016/5/13/chartex" xmlns:cx6="http://schemas.microsoft.com/office/drawing/2016/5/12/chartex" xmlns:cx5="http://schemas.microsoft.com/office/drawing/2016/5/11/chartex" xmlns:cx4="http://schemas.microsoft.com/office/drawing/2016/5/10/chartex" xmlns:cx3="http://schemas.microsoft.com/office/drawing/2016/5/9/chartex" xmlns:cx2="http://schemas.microsoft.com/office/drawing/2015/10/21/chartex" xmlns:cx1="http://schemas.microsoft.com/office/drawing/2015/9/8/chartex" xmlns:cx="http://schemas.microsoft.com/office/drawing/2014/chartex" xmlns:wps="http://schemas.microsoft.com/office/word/2010/wordprocessingShape" xmlns:wne="http://schemas.microsoft.com/office/word/2006/wordml" xmlns:wpi="http://schemas.microsoft.com/office/word/2010/wordprocessingInk" xmlns:wpg="http://schemas.microsoft.com/office/word/2010/wordprocessingGroup" xmlns:w15="http://schemas.microsoft.com/office/word/2012/wordml" xmlns:w14="http://schemas.microsoft.com/office/word/2010/wordml" xmlns:wp="http://schemas.openxmlformats.org/drawingml/2006/wordprocessingDrawing" xmlns:wp14="http://schemas.microsoft.com/office/word/2010/wordprocessingDrawing" xmlns:m="http://schemas.openxmlformats.org/officeDocument/2006/math" xmlns:mc="http://schemas.openxmlformats.org/markup-compatibility/2006" xmlns:wpc="http://schemas.microsoft.com/office/word/2010/wordprocessingCanvas">
                     <a:noFill/>
                   </a14:hiddenFill>
                 </a:ext>
@@ -6625,14 +6099,14 @@
             </a:ln>
             <a:extLst>
               <a:ext uri="{909E8E84-426E-40dd-AFC4-6F175D3DCCD1}">
-                <a14:hiddenFill xmlns:wpc="http://schemas.microsoft.com/office/word/2010/wordprocessingCanvas" xmlns:mc="http://schemas.openxmlformats.org/markup-compatibility/2006" xmlns:m="http://schemas.openxmlformats.org/officeDocument/2006/math" xmlns:wp14="http://schemas.microsoft.com/office/word/2010/wordprocessingDrawing" xmlns:wp="http://schemas.openxmlformats.org/drawingml/2006/wordprocessingDrawing" xmlns:w14="http://schemas.microsoft.com/office/word/2010/wordml" xmlns:w15="http://schemas.microsoft.com/office/word/2012/wordml" xmlns:wpg="http://schemas.microsoft.com/office/word/2010/wordprocessingGroup" xmlns:wpi="http://schemas.microsoft.com/office/word/2010/wordprocessingInk" xmlns:wne="http://schemas.microsoft.com/office/word/2006/wordml" xmlns:wps="http://schemas.microsoft.com/office/word/2010/wordprocessingShape" xmlns:cx="http://schemas.microsoft.com/office/drawing/2014/chartex" xmlns:cx1="http://schemas.microsoft.com/office/drawing/2015/9/8/chartex" xmlns:cx2="http://schemas.microsoft.com/office/drawing/2015/10/21/chartex" xmlns:cx3="http://schemas.microsoft.com/office/drawing/2016/5/9/chartex" xmlns:cx4="http://schemas.microsoft.com/office/drawing/2016/5/10/chartex" xmlns:cx5="http://schemas.microsoft.com/office/drawing/2016/5/11/chartex" xmlns:cx6="http://schemas.microsoft.com/office/drawing/2016/5/12/chartex" xmlns:cx7="http://schemas.microsoft.com/office/drawing/2016/5/13/chartex" xmlns:cx8="http://schemas.microsoft.com/office/drawing/2016/5/14/chartex" xmlns:aink="http://schemas.microsoft.com/office/drawing/2016/ink" xmlns:am3d="http://schemas.microsoft.com/office/drawing/2017/model3d" xmlns:w16cid="http://schemas.microsoft.com/office/word/2016/wordml/cid" xmlns:w16se="http://schemas.microsoft.com/office/word/2015/wordml/symex" xmlns:a14="http://schemas.microsoft.com/office/drawing/2010/main" xmlns:w="http://schemas.openxmlformats.org/wordprocessingml/2006/main" xmlns:w10="urn:schemas-microsoft-com:office:word" xmlns:v="urn:schemas-microsoft-com:vml" xmlns:o="urn:schemas-microsoft-com:office:office" xmlns:mv="urn:schemas-microsoft-com:mac:vml" xmlns:mo="http://schemas.microsoft.com/office/mac/office/2008/main" xmlns="" xmlns:arto="http://schemas.microsoft.com/office/word/2006/arto" xmlns:lc="http://schemas.openxmlformats.org/drawingml/2006/lockedCanvas">
+                <a14:hiddenFill xmlns:lc="http://schemas.openxmlformats.org/drawingml/2006/lockedCanvas" xmlns:arto="http://schemas.microsoft.com/office/word/2006/arto" xmlns="" xmlns:mo="http://schemas.microsoft.com/office/mac/office/2008/main" xmlns:mv="urn:schemas-microsoft-com:mac:vml" xmlns:o="urn:schemas-microsoft-com:office:office" xmlns:v="urn:schemas-microsoft-com:vml" xmlns:w10="urn:schemas-microsoft-com:office:word" xmlns:w="http://schemas.openxmlformats.org/wordprocessingml/2006/main" xmlns:a14="http://schemas.microsoft.com/office/drawing/2010/main" xmlns:w16se="http://schemas.microsoft.com/office/word/2015/wordml/symex" xmlns:w16cid="http://schemas.microsoft.com/office/word/2016/wordml/cid" xmlns:am3d="http://schemas.microsoft.com/office/drawing/2017/model3d" xmlns:aink="http://schemas.microsoft.com/office/drawing/2016/ink" xmlns:cx8="http://schemas.microsoft.com/office/drawing/2016/5/14/chartex" xmlns:cx7="http://schemas.microsoft.com/office/drawing/2016/5/13/chartex" xmlns:cx6="http://schemas.microsoft.com/office/drawing/2016/5/12/chartex" xmlns:cx5="http://schemas.microsoft.com/office/drawing/2016/5/11/chartex" xmlns:cx4="http://schemas.microsoft.com/office/drawing/2016/5/10/chartex" xmlns:cx3="http://schemas.microsoft.com/office/drawing/2016/5/9/chartex" xmlns:cx2="http://schemas.microsoft.com/office/drawing/2015/10/21/chartex" xmlns:cx1="http://schemas.microsoft.com/office/drawing/2015/9/8/chartex" xmlns:cx="http://schemas.microsoft.com/office/drawing/2014/chartex" xmlns:wps="http://schemas.microsoft.com/office/word/2010/wordprocessingShape" xmlns:wne="http://schemas.microsoft.com/office/word/2006/wordml" xmlns:wpi="http://schemas.microsoft.com/office/word/2010/wordprocessingInk" xmlns:wpg="http://schemas.microsoft.com/office/word/2010/wordprocessingGroup" xmlns:w15="http://schemas.microsoft.com/office/word/2012/wordml" xmlns:w14="http://schemas.microsoft.com/office/word/2010/wordml" xmlns:wp="http://schemas.openxmlformats.org/drawingml/2006/wordprocessingDrawing" xmlns:wp14="http://schemas.microsoft.com/office/word/2010/wordprocessingDrawing" xmlns:m="http://schemas.openxmlformats.org/officeDocument/2006/math" xmlns:mc="http://schemas.openxmlformats.org/markup-compatibility/2006" xmlns:wpc="http://schemas.microsoft.com/office/word/2010/wordprocessingCanvas">
                   <a:solidFill>
                     <a:srgbClr val="FFFFFF"/>
                   </a:solidFill>
                 </a14:hiddenFill>
               </a:ext>
               <a:ext uri="{91240B29-F687-4f45-9708-019B960494DF}">
-                <a14:hiddenLine xmlns:wpc="http://schemas.microsoft.com/office/word/2010/wordprocessingCanvas" xmlns:mc="http://schemas.openxmlformats.org/markup-compatibility/2006" xmlns:m="http://schemas.openxmlformats.org/officeDocument/2006/math" xmlns:wp14="http://schemas.microsoft.com/office/word/2010/wordprocessingDrawing" xmlns:wp="http://schemas.openxmlformats.org/drawingml/2006/wordprocessingDrawing" xmlns:w14="http://schemas.microsoft.com/office/word/2010/wordml" xmlns:w15="http://schemas.microsoft.com/office/word/2012/wordml" xmlns:wpg="http://schemas.microsoft.com/office/word/2010/wordprocessingGroup" xmlns:wpi="http://schemas.microsoft.com/office/word/2010/wordprocessingInk" xmlns:wne="http://schemas.microsoft.com/office/word/2006/wordml" xmlns:wps="http://schemas.microsoft.com/office/word/2010/wordprocessingShape" xmlns:cx="http://schemas.microsoft.com/office/drawing/2014/chartex" xmlns:cx1="http://schemas.microsoft.com/office/drawing/2015/9/8/chartex" xmlns:cx2="http://schemas.microsoft.com/office/drawing/2015/10/21/chartex" xmlns:cx3="http://schemas.microsoft.com/office/drawing/2016/5/9/chartex" xmlns:cx4="http://schemas.microsoft.com/office/drawing/2016/5/10/chartex" xmlns:cx5="http://schemas.microsoft.com/office/drawing/2016/5/11/chartex" xmlns:cx6="http://schemas.microsoft.com/office/drawing/2016/5/12/chartex" xmlns:cx7="http://schemas.microsoft.com/office/drawing/2016/5/13/chartex" xmlns:cx8="http://schemas.microsoft.com/office/drawing/2016/5/14/chartex" xmlns:aink="http://schemas.microsoft.com/office/drawing/2016/ink" xmlns:am3d="http://schemas.microsoft.com/office/drawing/2017/model3d" xmlns:w16cid="http://schemas.microsoft.com/office/word/2016/wordml/cid" xmlns:w16se="http://schemas.microsoft.com/office/word/2015/wordml/symex" xmlns:a14="http://schemas.microsoft.com/office/drawing/2010/main" xmlns:w="http://schemas.openxmlformats.org/wordprocessingml/2006/main" xmlns:w10="urn:schemas-microsoft-com:office:word" xmlns:v="urn:schemas-microsoft-com:vml" xmlns:o="urn:schemas-microsoft-com:office:office" xmlns:mv="urn:schemas-microsoft-com:mac:vml" xmlns:mo="http://schemas.microsoft.com/office/mac/office/2008/main" xmlns="" xmlns:arto="http://schemas.microsoft.com/office/word/2006/arto" xmlns:lc="http://schemas.openxmlformats.org/drawingml/2006/lockedCanvas" w="9525">
+                <a14:hiddenLine xmlns:lc="http://schemas.openxmlformats.org/drawingml/2006/lockedCanvas" xmlns:arto="http://schemas.microsoft.com/office/word/2006/arto" xmlns="" xmlns:mo="http://schemas.microsoft.com/office/mac/office/2008/main" xmlns:mv="urn:schemas-microsoft-com:mac:vml" xmlns:o="urn:schemas-microsoft-com:office:office" xmlns:v="urn:schemas-microsoft-com:vml" xmlns:w10="urn:schemas-microsoft-com:office:word" xmlns:w="http://schemas.openxmlformats.org/wordprocessingml/2006/main" xmlns:a14="http://schemas.microsoft.com/office/drawing/2010/main" xmlns:w16se="http://schemas.microsoft.com/office/word/2015/wordml/symex" xmlns:w16cid="http://schemas.microsoft.com/office/word/2016/wordml/cid" xmlns:am3d="http://schemas.microsoft.com/office/drawing/2017/model3d" xmlns:aink="http://schemas.microsoft.com/office/drawing/2016/ink" xmlns:cx8="http://schemas.microsoft.com/office/drawing/2016/5/14/chartex" xmlns:cx7="http://schemas.microsoft.com/office/drawing/2016/5/13/chartex" xmlns:cx6="http://schemas.microsoft.com/office/drawing/2016/5/12/chartex" xmlns:cx5="http://schemas.microsoft.com/office/drawing/2016/5/11/chartex" xmlns:cx4="http://schemas.microsoft.com/office/drawing/2016/5/10/chartex" xmlns:cx3="http://schemas.microsoft.com/office/drawing/2016/5/9/chartex" xmlns:cx2="http://schemas.microsoft.com/office/drawing/2015/10/21/chartex" xmlns:cx1="http://schemas.microsoft.com/office/drawing/2015/9/8/chartex" xmlns:cx="http://schemas.microsoft.com/office/drawing/2014/chartex" xmlns:wps="http://schemas.microsoft.com/office/word/2010/wordprocessingShape" xmlns:wne="http://schemas.microsoft.com/office/word/2006/wordml" xmlns:wpi="http://schemas.microsoft.com/office/word/2010/wordprocessingInk" xmlns:wpg="http://schemas.microsoft.com/office/word/2010/wordprocessingGroup" xmlns:w15="http://schemas.microsoft.com/office/word/2012/wordml" xmlns:w14="http://schemas.microsoft.com/office/word/2010/wordml" xmlns:wp="http://schemas.openxmlformats.org/drawingml/2006/wordprocessingDrawing" xmlns:wp14="http://schemas.microsoft.com/office/word/2010/wordprocessingDrawing" xmlns:m="http://schemas.openxmlformats.org/officeDocument/2006/math" xmlns:mc="http://schemas.openxmlformats.org/markup-compatibility/2006" xmlns:wpc="http://schemas.microsoft.com/office/word/2010/wordprocessingCanvas" w="9525">
                   <a:solidFill>
                     <a:srgbClr val="000000"/>
                   </a:solidFill>
@@ -6649,17 +6123,9 @@
             </a:bodyPr>
             <a:lstStyle/>
             <a:p>
-              <a:pPr marL="0" marR="0" algn="ctr">
-                <a:spcBef>
-                  <a:spcPts val="0"/>
-                </a:spcBef>
-                <a:spcAft>
-                  <a:spcPts val="0"/>
-                </a:spcAft>
-              </a:pPr>
+              <a:pPr algn="ctr"/>
               <a:r>
                 <a:rPr lang="fr-FR" sz="700">
-                  <a:effectLst/>
                   <a:highlight>
                     <a:srgbClr val="D3D3D3"/>
                   </a:highlight>
@@ -6669,7 +6135,6 @@
                 <a:t>Retrieve Documents</a:t>
               </a:r>
               <a:endParaRPr lang="en-US" sz="1200">
-                <a:effectLst/>
                 <a:latin typeface="Times New Roman" panose="02020603050405020304" pitchFamily="18" charset="0"/>
                 <a:ea typeface="Times New Roman" panose="02020603050405020304" pitchFamily="18" charset="0"/>
               </a:endParaRPr>
@@ -6862,14 +6327,14 @@
               </a:ln>
               <a:extLst>
                 <a:ext uri="{909E8E84-426E-40dd-AFC4-6F175D3DCCD1}">
-                  <a14:hiddenFill xmlns:wpc="http://schemas.microsoft.com/office/word/2010/wordprocessingCanvas" xmlns:mc="http://schemas.openxmlformats.org/markup-compatibility/2006" xmlns:m="http://schemas.openxmlformats.org/officeDocument/2006/math" xmlns:wp14="http://schemas.microsoft.com/office/word/2010/wordprocessingDrawing" xmlns:wp="http://schemas.openxmlformats.org/drawingml/2006/wordprocessingDrawing" xmlns:w14="http://schemas.microsoft.com/office/word/2010/wordml" xmlns:w15="http://schemas.microsoft.com/office/word/2012/wordml" xmlns:wpg="http://schemas.microsoft.com/office/word/2010/wordprocessingGroup" xmlns:wpi="http://schemas.microsoft.com/office/word/2010/wordprocessingInk" xmlns:wne="http://schemas.microsoft.com/office/word/2006/wordml" xmlns:wps="http://schemas.microsoft.com/office/word/2010/wordprocessingShape" xmlns:cx="http://schemas.microsoft.com/office/drawing/2014/chartex" xmlns:cx1="http://schemas.microsoft.com/office/drawing/2015/9/8/chartex" xmlns:cx2="http://schemas.microsoft.com/office/drawing/2015/10/21/chartex" xmlns:cx3="http://schemas.microsoft.com/office/drawing/2016/5/9/chartex" xmlns:cx4="http://schemas.microsoft.com/office/drawing/2016/5/10/chartex" xmlns:cx5="http://schemas.microsoft.com/office/drawing/2016/5/11/chartex" xmlns:cx6="http://schemas.microsoft.com/office/drawing/2016/5/12/chartex" xmlns:cx7="http://schemas.microsoft.com/office/drawing/2016/5/13/chartex" xmlns:cx8="http://schemas.microsoft.com/office/drawing/2016/5/14/chartex" xmlns:aink="http://schemas.microsoft.com/office/drawing/2016/ink" xmlns:am3d="http://schemas.microsoft.com/office/drawing/2017/model3d" xmlns:w16cid="http://schemas.microsoft.com/office/word/2016/wordml/cid" xmlns:w16se="http://schemas.microsoft.com/office/word/2015/wordml/symex" xmlns:a14="http://schemas.microsoft.com/office/drawing/2010/main" xmlns:w="http://schemas.openxmlformats.org/wordprocessingml/2006/main" xmlns:w10="urn:schemas-microsoft-com:office:word" xmlns:v="urn:schemas-microsoft-com:vml" xmlns:o="urn:schemas-microsoft-com:office:office" xmlns:mv="urn:schemas-microsoft-com:mac:vml" xmlns:mo="http://schemas.microsoft.com/office/mac/office/2008/main" xmlns="" xmlns:arto="http://schemas.microsoft.com/office/word/2006/arto" xmlns:lc="http://schemas.openxmlformats.org/drawingml/2006/lockedCanvas">
+                  <a14:hiddenFill xmlns:lc="http://schemas.openxmlformats.org/drawingml/2006/lockedCanvas" xmlns:arto="http://schemas.microsoft.com/office/word/2006/arto" xmlns="" xmlns:mo="http://schemas.microsoft.com/office/mac/office/2008/main" xmlns:mv="urn:schemas-microsoft-com:mac:vml" xmlns:o="urn:schemas-microsoft-com:office:office" xmlns:v="urn:schemas-microsoft-com:vml" xmlns:w10="urn:schemas-microsoft-com:office:word" xmlns:w="http://schemas.openxmlformats.org/wordprocessingml/2006/main" xmlns:a14="http://schemas.microsoft.com/office/drawing/2010/main" xmlns:w16se="http://schemas.microsoft.com/office/word/2015/wordml/symex" xmlns:w16cid="http://schemas.microsoft.com/office/word/2016/wordml/cid" xmlns:am3d="http://schemas.microsoft.com/office/drawing/2017/model3d" xmlns:aink="http://schemas.microsoft.com/office/drawing/2016/ink" xmlns:cx8="http://schemas.microsoft.com/office/drawing/2016/5/14/chartex" xmlns:cx7="http://schemas.microsoft.com/office/drawing/2016/5/13/chartex" xmlns:cx6="http://schemas.microsoft.com/office/drawing/2016/5/12/chartex" xmlns:cx5="http://schemas.microsoft.com/office/drawing/2016/5/11/chartex" xmlns:cx4="http://schemas.microsoft.com/office/drawing/2016/5/10/chartex" xmlns:cx3="http://schemas.microsoft.com/office/drawing/2016/5/9/chartex" xmlns:cx2="http://schemas.microsoft.com/office/drawing/2015/10/21/chartex" xmlns:cx1="http://schemas.microsoft.com/office/drawing/2015/9/8/chartex" xmlns:cx="http://schemas.microsoft.com/office/drawing/2014/chartex" xmlns:wps="http://schemas.microsoft.com/office/word/2010/wordprocessingShape" xmlns:wne="http://schemas.microsoft.com/office/word/2006/wordml" xmlns:wpi="http://schemas.microsoft.com/office/word/2010/wordprocessingInk" xmlns:wpg="http://schemas.microsoft.com/office/word/2010/wordprocessingGroup" xmlns:w15="http://schemas.microsoft.com/office/word/2012/wordml" xmlns:w14="http://schemas.microsoft.com/office/word/2010/wordml" xmlns:wp="http://schemas.openxmlformats.org/drawingml/2006/wordprocessingDrawing" xmlns:wp14="http://schemas.microsoft.com/office/word/2010/wordprocessingDrawing" xmlns:m="http://schemas.openxmlformats.org/officeDocument/2006/math" xmlns:mc="http://schemas.openxmlformats.org/markup-compatibility/2006" xmlns:wpc="http://schemas.microsoft.com/office/word/2010/wordprocessingCanvas">
                     <a:solidFill>
                       <a:srgbClr val="FFFFFF"/>
                     </a:solidFill>
                   </a14:hiddenFill>
                 </a:ext>
                 <a:ext uri="{91240B29-F687-4f45-9708-019B960494DF}">
-                  <a14:hiddenLine xmlns:wpc="http://schemas.microsoft.com/office/word/2010/wordprocessingCanvas" xmlns:mc="http://schemas.openxmlformats.org/markup-compatibility/2006" xmlns:m="http://schemas.openxmlformats.org/officeDocument/2006/math" xmlns:wp14="http://schemas.microsoft.com/office/word/2010/wordprocessingDrawing" xmlns:wp="http://schemas.openxmlformats.org/drawingml/2006/wordprocessingDrawing" xmlns:w14="http://schemas.microsoft.com/office/word/2010/wordml" xmlns:w15="http://schemas.microsoft.com/office/word/2012/wordml" xmlns:wpg="http://schemas.microsoft.com/office/word/2010/wordprocessingGroup" xmlns:wpi="http://schemas.microsoft.com/office/word/2010/wordprocessingInk" xmlns:wne="http://schemas.microsoft.com/office/word/2006/wordml" xmlns:wps="http://schemas.microsoft.com/office/word/2010/wordprocessingShape" xmlns:cx="http://schemas.microsoft.com/office/drawing/2014/chartex" xmlns:cx1="http://schemas.microsoft.com/office/drawing/2015/9/8/chartex" xmlns:cx2="http://schemas.microsoft.com/office/drawing/2015/10/21/chartex" xmlns:cx3="http://schemas.microsoft.com/office/drawing/2016/5/9/chartex" xmlns:cx4="http://schemas.microsoft.com/office/drawing/2016/5/10/chartex" xmlns:cx5="http://schemas.microsoft.com/office/drawing/2016/5/11/chartex" xmlns:cx6="http://schemas.microsoft.com/office/drawing/2016/5/12/chartex" xmlns:cx7="http://schemas.microsoft.com/office/drawing/2016/5/13/chartex" xmlns:cx8="http://schemas.microsoft.com/office/drawing/2016/5/14/chartex" xmlns:aink="http://schemas.microsoft.com/office/drawing/2016/ink" xmlns:am3d="http://schemas.microsoft.com/office/drawing/2017/model3d" xmlns:w16cid="http://schemas.microsoft.com/office/word/2016/wordml/cid" xmlns:w16se="http://schemas.microsoft.com/office/word/2015/wordml/symex" xmlns:a14="http://schemas.microsoft.com/office/drawing/2010/main" xmlns:w="http://schemas.openxmlformats.org/wordprocessingml/2006/main" xmlns:w10="urn:schemas-microsoft-com:office:word" xmlns:v="urn:schemas-microsoft-com:vml" xmlns:o="urn:schemas-microsoft-com:office:office" xmlns:mv="urn:schemas-microsoft-com:mac:vml" xmlns:mo="http://schemas.microsoft.com/office/mac/office/2008/main" xmlns="" xmlns:arto="http://schemas.microsoft.com/office/word/2006/arto" xmlns:lc="http://schemas.openxmlformats.org/drawingml/2006/lockedCanvas" w="9525">
+                  <a14:hiddenLine xmlns:lc="http://schemas.openxmlformats.org/drawingml/2006/lockedCanvas" xmlns:arto="http://schemas.microsoft.com/office/word/2006/arto" xmlns="" xmlns:mo="http://schemas.microsoft.com/office/mac/office/2008/main" xmlns:mv="urn:schemas-microsoft-com:mac:vml" xmlns:o="urn:schemas-microsoft-com:office:office" xmlns:v="urn:schemas-microsoft-com:vml" xmlns:w10="urn:schemas-microsoft-com:office:word" xmlns:w="http://schemas.openxmlformats.org/wordprocessingml/2006/main" xmlns:a14="http://schemas.microsoft.com/office/drawing/2010/main" xmlns:w16se="http://schemas.microsoft.com/office/word/2015/wordml/symex" xmlns:w16cid="http://schemas.microsoft.com/office/word/2016/wordml/cid" xmlns:am3d="http://schemas.microsoft.com/office/drawing/2017/model3d" xmlns:aink="http://schemas.microsoft.com/office/drawing/2016/ink" xmlns:cx8="http://schemas.microsoft.com/office/drawing/2016/5/14/chartex" xmlns:cx7="http://schemas.microsoft.com/office/drawing/2016/5/13/chartex" xmlns:cx6="http://schemas.microsoft.com/office/drawing/2016/5/12/chartex" xmlns:cx5="http://schemas.microsoft.com/office/drawing/2016/5/11/chartex" xmlns:cx4="http://schemas.microsoft.com/office/drawing/2016/5/10/chartex" xmlns:cx3="http://schemas.microsoft.com/office/drawing/2016/5/9/chartex" xmlns:cx2="http://schemas.microsoft.com/office/drawing/2015/10/21/chartex" xmlns:cx1="http://schemas.microsoft.com/office/drawing/2015/9/8/chartex" xmlns:cx="http://schemas.microsoft.com/office/drawing/2014/chartex" xmlns:wps="http://schemas.microsoft.com/office/word/2010/wordprocessingShape" xmlns:wne="http://schemas.microsoft.com/office/word/2006/wordml" xmlns:wpi="http://schemas.microsoft.com/office/word/2010/wordprocessingInk" xmlns:wpg="http://schemas.microsoft.com/office/word/2010/wordprocessingGroup" xmlns:w15="http://schemas.microsoft.com/office/word/2012/wordml" xmlns:w14="http://schemas.microsoft.com/office/word/2010/wordml" xmlns:wp="http://schemas.openxmlformats.org/drawingml/2006/wordprocessingDrawing" xmlns:wp14="http://schemas.microsoft.com/office/word/2010/wordprocessingDrawing" xmlns:m="http://schemas.openxmlformats.org/officeDocument/2006/math" xmlns:mc="http://schemas.openxmlformats.org/markup-compatibility/2006" xmlns:wpc="http://schemas.microsoft.com/office/word/2010/wordprocessingCanvas" w="9525">
                     <a:solidFill>
                       <a:srgbClr val="000000"/>
                     </a:solidFill>
@@ -6886,20 +6351,13 @@
               </a:bodyPr>
               <a:lstStyle/>
               <a:p>
-                <a:pPr marL="0" marR="0" algn="ctr">
+                <a:pPr algn="ctr">
                   <a:lnSpc>
                     <a:spcPct val="115000"/>
                   </a:lnSpc>
-                  <a:spcBef>
-                    <a:spcPts val="0"/>
-                  </a:spcBef>
-                  <a:spcAft>
-                    <a:spcPts val="0"/>
-                  </a:spcAft>
                 </a:pPr>
                 <a:r>
                   <a:rPr lang="en-US" sz="600">
-                    <a:effectLst/>
                     <a:highlight>
                       <a:srgbClr val="D3D3D3"/>
                     </a:highlight>
@@ -6910,7 +6368,6 @@
                 </a:r>
                 <a:r>
                   <a:rPr lang="it-IT" sz="600">
-                    <a:effectLst/>
                     <a:highlight>
                       <a:srgbClr val="D3D3D3"/>
                     </a:highlight>
@@ -6920,7 +6377,6 @@
                   <a:t> Document</a:t>
                 </a:r>
                 <a:endParaRPr lang="en-US" sz="1200">
-                  <a:effectLst/>
                   <a:latin typeface="Times New Roman" panose="02020603050405020304" pitchFamily="18" charset="0"/>
                   <a:ea typeface="Times New Roman" panose="02020603050405020304" pitchFamily="18" charset="0"/>
                 </a:endParaRPr>
@@ -6961,7 +6417,7 @@
               </a:ln>
               <a:extLst>
                 <a:ext uri="{909E8E84-426E-40dd-AFC4-6F175D3DCCD1}">
-                  <a14:hiddenFill xmlns:wpc="http://schemas.microsoft.com/office/word/2010/wordprocessingCanvas" xmlns:mc="http://schemas.openxmlformats.org/markup-compatibility/2006" xmlns:m="http://schemas.openxmlformats.org/officeDocument/2006/math" xmlns:wp14="http://schemas.microsoft.com/office/word/2010/wordprocessingDrawing" xmlns:wp="http://schemas.openxmlformats.org/drawingml/2006/wordprocessingDrawing" xmlns:w14="http://schemas.microsoft.com/office/word/2010/wordml" xmlns:w15="http://schemas.microsoft.com/office/word/2012/wordml" xmlns:wpg="http://schemas.microsoft.com/office/word/2010/wordprocessingGroup" xmlns:wpi="http://schemas.microsoft.com/office/word/2010/wordprocessingInk" xmlns:wne="http://schemas.microsoft.com/office/word/2006/wordml" xmlns:wps="http://schemas.microsoft.com/office/word/2010/wordprocessingShape" xmlns:cx="http://schemas.microsoft.com/office/drawing/2014/chartex" xmlns:cx1="http://schemas.microsoft.com/office/drawing/2015/9/8/chartex" xmlns:cx2="http://schemas.microsoft.com/office/drawing/2015/10/21/chartex" xmlns:cx3="http://schemas.microsoft.com/office/drawing/2016/5/9/chartex" xmlns:cx4="http://schemas.microsoft.com/office/drawing/2016/5/10/chartex" xmlns:cx5="http://schemas.microsoft.com/office/drawing/2016/5/11/chartex" xmlns:cx6="http://schemas.microsoft.com/office/drawing/2016/5/12/chartex" xmlns:cx7="http://schemas.microsoft.com/office/drawing/2016/5/13/chartex" xmlns:cx8="http://schemas.microsoft.com/office/drawing/2016/5/14/chartex" xmlns:aink="http://schemas.microsoft.com/office/drawing/2016/ink" xmlns:am3d="http://schemas.microsoft.com/office/drawing/2017/model3d" xmlns:w16cid="http://schemas.microsoft.com/office/word/2016/wordml/cid" xmlns:w16se="http://schemas.microsoft.com/office/word/2015/wordml/symex" xmlns:a14="http://schemas.microsoft.com/office/drawing/2010/main" xmlns:w="http://schemas.openxmlformats.org/wordprocessingml/2006/main" xmlns:w10="urn:schemas-microsoft-com:office:word" xmlns:v="urn:schemas-microsoft-com:vml" xmlns:o="urn:schemas-microsoft-com:office:office" xmlns:mv="urn:schemas-microsoft-com:mac:vml" xmlns:mo="http://schemas.microsoft.com/office/mac/office/2008/main" xmlns="" xmlns:arto="http://schemas.microsoft.com/office/word/2006/arto" xmlns:lc="http://schemas.openxmlformats.org/drawingml/2006/lockedCanvas">
+                  <a14:hiddenFill xmlns:lc="http://schemas.openxmlformats.org/drawingml/2006/lockedCanvas" xmlns:arto="http://schemas.microsoft.com/office/word/2006/arto" xmlns="" xmlns:mo="http://schemas.microsoft.com/office/mac/office/2008/main" xmlns:mv="urn:schemas-microsoft-com:mac:vml" xmlns:o="urn:schemas-microsoft-com:office:office" xmlns:v="urn:schemas-microsoft-com:vml" xmlns:w10="urn:schemas-microsoft-com:office:word" xmlns:w="http://schemas.openxmlformats.org/wordprocessingml/2006/main" xmlns:a14="http://schemas.microsoft.com/office/drawing/2010/main" xmlns:w16se="http://schemas.microsoft.com/office/word/2015/wordml/symex" xmlns:w16cid="http://schemas.microsoft.com/office/word/2016/wordml/cid" xmlns:am3d="http://schemas.microsoft.com/office/drawing/2017/model3d" xmlns:aink="http://schemas.microsoft.com/office/drawing/2016/ink" xmlns:cx8="http://schemas.microsoft.com/office/drawing/2016/5/14/chartex" xmlns:cx7="http://schemas.microsoft.com/office/drawing/2016/5/13/chartex" xmlns:cx6="http://schemas.microsoft.com/office/drawing/2016/5/12/chartex" xmlns:cx5="http://schemas.microsoft.com/office/drawing/2016/5/11/chartex" xmlns:cx4="http://schemas.microsoft.com/office/drawing/2016/5/10/chartex" xmlns:cx3="http://schemas.microsoft.com/office/drawing/2016/5/9/chartex" xmlns:cx2="http://schemas.microsoft.com/office/drawing/2015/10/21/chartex" xmlns:cx1="http://schemas.microsoft.com/office/drawing/2015/9/8/chartex" xmlns:cx="http://schemas.microsoft.com/office/drawing/2014/chartex" xmlns:wps="http://schemas.microsoft.com/office/word/2010/wordprocessingShape" xmlns:wne="http://schemas.microsoft.com/office/word/2006/wordml" xmlns:wpi="http://schemas.microsoft.com/office/word/2010/wordprocessingInk" xmlns:wpg="http://schemas.microsoft.com/office/word/2010/wordprocessingGroup" xmlns:w15="http://schemas.microsoft.com/office/word/2012/wordml" xmlns:w14="http://schemas.microsoft.com/office/word/2010/wordml" xmlns:wp="http://schemas.openxmlformats.org/drawingml/2006/wordprocessingDrawing" xmlns:wp14="http://schemas.microsoft.com/office/word/2010/wordprocessingDrawing" xmlns:m="http://schemas.openxmlformats.org/officeDocument/2006/math" xmlns:mc="http://schemas.openxmlformats.org/markup-compatibility/2006" xmlns:wpc="http://schemas.microsoft.com/office/word/2010/wordprocessingCanvas">
                     <a:noFill/>
                   </a14:hiddenFill>
                 </a:ext>
@@ -7002,7 +6458,7 @@
               </a:ln>
               <a:extLst>
                 <a:ext uri="{909E8E84-426E-40dd-AFC4-6F175D3DCCD1}">
-                  <a14:hiddenFill xmlns:wpc="http://schemas.microsoft.com/office/word/2010/wordprocessingCanvas" xmlns:mc="http://schemas.openxmlformats.org/markup-compatibility/2006" xmlns:m="http://schemas.openxmlformats.org/officeDocument/2006/math" xmlns:wp14="http://schemas.microsoft.com/office/word/2010/wordprocessingDrawing" xmlns:wp="http://schemas.openxmlformats.org/drawingml/2006/wordprocessingDrawing" xmlns:w14="http://schemas.microsoft.com/office/word/2010/wordml" xmlns:w15="http://schemas.microsoft.com/office/word/2012/wordml" xmlns:wpg="http://schemas.microsoft.com/office/word/2010/wordprocessingGroup" xmlns:wpi="http://schemas.microsoft.com/office/word/2010/wordprocessingInk" xmlns:wne="http://schemas.microsoft.com/office/word/2006/wordml" xmlns:wps="http://schemas.microsoft.com/office/word/2010/wordprocessingShape" xmlns:cx="http://schemas.microsoft.com/office/drawing/2014/chartex" xmlns:cx1="http://schemas.microsoft.com/office/drawing/2015/9/8/chartex" xmlns:cx2="http://schemas.microsoft.com/office/drawing/2015/10/21/chartex" xmlns:cx3="http://schemas.microsoft.com/office/drawing/2016/5/9/chartex" xmlns:cx4="http://schemas.microsoft.com/office/drawing/2016/5/10/chartex" xmlns:cx5="http://schemas.microsoft.com/office/drawing/2016/5/11/chartex" xmlns:cx6="http://schemas.microsoft.com/office/drawing/2016/5/12/chartex" xmlns:cx7="http://schemas.microsoft.com/office/drawing/2016/5/13/chartex" xmlns:cx8="http://schemas.microsoft.com/office/drawing/2016/5/14/chartex" xmlns:aink="http://schemas.microsoft.com/office/drawing/2016/ink" xmlns:am3d="http://schemas.microsoft.com/office/drawing/2017/model3d" xmlns:w16cid="http://schemas.microsoft.com/office/word/2016/wordml/cid" xmlns:w16se="http://schemas.microsoft.com/office/word/2015/wordml/symex" xmlns:a14="http://schemas.microsoft.com/office/drawing/2010/main" xmlns:w="http://schemas.openxmlformats.org/wordprocessingml/2006/main" xmlns:w10="urn:schemas-microsoft-com:office:word" xmlns:v="urn:schemas-microsoft-com:vml" xmlns:o="urn:schemas-microsoft-com:office:office" xmlns:mv="urn:schemas-microsoft-com:mac:vml" xmlns:mo="http://schemas.microsoft.com/office/mac/office/2008/main" xmlns="" xmlns:arto="http://schemas.microsoft.com/office/word/2006/arto" xmlns:lc="http://schemas.openxmlformats.org/drawingml/2006/lockedCanvas">
+                  <a14:hiddenFill xmlns:lc="http://schemas.openxmlformats.org/drawingml/2006/lockedCanvas" xmlns:arto="http://schemas.microsoft.com/office/word/2006/arto" xmlns="" xmlns:mo="http://schemas.microsoft.com/office/mac/office/2008/main" xmlns:mv="urn:schemas-microsoft-com:mac:vml" xmlns:o="urn:schemas-microsoft-com:office:office" xmlns:v="urn:schemas-microsoft-com:vml" xmlns:w10="urn:schemas-microsoft-com:office:word" xmlns:w="http://schemas.openxmlformats.org/wordprocessingml/2006/main" xmlns:a14="http://schemas.microsoft.com/office/drawing/2010/main" xmlns:w16se="http://schemas.microsoft.com/office/word/2015/wordml/symex" xmlns:w16cid="http://schemas.microsoft.com/office/word/2016/wordml/cid" xmlns:am3d="http://schemas.microsoft.com/office/drawing/2017/model3d" xmlns:aink="http://schemas.microsoft.com/office/drawing/2016/ink" xmlns:cx8="http://schemas.microsoft.com/office/drawing/2016/5/14/chartex" xmlns:cx7="http://schemas.microsoft.com/office/drawing/2016/5/13/chartex" xmlns:cx6="http://schemas.microsoft.com/office/drawing/2016/5/12/chartex" xmlns:cx5="http://schemas.microsoft.com/office/drawing/2016/5/11/chartex" xmlns:cx4="http://schemas.microsoft.com/office/drawing/2016/5/10/chartex" xmlns:cx3="http://schemas.microsoft.com/office/drawing/2016/5/9/chartex" xmlns:cx2="http://schemas.microsoft.com/office/drawing/2015/10/21/chartex" xmlns:cx1="http://schemas.microsoft.com/office/drawing/2015/9/8/chartex" xmlns:cx="http://schemas.microsoft.com/office/drawing/2014/chartex" xmlns:wps="http://schemas.microsoft.com/office/word/2010/wordprocessingShape" xmlns:wne="http://schemas.microsoft.com/office/word/2006/wordml" xmlns:wpi="http://schemas.microsoft.com/office/word/2010/wordprocessingInk" xmlns:wpg="http://schemas.microsoft.com/office/word/2010/wordprocessingGroup" xmlns:w15="http://schemas.microsoft.com/office/word/2012/wordml" xmlns:w14="http://schemas.microsoft.com/office/word/2010/wordml" xmlns:wp="http://schemas.openxmlformats.org/drawingml/2006/wordprocessingDrawing" xmlns:wp14="http://schemas.microsoft.com/office/word/2010/wordprocessingDrawing" xmlns:m="http://schemas.openxmlformats.org/officeDocument/2006/math" xmlns:mc="http://schemas.openxmlformats.org/markup-compatibility/2006" xmlns:wpc="http://schemas.microsoft.com/office/word/2010/wordprocessingCanvas">
                     <a:noFill/>
                   </a14:hiddenFill>
                 </a:ext>
@@ -7058,14 +6514,14 @@
               </a:ln>
               <a:extLst>
                 <a:ext uri="{909E8E84-426E-40dd-AFC4-6F175D3DCCD1}">
-                  <a14:hiddenFill xmlns:wpc="http://schemas.microsoft.com/office/word/2010/wordprocessingCanvas" xmlns:mc="http://schemas.openxmlformats.org/markup-compatibility/2006" xmlns:m="http://schemas.openxmlformats.org/officeDocument/2006/math" xmlns:wp14="http://schemas.microsoft.com/office/word/2010/wordprocessingDrawing" xmlns:wp="http://schemas.openxmlformats.org/drawingml/2006/wordprocessingDrawing" xmlns:w14="http://schemas.microsoft.com/office/word/2010/wordml" xmlns:w15="http://schemas.microsoft.com/office/word/2012/wordml" xmlns:wpg="http://schemas.microsoft.com/office/word/2010/wordprocessingGroup" xmlns:wpi="http://schemas.microsoft.com/office/word/2010/wordprocessingInk" xmlns:wne="http://schemas.microsoft.com/office/word/2006/wordml" xmlns:wps="http://schemas.microsoft.com/office/word/2010/wordprocessingShape" xmlns:cx="http://schemas.microsoft.com/office/drawing/2014/chartex" xmlns:cx1="http://schemas.microsoft.com/office/drawing/2015/9/8/chartex" xmlns:cx2="http://schemas.microsoft.com/office/drawing/2015/10/21/chartex" xmlns:cx3="http://schemas.microsoft.com/office/drawing/2016/5/9/chartex" xmlns:cx4="http://schemas.microsoft.com/office/drawing/2016/5/10/chartex" xmlns:cx5="http://schemas.microsoft.com/office/drawing/2016/5/11/chartex" xmlns:cx6="http://schemas.microsoft.com/office/drawing/2016/5/12/chartex" xmlns:cx7="http://schemas.microsoft.com/office/drawing/2016/5/13/chartex" xmlns:cx8="http://schemas.microsoft.com/office/drawing/2016/5/14/chartex" xmlns:aink="http://schemas.microsoft.com/office/drawing/2016/ink" xmlns:am3d="http://schemas.microsoft.com/office/drawing/2017/model3d" xmlns:w16cid="http://schemas.microsoft.com/office/word/2016/wordml/cid" xmlns:w16se="http://schemas.microsoft.com/office/word/2015/wordml/symex" xmlns:a14="http://schemas.microsoft.com/office/drawing/2010/main" xmlns:w="http://schemas.openxmlformats.org/wordprocessingml/2006/main" xmlns:w10="urn:schemas-microsoft-com:office:word" xmlns:v="urn:schemas-microsoft-com:vml" xmlns:o="urn:schemas-microsoft-com:office:office" xmlns:mv="urn:schemas-microsoft-com:mac:vml" xmlns:mo="http://schemas.microsoft.com/office/mac/office/2008/main" xmlns="" xmlns:arto="http://schemas.microsoft.com/office/word/2006/arto" xmlns:lc="http://schemas.openxmlformats.org/drawingml/2006/lockedCanvas">
+                  <a14:hiddenFill xmlns:lc="http://schemas.openxmlformats.org/drawingml/2006/lockedCanvas" xmlns:arto="http://schemas.microsoft.com/office/word/2006/arto" xmlns="" xmlns:mo="http://schemas.microsoft.com/office/mac/office/2008/main" xmlns:mv="urn:schemas-microsoft-com:mac:vml" xmlns:o="urn:schemas-microsoft-com:office:office" xmlns:v="urn:schemas-microsoft-com:vml" xmlns:w10="urn:schemas-microsoft-com:office:word" xmlns:w="http://schemas.openxmlformats.org/wordprocessingml/2006/main" xmlns:a14="http://schemas.microsoft.com/office/drawing/2010/main" xmlns:w16se="http://schemas.microsoft.com/office/word/2015/wordml/symex" xmlns:w16cid="http://schemas.microsoft.com/office/word/2016/wordml/cid" xmlns:am3d="http://schemas.microsoft.com/office/drawing/2017/model3d" xmlns:aink="http://schemas.microsoft.com/office/drawing/2016/ink" xmlns:cx8="http://schemas.microsoft.com/office/drawing/2016/5/14/chartex" xmlns:cx7="http://schemas.microsoft.com/office/drawing/2016/5/13/chartex" xmlns:cx6="http://schemas.microsoft.com/office/drawing/2016/5/12/chartex" xmlns:cx5="http://schemas.microsoft.com/office/drawing/2016/5/11/chartex" xmlns:cx4="http://schemas.microsoft.com/office/drawing/2016/5/10/chartex" xmlns:cx3="http://schemas.microsoft.com/office/drawing/2016/5/9/chartex" xmlns:cx2="http://schemas.microsoft.com/office/drawing/2015/10/21/chartex" xmlns:cx1="http://schemas.microsoft.com/office/drawing/2015/9/8/chartex" xmlns:cx="http://schemas.microsoft.com/office/drawing/2014/chartex" xmlns:wps="http://schemas.microsoft.com/office/word/2010/wordprocessingShape" xmlns:wne="http://schemas.microsoft.com/office/word/2006/wordml" xmlns:wpi="http://schemas.microsoft.com/office/word/2010/wordprocessingInk" xmlns:wpg="http://schemas.microsoft.com/office/word/2010/wordprocessingGroup" xmlns:w15="http://schemas.microsoft.com/office/word/2012/wordml" xmlns:w14="http://schemas.microsoft.com/office/word/2010/wordml" xmlns:wp="http://schemas.openxmlformats.org/drawingml/2006/wordprocessingDrawing" xmlns:wp14="http://schemas.microsoft.com/office/word/2010/wordprocessingDrawing" xmlns:m="http://schemas.openxmlformats.org/officeDocument/2006/math" xmlns:mc="http://schemas.openxmlformats.org/markup-compatibility/2006" xmlns:wpc="http://schemas.microsoft.com/office/word/2010/wordprocessingCanvas">
                     <a:solidFill>
                       <a:srgbClr val="FFFFFF"/>
                     </a:solidFill>
                   </a14:hiddenFill>
                 </a:ext>
                 <a:ext uri="{91240B29-F687-4f45-9708-019B960494DF}">
-                  <a14:hiddenLine xmlns:wpc="http://schemas.microsoft.com/office/word/2010/wordprocessingCanvas" xmlns:mc="http://schemas.openxmlformats.org/markup-compatibility/2006" xmlns:m="http://schemas.openxmlformats.org/officeDocument/2006/math" xmlns:wp14="http://schemas.microsoft.com/office/word/2010/wordprocessingDrawing" xmlns:wp="http://schemas.openxmlformats.org/drawingml/2006/wordprocessingDrawing" xmlns:w14="http://schemas.microsoft.com/office/word/2010/wordml" xmlns:w15="http://schemas.microsoft.com/office/word/2012/wordml" xmlns:wpg="http://schemas.microsoft.com/office/word/2010/wordprocessingGroup" xmlns:wpi="http://schemas.microsoft.com/office/word/2010/wordprocessingInk" xmlns:wne="http://schemas.microsoft.com/office/word/2006/wordml" xmlns:wps="http://schemas.microsoft.com/office/word/2010/wordprocessingShape" xmlns:cx="http://schemas.microsoft.com/office/drawing/2014/chartex" xmlns:cx1="http://schemas.microsoft.com/office/drawing/2015/9/8/chartex" xmlns:cx2="http://schemas.microsoft.com/office/drawing/2015/10/21/chartex" xmlns:cx3="http://schemas.microsoft.com/office/drawing/2016/5/9/chartex" xmlns:cx4="http://schemas.microsoft.com/office/drawing/2016/5/10/chartex" xmlns:cx5="http://schemas.microsoft.com/office/drawing/2016/5/11/chartex" xmlns:cx6="http://schemas.microsoft.com/office/drawing/2016/5/12/chartex" xmlns:cx7="http://schemas.microsoft.com/office/drawing/2016/5/13/chartex" xmlns:cx8="http://schemas.microsoft.com/office/drawing/2016/5/14/chartex" xmlns:aink="http://schemas.microsoft.com/office/drawing/2016/ink" xmlns:am3d="http://schemas.microsoft.com/office/drawing/2017/model3d" xmlns:w16cid="http://schemas.microsoft.com/office/word/2016/wordml/cid" xmlns:w16se="http://schemas.microsoft.com/office/word/2015/wordml/symex" xmlns:a14="http://schemas.microsoft.com/office/drawing/2010/main" xmlns:w="http://schemas.openxmlformats.org/wordprocessingml/2006/main" xmlns:w10="urn:schemas-microsoft-com:office:word" xmlns:v="urn:schemas-microsoft-com:vml" xmlns:o="urn:schemas-microsoft-com:office:office" xmlns:mv="urn:schemas-microsoft-com:mac:vml" xmlns:mo="http://schemas.microsoft.com/office/mac/office/2008/main" xmlns="" xmlns:arto="http://schemas.microsoft.com/office/word/2006/arto" xmlns:lc="http://schemas.openxmlformats.org/drawingml/2006/lockedCanvas" w="9525">
+                  <a14:hiddenLine xmlns:lc="http://schemas.openxmlformats.org/drawingml/2006/lockedCanvas" xmlns:arto="http://schemas.microsoft.com/office/word/2006/arto" xmlns="" xmlns:mo="http://schemas.microsoft.com/office/mac/office/2008/main" xmlns:mv="urn:schemas-microsoft-com:mac:vml" xmlns:o="urn:schemas-microsoft-com:office:office" xmlns:v="urn:schemas-microsoft-com:vml" xmlns:w10="urn:schemas-microsoft-com:office:word" xmlns:w="http://schemas.openxmlformats.org/wordprocessingml/2006/main" xmlns:a14="http://schemas.microsoft.com/office/drawing/2010/main" xmlns:w16se="http://schemas.microsoft.com/office/word/2015/wordml/symex" xmlns:w16cid="http://schemas.microsoft.com/office/word/2016/wordml/cid" xmlns:am3d="http://schemas.microsoft.com/office/drawing/2017/model3d" xmlns:aink="http://schemas.microsoft.com/office/drawing/2016/ink" xmlns:cx8="http://schemas.microsoft.com/office/drawing/2016/5/14/chartex" xmlns:cx7="http://schemas.microsoft.com/office/drawing/2016/5/13/chartex" xmlns:cx6="http://schemas.microsoft.com/office/drawing/2016/5/12/chartex" xmlns:cx5="http://schemas.microsoft.com/office/drawing/2016/5/11/chartex" xmlns:cx4="http://schemas.microsoft.com/office/drawing/2016/5/10/chartex" xmlns:cx3="http://schemas.microsoft.com/office/drawing/2016/5/9/chartex" xmlns:cx2="http://schemas.microsoft.com/office/drawing/2015/10/21/chartex" xmlns:cx1="http://schemas.microsoft.com/office/drawing/2015/9/8/chartex" xmlns:cx="http://schemas.microsoft.com/office/drawing/2014/chartex" xmlns:wps="http://schemas.microsoft.com/office/word/2010/wordprocessingShape" xmlns:wne="http://schemas.microsoft.com/office/word/2006/wordml" xmlns:wpi="http://schemas.microsoft.com/office/word/2010/wordprocessingInk" xmlns:wpg="http://schemas.microsoft.com/office/word/2010/wordprocessingGroup" xmlns:w15="http://schemas.microsoft.com/office/word/2012/wordml" xmlns:w14="http://schemas.microsoft.com/office/word/2010/wordml" xmlns:wp="http://schemas.openxmlformats.org/drawingml/2006/wordprocessingDrawing" xmlns:wp14="http://schemas.microsoft.com/office/word/2010/wordprocessingDrawing" xmlns:m="http://schemas.openxmlformats.org/officeDocument/2006/math" xmlns:mc="http://schemas.openxmlformats.org/markup-compatibility/2006" xmlns:wpc="http://schemas.microsoft.com/office/word/2010/wordprocessingCanvas" w="9525">
                     <a:solidFill>
                       <a:srgbClr val="000000"/>
                     </a:solidFill>
@@ -7082,20 +6538,13 @@
               </a:bodyPr>
               <a:lstStyle/>
               <a:p>
-                <a:pPr marL="0" marR="0" algn="ctr">
+                <a:pPr algn="ctr">
                   <a:lnSpc>
                     <a:spcPct val="115000"/>
                   </a:lnSpc>
-                  <a:spcBef>
-                    <a:spcPts val="0"/>
-                  </a:spcBef>
-                  <a:spcAft>
-                    <a:spcPts val="0"/>
-                  </a:spcAft>
                 </a:pPr>
                 <a:r>
                   <a:rPr lang="en-US" sz="600">
-                    <a:effectLst/>
                     <a:highlight>
                       <a:srgbClr val="D3D3D3"/>
                     </a:highlight>
@@ -7105,7 +6554,6 @@
                   <a:t>Register Document</a:t>
                 </a:r>
                 <a:endParaRPr lang="en-US" sz="1200">
-                  <a:effectLst/>
                   <a:latin typeface="Times New Roman" panose="02020603050405020304" pitchFamily="18" charset="0"/>
                   <a:ea typeface="Times New Roman" panose="02020603050405020304" pitchFamily="18" charset="0"/>
                 </a:endParaRPr>
@@ -7146,7 +6594,7 @@
               </a:ln>
               <a:extLst>
                 <a:ext uri="{909E8E84-426E-40dd-AFC4-6F175D3DCCD1}">
-                  <a14:hiddenFill xmlns:wpc="http://schemas.microsoft.com/office/word/2010/wordprocessingCanvas" xmlns:mc="http://schemas.openxmlformats.org/markup-compatibility/2006" xmlns:m="http://schemas.openxmlformats.org/officeDocument/2006/math" xmlns:wp14="http://schemas.microsoft.com/office/word/2010/wordprocessingDrawing" xmlns:wp="http://schemas.openxmlformats.org/drawingml/2006/wordprocessingDrawing" xmlns:w14="http://schemas.microsoft.com/office/word/2010/wordml" xmlns:w15="http://schemas.microsoft.com/office/word/2012/wordml" xmlns:wpg="http://schemas.microsoft.com/office/word/2010/wordprocessingGroup" xmlns:wpi="http://schemas.microsoft.com/office/word/2010/wordprocessingInk" xmlns:wne="http://schemas.microsoft.com/office/word/2006/wordml" xmlns:wps="http://schemas.microsoft.com/office/word/2010/wordprocessingShape" xmlns:cx="http://schemas.microsoft.com/office/drawing/2014/chartex" xmlns:cx1="http://schemas.microsoft.com/office/drawing/2015/9/8/chartex" xmlns:cx2="http://schemas.microsoft.com/office/drawing/2015/10/21/chartex" xmlns:cx3="http://schemas.microsoft.com/office/drawing/2016/5/9/chartex" xmlns:cx4="http://schemas.microsoft.com/office/drawing/2016/5/10/chartex" xmlns:cx5="http://schemas.microsoft.com/office/drawing/2016/5/11/chartex" xmlns:cx6="http://schemas.microsoft.com/office/drawing/2016/5/12/chartex" xmlns:cx7="http://schemas.microsoft.com/office/drawing/2016/5/13/chartex" xmlns:cx8="http://schemas.microsoft.com/office/drawing/2016/5/14/chartex" xmlns:aink="http://schemas.microsoft.com/office/drawing/2016/ink" xmlns:am3d="http://schemas.microsoft.com/office/drawing/2017/model3d" xmlns:w16cid="http://schemas.microsoft.com/office/word/2016/wordml/cid" xmlns:w16se="http://schemas.microsoft.com/office/word/2015/wordml/symex" xmlns:a14="http://schemas.microsoft.com/office/drawing/2010/main" xmlns:w="http://schemas.openxmlformats.org/wordprocessingml/2006/main" xmlns:w10="urn:schemas-microsoft-com:office:word" xmlns:v="urn:schemas-microsoft-com:vml" xmlns:o="urn:schemas-microsoft-com:office:office" xmlns:mv="urn:schemas-microsoft-com:mac:vml" xmlns:mo="http://schemas.microsoft.com/office/mac/office/2008/main" xmlns="" xmlns:arto="http://schemas.microsoft.com/office/word/2006/arto" xmlns:lc="http://schemas.openxmlformats.org/drawingml/2006/lockedCanvas">
+                  <a14:hiddenFill xmlns:lc="http://schemas.openxmlformats.org/drawingml/2006/lockedCanvas" xmlns:arto="http://schemas.microsoft.com/office/word/2006/arto" xmlns="" xmlns:mo="http://schemas.microsoft.com/office/mac/office/2008/main" xmlns:mv="urn:schemas-microsoft-com:mac:vml" xmlns:o="urn:schemas-microsoft-com:office:office" xmlns:v="urn:schemas-microsoft-com:vml" xmlns:w10="urn:schemas-microsoft-com:office:word" xmlns:w="http://schemas.openxmlformats.org/wordprocessingml/2006/main" xmlns:a14="http://schemas.microsoft.com/office/drawing/2010/main" xmlns:w16se="http://schemas.microsoft.com/office/word/2015/wordml/symex" xmlns:w16cid="http://schemas.microsoft.com/office/word/2016/wordml/cid" xmlns:am3d="http://schemas.microsoft.com/office/drawing/2017/model3d" xmlns:aink="http://schemas.microsoft.com/office/drawing/2016/ink" xmlns:cx8="http://schemas.microsoft.com/office/drawing/2016/5/14/chartex" xmlns:cx7="http://schemas.microsoft.com/office/drawing/2016/5/13/chartex" xmlns:cx6="http://schemas.microsoft.com/office/drawing/2016/5/12/chartex" xmlns:cx5="http://schemas.microsoft.com/office/drawing/2016/5/11/chartex" xmlns:cx4="http://schemas.microsoft.com/office/drawing/2016/5/10/chartex" xmlns:cx3="http://schemas.microsoft.com/office/drawing/2016/5/9/chartex" xmlns:cx2="http://schemas.microsoft.com/office/drawing/2015/10/21/chartex" xmlns:cx1="http://schemas.microsoft.com/office/drawing/2015/9/8/chartex" xmlns:cx="http://schemas.microsoft.com/office/drawing/2014/chartex" xmlns:wps="http://schemas.microsoft.com/office/word/2010/wordprocessingShape" xmlns:wne="http://schemas.microsoft.com/office/word/2006/wordml" xmlns:wpi="http://schemas.microsoft.com/office/word/2010/wordprocessingInk" xmlns:wpg="http://schemas.microsoft.com/office/word/2010/wordprocessingGroup" xmlns:w15="http://schemas.microsoft.com/office/word/2012/wordml" xmlns:w14="http://schemas.microsoft.com/office/word/2010/wordml" xmlns:wp="http://schemas.openxmlformats.org/drawingml/2006/wordprocessingDrawing" xmlns:wp14="http://schemas.microsoft.com/office/word/2010/wordprocessingDrawing" xmlns:m="http://schemas.openxmlformats.org/officeDocument/2006/math" xmlns:mc="http://schemas.openxmlformats.org/markup-compatibility/2006" xmlns:wpc="http://schemas.microsoft.com/office/word/2010/wordprocessingCanvas">
                     <a:noFill/>
                   </a14:hiddenFill>
                 </a:ext>
@@ -7187,7 +6635,7 @@
               </a:ln>
               <a:extLst>
                 <a:ext uri="{909E8E84-426E-40dd-AFC4-6F175D3DCCD1}">
-                  <a14:hiddenFill xmlns:wpc="http://schemas.microsoft.com/office/word/2010/wordprocessingCanvas" xmlns:mc="http://schemas.openxmlformats.org/markup-compatibility/2006" xmlns:m="http://schemas.openxmlformats.org/officeDocument/2006/math" xmlns:wp14="http://schemas.microsoft.com/office/word/2010/wordprocessingDrawing" xmlns:wp="http://schemas.openxmlformats.org/drawingml/2006/wordprocessingDrawing" xmlns:w14="http://schemas.microsoft.com/office/word/2010/wordml" xmlns:w15="http://schemas.microsoft.com/office/word/2012/wordml" xmlns:wpg="http://schemas.microsoft.com/office/word/2010/wordprocessingGroup" xmlns:wpi="http://schemas.microsoft.com/office/word/2010/wordprocessingInk" xmlns:wne="http://schemas.microsoft.com/office/word/2006/wordml" xmlns:wps="http://schemas.microsoft.com/office/word/2010/wordprocessingShape" xmlns:cx="http://schemas.microsoft.com/office/drawing/2014/chartex" xmlns:cx1="http://schemas.microsoft.com/office/drawing/2015/9/8/chartex" xmlns:cx2="http://schemas.microsoft.com/office/drawing/2015/10/21/chartex" xmlns:cx3="http://schemas.microsoft.com/office/drawing/2016/5/9/chartex" xmlns:cx4="http://schemas.microsoft.com/office/drawing/2016/5/10/chartex" xmlns:cx5="http://schemas.microsoft.com/office/drawing/2016/5/11/chartex" xmlns:cx6="http://schemas.microsoft.com/office/drawing/2016/5/12/chartex" xmlns:cx7="http://schemas.microsoft.com/office/drawing/2016/5/13/chartex" xmlns:cx8="http://schemas.microsoft.com/office/drawing/2016/5/14/chartex" xmlns:aink="http://schemas.microsoft.com/office/drawing/2016/ink" xmlns:am3d="http://schemas.microsoft.com/office/drawing/2017/model3d" xmlns:w16cid="http://schemas.microsoft.com/office/word/2016/wordml/cid" xmlns:w16se="http://schemas.microsoft.com/office/word/2015/wordml/symex" xmlns:a14="http://schemas.microsoft.com/office/drawing/2010/main" xmlns:w="http://schemas.openxmlformats.org/wordprocessingml/2006/main" xmlns:w10="urn:schemas-microsoft-com:office:word" xmlns:v="urn:schemas-microsoft-com:vml" xmlns:o="urn:schemas-microsoft-com:office:office" xmlns:mv="urn:schemas-microsoft-com:mac:vml" xmlns:mo="http://schemas.microsoft.com/office/mac/office/2008/main" xmlns="" xmlns:arto="http://schemas.microsoft.com/office/word/2006/arto" xmlns:lc="http://schemas.openxmlformats.org/drawingml/2006/lockedCanvas">
+                  <a14:hiddenFill xmlns:lc="http://schemas.openxmlformats.org/drawingml/2006/lockedCanvas" xmlns:arto="http://schemas.microsoft.com/office/word/2006/arto" xmlns="" xmlns:mo="http://schemas.microsoft.com/office/mac/office/2008/main" xmlns:mv="urn:schemas-microsoft-com:mac:vml" xmlns:o="urn:schemas-microsoft-com:office:office" xmlns:v="urn:schemas-microsoft-com:vml" xmlns:w10="urn:schemas-microsoft-com:office:word" xmlns:w="http://schemas.openxmlformats.org/wordprocessingml/2006/main" xmlns:a14="http://schemas.microsoft.com/office/drawing/2010/main" xmlns:w16se="http://schemas.microsoft.com/office/word/2015/wordml/symex" xmlns:w16cid="http://schemas.microsoft.com/office/word/2016/wordml/cid" xmlns:am3d="http://schemas.microsoft.com/office/drawing/2017/model3d" xmlns:aink="http://schemas.microsoft.com/office/drawing/2016/ink" xmlns:cx8="http://schemas.microsoft.com/office/drawing/2016/5/14/chartex" xmlns:cx7="http://schemas.microsoft.com/office/drawing/2016/5/13/chartex" xmlns:cx6="http://schemas.microsoft.com/office/drawing/2016/5/12/chartex" xmlns:cx5="http://schemas.microsoft.com/office/drawing/2016/5/11/chartex" xmlns:cx4="http://schemas.microsoft.com/office/drawing/2016/5/10/chartex" xmlns:cx3="http://schemas.microsoft.com/office/drawing/2016/5/9/chartex" xmlns:cx2="http://schemas.microsoft.com/office/drawing/2015/10/21/chartex" xmlns:cx1="http://schemas.microsoft.com/office/drawing/2015/9/8/chartex" xmlns:cx="http://schemas.microsoft.com/office/drawing/2014/chartex" xmlns:wps="http://schemas.microsoft.com/office/word/2010/wordprocessingShape" xmlns:wne="http://schemas.microsoft.com/office/word/2006/wordml" xmlns:wpi="http://schemas.microsoft.com/office/word/2010/wordprocessingInk" xmlns:wpg="http://schemas.microsoft.com/office/word/2010/wordprocessingGroup" xmlns:w15="http://schemas.microsoft.com/office/word/2012/wordml" xmlns:w14="http://schemas.microsoft.com/office/word/2010/wordml" xmlns:wp="http://schemas.openxmlformats.org/drawingml/2006/wordprocessingDrawing" xmlns:wp14="http://schemas.microsoft.com/office/word/2010/wordprocessingDrawing" xmlns:m="http://schemas.openxmlformats.org/officeDocument/2006/math" xmlns:mc="http://schemas.openxmlformats.org/markup-compatibility/2006" xmlns:wpc="http://schemas.microsoft.com/office/word/2010/wordprocessingCanvas">
                     <a:noFill/>
                   </a14:hiddenFill>
                 </a:ext>
@@ -7248,7 +6696,7 @@
               </a:ln>
               <a:extLst>
                 <a:ext uri="{909E8E84-426E-40dd-AFC4-6F175D3DCCD1}">
-                  <a14:hiddenFill xmlns:wpc="http://schemas.microsoft.com/office/word/2010/wordprocessingCanvas" xmlns:mc="http://schemas.openxmlformats.org/markup-compatibility/2006" xmlns:m="http://schemas.openxmlformats.org/officeDocument/2006/math" xmlns:wp14="http://schemas.microsoft.com/office/word/2010/wordprocessingDrawing" xmlns:wp="http://schemas.openxmlformats.org/drawingml/2006/wordprocessingDrawing" xmlns:w14="http://schemas.microsoft.com/office/word/2010/wordml" xmlns:w15="http://schemas.microsoft.com/office/word/2012/wordml" xmlns:wpg="http://schemas.microsoft.com/office/word/2010/wordprocessingGroup" xmlns:wpi="http://schemas.microsoft.com/office/word/2010/wordprocessingInk" xmlns:wne="http://schemas.microsoft.com/office/word/2006/wordml" xmlns:wps="http://schemas.microsoft.com/office/word/2010/wordprocessingShape" xmlns:cx="http://schemas.microsoft.com/office/drawing/2014/chartex" xmlns:cx1="http://schemas.microsoft.com/office/drawing/2015/9/8/chartex" xmlns:cx2="http://schemas.microsoft.com/office/drawing/2015/10/21/chartex" xmlns:cx3="http://schemas.microsoft.com/office/drawing/2016/5/9/chartex" xmlns:cx4="http://schemas.microsoft.com/office/drawing/2016/5/10/chartex" xmlns:cx5="http://schemas.microsoft.com/office/drawing/2016/5/11/chartex" xmlns:cx6="http://schemas.microsoft.com/office/drawing/2016/5/12/chartex" xmlns:cx7="http://schemas.microsoft.com/office/drawing/2016/5/13/chartex" xmlns:cx8="http://schemas.microsoft.com/office/drawing/2016/5/14/chartex" xmlns:aink="http://schemas.microsoft.com/office/drawing/2016/ink" xmlns:am3d="http://schemas.microsoft.com/office/drawing/2017/model3d" xmlns:w16cid="http://schemas.microsoft.com/office/word/2016/wordml/cid" xmlns:w16se="http://schemas.microsoft.com/office/word/2015/wordml/symex" xmlns:a14="http://schemas.microsoft.com/office/drawing/2010/main" xmlns:w="http://schemas.openxmlformats.org/wordprocessingml/2006/main" xmlns:w10="urn:schemas-microsoft-com:office:word" xmlns:v="urn:schemas-microsoft-com:vml" xmlns:o="urn:schemas-microsoft-com:office:office" xmlns:mv="urn:schemas-microsoft-com:mac:vml" xmlns:mo="http://schemas.microsoft.com/office/mac/office/2008/main" xmlns="" xmlns:arto="http://schemas.microsoft.com/office/word/2006/arto" xmlns:lc="http://schemas.openxmlformats.org/drawingml/2006/lockedCanvas">
+                  <a14:hiddenFill xmlns:lc="http://schemas.openxmlformats.org/drawingml/2006/lockedCanvas" xmlns:arto="http://schemas.microsoft.com/office/word/2006/arto" xmlns="" xmlns:mo="http://schemas.microsoft.com/office/mac/office/2008/main" xmlns:mv="urn:schemas-microsoft-com:mac:vml" xmlns:o="urn:schemas-microsoft-com:office:office" xmlns:v="urn:schemas-microsoft-com:vml" xmlns:w10="urn:schemas-microsoft-com:office:word" xmlns:w="http://schemas.openxmlformats.org/wordprocessingml/2006/main" xmlns:a14="http://schemas.microsoft.com/office/drawing/2010/main" xmlns:w16se="http://schemas.microsoft.com/office/word/2015/wordml/symex" xmlns:w16cid="http://schemas.microsoft.com/office/word/2016/wordml/cid" xmlns:am3d="http://schemas.microsoft.com/office/drawing/2017/model3d" xmlns:aink="http://schemas.microsoft.com/office/drawing/2016/ink" xmlns:cx8="http://schemas.microsoft.com/office/drawing/2016/5/14/chartex" xmlns:cx7="http://schemas.microsoft.com/office/drawing/2016/5/13/chartex" xmlns:cx6="http://schemas.microsoft.com/office/drawing/2016/5/12/chartex" xmlns:cx5="http://schemas.microsoft.com/office/drawing/2016/5/11/chartex" xmlns:cx4="http://schemas.microsoft.com/office/drawing/2016/5/10/chartex" xmlns:cx3="http://schemas.microsoft.com/office/drawing/2016/5/9/chartex" xmlns:cx2="http://schemas.microsoft.com/office/drawing/2015/10/21/chartex" xmlns:cx1="http://schemas.microsoft.com/office/drawing/2015/9/8/chartex" xmlns:cx="http://schemas.microsoft.com/office/drawing/2014/chartex" xmlns:wps="http://schemas.microsoft.com/office/word/2010/wordprocessingShape" xmlns:wne="http://schemas.microsoft.com/office/word/2006/wordml" xmlns:wpi="http://schemas.microsoft.com/office/word/2010/wordprocessingInk" xmlns:wpg="http://schemas.microsoft.com/office/word/2010/wordprocessingGroup" xmlns:w15="http://schemas.microsoft.com/office/word/2012/wordml" xmlns:w14="http://schemas.microsoft.com/office/word/2010/wordml" xmlns:wp="http://schemas.openxmlformats.org/drawingml/2006/wordprocessingDrawing" xmlns:wp14="http://schemas.microsoft.com/office/word/2010/wordprocessingDrawing" xmlns:m="http://schemas.openxmlformats.org/officeDocument/2006/math" xmlns:mc="http://schemas.openxmlformats.org/markup-compatibility/2006" xmlns:wpc="http://schemas.microsoft.com/office/word/2010/wordprocessingCanvas">
                     <a:noFill/>
                   </a14:hiddenFill>
                 </a:ext>
@@ -7288,7 +6736,7 @@
               </a:ln>
               <a:extLst>
                 <a:ext uri="{909E8E84-426E-40dd-AFC4-6F175D3DCCD1}">
-                  <a14:hiddenFill xmlns:wpc="http://schemas.microsoft.com/office/word/2010/wordprocessingCanvas" xmlns:mc="http://schemas.openxmlformats.org/markup-compatibility/2006" xmlns:m="http://schemas.openxmlformats.org/officeDocument/2006/math" xmlns:wp14="http://schemas.microsoft.com/office/word/2010/wordprocessingDrawing" xmlns:wp="http://schemas.openxmlformats.org/drawingml/2006/wordprocessingDrawing" xmlns:w14="http://schemas.microsoft.com/office/word/2010/wordml" xmlns:w15="http://schemas.microsoft.com/office/word/2012/wordml" xmlns:wpg="http://schemas.microsoft.com/office/word/2010/wordprocessingGroup" xmlns:wpi="http://schemas.microsoft.com/office/word/2010/wordprocessingInk" xmlns:wne="http://schemas.microsoft.com/office/word/2006/wordml" xmlns:wps="http://schemas.microsoft.com/office/word/2010/wordprocessingShape" xmlns:cx="http://schemas.microsoft.com/office/drawing/2014/chartex" xmlns:cx1="http://schemas.microsoft.com/office/drawing/2015/9/8/chartex" xmlns:cx2="http://schemas.microsoft.com/office/drawing/2015/10/21/chartex" xmlns:cx3="http://schemas.microsoft.com/office/drawing/2016/5/9/chartex" xmlns:cx4="http://schemas.microsoft.com/office/drawing/2016/5/10/chartex" xmlns:cx5="http://schemas.microsoft.com/office/drawing/2016/5/11/chartex" xmlns:cx6="http://schemas.microsoft.com/office/drawing/2016/5/12/chartex" xmlns:cx7="http://schemas.microsoft.com/office/drawing/2016/5/13/chartex" xmlns:cx8="http://schemas.microsoft.com/office/drawing/2016/5/14/chartex" xmlns:aink="http://schemas.microsoft.com/office/drawing/2016/ink" xmlns:am3d="http://schemas.microsoft.com/office/drawing/2017/model3d" xmlns:w16cid="http://schemas.microsoft.com/office/word/2016/wordml/cid" xmlns:w16se="http://schemas.microsoft.com/office/word/2015/wordml/symex" xmlns:a14="http://schemas.microsoft.com/office/drawing/2010/main" xmlns:w="http://schemas.openxmlformats.org/wordprocessingml/2006/main" xmlns:w10="urn:schemas-microsoft-com:office:word" xmlns:v="urn:schemas-microsoft-com:vml" xmlns:o="urn:schemas-microsoft-com:office:office" xmlns:mv="urn:schemas-microsoft-com:mac:vml" xmlns:mo="http://schemas.microsoft.com/office/mac/office/2008/main" xmlns="" xmlns:arto="http://schemas.microsoft.com/office/word/2006/arto" xmlns:lc="http://schemas.openxmlformats.org/drawingml/2006/lockedCanvas">
+                  <a14:hiddenFill xmlns:lc="http://schemas.openxmlformats.org/drawingml/2006/lockedCanvas" xmlns:arto="http://schemas.microsoft.com/office/word/2006/arto" xmlns="" xmlns:mo="http://schemas.microsoft.com/office/mac/office/2008/main" xmlns:mv="urn:schemas-microsoft-com:mac:vml" xmlns:o="urn:schemas-microsoft-com:office:office" xmlns:v="urn:schemas-microsoft-com:vml" xmlns:w10="urn:schemas-microsoft-com:office:word" xmlns:w="http://schemas.openxmlformats.org/wordprocessingml/2006/main" xmlns:a14="http://schemas.microsoft.com/office/drawing/2010/main" xmlns:w16se="http://schemas.microsoft.com/office/word/2015/wordml/symex" xmlns:w16cid="http://schemas.microsoft.com/office/word/2016/wordml/cid" xmlns:am3d="http://schemas.microsoft.com/office/drawing/2017/model3d" xmlns:aink="http://schemas.microsoft.com/office/drawing/2016/ink" xmlns:cx8="http://schemas.microsoft.com/office/drawing/2016/5/14/chartex" xmlns:cx7="http://schemas.microsoft.com/office/drawing/2016/5/13/chartex" xmlns:cx6="http://schemas.microsoft.com/office/drawing/2016/5/12/chartex" xmlns:cx5="http://schemas.microsoft.com/office/drawing/2016/5/11/chartex" xmlns:cx4="http://schemas.microsoft.com/office/drawing/2016/5/10/chartex" xmlns:cx3="http://schemas.microsoft.com/office/drawing/2016/5/9/chartex" xmlns:cx2="http://schemas.microsoft.com/office/drawing/2015/10/21/chartex" xmlns:cx1="http://schemas.microsoft.com/office/drawing/2015/9/8/chartex" xmlns:cx="http://schemas.microsoft.com/office/drawing/2014/chartex" xmlns:wps="http://schemas.microsoft.com/office/word/2010/wordprocessingShape" xmlns:wne="http://schemas.microsoft.com/office/word/2006/wordml" xmlns:wpi="http://schemas.microsoft.com/office/word/2010/wordprocessingInk" xmlns:wpg="http://schemas.microsoft.com/office/word/2010/wordprocessingGroup" xmlns:w15="http://schemas.microsoft.com/office/word/2012/wordml" xmlns:w14="http://schemas.microsoft.com/office/word/2010/wordml" xmlns:wp="http://schemas.openxmlformats.org/drawingml/2006/wordprocessingDrawing" xmlns:wp14="http://schemas.microsoft.com/office/word/2010/wordprocessingDrawing" xmlns:m="http://schemas.openxmlformats.org/officeDocument/2006/math" xmlns:mc="http://schemas.openxmlformats.org/markup-compatibility/2006" xmlns:wpc="http://schemas.microsoft.com/office/word/2010/wordprocessingCanvas">
                     <a:noFill/>
                   </a14:hiddenFill>
                 </a:ext>
@@ -7324,14 +6772,14 @@
             </a:ln>
             <a:extLst>
               <a:ext uri="{909E8E84-426E-40dd-AFC4-6F175D3DCCD1}">
-                <a14:hiddenFill xmlns:wpc="http://schemas.microsoft.com/office/word/2010/wordprocessingCanvas" xmlns:mc="http://schemas.openxmlformats.org/markup-compatibility/2006" xmlns:m="http://schemas.openxmlformats.org/officeDocument/2006/math" xmlns:wp14="http://schemas.microsoft.com/office/word/2010/wordprocessingDrawing" xmlns:wp="http://schemas.openxmlformats.org/drawingml/2006/wordprocessingDrawing" xmlns:w14="http://schemas.microsoft.com/office/word/2010/wordml" xmlns:w15="http://schemas.microsoft.com/office/word/2012/wordml" xmlns:wpg="http://schemas.microsoft.com/office/word/2010/wordprocessingGroup" xmlns:wpi="http://schemas.microsoft.com/office/word/2010/wordprocessingInk" xmlns:wne="http://schemas.microsoft.com/office/word/2006/wordml" xmlns:wps="http://schemas.microsoft.com/office/word/2010/wordprocessingShape" xmlns:cx="http://schemas.microsoft.com/office/drawing/2014/chartex" xmlns:cx1="http://schemas.microsoft.com/office/drawing/2015/9/8/chartex" xmlns:cx2="http://schemas.microsoft.com/office/drawing/2015/10/21/chartex" xmlns:cx3="http://schemas.microsoft.com/office/drawing/2016/5/9/chartex" xmlns:cx4="http://schemas.microsoft.com/office/drawing/2016/5/10/chartex" xmlns:cx5="http://schemas.microsoft.com/office/drawing/2016/5/11/chartex" xmlns:cx6="http://schemas.microsoft.com/office/drawing/2016/5/12/chartex" xmlns:cx7="http://schemas.microsoft.com/office/drawing/2016/5/13/chartex" xmlns:cx8="http://schemas.microsoft.com/office/drawing/2016/5/14/chartex" xmlns:aink="http://schemas.microsoft.com/office/drawing/2016/ink" xmlns:am3d="http://schemas.microsoft.com/office/drawing/2017/model3d" xmlns:w16cid="http://schemas.microsoft.com/office/word/2016/wordml/cid" xmlns:w16se="http://schemas.microsoft.com/office/word/2015/wordml/symex" xmlns:a14="http://schemas.microsoft.com/office/drawing/2010/main" xmlns:w="http://schemas.openxmlformats.org/wordprocessingml/2006/main" xmlns:w10="urn:schemas-microsoft-com:office:word" xmlns:v="urn:schemas-microsoft-com:vml" xmlns:o="urn:schemas-microsoft-com:office:office" xmlns:mv="urn:schemas-microsoft-com:mac:vml" xmlns:mo="http://schemas.microsoft.com/office/mac/office/2008/main" xmlns="" xmlns:arto="http://schemas.microsoft.com/office/word/2006/arto" xmlns:lc="http://schemas.openxmlformats.org/drawingml/2006/lockedCanvas">
+                <a14:hiddenFill xmlns:lc="http://schemas.openxmlformats.org/drawingml/2006/lockedCanvas" xmlns:arto="http://schemas.microsoft.com/office/word/2006/arto" xmlns="" xmlns:mo="http://schemas.microsoft.com/office/mac/office/2008/main" xmlns:mv="urn:schemas-microsoft-com:mac:vml" xmlns:o="urn:schemas-microsoft-com:office:office" xmlns:v="urn:schemas-microsoft-com:vml" xmlns:w10="urn:schemas-microsoft-com:office:word" xmlns:w="http://schemas.openxmlformats.org/wordprocessingml/2006/main" xmlns:a14="http://schemas.microsoft.com/office/drawing/2010/main" xmlns:w16se="http://schemas.microsoft.com/office/word/2015/wordml/symex" xmlns:w16cid="http://schemas.microsoft.com/office/word/2016/wordml/cid" xmlns:am3d="http://schemas.microsoft.com/office/drawing/2017/model3d" xmlns:aink="http://schemas.microsoft.com/office/drawing/2016/ink" xmlns:cx8="http://schemas.microsoft.com/office/drawing/2016/5/14/chartex" xmlns:cx7="http://schemas.microsoft.com/office/drawing/2016/5/13/chartex" xmlns:cx6="http://schemas.microsoft.com/office/drawing/2016/5/12/chartex" xmlns:cx5="http://schemas.microsoft.com/office/drawing/2016/5/11/chartex" xmlns:cx4="http://schemas.microsoft.com/office/drawing/2016/5/10/chartex" xmlns:cx3="http://schemas.microsoft.com/office/drawing/2016/5/9/chartex" xmlns:cx2="http://schemas.microsoft.com/office/drawing/2015/10/21/chartex" xmlns:cx1="http://schemas.microsoft.com/office/drawing/2015/9/8/chartex" xmlns:cx="http://schemas.microsoft.com/office/drawing/2014/chartex" xmlns:wps="http://schemas.microsoft.com/office/word/2010/wordprocessingShape" xmlns:wne="http://schemas.microsoft.com/office/word/2006/wordml" xmlns:wpi="http://schemas.microsoft.com/office/word/2010/wordprocessingInk" xmlns:wpg="http://schemas.microsoft.com/office/word/2010/wordprocessingGroup" xmlns:w15="http://schemas.microsoft.com/office/word/2012/wordml" xmlns:w14="http://schemas.microsoft.com/office/word/2010/wordml" xmlns:wp="http://schemas.openxmlformats.org/drawingml/2006/wordprocessingDrawing" xmlns:wp14="http://schemas.microsoft.com/office/word/2010/wordprocessingDrawing" xmlns:m="http://schemas.openxmlformats.org/officeDocument/2006/math" xmlns:mc="http://schemas.openxmlformats.org/markup-compatibility/2006" xmlns:wpc="http://schemas.microsoft.com/office/word/2010/wordprocessingCanvas">
                   <a:solidFill>
                     <a:srgbClr val="FFFFFF"/>
                   </a:solidFill>
                 </a14:hiddenFill>
               </a:ext>
               <a:ext uri="{91240B29-F687-4f45-9708-019B960494DF}">
-                <a14:hiddenLine xmlns:wpc="http://schemas.microsoft.com/office/word/2010/wordprocessingCanvas" xmlns:mc="http://schemas.openxmlformats.org/markup-compatibility/2006" xmlns:m="http://schemas.openxmlformats.org/officeDocument/2006/math" xmlns:wp14="http://schemas.microsoft.com/office/word/2010/wordprocessingDrawing" xmlns:wp="http://schemas.openxmlformats.org/drawingml/2006/wordprocessingDrawing" xmlns:w14="http://schemas.microsoft.com/office/word/2010/wordml" xmlns:w15="http://schemas.microsoft.com/office/word/2012/wordml" xmlns:wpg="http://schemas.microsoft.com/office/word/2010/wordprocessingGroup" xmlns:wpi="http://schemas.microsoft.com/office/word/2010/wordprocessingInk" xmlns:wne="http://schemas.microsoft.com/office/word/2006/wordml" xmlns:wps="http://schemas.microsoft.com/office/word/2010/wordprocessingShape" xmlns:cx="http://schemas.microsoft.com/office/drawing/2014/chartex" xmlns:cx1="http://schemas.microsoft.com/office/drawing/2015/9/8/chartex" xmlns:cx2="http://schemas.microsoft.com/office/drawing/2015/10/21/chartex" xmlns:cx3="http://schemas.microsoft.com/office/drawing/2016/5/9/chartex" xmlns:cx4="http://schemas.microsoft.com/office/drawing/2016/5/10/chartex" xmlns:cx5="http://schemas.microsoft.com/office/drawing/2016/5/11/chartex" xmlns:cx6="http://schemas.microsoft.com/office/drawing/2016/5/12/chartex" xmlns:cx7="http://schemas.microsoft.com/office/drawing/2016/5/13/chartex" xmlns:cx8="http://schemas.microsoft.com/office/drawing/2016/5/14/chartex" xmlns:aink="http://schemas.microsoft.com/office/drawing/2016/ink" xmlns:am3d="http://schemas.microsoft.com/office/drawing/2017/model3d" xmlns:w16cid="http://schemas.microsoft.com/office/word/2016/wordml/cid" xmlns:w16se="http://schemas.microsoft.com/office/word/2015/wordml/symex" xmlns:a14="http://schemas.microsoft.com/office/drawing/2010/main" xmlns:w="http://schemas.openxmlformats.org/wordprocessingml/2006/main" xmlns:w10="urn:schemas-microsoft-com:office:word" xmlns:v="urn:schemas-microsoft-com:vml" xmlns:o="urn:schemas-microsoft-com:office:office" xmlns:mv="urn:schemas-microsoft-com:mac:vml" xmlns:mo="http://schemas.microsoft.com/office/mac/office/2008/main" xmlns="" xmlns:arto="http://schemas.microsoft.com/office/word/2006/arto" xmlns:lc="http://schemas.openxmlformats.org/drawingml/2006/lockedCanvas" w="9525">
+                <a14:hiddenLine xmlns:lc="http://schemas.openxmlformats.org/drawingml/2006/lockedCanvas" xmlns:arto="http://schemas.microsoft.com/office/word/2006/arto" xmlns="" xmlns:mo="http://schemas.microsoft.com/office/mac/office/2008/main" xmlns:mv="urn:schemas-microsoft-com:mac:vml" xmlns:o="urn:schemas-microsoft-com:office:office" xmlns:v="urn:schemas-microsoft-com:vml" xmlns:w10="urn:schemas-microsoft-com:office:word" xmlns:w="http://schemas.openxmlformats.org/wordprocessingml/2006/main" xmlns:a14="http://schemas.microsoft.com/office/drawing/2010/main" xmlns:w16se="http://schemas.microsoft.com/office/word/2015/wordml/symex" xmlns:w16cid="http://schemas.microsoft.com/office/word/2016/wordml/cid" xmlns:am3d="http://schemas.microsoft.com/office/drawing/2017/model3d" xmlns:aink="http://schemas.microsoft.com/office/drawing/2016/ink" xmlns:cx8="http://schemas.microsoft.com/office/drawing/2016/5/14/chartex" xmlns:cx7="http://schemas.microsoft.com/office/drawing/2016/5/13/chartex" xmlns:cx6="http://schemas.microsoft.com/office/drawing/2016/5/12/chartex" xmlns:cx5="http://schemas.microsoft.com/office/drawing/2016/5/11/chartex" xmlns:cx4="http://schemas.microsoft.com/office/drawing/2016/5/10/chartex" xmlns:cx3="http://schemas.microsoft.com/office/drawing/2016/5/9/chartex" xmlns:cx2="http://schemas.microsoft.com/office/drawing/2015/10/21/chartex" xmlns:cx1="http://schemas.microsoft.com/office/drawing/2015/9/8/chartex" xmlns:cx="http://schemas.microsoft.com/office/drawing/2014/chartex" xmlns:wps="http://schemas.microsoft.com/office/word/2010/wordprocessingShape" xmlns:wne="http://schemas.microsoft.com/office/word/2006/wordml" xmlns:wpi="http://schemas.microsoft.com/office/word/2010/wordprocessingInk" xmlns:wpg="http://schemas.microsoft.com/office/word/2010/wordprocessingGroup" xmlns:w15="http://schemas.microsoft.com/office/word/2012/wordml" xmlns:w14="http://schemas.microsoft.com/office/word/2010/wordml" xmlns:wp="http://schemas.openxmlformats.org/drawingml/2006/wordprocessingDrawing" xmlns:wp14="http://schemas.microsoft.com/office/word/2010/wordprocessingDrawing" xmlns:m="http://schemas.openxmlformats.org/officeDocument/2006/math" xmlns:mc="http://schemas.openxmlformats.org/markup-compatibility/2006" xmlns:wpc="http://schemas.microsoft.com/office/word/2010/wordprocessingCanvas" w="9525">
                   <a:solidFill>
                     <a:srgbClr val="000000"/>
                   </a:solidFill>
@@ -7348,20 +6796,13 @@
             </a:bodyPr>
             <a:lstStyle/>
             <a:p>
-              <a:pPr marL="0" marR="0" algn="ctr">
+              <a:pPr algn="ctr">
                 <a:lnSpc>
                   <a:spcPct val="115000"/>
                 </a:lnSpc>
-                <a:spcBef>
-                  <a:spcPts val="0"/>
-                </a:spcBef>
-                <a:spcAft>
-                  <a:spcPts val="0"/>
-                </a:spcAft>
               </a:pPr>
               <a:r>
                 <a:rPr lang="en-US" sz="700">
-                  <a:effectLst/>
                   <a:highlight>
                     <a:srgbClr val="D3D3D3"/>
                   </a:highlight>
@@ -7372,14 +6813,12 @@
               </a:r>
               <a:r>
                 <a:rPr lang="en-US" sz="700">
-                  <a:effectLst/>
                   <a:latin typeface="Times New Roman" panose="02020603050405020304" pitchFamily="18" charset="0"/>
                   <a:ea typeface="Times New Roman" panose="02020603050405020304" pitchFamily="18" charset="0"/>
                 </a:rPr>
                 <a:t> Request</a:t>
               </a:r>
               <a:endParaRPr lang="en-US" sz="1200">
-                <a:effectLst/>
                 <a:latin typeface="Times New Roman" panose="02020603050405020304" pitchFamily="18" charset="0"/>
                 <a:ea typeface="Times New Roman" panose="02020603050405020304" pitchFamily="18" charset="0"/>
               </a:endParaRPr>
@@ -7414,14 +6853,14 @@
             </a:ln>
             <a:extLst>
               <a:ext uri="{909E8E84-426E-40dd-AFC4-6F175D3DCCD1}">
-                <a14:hiddenFill xmlns:wpc="http://schemas.microsoft.com/office/word/2010/wordprocessingCanvas" xmlns:mc="http://schemas.openxmlformats.org/markup-compatibility/2006" xmlns:m="http://schemas.openxmlformats.org/officeDocument/2006/math" xmlns:wp14="http://schemas.microsoft.com/office/word/2010/wordprocessingDrawing" xmlns:wp="http://schemas.openxmlformats.org/drawingml/2006/wordprocessingDrawing" xmlns:w14="http://schemas.microsoft.com/office/word/2010/wordml" xmlns:w15="http://schemas.microsoft.com/office/word/2012/wordml" xmlns:wpg="http://schemas.microsoft.com/office/word/2010/wordprocessingGroup" xmlns:wpi="http://schemas.microsoft.com/office/word/2010/wordprocessingInk" xmlns:wne="http://schemas.microsoft.com/office/word/2006/wordml" xmlns:wps="http://schemas.microsoft.com/office/word/2010/wordprocessingShape" xmlns:cx="http://schemas.microsoft.com/office/drawing/2014/chartex" xmlns:cx1="http://schemas.microsoft.com/office/drawing/2015/9/8/chartex" xmlns:cx2="http://schemas.microsoft.com/office/drawing/2015/10/21/chartex" xmlns:cx3="http://schemas.microsoft.com/office/drawing/2016/5/9/chartex" xmlns:cx4="http://schemas.microsoft.com/office/drawing/2016/5/10/chartex" xmlns:cx5="http://schemas.microsoft.com/office/drawing/2016/5/11/chartex" xmlns:cx6="http://schemas.microsoft.com/office/drawing/2016/5/12/chartex" xmlns:cx7="http://schemas.microsoft.com/office/drawing/2016/5/13/chartex" xmlns:cx8="http://schemas.microsoft.com/office/drawing/2016/5/14/chartex" xmlns:aink="http://schemas.microsoft.com/office/drawing/2016/ink" xmlns:am3d="http://schemas.microsoft.com/office/drawing/2017/model3d" xmlns:w16cid="http://schemas.microsoft.com/office/word/2016/wordml/cid" xmlns:w16se="http://schemas.microsoft.com/office/word/2015/wordml/symex" xmlns:a14="http://schemas.microsoft.com/office/drawing/2010/main" xmlns:w="http://schemas.openxmlformats.org/wordprocessingml/2006/main" xmlns:w10="urn:schemas-microsoft-com:office:word" xmlns:v="urn:schemas-microsoft-com:vml" xmlns:o="urn:schemas-microsoft-com:office:office" xmlns:mv="urn:schemas-microsoft-com:mac:vml" xmlns:mo="http://schemas.microsoft.com/office/mac/office/2008/main" xmlns="" xmlns:arto="http://schemas.microsoft.com/office/word/2006/arto" xmlns:lc="http://schemas.openxmlformats.org/drawingml/2006/lockedCanvas">
+                <a14:hiddenFill xmlns:lc="http://schemas.openxmlformats.org/drawingml/2006/lockedCanvas" xmlns:arto="http://schemas.microsoft.com/office/word/2006/arto" xmlns="" xmlns:mo="http://schemas.microsoft.com/office/mac/office/2008/main" xmlns:mv="urn:schemas-microsoft-com:mac:vml" xmlns:o="urn:schemas-microsoft-com:office:office" xmlns:v="urn:schemas-microsoft-com:vml" xmlns:w10="urn:schemas-microsoft-com:office:word" xmlns:w="http://schemas.openxmlformats.org/wordprocessingml/2006/main" xmlns:a14="http://schemas.microsoft.com/office/drawing/2010/main" xmlns:w16se="http://schemas.microsoft.com/office/word/2015/wordml/symex" xmlns:w16cid="http://schemas.microsoft.com/office/word/2016/wordml/cid" xmlns:am3d="http://schemas.microsoft.com/office/drawing/2017/model3d" xmlns:aink="http://schemas.microsoft.com/office/drawing/2016/ink" xmlns:cx8="http://schemas.microsoft.com/office/drawing/2016/5/14/chartex" xmlns:cx7="http://schemas.microsoft.com/office/drawing/2016/5/13/chartex" xmlns:cx6="http://schemas.microsoft.com/office/drawing/2016/5/12/chartex" xmlns:cx5="http://schemas.microsoft.com/office/drawing/2016/5/11/chartex" xmlns:cx4="http://schemas.microsoft.com/office/drawing/2016/5/10/chartex" xmlns:cx3="http://schemas.microsoft.com/office/drawing/2016/5/9/chartex" xmlns:cx2="http://schemas.microsoft.com/office/drawing/2015/10/21/chartex" xmlns:cx1="http://schemas.microsoft.com/office/drawing/2015/9/8/chartex" xmlns:cx="http://schemas.microsoft.com/office/drawing/2014/chartex" xmlns:wps="http://schemas.microsoft.com/office/word/2010/wordprocessingShape" xmlns:wne="http://schemas.microsoft.com/office/word/2006/wordml" xmlns:wpi="http://schemas.microsoft.com/office/word/2010/wordprocessingInk" xmlns:wpg="http://schemas.microsoft.com/office/word/2010/wordprocessingGroup" xmlns:w15="http://schemas.microsoft.com/office/word/2012/wordml" xmlns:w14="http://schemas.microsoft.com/office/word/2010/wordml" xmlns:wp="http://schemas.openxmlformats.org/drawingml/2006/wordprocessingDrawing" xmlns:wp14="http://schemas.microsoft.com/office/word/2010/wordprocessingDrawing" xmlns:m="http://schemas.openxmlformats.org/officeDocument/2006/math" xmlns:mc="http://schemas.openxmlformats.org/markup-compatibility/2006" xmlns:wpc="http://schemas.microsoft.com/office/word/2010/wordprocessingCanvas">
                   <a:solidFill>
                     <a:srgbClr val="FFFFFF"/>
                   </a:solidFill>
                 </a14:hiddenFill>
               </a:ext>
               <a:ext uri="{91240B29-F687-4f45-9708-019B960494DF}">
-                <a14:hiddenLine xmlns:wpc="http://schemas.microsoft.com/office/word/2010/wordprocessingCanvas" xmlns:mc="http://schemas.openxmlformats.org/markup-compatibility/2006" xmlns:m="http://schemas.openxmlformats.org/officeDocument/2006/math" xmlns:wp14="http://schemas.microsoft.com/office/word/2010/wordprocessingDrawing" xmlns:wp="http://schemas.openxmlformats.org/drawingml/2006/wordprocessingDrawing" xmlns:w14="http://schemas.microsoft.com/office/word/2010/wordml" xmlns:w15="http://schemas.microsoft.com/office/word/2012/wordml" xmlns:wpg="http://schemas.microsoft.com/office/word/2010/wordprocessingGroup" xmlns:wpi="http://schemas.microsoft.com/office/word/2010/wordprocessingInk" xmlns:wne="http://schemas.microsoft.com/office/word/2006/wordml" xmlns:wps="http://schemas.microsoft.com/office/word/2010/wordprocessingShape" xmlns:cx="http://schemas.microsoft.com/office/drawing/2014/chartex" xmlns:cx1="http://schemas.microsoft.com/office/drawing/2015/9/8/chartex" xmlns:cx2="http://schemas.microsoft.com/office/drawing/2015/10/21/chartex" xmlns:cx3="http://schemas.microsoft.com/office/drawing/2016/5/9/chartex" xmlns:cx4="http://schemas.microsoft.com/office/drawing/2016/5/10/chartex" xmlns:cx5="http://schemas.microsoft.com/office/drawing/2016/5/11/chartex" xmlns:cx6="http://schemas.microsoft.com/office/drawing/2016/5/12/chartex" xmlns:cx7="http://schemas.microsoft.com/office/drawing/2016/5/13/chartex" xmlns:cx8="http://schemas.microsoft.com/office/drawing/2016/5/14/chartex" xmlns:aink="http://schemas.microsoft.com/office/drawing/2016/ink" xmlns:am3d="http://schemas.microsoft.com/office/drawing/2017/model3d" xmlns:w16cid="http://schemas.microsoft.com/office/word/2016/wordml/cid" xmlns:w16se="http://schemas.microsoft.com/office/word/2015/wordml/symex" xmlns:a14="http://schemas.microsoft.com/office/drawing/2010/main" xmlns:w="http://schemas.openxmlformats.org/wordprocessingml/2006/main" xmlns:w10="urn:schemas-microsoft-com:office:word" xmlns:v="urn:schemas-microsoft-com:vml" xmlns:o="urn:schemas-microsoft-com:office:office" xmlns:mv="urn:schemas-microsoft-com:mac:vml" xmlns:mo="http://schemas.microsoft.com/office/mac/office/2008/main" xmlns="" xmlns:arto="http://schemas.microsoft.com/office/word/2006/arto" xmlns:lc="http://schemas.openxmlformats.org/drawingml/2006/lockedCanvas" w="9525">
+                <a14:hiddenLine xmlns:lc="http://schemas.openxmlformats.org/drawingml/2006/lockedCanvas" xmlns:arto="http://schemas.microsoft.com/office/word/2006/arto" xmlns="" xmlns:mo="http://schemas.microsoft.com/office/mac/office/2008/main" xmlns:mv="urn:schemas-microsoft-com:mac:vml" xmlns:o="urn:schemas-microsoft-com:office:office" xmlns:v="urn:schemas-microsoft-com:vml" xmlns:w10="urn:schemas-microsoft-com:office:word" xmlns:w="http://schemas.openxmlformats.org/wordprocessingml/2006/main" xmlns:a14="http://schemas.microsoft.com/office/drawing/2010/main" xmlns:w16se="http://schemas.microsoft.com/office/word/2015/wordml/symex" xmlns:w16cid="http://schemas.microsoft.com/office/word/2016/wordml/cid" xmlns:am3d="http://schemas.microsoft.com/office/drawing/2017/model3d" xmlns:aink="http://schemas.microsoft.com/office/drawing/2016/ink" xmlns:cx8="http://schemas.microsoft.com/office/drawing/2016/5/14/chartex" xmlns:cx7="http://schemas.microsoft.com/office/drawing/2016/5/13/chartex" xmlns:cx6="http://schemas.microsoft.com/office/drawing/2016/5/12/chartex" xmlns:cx5="http://schemas.microsoft.com/office/drawing/2016/5/11/chartex" xmlns:cx4="http://schemas.microsoft.com/office/drawing/2016/5/10/chartex" xmlns:cx3="http://schemas.microsoft.com/office/drawing/2016/5/9/chartex" xmlns:cx2="http://schemas.microsoft.com/office/drawing/2015/10/21/chartex" xmlns:cx1="http://schemas.microsoft.com/office/drawing/2015/9/8/chartex" xmlns:cx="http://schemas.microsoft.com/office/drawing/2014/chartex" xmlns:wps="http://schemas.microsoft.com/office/word/2010/wordprocessingShape" xmlns:wne="http://schemas.microsoft.com/office/word/2006/wordml" xmlns:wpi="http://schemas.microsoft.com/office/word/2010/wordprocessingInk" xmlns:wpg="http://schemas.microsoft.com/office/word/2010/wordprocessingGroup" xmlns:w15="http://schemas.microsoft.com/office/word/2012/wordml" xmlns:w14="http://schemas.microsoft.com/office/word/2010/wordml" xmlns:wp="http://schemas.openxmlformats.org/drawingml/2006/wordprocessingDrawing" xmlns:wp14="http://schemas.microsoft.com/office/word/2010/wordprocessingDrawing" xmlns:m="http://schemas.openxmlformats.org/officeDocument/2006/math" xmlns:mc="http://schemas.openxmlformats.org/markup-compatibility/2006" xmlns:wpc="http://schemas.microsoft.com/office/word/2010/wordprocessingCanvas" w="9525">
                   <a:solidFill>
                     <a:srgbClr val="000000"/>
                   </a:solidFill>
@@ -7438,20 +6877,13 @@
             </a:bodyPr>
             <a:lstStyle/>
             <a:p>
-              <a:pPr marL="0" marR="0" algn="ctr">
+              <a:pPr algn="ctr">
                 <a:lnSpc>
                   <a:spcPct val="115000"/>
                 </a:lnSpc>
-                <a:spcBef>
-                  <a:spcPts val="0"/>
-                </a:spcBef>
-                <a:spcAft>
-                  <a:spcPts val="0"/>
-                </a:spcAft>
               </a:pPr>
               <a:r>
                 <a:rPr lang="en-US" sz="700">
-                  <a:effectLst/>
                   <a:highlight>
                     <a:srgbClr val="D3D3D3"/>
                   </a:highlight>
@@ -7462,14 +6894,12 @@
               </a:r>
               <a:r>
                 <a:rPr lang="en-US" sz="700">
-                  <a:effectLst/>
                   <a:latin typeface="Times New Roman" panose="02020603050405020304" pitchFamily="18" charset="0"/>
                   <a:ea typeface="Times New Roman" panose="02020603050405020304" pitchFamily="18" charset="0"/>
                 </a:rPr>
                 <a:t> Response</a:t>
               </a:r>
               <a:endParaRPr lang="en-US" sz="1200">
-                <a:effectLst/>
                 <a:latin typeface="Times New Roman" panose="02020603050405020304" pitchFamily="18" charset="0"/>
                 <a:ea typeface="Times New Roman" panose="02020603050405020304" pitchFamily="18" charset="0"/>
               </a:endParaRPr>
@@ -7585,20 +7015,16 @@
             </a:bodyPr>
             <a:lstStyle/>
             <a:p>
-              <a:pPr marL="0" marR="0" algn="r">
+              <a:pPr algn="r">
                 <a:lnSpc>
                   <a:spcPct val="90000"/>
                 </a:lnSpc>
                 <a:spcBef>
                   <a:spcPts val="600"/>
                 </a:spcBef>
-                <a:spcAft>
-                  <a:spcPts val="0"/>
-                </a:spcAft>
               </a:pPr>
               <a:r>
                 <a:rPr lang="en-US" sz="650">
-                  <a:effectLst/>
                   <a:latin typeface="Times New Roman" panose="02020603050405020304" pitchFamily="18" charset="0"/>
                   <a:ea typeface="Times New Roman" panose="02020603050405020304" pitchFamily="18" charset="0"/>
                 </a:rPr>
@@ -7606,21 +7032,18 @@
               </a:r>
               <a:br>
                 <a:rPr lang="en-US" sz="650">
-                  <a:effectLst/>
                   <a:latin typeface="Times New Roman" panose="02020603050405020304" pitchFamily="18" charset="0"/>
                   <a:ea typeface="Times New Roman" panose="02020603050405020304" pitchFamily="18" charset="0"/>
                 </a:rPr>
               </a:br>
               <a:r>
                 <a:rPr lang="en-US" sz="650">
-                  <a:effectLst/>
                   <a:latin typeface="Times New Roman" panose="02020603050405020304" pitchFamily="18" charset="0"/>
                   <a:ea typeface="Times New Roman" panose="02020603050405020304" pitchFamily="18" charset="0"/>
                 </a:rPr>
                 <a:t>and parse its provenance </a:t>
               </a:r>
               <a:endParaRPr lang="en-US" sz="1200">
-                <a:effectLst/>
                 <a:latin typeface="Times New Roman" panose="02020603050405020304" pitchFamily="18" charset="0"/>
                 <a:ea typeface="Times New Roman" panose="02020603050405020304" pitchFamily="18" charset="0"/>
               </a:endParaRPr>
@@ -7660,23 +7083,16 @@
             </a:bodyPr>
             <a:lstStyle/>
             <a:p>
-              <a:pPr marL="0" marR="0" algn="ctr">
+              <a:pPr algn="ctr">
                 <a:lnSpc>
                   <a:spcPct val="80000"/>
                 </a:lnSpc>
-                <a:spcBef>
-                  <a:spcPts val="0"/>
-                </a:spcBef>
-                <a:spcAft>
-                  <a:spcPts val="0"/>
-                </a:spcAft>
               </a:pPr>
               <a:r>
                 <a:rPr lang="en-US" sz="650" b="1">
                   <a:solidFill>
                     <a:srgbClr val="595959"/>
                   </a:solidFill>
-                  <a:effectLst/>
                   <a:latin typeface="Times New Roman" panose="02020603050405020304" pitchFamily="18" charset="0"/>
                   <a:ea typeface="Times New Roman" panose="02020603050405020304" pitchFamily="18" charset="0"/>
                 </a:rPr>
@@ -7687,7 +7103,6 @@
                   <a:solidFill>
                     <a:srgbClr val="595959"/>
                   </a:solidFill>
-                  <a:effectLst/>
                   <a:latin typeface="Times New Roman" panose="02020603050405020304" pitchFamily="18" charset="0"/>
                   <a:ea typeface="Times New Roman" panose="02020603050405020304" pitchFamily="18" charset="0"/>
                 </a:rPr>
@@ -7697,37 +7112,26 @@
                   <a:solidFill>
                     <a:srgbClr val="595959"/>
                   </a:solidFill>
-                  <a:effectLst/>
                   <a:latin typeface="Times New Roman" panose="02020603050405020304" pitchFamily="18" charset="0"/>
                   <a:ea typeface="Times New Roman" panose="02020603050405020304" pitchFamily="18" charset="0"/>
                 </a:rPr>
                 <a:t>Repository</a:t>
               </a:r>
               <a:endParaRPr lang="en-US" sz="1200">
-                <a:effectLst/>
                 <a:latin typeface="Times New Roman" panose="02020603050405020304" pitchFamily="18" charset="0"/>
                 <a:ea typeface="Times New Roman" panose="02020603050405020304" pitchFamily="18" charset="0"/>
               </a:endParaRPr>
             </a:p>
             <a:p>
-              <a:pPr marL="0" marR="0" algn="ctr">
-                <a:spcBef>
-                  <a:spcPts val="0"/>
-                </a:spcBef>
-                <a:spcAft>
-                  <a:spcPts val="0"/>
-                </a:spcAft>
-              </a:pPr>
+              <a:pPr algn="ctr"/>
               <a:r>
                 <a:rPr lang="it-IT" sz="650">
-                  <a:effectLst/>
                   <a:latin typeface="Times New Roman" panose="02020603050405020304" pitchFamily="18" charset="0"/>
                   <a:ea typeface="Times New Roman" panose="02020603050405020304" pitchFamily="18" charset="0"/>
                 </a:rPr>
                 <a:t> </a:t>
               </a:r>
               <a:endParaRPr lang="en-US" sz="1200">
-                <a:effectLst/>
                 <a:latin typeface="Times New Roman" panose="02020603050405020304" pitchFamily="18" charset="0"/>
                 <a:ea typeface="Times New Roman" panose="02020603050405020304" pitchFamily="18" charset="0"/>
               </a:endParaRPr>
@@ -7767,23 +7171,16 @@
             </a:bodyPr>
             <a:lstStyle/>
             <a:p>
-              <a:pPr marL="0" marR="0" algn="ctr">
+              <a:pPr algn="ctr">
                 <a:lnSpc>
                   <a:spcPct val="80000"/>
                 </a:lnSpc>
-                <a:spcBef>
-                  <a:spcPts val="0"/>
-                </a:spcBef>
-                <a:spcAft>
-                  <a:spcPts val="0"/>
-                </a:spcAft>
               </a:pPr>
               <a:r>
                 <a:rPr lang="en-US" sz="650" b="1">
                   <a:solidFill>
                     <a:srgbClr val="595959"/>
                   </a:solidFill>
-                  <a:effectLst/>
                   <a:latin typeface="Times New Roman" panose="02020603050405020304" pitchFamily="18" charset="0"/>
                   <a:ea typeface="Times New Roman" panose="02020603050405020304" pitchFamily="18" charset="0"/>
                 </a:rPr>
@@ -7794,7 +7191,6 @@
                   <a:solidFill>
                     <a:srgbClr val="595959"/>
                   </a:solidFill>
-                  <a:effectLst/>
                   <a:latin typeface="Times New Roman" panose="02020603050405020304" pitchFamily="18" charset="0"/>
                   <a:ea typeface="Times New Roman" panose="02020603050405020304" pitchFamily="18" charset="0"/>
                 </a:rPr>
@@ -7804,14 +7200,12 @@
                   <a:solidFill>
                     <a:srgbClr val="595959"/>
                   </a:solidFill>
-                  <a:effectLst/>
                   <a:latin typeface="Times New Roman" panose="02020603050405020304" pitchFamily="18" charset="0"/>
                   <a:ea typeface="Times New Roman" panose="02020603050405020304" pitchFamily="18" charset="0"/>
                 </a:rPr>
                 <a:t>Repository</a:t>
               </a:r>
               <a:endParaRPr lang="en-US" sz="1200">
-                <a:effectLst/>
                 <a:latin typeface="Times New Roman" panose="02020603050405020304" pitchFamily="18" charset="0"/>
                 <a:ea typeface="Times New Roman" panose="02020603050405020304" pitchFamily="18" charset="0"/>
               </a:endParaRPr>
@@ -7866,14 +7260,14 @@
               </a:ln>
               <a:extLst>
                 <a:ext uri="{909E8E84-426E-40dd-AFC4-6F175D3DCCD1}">
-                  <a14:hiddenFill xmlns:wpc="http://schemas.microsoft.com/office/word/2010/wordprocessingCanvas" xmlns:mc="http://schemas.openxmlformats.org/markup-compatibility/2006" xmlns:m="http://schemas.openxmlformats.org/officeDocument/2006/math" xmlns:wp14="http://schemas.microsoft.com/office/word/2010/wordprocessingDrawing" xmlns:wp="http://schemas.openxmlformats.org/drawingml/2006/wordprocessingDrawing" xmlns:w14="http://schemas.microsoft.com/office/word/2010/wordml" xmlns:w15="http://schemas.microsoft.com/office/word/2012/wordml" xmlns:wpg="http://schemas.microsoft.com/office/word/2010/wordprocessingGroup" xmlns:wpi="http://schemas.microsoft.com/office/word/2010/wordprocessingInk" xmlns:wne="http://schemas.microsoft.com/office/word/2006/wordml" xmlns:wps="http://schemas.microsoft.com/office/word/2010/wordprocessingShape" xmlns:cx="http://schemas.microsoft.com/office/drawing/2014/chartex" xmlns:cx1="http://schemas.microsoft.com/office/drawing/2015/9/8/chartex" xmlns:cx2="http://schemas.microsoft.com/office/drawing/2015/10/21/chartex" xmlns:cx3="http://schemas.microsoft.com/office/drawing/2016/5/9/chartex" xmlns:cx4="http://schemas.microsoft.com/office/drawing/2016/5/10/chartex" xmlns:cx5="http://schemas.microsoft.com/office/drawing/2016/5/11/chartex" xmlns:cx6="http://schemas.microsoft.com/office/drawing/2016/5/12/chartex" xmlns:cx7="http://schemas.microsoft.com/office/drawing/2016/5/13/chartex" xmlns:cx8="http://schemas.microsoft.com/office/drawing/2016/5/14/chartex" xmlns:aink="http://schemas.microsoft.com/office/drawing/2016/ink" xmlns:am3d="http://schemas.microsoft.com/office/drawing/2017/model3d" xmlns:w16cid="http://schemas.microsoft.com/office/word/2016/wordml/cid" xmlns:w16se="http://schemas.microsoft.com/office/word/2015/wordml/symex" xmlns:a14="http://schemas.microsoft.com/office/drawing/2010/main" xmlns:w="http://schemas.openxmlformats.org/wordprocessingml/2006/main" xmlns:w10="urn:schemas-microsoft-com:office:word" xmlns:v="urn:schemas-microsoft-com:vml" xmlns:o="urn:schemas-microsoft-com:office:office" xmlns:mv="urn:schemas-microsoft-com:mac:vml" xmlns:mo="http://schemas.microsoft.com/office/mac/office/2008/main" xmlns="" xmlns:arto="http://schemas.microsoft.com/office/word/2006/arto" xmlns:lc="http://schemas.openxmlformats.org/drawingml/2006/lockedCanvas">
+                  <a14:hiddenFill xmlns:lc="http://schemas.openxmlformats.org/drawingml/2006/lockedCanvas" xmlns:arto="http://schemas.microsoft.com/office/word/2006/arto" xmlns="" xmlns:mo="http://schemas.microsoft.com/office/mac/office/2008/main" xmlns:mv="urn:schemas-microsoft-com:mac:vml" xmlns:o="urn:schemas-microsoft-com:office:office" xmlns:v="urn:schemas-microsoft-com:vml" xmlns:w10="urn:schemas-microsoft-com:office:word" xmlns:w="http://schemas.openxmlformats.org/wordprocessingml/2006/main" xmlns:a14="http://schemas.microsoft.com/office/drawing/2010/main" xmlns:w16se="http://schemas.microsoft.com/office/word/2015/wordml/symex" xmlns:w16cid="http://schemas.microsoft.com/office/word/2016/wordml/cid" xmlns:am3d="http://schemas.microsoft.com/office/drawing/2017/model3d" xmlns:aink="http://schemas.microsoft.com/office/drawing/2016/ink" xmlns:cx8="http://schemas.microsoft.com/office/drawing/2016/5/14/chartex" xmlns:cx7="http://schemas.microsoft.com/office/drawing/2016/5/13/chartex" xmlns:cx6="http://schemas.microsoft.com/office/drawing/2016/5/12/chartex" xmlns:cx5="http://schemas.microsoft.com/office/drawing/2016/5/11/chartex" xmlns:cx4="http://schemas.microsoft.com/office/drawing/2016/5/10/chartex" xmlns:cx3="http://schemas.microsoft.com/office/drawing/2016/5/9/chartex" xmlns:cx2="http://schemas.microsoft.com/office/drawing/2015/10/21/chartex" xmlns:cx1="http://schemas.microsoft.com/office/drawing/2015/9/8/chartex" xmlns:cx="http://schemas.microsoft.com/office/drawing/2014/chartex" xmlns:wps="http://schemas.microsoft.com/office/word/2010/wordprocessingShape" xmlns:wne="http://schemas.microsoft.com/office/word/2006/wordml" xmlns:wpi="http://schemas.microsoft.com/office/word/2010/wordprocessingInk" xmlns:wpg="http://schemas.microsoft.com/office/word/2010/wordprocessingGroup" xmlns:w15="http://schemas.microsoft.com/office/word/2012/wordml" xmlns:w14="http://schemas.microsoft.com/office/word/2010/wordml" xmlns:wp="http://schemas.openxmlformats.org/drawingml/2006/wordprocessingDrawing" xmlns:wp14="http://schemas.microsoft.com/office/word/2010/wordprocessingDrawing" xmlns:m="http://schemas.openxmlformats.org/officeDocument/2006/math" xmlns:mc="http://schemas.openxmlformats.org/markup-compatibility/2006" xmlns:wpc="http://schemas.microsoft.com/office/word/2010/wordprocessingCanvas">
                     <a:solidFill>
                       <a:srgbClr val="FFFFFF"/>
                     </a:solidFill>
                   </a14:hiddenFill>
                 </a:ext>
                 <a:ext uri="{91240B29-F687-4f45-9708-019B960494DF}">
-                  <a14:hiddenLine xmlns:wpc="http://schemas.microsoft.com/office/word/2010/wordprocessingCanvas" xmlns:mc="http://schemas.openxmlformats.org/markup-compatibility/2006" xmlns:m="http://schemas.openxmlformats.org/officeDocument/2006/math" xmlns:wp14="http://schemas.microsoft.com/office/word/2010/wordprocessingDrawing" xmlns:wp="http://schemas.openxmlformats.org/drawingml/2006/wordprocessingDrawing" xmlns:w14="http://schemas.microsoft.com/office/word/2010/wordml" xmlns:w15="http://schemas.microsoft.com/office/word/2012/wordml" xmlns:wpg="http://schemas.microsoft.com/office/word/2010/wordprocessingGroup" xmlns:wpi="http://schemas.microsoft.com/office/word/2010/wordprocessingInk" xmlns:wne="http://schemas.microsoft.com/office/word/2006/wordml" xmlns:wps="http://schemas.microsoft.com/office/word/2010/wordprocessingShape" xmlns:cx="http://schemas.microsoft.com/office/drawing/2014/chartex" xmlns:cx1="http://schemas.microsoft.com/office/drawing/2015/9/8/chartex" xmlns:cx2="http://schemas.microsoft.com/office/drawing/2015/10/21/chartex" xmlns:cx3="http://schemas.microsoft.com/office/drawing/2016/5/9/chartex" xmlns:cx4="http://schemas.microsoft.com/office/drawing/2016/5/10/chartex" xmlns:cx5="http://schemas.microsoft.com/office/drawing/2016/5/11/chartex" xmlns:cx6="http://schemas.microsoft.com/office/drawing/2016/5/12/chartex" xmlns:cx7="http://schemas.microsoft.com/office/drawing/2016/5/13/chartex" xmlns:cx8="http://schemas.microsoft.com/office/drawing/2016/5/14/chartex" xmlns:aink="http://schemas.microsoft.com/office/drawing/2016/ink" xmlns:am3d="http://schemas.microsoft.com/office/drawing/2017/model3d" xmlns:w16cid="http://schemas.microsoft.com/office/word/2016/wordml/cid" xmlns:w16se="http://schemas.microsoft.com/office/word/2015/wordml/symex" xmlns:a14="http://schemas.microsoft.com/office/drawing/2010/main" xmlns:w="http://schemas.openxmlformats.org/wordprocessingml/2006/main" xmlns:w10="urn:schemas-microsoft-com:office:word" xmlns:v="urn:schemas-microsoft-com:vml" xmlns:o="urn:schemas-microsoft-com:office:office" xmlns:mv="urn:schemas-microsoft-com:mac:vml" xmlns:mo="http://schemas.microsoft.com/office/mac/office/2008/main" xmlns="" xmlns:arto="http://schemas.microsoft.com/office/word/2006/arto" xmlns:lc="http://schemas.openxmlformats.org/drawingml/2006/lockedCanvas" w="9525">
+                  <a14:hiddenLine xmlns:lc="http://schemas.openxmlformats.org/drawingml/2006/lockedCanvas" xmlns:arto="http://schemas.microsoft.com/office/word/2006/arto" xmlns="" xmlns:mo="http://schemas.microsoft.com/office/mac/office/2008/main" xmlns:mv="urn:schemas-microsoft-com:mac:vml" xmlns:o="urn:schemas-microsoft-com:office:office" xmlns:v="urn:schemas-microsoft-com:vml" xmlns:w10="urn:schemas-microsoft-com:office:word" xmlns:w="http://schemas.openxmlformats.org/wordprocessingml/2006/main" xmlns:a14="http://schemas.microsoft.com/office/drawing/2010/main" xmlns:w16se="http://schemas.microsoft.com/office/word/2015/wordml/symex" xmlns:w16cid="http://schemas.microsoft.com/office/word/2016/wordml/cid" xmlns:am3d="http://schemas.microsoft.com/office/drawing/2017/model3d" xmlns:aink="http://schemas.microsoft.com/office/drawing/2016/ink" xmlns:cx8="http://schemas.microsoft.com/office/drawing/2016/5/14/chartex" xmlns:cx7="http://schemas.microsoft.com/office/drawing/2016/5/13/chartex" xmlns:cx6="http://schemas.microsoft.com/office/drawing/2016/5/12/chartex" xmlns:cx5="http://schemas.microsoft.com/office/drawing/2016/5/11/chartex" xmlns:cx4="http://schemas.microsoft.com/office/drawing/2016/5/10/chartex" xmlns:cx3="http://schemas.microsoft.com/office/drawing/2016/5/9/chartex" xmlns:cx2="http://schemas.microsoft.com/office/drawing/2015/10/21/chartex" xmlns:cx1="http://schemas.microsoft.com/office/drawing/2015/9/8/chartex" xmlns:cx="http://schemas.microsoft.com/office/drawing/2014/chartex" xmlns:wps="http://schemas.microsoft.com/office/word/2010/wordprocessingShape" xmlns:wne="http://schemas.microsoft.com/office/word/2006/wordml" xmlns:wpi="http://schemas.microsoft.com/office/word/2010/wordprocessingInk" xmlns:wpg="http://schemas.microsoft.com/office/word/2010/wordprocessingGroup" xmlns:w15="http://schemas.microsoft.com/office/word/2012/wordml" xmlns:w14="http://schemas.microsoft.com/office/word/2010/wordml" xmlns:wp="http://schemas.openxmlformats.org/drawingml/2006/wordprocessingDrawing" xmlns:wp14="http://schemas.microsoft.com/office/word/2010/wordprocessingDrawing" xmlns:m="http://schemas.openxmlformats.org/officeDocument/2006/math" xmlns:mc="http://schemas.openxmlformats.org/markup-compatibility/2006" xmlns:wpc="http://schemas.microsoft.com/office/word/2010/wordprocessingCanvas" w="9525">
                     <a:solidFill>
                       <a:srgbClr val="000000"/>
                     </a:solidFill>
@@ -7890,20 +7284,13 @@
               </a:bodyPr>
               <a:lstStyle/>
               <a:p>
-                <a:pPr marL="0" marR="0" algn="ctr">
+                <a:pPr algn="ctr">
                   <a:lnSpc>
                     <a:spcPct val="115000"/>
                   </a:lnSpc>
-                  <a:spcBef>
-                    <a:spcPts val="0"/>
-                  </a:spcBef>
-                  <a:spcAft>
-                    <a:spcPts val="0"/>
-                  </a:spcAft>
                 </a:pPr>
                 <a:r>
                   <a:rPr lang="en-US" sz="600">
-                    <a:effectLst/>
                     <a:highlight>
                       <a:srgbClr val="D3D3D3"/>
                     </a:highlight>
@@ -7913,26 +7300,18 @@
                   <a:t>Retrieve Document</a:t>
                 </a:r>
                 <a:endParaRPr lang="en-US" sz="1200">
-                  <a:effectLst/>
                   <a:latin typeface="Times New Roman" panose="02020603050405020304" pitchFamily="18" charset="0"/>
                   <a:ea typeface="Times New Roman" panose="02020603050405020304" pitchFamily="18" charset="0"/>
                 </a:endParaRPr>
               </a:p>
               <a:p>
-                <a:pPr marL="0" marR="0" algn="ctr">
+                <a:pPr algn="ctr">
                   <a:lnSpc>
                     <a:spcPct val="115000"/>
                   </a:lnSpc>
-                  <a:spcBef>
-                    <a:spcPts val="0"/>
-                  </a:spcBef>
-                  <a:spcAft>
-                    <a:spcPts val="0"/>
-                  </a:spcAft>
                 </a:pPr>
                 <a:r>
                   <a:rPr lang="en-US" sz="1200">
-                    <a:effectLst/>
                     <a:latin typeface="Times New Roman" panose="02020603050405020304" pitchFamily="18" charset="0"/>
                     <a:ea typeface="Times New Roman" panose="02020603050405020304" pitchFamily="18" charset="0"/>
                   </a:rPr>
@@ -7995,7 +7374,7 @@
                 </a:ln>
                 <a:extLst>
                   <a:ext uri="{909E8E84-426E-40dd-AFC4-6F175D3DCCD1}">
-                    <a14:hiddenFill xmlns:wpc="http://schemas.microsoft.com/office/word/2010/wordprocessingCanvas" xmlns:mc="http://schemas.openxmlformats.org/markup-compatibility/2006" xmlns:m="http://schemas.openxmlformats.org/officeDocument/2006/math" xmlns:wp14="http://schemas.microsoft.com/office/word/2010/wordprocessingDrawing" xmlns:wp="http://schemas.openxmlformats.org/drawingml/2006/wordprocessingDrawing" xmlns:w14="http://schemas.microsoft.com/office/word/2010/wordml" xmlns:w15="http://schemas.microsoft.com/office/word/2012/wordml" xmlns:wpg="http://schemas.microsoft.com/office/word/2010/wordprocessingGroup" xmlns:wpi="http://schemas.microsoft.com/office/word/2010/wordprocessingInk" xmlns:wne="http://schemas.microsoft.com/office/word/2006/wordml" xmlns:wps="http://schemas.microsoft.com/office/word/2010/wordprocessingShape" xmlns:cx="http://schemas.microsoft.com/office/drawing/2014/chartex" xmlns:cx1="http://schemas.microsoft.com/office/drawing/2015/9/8/chartex" xmlns:cx2="http://schemas.microsoft.com/office/drawing/2015/10/21/chartex" xmlns:cx3="http://schemas.microsoft.com/office/drawing/2016/5/9/chartex" xmlns:cx4="http://schemas.microsoft.com/office/drawing/2016/5/10/chartex" xmlns:cx5="http://schemas.microsoft.com/office/drawing/2016/5/11/chartex" xmlns:cx6="http://schemas.microsoft.com/office/drawing/2016/5/12/chartex" xmlns:cx7="http://schemas.microsoft.com/office/drawing/2016/5/13/chartex" xmlns:cx8="http://schemas.microsoft.com/office/drawing/2016/5/14/chartex" xmlns:aink="http://schemas.microsoft.com/office/drawing/2016/ink" xmlns:am3d="http://schemas.microsoft.com/office/drawing/2017/model3d" xmlns:w16cid="http://schemas.microsoft.com/office/word/2016/wordml/cid" xmlns:w16se="http://schemas.microsoft.com/office/word/2015/wordml/symex" xmlns:a14="http://schemas.microsoft.com/office/drawing/2010/main" xmlns:w="http://schemas.openxmlformats.org/wordprocessingml/2006/main" xmlns:w10="urn:schemas-microsoft-com:office:word" xmlns:v="urn:schemas-microsoft-com:vml" xmlns:o="urn:schemas-microsoft-com:office:office" xmlns:mv="urn:schemas-microsoft-com:mac:vml" xmlns:mo="http://schemas.microsoft.com/office/mac/office/2008/main" xmlns="" xmlns:arto="http://schemas.microsoft.com/office/word/2006/arto" xmlns:lc="http://schemas.openxmlformats.org/drawingml/2006/lockedCanvas">
+                    <a14:hiddenFill xmlns:lc="http://schemas.openxmlformats.org/drawingml/2006/lockedCanvas" xmlns:arto="http://schemas.microsoft.com/office/word/2006/arto" xmlns="" xmlns:mo="http://schemas.microsoft.com/office/mac/office/2008/main" xmlns:mv="urn:schemas-microsoft-com:mac:vml" xmlns:o="urn:schemas-microsoft-com:office:office" xmlns:v="urn:schemas-microsoft-com:vml" xmlns:w10="urn:schemas-microsoft-com:office:word" xmlns:w="http://schemas.openxmlformats.org/wordprocessingml/2006/main" xmlns:a14="http://schemas.microsoft.com/office/drawing/2010/main" xmlns:w16se="http://schemas.microsoft.com/office/word/2015/wordml/symex" xmlns:w16cid="http://schemas.microsoft.com/office/word/2016/wordml/cid" xmlns:am3d="http://schemas.microsoft.com/office/drawing/2017/model3d" xmlns:aink="http://schemas.microsoft.com/office/drawing/2016/ink" xmlns:cx8="http://schemas.microsoft.com/office/drawing/2016/5/14/chartex" xmlns:cx7="http://schemas.microsoft.com/office/drawing/2016/5/13/chartex" xmlns:cx6="http://schemas.microsoft.com/office/drawing/2016/5/12/chartex" xmlns:cx5="http://schemas.microsoft.com/office/drawing/2016/5/11/chartex" xmlns:cx4="http://schemas.microsoft.com/office/drawing/2016/5/10/chartex" xmlns:cx3="http://schemas.microsoft.com/office/drawing/2016/5/9/chartex" xmlns:cx2="http://schemas.microsoft.com/office/drawing/2015/10/21/chartex" xmlns:cx1="http://schemas.microsoft.com/office/drawing/2015/9/8/chartex" xmlns:cx="http://schemas.microsoft.com/office/drawing/2014/chartex" xmlns:wps="http://schemas.microsoft.com/office/word/2010/wordprocessingShape" xmlns:wne="http://schemas.microsoft.com/office/word/2006/wordml" xmlns:wpi="http://schemas.microsoft.com/office/word/2010/wordprocessingInk" xmlns:wpg="http://schemas.microsoft.com/office/word/2010/wordprocessingGroup" xmlns:w15="http://schemas.microsoft.com/office/word/2012/wordml" xmlns:w14="http://schemas.microsoft.com/office/word/2010/wordml" xmlns:wp="http://schemas.openxmlformats.org/drawingml/2006/wordprocessingDrawing" xmlns:wp14="http://schemas.microsoft.com/office/word/2010/wordprocessingDrawing" xmlns:m="http://schemas.openxmlformats.org/officeDocument/2006/math" xmlns:mc="http://schemas.openxmlformats.org/markup-compatibility/2006" xmlns:wpc="http://schemas.microsoft.com/office/word/2010/wordprocessingCanvas">
                       <a:noFill/>
                     </a14:hiddenFill>
                   </a:ext>
@@ -8036,7 +7415,7 @@
                 </a:ln>
                 <a:extLst>
                   <a:ext uri="{909E8E84-426E-40dd-AFC4-6F175D3DCCD1}">
-                    <a14:hiddenFill xmlns:wpc="http://schemas.microsoft.com/office/word/2010/wordprocessingCanvas" xmlns:mc="http://schemas.openxmlformats.org/markup-compatibility/2006" xmlns:m="http://schemas.openxmlformats.org/officeDocument/2006/math" xmlns:wp14="http://schemas.microsoft.com/office/word/2010/wordprocessingDrawing" xmlns:wp="http://schemas.openxmlformats.org/drawingml/2006/wordprocessingDrawing" xmlns:w14="http://schemas.microsoft.com/office/word/2010/wordml" xmlns:w15="http://schemas.microsoft.com/office/word/2012/wordml" xmlns:wpg="http://schemas.microsoft.com/office/word/2010/wordprocessingGroup" xmlns:wpi="http://schemas.microsoft.com/office/word/2010/wordprocessingInk" xmlns:wne="http://schemas.microsoft.com/office/word/2006/wordml" xmlns:wps="http://schemas.microsoft.com/office/word/2010/wordprocessingShape" xmlns:cx="http://schemas.microsoft.com/office/drawing/2014/chartex" xmlns:cx1="http://schemas.microsoft.com/office/drawing/2015/9/8/chartex" xmlns:cx2="http://schemas.microsoft.com/office/drawing/2015/10/21/chartex" xmlns:cx3="http://schemas.microsoft.com/office/drawing/2016/5/9/chartex" xmlns:cx4="http://schemas.microsoft.com/office/drawing/2016/5/10/chartex" xmlns:cx5="http://schemas.microsoft.com/office/drawing/2016/5/11/chartex" xmlns:cx6="http://schemas.microsoft.com/office/drawing/2016/5/12/chartex" xmlns:cx7="http://schemas.microsoft.com/office/drawing/2016/5/13/chartex" xmlns:cx8="http://schemas.microsoft.com/office/drawing/2016/5/14/chartex" xmlns:aink="http://schemas.microsoft.com/office/drawing/2016/ink" xmlns:am3d="http://schemas.microsoft.com/office/drawing/2017/model3d" xmlns:w16cid="http://schemas.microsoft.com/office/word/2016/wordml/cid" xmlns:w16se="http://schemas.microsoft.com/office/word/2015/wordml/symex" xmlns:a14="http://schemas.microsoft.com/office/drawing/2010/main" xmlns:w="http://schemas.openxmlformats.org/wordprocessingml/2006/main" xmlns:w10="urn:schemas-microsoft-com:office:word" xmlns:v="urn:schemas-microsoft-com:vml" xmlns:o="urn:schemas-microsoft-com:office:office" xmlns:mv="urn:schemas-microsoft-com:mac:vml" xmlns:mo="http://schemas.microsoft.com/office/mac/office/2008/main" xmlns="" xmlns:arto="http://schemas.microsoft.com/office/word/2006/arto" xmlns:lc="http://schemas.openxmlformats.org/drawingml/2006/lockedCanvas">
+                    <a14:hiddenFill xmlns:lc="http://schemas.openxmlformats.org/drawingml/2006/lockedCanvas" xmlns:arto="http://schemas.microsoft.com/office/word/2006/arto" xmlns="" xmlns:mo="http://schemas.microsoft.com/office/mac/office/2008/main" xmlns:mv="urn:schemas-microsoft-com:mac:vml" xmlns:o="urn:schemas-microsoft-com:office:office" xmlns:v="urn:schemas-microsoft-com:vml" xmlns:w10="urn:schemas-microsoft-com:office:word" xmlns:w="http://schemas.openxmlformats.org/wordprocessingml/2006/main" xmlns:a14="http://schemas.microsoft.com/office/drawing/2010/main" xmlns:w16se="http://schemas.microsoft.com/office/word/2015/wordml/symex" xmlns:w16cid="http://schemas.microsoft.com/office/word/2016/wordml/cid" xmlns:am3d="http://schemas.microsoft.com/office/drawing/2017/model3d" xmlns:aink="http://schemas.microsoft.com/office/drawing/2016/ink" xmlns:cx8="http://schemas.microsoft.com/office/drawing/2016/5/14/chartex" xmlns:cx7="http://schemas.microsoft.com/office/drawing/2016/5/13/chartex" xmlns:cx6="http://schemas.microsoft.com/office/drawing/2016/5/12/chartex" xmlns:cx5="http://schemas.microsoft.com/office/drawing/2016/5/11/chartex" xmlns:cx4="http://schemas.microsoft.com/office/drawing/2016/5/10/chartex" xmlns:cx3="http://schemas.microsoft.com/office/drawing/2016/5/9/chartex" xmlns:cx2="http://schemas.microsoft.com/office/drawing/2015/10/21/chartex" xmlns:cx1="http://schemas.microsoft.com/office/drawing/2015/9/8/chartex" xmlns:cx="http://schemas.microsoft.com/office/drawing/2014/chartex" xmlns:wps="http://schemas.microsoft.com/office/word/2010/wordprocessingShape" xmlns:wne="http://schemas.microsoft.com/office/word/2006/wordml" xmlns:wpi="http://schemas.microsoft.com/office/word/2010/wordprocessingInk" xmlns:wpg="http://schemas.microsoft.com/office/word/2010/wordprocessingGroup" xmlns:w15="http://schemas.microsoft.com/office/word/2012/wordml" xmlns:w14="http://schemas.microsoft.com/office/word/2010/wordml" xmlns:wp="http://schemas.openxmlformats.org/drawingml/2006/wordprocessingDrawing" xmlns:wp14="http://schemas.microsoft.com/office/word/2010/wordprocessingDrawing" xmlns:m="http://schemas.openxmlformats.org/officeDocument/2006/math" xmlns:mc="http://schemas.openxmlformats.org/markup-compatibility/2006" xmlns:wpc="http://schemas.microsoft.com/office/word/2010/wordprocessingCanvas">
                       <a:noFill/>
                     </a14:hiddenFill>
                   </a:ext>
@@ -8126,20 +7505,13 @@
               </a:bodyPr>
               <a:lstStyle/>
               <a:p>
-                <a:pPr marL="0" marR="0">
+                <a:pPr>
                   <a:lnSpc>
                     <a:spcPct val="80000"/>
                   </a:lnSpc>
-                  <a:spcBef>
-                    <a:spcPts val="0"/>
-                  </a:spcBef>
-                  <a:spcAft>
-                    <a:spcPts val="0"/>
-                  </a:spcAft>
                 </a:pPr>
                 <a:r>
                   <a:rPr lang="en-US" sz="600">
-                    <a:effectLst/>
                     <a:latin typeface="Times New Roman" panose="02020603050405020304" pitchFamily="18" charset="0"/>
                     <a:ea typeface="Times New Roman" panose="02020603050405020304" pitchFamily="18" charset="0"/>
                   </a:rPr>
@@ -8147,21 +7519,18 @@
                 </a:r>
                 <a:br>
                   <a:rPr lang="en-US" sz="600">
-                    <a:effectLst/>
                     <a:latin typeface="Times New Roman" panose="02020603050405020304" pitchFamily="18" charset="0"/>
                     <a:ea typeface="Times New Roman" panose="02020603050405020304" pitchFamily="18" charset="0"/>
                   </a:rPr>
                 </a:br>
                 <a:r>
                   <a:rPr lang="en-US" sz="600">
-                    <a:effectLst/>
                     <a:latin typeface="Times New Roman" panose="02020603050405020304" pitchFamily="18" charset="0"/>
                     <a:ea typeface="Times New Roman" panose="02020603050405020304" pitchFamily="18" charset="0"/>
                   </a:rPr>
                   <a:t>provenance </a:t>
                 </a:r>
                 <a:endParaRPr lang="en-US" sz="1200">
-                  <a:effectLst/>
                   <a:latin typeface="Times New Roman" panose="02020603050405020304" pitchFamily="18" charset="0"/>
                   <a:ea typeface="Times New Roman" panose="02020603050405020304" pitchFamily="18" charset="0"/>
                 </a:endParaRPr>
@@ -8196,14 +7565,14 @@
               </a:ln>
               <a:extLst>
                 <a:ext uri="{909E8E84-426E-40dd-AFC4-6F175D3DCCD1}">
-                  <a14:hiddenFill xmlns:wpc="http://schemas.microsoft.com/office/word/2010/wordprocessingCanvas" xmlns:mc="http://schemas.openxmlformats.org/markup-compatibility/2006" xmlns:m="http://schemas.openxmlformats.org/officeDocument/2006/math" xmlns:wp14="http://schemas.microsoft.com/office/word/2010/wordprocessingDrawing" xmlns:wp="http://schemas.openxmlformats.org/drawingml/2006/wordprocessingDrawing" xmlns:w14="http://schemas.microsoft.com/office/word/2010/wordml" xmlns:w15="http://schemas.microsoft.com/office/word/2012/wordml" xmlns:wpg="http://schemas.microsoft.com/office/word/2010/wordprocessingGroup" xmlns:wpi="http://schemas.microsoft.com/office/word/2010/wordprocessingInk" xmlns:wne="http://schemas.microsoft.com/office/word/2006/wordml" xmlns:wps="http://schemas.microsoft.com/office/word/2010/wordprocessingShape" xmlns:cx="http://schemas.microsoft.com/office/drawing/2014/chartex" xmlns:cx1="http://schemas.microsoft.com/office/drawing/2015/9/8/chartex" xmlns:cx2="http://schemas.microsoft.com/office/drawing/2015/10/21/chartex" xmlns:cx3="http://schemas.microsoft.com/office/drawing/2016/5/9/chartex" xmlns:cx4="http://schemas.microsoft.com/office/drawing/2016/5/10/chartex" xmlns:cx5="http://schemas.microsoft.com/office/drawing/2016/5/11/chartex" xmlns:cx6="http://schemas.microsoft.com/office/drawing/2016/5/12/chartex" xmlns:cx7="http://schemas.microsoft.com/office/drawing/2016/5/13/chartex" xmlns:cx8="http://schemas.microsoft.com/office/drawing/2016/5/14/chartex" xmlns:aink="http://schemas.microsoft.com/office/drawing/2016/ink" xmlns:am3d="http://schemas.microsoft.com/office/drawing/2017/model3d" xmlns:w16cid="http://schemas.microsoft.com/office/word/2016/wordml/cid" xmlns:w16se="http://schemas.microsoft.com/office/word/2015/wordml/symex" xmlns:a14="http://schemas.microsoft.com/office/drawing/2010/main" xmlns:w="http://schemas.openxmlformats.org/wordprocessingml/2006/main" xmlns:w10="urn:schemas-microsoft-com:office:word" xmlns:v="urn:schemas-microsoft-com:vml" xmlns:o="urn:schemas-microsoft-com:office:office" xmlns:mv="urn:schemas-microsoft-com:mac:vml" xmlns:mo="http://schemas.microsoft.com/office/mac/office/2008/main" xmlns="" xmlns:arto="http://schemas.microsoft.com/office/word/2006/arto" xmlns:lc="http://schemas.openxmlformats.org/drawingml/2006/lockedCanvas">
+                  <a14:hiddenFill xmlns:lc="http://schemas.openxmlformats.org/drawingml/2006/lockedCanvas" xmlns:arto="http://schemas.microsoft.com/office/word/2006/arto" xmlns="" xmlns:mo="http://schemas.microsoft.com/office/mac/office/2008/main" xmlns:mv="urn:schemas-microsoft-com:mac:vml" xmlns:o="urn:schemas-microsoft-com:office:office" xmlns:v="urn:schemas-microsoft-com:vml" xmlns:w10="urn:schemas-microsoft-com:office:word" xmlns:w="http://schemas.openxmlformats.org/wordprocessingml/2006/main" xmlns:a14="http://schemas.microsoft.com/office/drawing/2010/main" xmlns:w16se="http://schemas.microsoft.com/office/word/2015/wordml/symex" xmlns:w16cid="http://schemas.microsoft.com/office/word/2016/wordml/cid" xmlns:am3d="http://schemas.microsoft.com/office/drawing/2017/model3d" xmlns:aink="http://schemas.microsoft.com/office/drawing/2016/ink" xmlns:cx8="http://schemas.microsoft.com/office/drawing/2016/5/14/chartex" xmlns:cx7="http://schemas.microsoft.com/office/drawing/2016/5/13/chartex" xmlns:cx6="http://schemas.microsoft.com/office/drawing/2016/5/12/chartex" xmlns:cx5="http://schemas.microsoft.com/office/drawing/2016/5/11/chartex" xmlns:cx4="http://schemas.microsoft.com/office/drawing/2016/5/10/chartex" xmlns:cx3="http://schemas.microsoft.com/office/drawing/2016/5/9/chartex" xmlns:cx2="http://schemas.microsoft.com/office/drawing/2015/10/21/chartex" xmlns:cx1="http://schemas.microsoft.com/office/drawing/2015/9/8/chartex" xmlns:cx="http://schemas.microsoft.com/office/drawing/2014/chartex" xmlns:wps="http://schemas.microsoft.com/office/word/2010/wordprocessingShape" xmlns:wne="http://schemas.microsoft.com/office/word/2006/wordml" xmlns:wpi="http://schemas.microsoft.com/office/word/2010/wordprocessingInk" xmlns:wpg="http://schemas.microsoft.com/office/word/2010/wordprocessingGroup" xmlns:w15="http://schemas.microsoft.com/office/word/2012/wordml" xmlns:w14="http://schemas.microsoft.com/office/word/2010/wordml" xmlns:wp="http://schemas.openxmlformats.org/drawingml/2006/wordprocessingDrawing" xmlns:wp14="http://schemas.microsoft.com/office/word/2010/wordprocessingDrawing" xmlns:m="http://schemas.openxmlformats.org/officeDocument/2006/math" xmlns:mc="http://schemas.openxmlformats.org/markup-compatibility/2006" xmlns:wpc="http://schemas.microsoft.com/office/word/2010/wordprocessingCanvas">
                     <a:solidFill>
                       <a:srgbClr val="FFFFFF"/>
                     </a:solidFill>
                   </a14:hiddenFill>
                 </a:ext>
                 <a:ext uri="{91240B29-F687-4f45-9708-019B960494DF}">
-                  <a14:hiddenLine xmlns:wpc="http://schemas.microsoft.com/office/word/2010/wordprocessingCanvas" xmlns:mc="http://schemas.openxmlformats.org/markup-compatibility/2006" xmlns:m="http://schemas.openxmlformats.org/officeDocument/2006/math" xmlns:wp14="http://schemas.microsoft.com/office/word/2010/wordprocessingDrawing" xmlns:wp="http://schemas.openxmlformats.org/drawingml/2006/wordprocessingDrawing" xmlns:w14="http://schemas.microsoft.com/office/word/2010/wordml" xmlns:w15="http://schemas.microsoft.com/office/word/2012/wordml" xmlns:wpg="http://schemas.microsoft.com/office/word/2010/wordprocessingGroup" xmlns:wpi="http://schemas.microsoft.com/office/word/2010/wordprocessingInk" xmlns:wne="http://schemas.microsoft.com/office/word/2006/wordml" xmlns:wps="http://schemas.microsoft.com/office/word/2010/wordprocessingShape" xmlns:cx="http://schemas.microsoft.com/office/drawing/2014/chartex" xmlns:cx1="http://schemas.microsoft.com/office/drawing/2015/9/8/chartex" xmlns:cx2="http://schemas.microsoft.com/office/drawing/2015/10/21/chartex" xmlns:cx3="http://schemas.microsoft.com/office/drawing/2016/5/9/chartex" xmlns:cx4="http://schemas.microsoft.com/office/drawing/2016/5/10/chartex" xmlns:cx5="http://schemas.microsoft.com/office/drawing/2016/5/11/chartex" xmlns:cx6="http://schemas.microsoft.com/office/drawing/2016/5/12/chartex" xmlns:cx7="http://schemas.microsoft.com/office/drawing/2016/5/13/chartex" xmlns:cx8="http://schemas.microsoft.com/office/drawing/2016/5/14/chartex" xmlns:aink="http://schemas.microsoft.com/office/drawing/2016/ink" xmlns:am3d="http://schemas.microsoft.com/office/drawing/2017/model3d" xmlns:w16cid="http://schemas.microsoft.com/office/word/2016/wordml/cid" xmlns:w16se="http://schemas.microsoft.com/office/word/2015/wordml/symex" xmlns:a14="http://schemas.microsoft.com/office/drawing/2010/main" xmlns:w="http://schemas.openxmlformats.org/wordprocessingml/2006/main" xmlns:w10="urn:schemas-microsoft-com:office:word" xmlns:v="urn:schemas-microsoft-com:vml" xmlns:o="urn:schemas-microsoft-com:office:office" xmlns:mv="urn:schemas-microsoft-com:mac:vml" xmlns:mo="http://schemas.microsoft.com/office/mac/office/2008/main" xmlns="" xmlns:arto="http://schemas.microsoft.com/office/word/2006/arto" xmlns:lc="http://schemas.openxmlformats.org/drawingml/2006/lockedCanvas" w="9525">
+                  <a14:hiddenLine xmlns:lc="http://schemas.openxmlformats.org/drawingml/2006/lockedCanvas" xmlns:arto="http://schemas.microsoft.com/office/word/2006/arto" xmlns="" xmlns:mo="http://schemas.microsoft.com/office/mac/office/2008/main" xmlns:mv="urn:schemas-microsoft-com:mac:vml" xmlns:o="urn:schemas-microsoft-com:office:office" xmlns:v="urn:schemas-microsoft-com:vml" xmlns:w10="urn:schemas-microsoft-com:office:word" xmlns:w="http://schemas.openxmlformats.org/wordprocessingml/2006/main" xmlns:a14="http://schemas.microsoft.com/office/drawing/2010/main" xmlns:w16se="http://schemas.microsoft.com/office/word/2015/wordml/symex" xmlns:w16cid="http://schemas.microsoft.com/office/word/2016/wordml/cid" xmlns:am3d="http://schemas.microsoft.com/office/drawing/2017/model3d" xmlns:aink="http://schemas.microsoft.com/office/drawing/2016/ink" xmlns:cx8="http://schemas.microsoft.com/office/drawing/2016/5/14/chartex" xmlns:cx7="http://schemas.microsoft.com/office/drawing/2016/5/13/chartex" xmlns:cx6="http://schemas.microsoft.com/office/drawing/2016/5/12/chartex" xmlns:cx5="http://schemas.microsoft.com/office/drawing/2016/5/11/chartex" xmlns:cx4="http://schemas.microsoft.com/office/drawing/2016/5/10/chartex" xmlns:cx3="http://schemas.microsoft.com/office/drawing/2016/5/9/chartex" xmlns:cx2="http://schemas.microsoft.com/office/drawing/2015/10/21/chartex" xmlns:cx1="http://schemas.microsoft.com/office/drawing/2015/9/8/chartex" xmlns:cx="http://schemas.microsoft.com/office/drawing/2014/chartex" xmlns:wps="http://schemas.microsoft.com/office/word/2010/wordprocessingShape" xmlns:wne="http://schemas.microsoft.com/office/word/2006/wordml" xmlns:wpi="http://schemas.microsoft.com/office/word/2010/wordprocessingInk" xmlns:wpg="http://schemas.microsoft.com/office/word/2010/wordprocessingGroup" xmlns:w15="http://schemas.microsoft.com/office/word/2012/wordml" xmlns:w14="http://schemas.microsoft.com/office/word/2010/wordml" xmlns:wp="http://schemas.openxmlformats.org/drawingml/2006/wordprocessingDrawing" xmlns:wp14="http://schemas.microsoft.com/office/word/2010/wordprocessingDrawing" xmlns:m="http://schemas.openxmlformats.org/officeDocument/2006/math" xmlns:mc="http://schemas.openxmlformats.org/markup-compatibility/2006" xmlns:wpc="http://schemas.microsoft.com/office/word/2010/wordprocessingCanvas" w="9525">
                     <a:solidFill>
                       <a:srgbClr val="000000"/>
                     </a:solidFill>
@@ -8220,20 +7589,13 @@
               </a:bodyPr>
               <a:lstStyle/>
               <a:p>
-                <a:pPr marL="0" marR="0" algn="ctr">
+                <a:pPr algn="ctr">
                   <a:lnSpc>
                     <a:spcPct val="115000"/>
                   </a:lnSpc>
-                  <a:spcBef>
-                    <a:spcPts val="0"/>
-                  </a:spcBef>
-                  <a:spcAft>
-                    <a:spcPts val="0"/>
-                  </a:spcAft>
                 </a:pPr>
                 <a:r>
                   <a:rPr lang="en-US" sz="600">
-                    <a:effectLst/>
                     <a:highlight>
                       <a:srgbClr val="D3D3D3"/>
                     </a:highlight>
@@ -8243,26 +7605,18 @@
                   <a:t>Retrieve Document</a:t>
                 </a:r>
                 <a:endParaRPr lang="en-US" sz="1200">
-                  <a:effectLst/>
                   <a:latin typeface="Times New Roman" panose="02020603050405020304" pitchFamily="18" charset="0"/>
                   <a:ea typeface="Times New Roman" panose="02020603050405020304" pitchFamily="18" charset="0"/>
                 </a:endParaRPr>
               </a:p>
               <a:p>
-                <a:pPr marL="0" marR="0" algn="ctr">
+                <a:pPr algn="ctr">
                   <a:lnSpc>
                     <a:spcPct val="115000"/>
                   </a:lnSpc>
-                  <a:spcBef>
-                    <a:spcPts val="0"/>
-                  </a:spcBef>
-                  <a:spcAft>
-                    <a:spcPts val="0"/>
-                  </a:spcAft>
                 </a:pPr>
                 <a:r>
                   <a:rPr lang="en-US" sz="1200">
-                    <a:effectLst/>
                     <a:latin typeface="Times New Roman" panose="02020603050405020304" pitchFamily="18" charset="0"/>
                     <a:ea typeface="Times New Roman" panose="02020603050405020304" pitchFamily="18" charset="0"/>
                   </a:rPr>
@@ -8325,7 +7679,7 @@
                 </a:ln>
                 <a:extLst>
                   <a:ext uri="{909E8E84-426E-40dd-AFC4-6F175D3DCCD1}">
-                    <a14:hiddenFill xmlns:wpc="http://schemas.microsoft.com/office/word/2010/wordprocessingCanvas" xmlns:mc="http://schemas.openxmlformats.org/markup-compatibility/2006" xmlns:m="http://schemas.openxmlformats.org/officeDocument/2006/math" xmlns:wp14="http://schemas.microsoft.com/office/word/2010/wordprocessingDrawing" xmlns:wp="http://schemas.openxmlformats.org/drawingml/2006/wordprocessingDrawing" xmlns:w14="http://schemas.microsoft.com/office/word/2010/wordml" xmlns:w15="http://schemas.microsoft.com/office/word/2012/wordml" xmlns:wpg="http://schemas.microsoft.com/office/word/2010/wordprocessingGroup" xmlns:wpi="http://schemas.microsoft.com/office/word/2010/wordprocessingInk" xmlns:wne="http://schemas.microsoft.com/office/word/2006/wordml" xmlns:wps="http://schemas.microsoft.com/office/word/2010/wordprocessingShape" xmlns:cx="http://schemas.microsoft.com/office/drawing/2014/chartex" xmlns:cx1="http://schemas.microsoft.com/office/drawing/2015/9/8/chartex" xmlns:cx2="http://schemas.microsoft.com/office/drawing/2015/10/21/chartex" xmlns:cx3="http://schemas.microsoft.com/office/drawing/2016/5/9/chartex" xmlns:cx4="http://schemas.microsoft.com/office/drawing/2016/5/10/chartex" xmlns:cx5="http://schemas.microsoft.com/office/drawing/2016/5/11/chartex" xmlns:cx6="http://schemas.microsoft.com/office/drawing/2016/5/12/chartex" xmlns:cx7="http://schemas.microsoft.com/office/drawing/2016/5/13/chartex" xmlns:cx8="http://schemas.microsoft.com/office/drawing/2016/5/14/chartex" xmlns:aink="http://schemas.microsoft.com/office/drawing/2016/ink" xmlns:am3d="http://schemas.microsoft.com/office/drawing/2017/model3d" xmlns:w16cid="http://schemas.microsoft.com/office/word/2016/wordml/cid" xmlns:w16se="http://schemas.microsoft.com/office/word/2015/wordml/symex" xmlns:a14="http://schemas.microsoft.com/office/drawing/2010/main" xmlns:w="http://schemas.openxmlformats.org/wordprocessingml/2006/main" xmlns:w10="urn:schemas-microsoft-com:office:word" xmlns:v="urn:schemas-microsoft-com:vml" xmlns:o="urn:schemas-microsoft-com:office:office" xmlns:mv="urn:schemas-microsoft-com:mac:vml" xmlns:mo="http://schemas.microsoft.com/office/mac/office/2008/main" xmlns="" xmlns:arto="http://schemas.microsoft.com/office/word/2006/arto" xmlns:lc="http://schemas.openxmlformats.org/drawingml/2006/lockedCanvas">
+                    <a14:hiddenFill xmlns:lc="http://schemas.openxmlformats.org/drawingml/2006/lockedCanvas" xmlns:arto="http://schemas.microsoft.com/office/word/2006/arto" xmlns="" xmlns:mo="http://schemas.microsoft.com/office/mac/office/2008/main" xmlns:mv="urn:schemas-microsoft-com:mac:vml" xmlns:o="urn:schemas-microsoft-com:office:office" xmlns:v="urn:schemas-microsoft-com:vml" xmlns:w10="urn:schemas-microsoft-com:office:word" xmlns:w="http://schemas.openxmlformats.org/wordprocessingml/2006/main" xmlns:a14="http://schemas.microsoft.com/office/drawing/2010/main" xmlns:w16se="http://schemas.microsoft.com/office/word/2015/wordml/symex" xmlns:w16cid="http://schemas.microsoft.com/office/word/2016/wordml/cid" xmlns:am3d="http://schemas.microsoft.com/office/drawing/2017/model3d" xmlns:aink="http://schemas.microsoft.com/office/drawing/2016/ink" xmlns:cx8="http://schemas.microsoft.com/office/drawing/2016/5/14/chartex" xmlns:cx7="http://schemas.microsoft.com/office/drawing/2016/5/13/chartex" xmlns:cx6="http://schemas.microsoft.com/office/drawing/2016/5/12/chartex" xmlns:cx5="http://schemas.microsoft.com/office/drawing/2016/5/11/chartex" xmlns:cx4="http://schemas.microsoft.com/office/drawing/2016/5/10/chartex" xmlns:cx3="http://schemas.microsoft.com/office/drawing/2016/5/9/chartex" xmlns:cx2="http://schemas.microsoft.com/office/drawing/2015/10/21/chartex" xmlns:cx1="http://schemas.microsoft.com/office/drawing/2015/9/8/chartex" xmlns:cx="http://schemas.microsoft.com/office/drawing/2014/chartex" xmlns:wps="http://schemas.microsoft.com/office/word/2010/wordprocessingShape" xmlns:wne="http://schemas.microsoft.com/office/word/2006/wordml" xmlns:wpi="http://schemas.microsoft.com/office/word/2010/wordprocessingInk" xmlns:wpg="http://schemas.microsoft.com/office/word/2010/wordprocessingGroup" xmlns:w15="http://schemas.microsoft.com/office/word/2012/wordml" xmlns:w14="http://schemas.microsoft.com/office/word/2010/wordml" xmlns:wp="http://schemas.openxmlformats.org/drawingml/2006/wordprocessingDrawing" xmlns:wp14="http://schemas.microsoft.com/office/word/2010/wordprocessingDrawing" xmlns:m="http://schemas.openxmlformats.org/officeDocument/2006/math" xmlns:mc="http://schemas.openxmlformats.org/markup-compatibility/2006" xmlns:wpc="http://schemas.microsoft.com/office/word/2010/wordprocessingCanvas">
                       <a:noFill/>
                     </a14:hiddenFill>
                   </a:ext>
@@ -8366,7 +7720,7 @@
                 </a:ln>
                 <a:extLst>
                   <a:ext uri="{909E8E84-426E-40dd-AFC4-6F175D3DCCD1}">
-                    <a14:hiddenFill xmlns:wpc="http://schemas.microsoft.com/office/word/2010/wordprocessingCanvas" xmlns:mc="http://schemas.openxmlformats.org/markup-compatibility/2006" xmlns:m="http://schemas.openxmlformats.org/officeDocument/2006/math" xmlns:wp14="http://schemas.microsoft.com/office/word/2010/wordprocessingDrawing" xmlns:wp="http://schemas.openxmlformats.org/drawingml/2006/wordprocessingDrawing" xmlns:w14="http://schemas.microsoft.com/office/word/2010/wordml" xmlns:w15="http://schemas.microsoft.com/office/word/2012/wordml" xmlns:wpg="http://schemas.microsoft.com/office/word/2010/wordprocessingGroup" xmlns:wpi="http://schemas.microsoft.com/office/word/2010/wordprocessingInk" xmlns:wne="http://schemas.microsoft.com/office/word/2006/wordml" xmlns:wps="http://schemas.microsoft.com/office/word/2010/wordprocessingShape" xmlns:cx="http://schemas.microsoft.com/office/drawing/2014/chartex" xmlns:cx1="http://schemas.microsoft.com/office/drawing/2015/9/8/chartex" xmlns:cx2="http://schemas.microsoft.com/office/drawing/2015/10/21/chartex" xmlns:cx3="http://schemas.microsoft.com/office/drawing/2016/5/9/chartex" xmlns:cx4="http://schemas.microsoft.com/office/drawing/2016/5/10/chartex" xmlns:cx5="http://schemas.microsoft.com/office/drawing/2016/5/11/chartex" xmlns:cx6="http://schemas.microsoft.com/office/drawing/2016/5/12/chartex" xmlns:cx7="http://schemas.microsoft.com/office/drawing/2016/5/13/chartex" xmlns:cx8="http://schemas.microsoft.com/office/drawing/2016/5/14/chartex" xmlns:aink="http://schemas.microsoft.com/office/drawing/2016/ink" xmlns:am3d="http://schemas.microsoft.com/office/drawing/2017/model3d" xmlns:w16cid="http://schemas.microsoft.com/office/word/2016/wordml/cid" xmlns:w16se="http://schemas.microsoft.com/office/word/2015/wordml/symex" xmlns:a14="http://schemas.microsoft.com/office/drawing/2010/main" xmlns:w="http://schemas.openxmlformats.org/wordprocessingml/2006/main" xmlns:w10="urn:schemas-microsoft-com:office:word" xmlns:v="urn:schemas-microsoft-com:vml" xmlns:o="urn:schemas-microsoft-com:office:office" xmlns:mv="urn:schemas-microsoft-com:mac:vml" xmlns:mo="http://schemas.microsoft.com/office/mac/office/2008/main" xmlns="" xmlns:arto="http://schemas.microsoft.com/office/word/2006/arto" xmlns:lc="http://schemas.openxmlformats.org/drawingml/2006/lockedCanvas">
+                    <a14:hiddenFill xmlns:lc="http://schemas.openxmlformats.org/drawingml/2006/lockedCanvas" xmlns:arto="http://schemas.microsoft.com/office/word/2006/arto" xmlns="" xmlns:mo="http://schemas.microsoft.com/office/mac/office/2008/main" xmlns:mv="urn:schemas-microsoft-com:mac:vml" xmlns:o="urn:schemas-microsoft-com:office:office" xmlns:v="urn:schemas-microsoft-com:vml" xmlns:w10="urn:schemas-microsoft-com:office:word" xmlns:w="http://schemas.openxmlformats.org/wordprocessingml/2006/main" xmlns:a14="http://schemas.microsoft.com/office/drawing/2010/main" xmlns:w16se="http://schemas.microsoft.com/office/word/2015/wordml/symex" xmlns:w16cid="http://schemas.microsoft.com/office/word/2016/wordml/cid" xmlns:am3d="http://schemas.microsoft.com/office/drawing/2017/model3d" xmlns:aink="http://schemas.microsoft.com/office/drawing/2016/ink" xmlns:cx8="http://schemas.microsoft.com/office/drawing/2016/5/14/chartex" xmlns:cx7="http://schemas.microsoft.com/office/drawing/2016/5/13/chartex" xmlns:cx6="http://schemas.microsoft.com/office/drawing/2016/5/12/chartex" xmlns:cx5="http://schemas.microsoft.com/office/drawing/2016/5/11/chartex" xmlns:cx4="http://schemas.microsoft.com/office/drawing/2016/5/10/chartex" xmlns:cx3="http://schemas.microsoft.com/office/drawing/2016/5/9/chartex" xmlns:cx2="http://schemas.microsoft.com/office/drawing/2015/10/21/chartex" xmlns:cx1="http://schemas.microsoft.com/office/drawing/2015/9/8/chartex" xmlns:cx="http://schemas.microsoft.com/office/drawing/2014/chartex" xmlns:wps="http://schemas.microsoft.com/office/word/2010/wordprocessingShape" xmlns:wne="http://schemas.microsoft.com/office/word/2006/wordml" xmlns:wpi="http://schemas.microsoft.com/office/word/2010/wordprocessingInk" xmlns:wpg="http://schemas.microsoft.com/office/word/2010/wordprocessingGroup" xmlns:w15="http://schemas.microsoft.com/office/word/2012/wordml" xmlns:w14="http://schemas.microsoft.com/office/word/2010/wordml" xmlns:wp="http://schemas.openxmlformats.org/drawingml/2006/wordprocessingDrawing" xmlns:wp14="http://schemas.microsoft.com/office/word/2010/wordprocessingDrawing" xmlns:m="http://schemas.openxmlformats.org/officeDocument/2006/math" xmlns:mc="http://schemas.openxmlformats.org/markup-compatibility/2006" xmlns:wpc="http://schemas.microsoft.com/office/word/2010/wordprocessingCanvas">
                       <a:noFill/>
                     </a14:hiddenFill>
                   </a:ext>
@@ -8596,14 +7950,14 @@
             </a:ln>
             <a:extLst>
               <a:ext uri="{909E8E84-426E-40dd-AFC4-6F175D3DCCD1}">
-                <a14:hiddenFill xmlns:wpc="http://schemas.microsoft.com/office/word/2010/wordprocessingCanvas" xmlns:mc="http://schemas.openxmlformats.org/markup-compatibility/2006" xmlns:m="http://schemas.openxmlformats.org/officeDocument/2006/math" xmlns:wp14="http://schemas.microsoft.com/office/word/2010/wordprocessingDrawing" xmlns:wp="http://schemas.openxmlformats.org/drawingml/2006/wordprocessingDrawing" xmlns:w14="http://schemas.microsoft.com/office/word/2010/wordml" xmlns:w15="http://schemas.microsoft.com/office/word/2012/wordml" xmlns:wpg="http://schemas.microsoft.com/office/word/2010/wordprocessingGroup" xmlns:wpi="http://schemas.microsoft.com/office/word/2010/wordprocessingInk" xmlns:wne="http://schemas.microsoft.com/office/word/2006/wordml" xmlns:wps="http://schemas.microsoft.com/office/word/2010/wordprocessingShape" xmlns:cx="http://schemas.microsoft.com/office/drawing/2014/chartex" xmlns:cx1="http://schemas.microsoft.com/office/drawing/2015/9/8/chartex" xmlns:cx2="http://schemas.microsoft.com/office/drawing/2015/10/21/chartex" xmlns:cx3="http://schemas.microsoft.com/office/drawing/2016/5/9/chartex" xmlns:cx4="http://schemas.microsoft.com/office/drawing/2016/5/10/chartex" xmlns:cx5="http://schemas.microsoft.com/office/drawing/2016/5/11/chartex" xmlns:cx6="http://schemas.microsoft.com/office/drawing/2016/5/12/chartex" xmlns:cx7="http://schemas.microsoft.com/office/drawing/2016/5/13/chartex" xmlns:cx8="http://schemas.microsoft.com/office/drawing/2016/5/14/chartex" xmlns:aink="http://schemas.microsoft.com/office/drawing/2016/ink" xmlns:am3d="http://schemas.microsoft.com/office/drawing/2017/model3d" xmlns:w16cid="http://schemas.microsoft.com/office/word/2016/wordml/cid" xmlns:w16se="http://schemas.microsoft.com/office/word/2015/wordml/symex" xmlns:a14="http://schemas.microsoft.com/office/drawing/2010/main" xmlns:w="http://schemas.openxmlformats.org/wordprocessingml/2006/main" xmlns:w10="urn:schemas-microsoft-com:office:word" xmlns:v="urn:schemas-microsoft-com:vml" xmlns:o="urn:schemas-microsoft-com:office:office" xmlns:mv="urn:schemas-microsoft-com:mac:vml" xmlns:mo="http://schemas.microsoft.com/office/mac/office/2008/main" xmlns="" xmlns:arto="http://schemas.microsoft.com/office/word/2006/arto" xmlns:lc="http://schemas.openxmlformats.org/drawingml/2006/lockedCanvas">
+                <a14:hiddenFill xmlns:lc="http://schemas.openxmlformats.org/drawingml/2006/lockedCanvas" xmlns:arto="http://schemas.microsoft.com/office/word/2006/arto" xmlns="" xmlns:mo="http://schemas.microsoft.com/office/mac/office/2008/main" xmlns:mv="urn:schemas-microsoft-com:mac:vml" xmlns:o="urn:schemas-microsoft-com:office:office" xmlns:v="urn:schemas-microsoft-com:vml" xmlns:w10="urn:schemas-microsoft-com:office:word" xmlns:w="http://schemas.openxmlformats.org/wordprocessingml/2006/main" xmlns:a14="http://schemas.microsoft.com/office/drawing/2010/main" xmlns:w16se="http://schemas.microsoft.com/office/word/2015/wordml/symex" xmlns:w16cid="http://schemas.microsoft.com/office/word/2016/wordml/cid" xmlns:am3d="http://schemas.microsoft.com/office/drawing/2017/model3d" xmlns:aink="http://schemas.microsoft.com/office/drawing/2016/ink" xmlns:cx8="http://schemas.microsoft.com/office/drawing/2016/5/14/chartex" xmlns:cx7="http://schemas.microsoft.com/office/drawing/2016/5/13/chartex" xmlns:cx6="http://schemas.microsoft.com/office/drawing/2016/5/12/chartex" xmlns:cx5="http://schemas.microsoft.com/office/drawing/2016/5/11/chartex" xmlns:cx4="http://schemas.microsoft.com/office/drawing/2016/5/10/chartex" xmlns:cx3="http://schemas.microsoft.com/office/drawing/2016/5/9/chartex" xmlns:cx2="http://schemas.microsoft.com/office/drawing/2015/10/21/chartex" xmlns:cx1="http://schemas.microsoft.com/office/drawing/2015/9/8/chartex" xmlns:cx="http://schemas.microsoft.com/office/drawing/2014/chartex" xmlns:wps="http://schemas.microsoft.com/office/word/2010/wordprocessingShape" xmlns:wne="http://schemas.microsoft.com/office/word/2006/wordml" xmlns:wpi="http://schemas.microsoft.com/office/word/2010/wordprocessingInk" xmlns:wpg="http://schemas.microsoft.com/office/word/2010/wordprocessingGroup" xmlns:w15="http://schemas.microsoft.com/office/word/2012/wordml" xmlns:w14="http://schemas.microsoft.com/office/word/2010/wordml" xmlns:wp="http://schemas.openxmlformats.org/drawingml/2006/wordprocessingDrawing" xmlns:wp14="http://schemas.microsoft.com/office/word/2010/wordprocessingDrawing" xmlns:m="http://schemas.openxmlformats.org/officeDocument/2006/math" xmlns:mc="http://schemas.openxmlformats.org/markup-compatibility/2006" xmlns:wpc="http://schemas.microsoft.com/office/word/2010/wordprocessingCanvas">
                   <a:solidFill>
                     <a:srgbClr val="FFFFFF"/>
                   </a:solidFill>
                 </a14:hiddenFill>
               </a:ext>
               <a:ext uri="{91240B29-F687-4f45-9708-019B960494DF}">
-                <a14:hiddenLine xmlns:wpc="http://schemas.microsoft.com/office/word/2010/wordprocessingCanvas" xmlns:mc="http://schemas.openxmlformats.org/markup-compatibility/2006" xmlns:m="http://schemas.openxmlformats.org/officeDocument/2006/math" xmlns:wp14="http://schemas.microsoft.com/office/word/2010/wordprocessingDrawing" xmlns:wp="http://schemas.openxmlformats.org/drawingml/2006/wordprocessingDrawing" xmlns:w14="http://schemas.microsoft.com/office/word/2010/wordml" xmlns:w15="http://schemas.microsoft.com/office/word/2012/wordml" xmlns:wpg="http://schemas.microsoft.com/office/word/2010/wordprocessingGroup" xmlns:wpi="http://schemas.microsoft.com/office/word/2010/wordprocessingInk" xmlns:wne="http://schemas.microsoft.com/office/word/2006/wordml" xmlns:wps="http://schemas.microsoft.com/office/word/2010/wordprocessingShape" xmlns:cx="http://schemas.microsoft.com/office/drawing/2014/chartex" xmlns:cx1="http://schemas.microsoft.com/office/drawing/2015/9/8/chartex" xmlns:cx2="http://schemas.microsoft.com/office/drawing/2015/10/21/chartex" xmlns:cx3="http://schemas.microsoft.com/office/drawing/2016/5/9/chartex" xmlns:cx4="http://schemas.microsoft.com/office/drawing/2016/5/10/chartex" xmlns:cx5="http://schemas.microsoft.com/office/drawing/2016/5/11/chartex" xmlns:cx6="http://schemas.microsoft.com/office/drawing/2016/5/12/chartex" xmlns:cx7="http://schemas.microsoft.com/office/drawing/2016/5/13/chartex" xmlns:cx8="http://schemas.microsoft.com/office/drawing/2016/5/14/chartex" xmlns:aink="http://schemas.microsoft.com/office/drawing/2016/ink" xmlns:am3d="http://schemas.microsoft.com/office/drawing/2017/model3d" xmlns:w16cid="http://schemas.microsoft.com/office/word/2016/wordml/cid" xmlns:w16se="http://schemas.microsoft.com/office/word/2015/wordml/symex" xmlns:a14="http://schemas.microsoft.com/office/drawing/2010/main" xmlns:w="http://schemas.openxmlformats.org/wordprocessingml/2006/main" xmlns:w10="urn:schemas-microsoft-com:office:word" xmlns:v="urn:schemas-microsoft-com:vml" xmlns:o="urn:schemas-microsoft-com:office:office" xmlns:mv="urn:schemas-microsoft-com:mac:vml" xmlns:mo="http://schemas.microsoft.com/office/mac/office/2008/main" xmlns="" xmlns:arto="http://schemas.microsoft.com/office/word/2006/arto" xmlns:lc="http://schemas.openxmlformats.org/drawingml/2006/lockedCanvas" w="9525">
+                <a14:hiddenLine xmlns:lc="http://schemas.openxmlformats.org/drawingml/2006/lockedCanvas" xmlns:arto="http://schemas.microsoft.com/office/word/2006/arto" xmlns="" xmlns:mo="http://schemas.microsoft.com/office/mac/office/2008/main" xmlns:mv="urn:schemas-microsoft-com:mac:vml" xmlns:o="urn:schemas-microsoft-com:office:office" xmlns:v="urn:schemas-microsoft-com:vml" xmlns:w10="urn:schemas-microsoft-com:office:word" xmlns:w="http://schemas.openxmlformats.org/wordprocessingml/2006/main" xmlns:a14="http://schemas.microsoft.com/office/drawing/2010/main" xmlns:w16se="http://schemas.microsoft.com/office/word/2015/wordml/symex" xmlns:w16cid="http://schemas.microsoft.com/office/word/2016/wordml/cid" xmlns:am3d="http://schemas.microsoft.com/office/drawing/2017/model3d" xmlns:aink="http://schemas.microsoft.com/office/drawing/2016/ink" xmlns:cx8="http://schemas.microsoft.com/office/drawing/2016/5/14/chartex" xmlns:cx7="http://schemas.microsoft.com/office/drawing/2016/5/13/chartex" xmlns:cx6="http://schemas.microsoft.com/office/drawing/2016/5/12/chartex" xmlns:cx5="http://schemas.microsoft.com/office/drawing/2016/5/11/chartex" xmlns:cx4="http://schemas.microsoft.com/office/drawing/2016/5/10/chartex" xmlns:cx3="http://schemas.microsoft.com/office/drawing/2016/5/9/chartex" xmlns:cx2="http://schemas.microsoft.com/office/drawing/2015/10/21/chartex" xmlns:cx1="http://schemas.microsoft.com/office/drawing/2015/9/8/chartex" xmlns:cx="http://schemas.microsoft.com/office/drawing/2014/chartex" xmlns:wps="http://schemas.microsoft.com/office/word/2010/wordprocessingShape" xmlns:wne="http://schemas.microsoft.com/office/word/2006/wordml" xmlns:wpi="http://schemas.microsoft.com/office/word/2010/wordprocessingInk" xmlns:wpg="http://schemas.microsoft.com/office/word/2010/wordprocessingGroup" xmlns:w15="http://schemas.microsoft.com/office/word/2012/wordml" xmlns:w14="http://schemas.microsoft.com/office/word/2010/wordml" xmlns:wp="http://schemas.openxmlformats.org/drawingml/2006/wordprocessingDrawing" xmlns:wp14="http://schemas.microsoft.com/office/word/2010/wordprocessingDrawing" xmlns:m="http://schemas.openxmlformats.org/officeDocument/2006/math" xmlns:mc="http://schemas.openxmlformats.org/markup-compatibility/2006" xmlns:wpc="http://schemas.microsoft.com/office/word/2010/wordprocessingCanvas" w="9525">
                   <a:solidFill>
                     <a:srgbClr val="000000"/>
                   </a:solidFill>
@@ -8620,20 +7974,13 @@
             </a:bodyPr>
             <a:lstStyle/>
             <a:p>
-              <a:pPr marL="0" marR="0" algn="ctr">
+              <a:pPr algn="ctr">
                 <a:lnSpc>
                   <a:spcPct val="115000"/>
                 </a:lnSpc>
-                <a:spcBef>
-                  <a:spcPts val="0"/>
-                </a:spcBef>
-                <a:spcAft>
-                  <a:spcPts val="0"/>
-                </a:spcAft>
               </a:pPr>
               <a:r>
                 <a:rPr lang="en-US" sz="700">
-                  <a:effectLst/>
                   <a:highlight>
                     <a:srgbClr val="D3D3D3"/>
                   </a:highlight>
@@ -8644,14 +7991,12 @@
               </a:r>
               <a:r>
                 <a:rPr lang="en-US" sz="700">
-                  <a:effectLst/>
                   <a:latin typeface="Times New Roman" panose="02020603050405020304" pitchFamily="18" charset="0"/>
                   <a:ea typeface="Times New Roman" panose="02020603050405020304" pitchFamily="18" charset="0"/>
                 </a:rPr>
                 <a:t> Response</a:t>
               </a:r>
               <a:endParaRPr lang="en-US" sz="1200">
-                <a:effectLst/>
                 <a:latin typeface="Times New Roman" panose="02020603050405020304" pitchFamily="18" charset="0"/>
                 <a:ea typeface="Times New Roman" panose="02020603050405020304" pitchFamily="18" charset="0"/>
               </a:endParaRPr>
@@ -8711,17 +8056,9 @@
               </a:bodyPr>
               <a:lstStyle/>
               <a:p>
-                <a:pPr marL="0" marR="0" algn="ctr">
-                  <a:spcBef>
-                    <a:spcPts val="0"/>
-                  </a:spcBef>
-                  <a:spcAft>
-                    <a:spcPts val="0"/>
-                  </a:spcAft>
-                </a:pPr>
+                <a:pPr algn="ctr"/>
                 <a:r>
                   <a:rPr lang="fr-FR" sz="650" b="1" dirty="0">
-                    <a:effectLst/>
                     <a:latin typeface="Times New Roman" panose="02020603050405020304" pitchFamily="18" charset="0"/>
                     <a:ea typeface="Times New Roman" panose="02020603050405020304" pitchFamily="18" charset="0"/>
                   </a:rPr>
@@ -8729,37 +8066,26 @@
                 </a:r>
                 <a:r>
                   <a:rPr lang="en-US" sz="650" b="1" dirty="0">
-                    <a:effectLst/>
                     <a:latin typeface="Times New Roman" panose="02020603050405020304" pitchFamily="18" charset="0"/>
                     <a:ea typeface="Times New Roman" panose="02020603050405020304" pitchFamily="18" charset="0"/>
                   </a:rPr>
                   <a:t>Extractor</a:t>
                 </a:r>
                 <a:endParaRPr lang="en-US" sz="1200" dirty="0">
-                  <a:effectLst/>
                   <a:latin typeface="Times New Roman" panose="02020603050405020304" pitchFamily="18" charset="0"/>
                   <a:ea typeface="Times New Roman" panose="02020603050405020304" pitchFamily="18" charset="0"/>
                 </a:endParaRPr>
               </a:p>
               <a:p>
-                <a:pPr marL="0" marR="0" algn="ctr">
-                  <a:spcBef>
-                    <a:spcPts val="0"/>
-                  </a:spcBef>
-                  <a:spcAft>
-                    <a:spcPts val="0"/>
-                  </a:spcAft>
-                </a:pPr>
+                <a:pPr algn="ctr"/>
                 <a:r>
-                  <a:rPr lang="en-US" sz="1100" u="none" strike="noStrike" dirty="0">
-                    <a:effectLst/>
+                  <a:rPr lang="en-US" sz="1100" dirty="0">
                     <a:latin typeface="Times New Roman" panose="02020603050405020304" pitchFamily="18" charset="0"/>
                     <a:ea typeface="Times New Roman" panose="02020603050405020304" pitchFamily="18" charset="0"/>
                   </a:rPr>
                   <a:t> </a:t>
                 </a:r>
                 <a:endParaRPr lang="en-US" sz="1200" dirty="0">
-                  <a:effectLst/>
                   <a:latin typeface="Times New Roman" panose="02020603050405020304" pitchFamily="18" charset="0"/>
                   <a:ea typeface="Times New Roman" panose="02020603050405020304" pitchFamily="18" charset="0"/>
                 </a:endParaRPr>
@@ -8834,7 +8160,7 @@
                   </a:ln>
                   <a:extLst>
                     <a:ext uri="{91240B29-F687-4f45-9708-019B960494DF}">
-                      <a14:hiddenLine xmlns:wpc="http://schemas.microsoft.com/office/word/2010/wordprocessingCanvas" xmlns:mc="http://schemas.openxmlformats.org/markup-compatibility/2006" xmlns:m="http://schemas.openxmlformats.org/officeDocument/2006/math" xmlns:wp14="http://schemas.microsoft.com/office/word/2010/wordprocessingDrawing" xmlns:wp="http://schemas.openxmlformats.org/drawingml/2006/wordprocessingDrawing" xmlns:w14="http://schemas.microsoft.com/office/word/2010/wordml" xmlns:w15="http://schemas.microsoft.com/office/word/2012/wordml" xmlns:wpg="http://schemas.microsoft.com/office/word/2010/wordprocessingGroup" xmlns:wpi="http://schemas.microsoft.com/office/word/2010/wordprocessingInk" xmlns:wne="http://schemas.microsoft.com/office/word/2006/wordml" xmlns:wps="http://schemas.microsoft.com/office/word/2010/wordprocessingShape" xmlns:cx="http://schemas.microsoft.com/office/drawing/2014/chartex" xmlns:cx1="http://schemas.microsoft.com/office/drawing/2015/9/8/chartex" xmlns:cx2="http://schemas.microsoft.com/office/drawing/2015/10/21/chartex" xmlns:cx3="http://schemas.microsoft.com/office/drawing/2016/5/9/chartex" xmlns:cx4="http://schemas.microsoft.com/office/drawing/2016/5/10/chartex" xmlns:cx5="http://schemas.microsoft.com/office/drawing/2016/5/11/chartex" xmlns:cx6="http://schemas.microsoft.com/office/drawing/2016/5/12/chartex" xmlns:cx7="http://schemas.microsoft.com/office/drawing/2016/5/13/chartex" xmlns:cx8="http://schemas.microsoft.com/office/drawing/2016/5/14/chartex" xmlns:aink="http://schemas.microsoft.com/office/drawing/2016/ink" xmlns:am3d="http://schemas.microsoft.com/office/drawing/2017/model3d" xmlns:w16cid="http://schemas.microsoft.com/office/word/2016/wordml/cid" xmlns:w16se="http://schemas.microsoft.com/office/word/2015/wordml/symex" xmlns:a14="http://schemas.microsoft.com/office/drawing/2010/main" xmlns:w="http://schemas.openxmlformats.org/wordprocessingml/2006/main" xmlns:w10="urn:schemas-microsoft-com:office:word" xmlns:v="urn:schemas-microsoft-com:vml" xmlns:o="urn:schemas-microsoft-com:office:office" xmlns:mv="urn:schemas-microsoft-com:mac:vml" xmlns:mo="http://schemas.microsoft.com/office/mac/office/2008/main" xmlns="" xmlns:arto="http://schemas.microsoft.com/office/word/2006/arto" xmlns:lc="http://schemas.openxmlformats.org/drawingml/2006/lockedCanvas" w="9525">
+                      <a14:hiddenLine xmlns:lc="http://schemas.openxmlformats.org/drawingml/2006/lockedCanvas" xmlns:arto="http://schemas.microsoft.com/office/word/2006/arto" xmlns="" xmlns:mo="http://schemas.microsoft.com/office/mac/office/2008/main" xmlns:mv="urn:schemas-microsoft-com:mac:vml" xmlns:o="urn:schemas-microsoft-com:office:office" xmlns:v="urn:schemas-microsoft-com:vml" xmlns:w10="urn:schemas-microsoft-com:office:word" xmlns:w="http://schemas.openxmlformats.org/wordprocessingml/2006/main" xmlns:a14="http://schemas.microsoft.com/office/drawing/2010/main" xmlns:w16se="http://schemas.microsoft.com/office/word/2015/wordml/symex" xmlns:w16cid="http://schemas.microsoft.com/office/word/2016/wordml/cid" xmlns:am3d="http://schemas.microsoft.com/office/drawing/2017/model3d" xmlns:aink="http://schemas.microsoft.com/office/drawing/2016/ink" xmlns:cx8="http://schemas.microsoft.com/office/drawing/2016/5/14/chartex" xmlns:cx7="http://schemas.microsoft.com/office/drawing/2016/5/13/chartex" xmlns:cx6="http://schemas.microsoft.com/office/drawing/2016/5/12/chartex" xmlns:cx5="http://schemas.microsoft.com/office/drawing/2016/5/11/chartex" xmlns:cx4="http://schemas.microsoft.com/office/drawing/2016/5/10/chartex" xmlns:cx3="http://schemas.microsoft.com/office/drawing/2016/5/9/chartex" xmlns:cx2="http://schemas.microsoft.com/office/drawing/2015/10/21/chartex" xmlns:cx1="http://schemas.microsoft.com/office/drawing/2015/9/8/chartex" xmlns:cx="http://schemas.microsoft.com/office/drawing/2014/chartex" xmlns:wps="http://schemas.microsoft.com/office/word/2010/wordprocessingShape" xmlns:wne="http://schemas.microsoft.com/office/word/2006/wordml" xmlns:wpi="http://schemas.microsoft.com/office/word/2010/wordprocessingInk" xmlns:wpg="http://schemas.microsoft.com/office/word/2010/wordprocessingGroup" xmlns:w15="http://schemas.microsoft.com/office/word/2012/wordml" xmlns:w14="http://schemas.microsoft.com/office/word/2010/wordml" xmlns:wp="http://schemas.openxmlformats.org/drawingml/2006/wordprocessingDrawing" xmlns:wp14="http://schemas.microsoft.com/office/word/2010/wordprocessingDrawing" xmlns:m="http://schemas.openxmlformats.org/officeDocument/2006/math" xmlns:mc="http://schemas.openxmlformats.org/markup-compatibility/2006" xmlns:wpc="http://schemas.microsoft.com/office/word/2010/wordprocessingCanvas" w="9525">
                         <a:solidFill>
                           <a:srgbClr val="000000"/>
                         </a:solidFill>
@@ -8851,27 +8177,19 @@
                   </a:bodyPr>
                   <a:lstStyle/>
                   <a:p>
-                    <a:pPr marL="0" marR="0">
+                    <a:pPr>
                       <a:lnSpc>
                         <a:spcPct val="80000"/>
                       </a:lnSpc>
-                      <a:spcBef>
-                        <a:spcPts val="0"/>
-                      </a:spcBef>
-                      <a:spcAft>
-                        <a:spcPts val="0"/>
-                      </a:spcAft>
                     </a:pPr>
                     <a:r>
                       <a:rPr lang="en-US" sz="650" b="1">
-                        <a:effectLst/>
                         <a:latin typeface="Times New Roman" panose="02020603050405020304" pitchFamily="18" charset="0"/>
                         <a:ea typeface="Times New Roman" panose="02020603050405020304" pitchFamily="18" charset="0"/>
                       </a:rPr>
                       <a:t>XDS Document Registry</a:t>
                     </a:r>
                     <a:endParaRPr lang="en-US" sz="1200">
-                      <a:effectLst/>
                       <a:latin typeface="Times New Roman" panose="02020603050405020304" pitchFamily="18" charset="0"/>
                       <a:ea typeface="Times New Roman" panose="02020603050405020304" pitchFamily="18" charset="0"/>
                     </a:endParaRPr>
@@ -9019,20 +8337,13 @@
                     </a:bodyPr>
                     <a:lstStyle/>
                     <a:p>
-                      <a:pPr marL="0" marR="0" algn="ctr">
+                      <a:pPr algn="ctr">
                         <a:lnSpc>
                           <a:spcPct val="80000"/>
                         </a:lnSpc>
-                        <a:spcBef>
-                          <a:spcPts val="0"/>
-                        </a:spcBef>
-                        <a:spcAft>
-                          <a:spcPts val="0"/>
-                        </a:spcAft>
                       </a:pPr>
                       <a:r>
                         <a:rPr lang="en-US" sz="650" b="1" dirty="0">
-                          <a:effectLst/>
                           <a:latin typeface="Times New Roman" panose="02020603050405020304" pitchFamily="18" charset="0"/>
                           <a:ea typeface="Times New Roman" panose="02020603050405020304" pitchFamily="18" charset="0"/>
                         </a:rPr>
@@ -9040,14 +8351,12 @@
                       </a:r>
                       <a:br>
                         <a:rPr lang="en-US" sz="650" b="1" dirty="0">
-                          <a:effectLst/>
                           <a:latin typeface="Times New Roman" panose="02020603050405020304" pitchFamily="18" charset="0"/>
                           <a:ea typeface="Times New Roman" panose="02020603050405020304" pitchFamily="18" charset="0"/>
                         </a:rPr>
                       </a:br>
                       <a:r>
                         <a:rPr lang="en-US" sz="650" b="1" dirty="0">
-                          <a:effectLst/>
                           <a:latin typeface="Times New Roman" panose="02020603050405020304" pitchFamily="18" charset="0"/>
                           <a:ea typeface="Times New Roman" panose="02020603050405020304" pitchFamily="18" charset="0"/>
                         </a:rPr>
@@ -9055,21 +8364,18 @@
                       </a:r>
                       <a:br>
                         <a:rPr lang="en-US" sz="650" b="1" dirty="0">
-                          <a:effectLst/>
                           <a:latin typeface="Times New Roman" panose="02020603050405020304" pitchFamily="18" charset="0"/>
                           <a:ea typeface="Times New Roman" panose="02020603050405020304" pitchFamily="18" charset="0"/>
                         </a:rPr>
                       </a:br>
                       <a:r>
                         <a:rPr lang="en-US" sz="650" b="1" dirty="0">
-                          <a:effectLst/>
                           <a:latin typeface="Times New Roman" panose="02020603050405020304" pitchFamily="18" charset="0"/>
                           <a:ea typeface="Times New Roman" panose="02020603050405020304" pitchFamily="18" charset="0"/>
                         </a:rPr>
                         <a:t>Responder</a:t>
                       </a:r>
                       <a:endParaRPr lang="en-US" sz="1200" dirty="0">
-                        <a:effectLst/>
                         <a:latin typeface="Times New Roman" panose="02020603050405020304" pitchFamily="18" charset="0"/>
                         <a:ea typeface="Times New Roman" panose="02020603050405020304" pitchFamily="18" charset="0"/>
                       </a:endParaRPr>
@@ -9109,20 +8415,13 @@
                     </a:bodyPr>
                     <a:lstStyle/>
                     <a:p>
-                      <a:pPr marL="0" marR="0" algn="r">
+                      <a:pPr algn="r">
                         <a:lnSpc>
                           <a:spcPct val="80000"/>
                         </a:lnSpc>
-                        <a:spcBef>
-                          <a:spcPts val="0"/>
-                        </a:spcBef>
-                        <a:spcAft>
-                          <a:spcPts val="0"/>
-                        </a:spcAft>
                       </a:pPr>
                       <a:r>
                         <a:rPr lang="en-US" sz="650" b="1">
-                          <a:effectLst/>
                           <a:latin typeface="Times New Roman" panose="02020603050405020304" pitchFamily="18" charset="0"/>
                           <a:ea typeface="Times New Roman" panose="02020603050405020304" pitchFamily="18" charset="0"/>
                         </a:rPr>
@@ -9130,14 +8429,12 @@
                       </a:r>
                       <a:br>
                         <a:rPr lang="en-US" sz="650" b="1">
-                          <a:effectLst/>
                           <a:latin typeface="Times New Roman" panose="02020603050405020304" pitchFamily="18" charset="0"/>
                           <a:ea typeface="Times New Roman" panose="02020603050405020304" pitchFamily="18" charset="0"/>
                         </a:rPr>
                       </a:br>
                       <a:r>
                         <a:rPr lang="en-US" sz="650" b="1">
-                          <a:effectLst/>
                           <a:latin typeface="Times New Roman" panose="02020603050405020304" pitchFamily="18" charset="0"/>
                           <a:ea typeface="Times New Roman" panose="02020603050405020304" pitchFamily="18" charset="0"/>
                         </a:rPr>
@@ -9145,14 +8442,12 @@
                       </a:r>
                       <a:r>
                         <a:rPr lang="fr-FR" sz="650" b="1">
-                          <a:effectLst/>
                           <a:latin typeface="Times New Roman" panose="02020603050405020304" pitchFamily="18" charset="0"/>
                           <a:ea typeface="Times New Roman" panose="02020603050405020304" pitchFamily="18" charset="0"/>
                         </a:rPr>
                         <a:t> Data Source</a:t>
                       </a:r>
                       <a:endParaRPr lang="en-US" sz="1200">
-                        <a:effectLst/>
                         <a:latin typeface="Times New Roman" panose="02020603050405020304" pitchFamily="18" charset="0"/>
                         <a:ea typeface="Times New Roman" panose="02020603050405020304" pitchFamily="18" charset="0"/>
                       </a:endParaRPr>
@@ -9393,23 +8688,16 @@
               </a:bodyPr>
               <a:lstStyle/>
               <a:p>
-                <a:pPr marL="0" marR="0" algn="ctr">
+                <a:pPr algn="ctr">
                   <a:lnSpc>
                     <a:spcPct val="80000"/>
                   </a:lnSpc>
-                  <a:spcBef>
-                    <a:spcPts val="0"/>
-                  </a:spcBef>
-                  <a:spcAft>
-                    <a:spcPts val="0"/>
-                  </a:spcAft>
                 </a:pPr>
                 <a:r>
                   <a:rPr lang="en-US" sz="650" b="1">
                     <a:solidFill>
                       <a:srgbClr val="595959"/>
                     </a:solidFill>
-                    <a:effectLst/>
                     <a:latin typeface="Times New Roman" panose="02020603050405020304" pitchFamily="18" charset="0"/>
                     <a:ea typeface="Times New Roman" panose="02020603050405020304" pitchFamily="18" charset="0"/>
                   </a:rPr>
@@ -9420,7 +8708,6 @@
                     <a:solidFill>
                       <a:srgbClr val="595959"/>
                     </a:solidFill>
-                    <a:effectLst/>
                     <a:latin typeface="Times New Roman" panose="02020603050405020304" pitchFamily="18" charset="0"/>
                     <a:ea typeface="Times New Roman" panose="02020603050405020304" pitchFamily="18" charset="0"/>
                   </a:rPr>
@@ -9430,7 +8717,6 @@
                     <a:solidFill>
                       <a:srgbClr val="595959"/>
                     </a:solidFill>
-                    <a:effectLst/>
                     <a:latin typeface="Times New Roman" panose="02020603050405020304" pitchFamily="18" charset="0"/>
                     <a:ea typeface="Times New Roman" panose="02020603050405020304" pitchFamily="18" charset="0"/>
                   </a:rPr>
@@ -9438,14 +8724,12 @@
                 </a:r>
                 <a:r>
                   <a:rPr lang="en-US" sz="650">
-                    <a:effectLst/>
                     <a:latin typeface="Times New Roman" panose="02020603050405020304" pitchFamily="18" charset="0"/>
                     <a:ea typeface="Times New Roman" panose="02020603050405020304" pitchFamily="18" charset="0"/>
                   </a:rPr>
                   <a:t> </a:t>
                 </a:r>
                 <a:endParaRPr lang="en-US" sz="1200">
-                  <a:effectLst/>
                   <a:latin typeface="Times New Roman" panose="02020603050405020304" pitchFamily="18" charset="0"/>
                   <a:ea typeface="Times New Roman" panose="02020603050405020304" pitchFamily="18" charset="0"/>
                 </a:endParaRPr>
@@ -9485,20 +8769,13 @@
               </a:bodyPr>
               <a:lstStyle/>
               <a:p>
-                <a:pPr marL="0" marR="0" algn="ctr">
+                <a:pPr algn="ctr">
                   <a:lnSpc>
                     <a:spcPct val="80000"/>
                   </a:lnSpc>
-                  <a:spcBef>
-                    <a:spcPts val="0"/>
-                  </a:spcBef>
-                  <a:spcAft>
-                    <a:spcPts val="0"/>
-                  </a:spcAft>
                 </a:pPr>
                 <a:r>
                   <a:rPr lang="en-US" sz="650" b="1" dirty="0">
-                    <a:effectLst/>
                     <a:latin typeface="Times New Roman" panose="02020603050405020304" pitchFamily="18" charset="0"/>
                     <a:ea typeface="Times New Roman" panose="02020603050405020304" pitchFamily="18" charset="0"/>
                   </a:rPr>
@@ -9506,14 +8783,12 @@
                 </a:r>
                 <a:br>
                   <a:rPr lang="en-US" sz="650" b="1" dirty="0">
-                    <a:effectLst/>
                     <a:latin typeface="Times New Roman" panose="02020603050405020304" pitchFamily="18" charset="0"/>
                     <a:ea typeface="Times New Roman" panose="02020603050405020304" pitchFamily="18" charset="0"/>
                   </a:rPr>
                 </a:br>
                 <a:r>
                   <a:rPr lang="en-US" sz="650" b="1" dirty="0">
-                    <a:effectLst/>
                     <a:latin typeface="Times New Roman" panose="02020603050405020304" pitchFamily="18" charset="0"/>
                     <a:ea typeface="Times New Roman" panose="02020603050405020304" pitchFamily="18" charset="0"/>
                   </a:rPr>
@@ -9521,21 +8796,18 @@
                 </a:r>
                 <a:br>
                   <a:rPr lang="en-US" sz="650" b="1" dirty="0">
-                    <a:effectLst/>
                     <a:latin typeface="Times New Roman" panose="02020603050405020304" pitchFamily="18" charset="0"/>
                     <a:ea typeface="Times New Roman" panose="02020603050405020304" pitchFamily="18" charset="0"/>
                   </a:rPr>
                 </a:br>
                 <a:r>
                   <a:rPr lang="en-US" sz="650" b="1" dirty="0">
-                    <a:effectLst/>
                     <a:latin typeface="Times New Roman" panose="02020603050405020304" pitchFamily="18" charset="0"/>
                     <a:ea typeface="Times New Roman" panose="02020603050405020304" pitchFamily="18" charset="0"/>
                   </a:rPr>
                   <a:t>Recipient</a:t>
                 </a:r>
                 <a:endParaRPr lang="en-US" sz="1200" dirty="0">
-                  <a:effectLst/>
                   <a:latin typeface="Times New Roman" panose="02020603050405020304" pitchFamily="18" charset="0"/>
                   <a:ea typeface="Times New Roman" panose="02020603050405020304" pitchFamily="18" charset="0"/>
                 </a:endParaRPr>
@@ -9617,20 +8889,13 @@
             </a:bodyPr>
             <a:lstStyle/>
             <a:p>
-              <a:pPr marL="0" marR="0" algn="ctr">
+              <a:pPr algn="ctr">
                 <a:lnSpc>
                   <a:spcPct val="80000"/>
                 </a:lnSpc>
-                <a:spcBef>
-                  <a:spcPts val="0"/>
-                </a:spcBef>
-                <a:spcAft>
-                  <a:spcPts val="0"/>
-                </a:spcAft>
               </a:pPr>
               <a:r>
                 <a:rPr lang="en-US" sz="650" b="1" dirty="0">
-                  <a:effectLst/>
                   <a:latin typeface="Times New Roman" panose="02020603050405020304" pitchFamily="18" charset="0"/>
                   <a:ea typeface="Times New Roman" panose="02020603050405020304" pitchFamily="18" charset="0"/>
                 </a:rPr>
@@ -9638,14 +8903,12 @@
               </a:r>
               <a:br>
                 <a:rPr lang="en-US" sz="650" b="1" dirty="0">
-                  <a:effectLst/>
                   <a:latin typeface="Times New Roman" panose="02020603050405020304" pitchFamily="18" charset="0"/>
                   <a:ea typeface="Times New Roman" panose="02020603050405020304" pitchFamily="18" charset="0"/>
                 </a:rPr>
               </a:br>
               <a:r>
                 <a:rPr lang="en-US" sz="650" b="1" dirty="0">
-                  <a:effectLst/>
                   <a:latin typeface="Times New Roman" panose="02020603050405020304" pitchFamily="18" charset="0"/>
                   <a:ea typeface="Times New Roman" panose="02020603050405020304" pitchFamily="18" charset="0"/>
                 </a:rPr>
@@ -9653,21 +8916,18 @@
               </a:r>
               <a:br>
                 <a:rPr lang="en-US" sz="650" b="1" dirty="0">
-                  <a:effectLst/>
                   <a:latin typeface="Times New Roman" panose="02020603050405020304" pitchFamily="18" charset="0"/>
                   <a:ea typeface="Times New Roman" panose="02020603050405020304" pitchFamily="18" charset="0"/>
                 </a:rPr>
               </a:br>
               <a:r>
                 <a:rPr lang="en-US" sz="650" b="1" dirty="0">
-                  <a:effectLst/>
                   <a:latin typeface="Times New Roman" panose="02020603050405020304" pitchFamily="18" charset="0"/>
                   <a:ea typeface="Times New Roman" panose="02020603050405020304" pitchFamily="18" charset="0"/>
                 </a:rPr>
                 <a:t>Recipient</a:t>
               </a:r>
               <a:endParaRPr lang="en-US" sz="1200" dirty="0">
-                <a:effectLst/>
                 <a:latin typeface="Times New Roman" panose="02020603050405020304" pitchFamily="18" charset="0"/>
                 <a:ea typeface="Times New Roman" panose="02020603050405020304" pitchFamily="18" charset="0"/>
               </a:endParaRPr>
@@ -9707,20 +8967,13 @@
             </a:bodyPr>
             <a:lstStyle/>
             <a:p>
-              <a:pPr marL="0" marR="0" algn="ctr">
+              <a:pPr algn="ctr">
                 <a:lnSpc>
                   <a:spcPct val="80000"/>
                 </a:lnSpc>
-                <a:spcBef>
-                  <a:spcPts val="0"/>
-                </a:spcBef>
-                <a:spcAft>
-                  <a:spcPts val="0"/>
-                </a:spcAft>
               </a:pPr>
               <a:r>
                 <a:rPr lang="en-US" sz="650" b="1" dirty="0">
-                  <a:effectLst/>
                   <a:latin typeface="Times New Roman" panose="02020603050405020304" pitchFamily="18" charset="0"/>
                   <a:ea typeface="Times New Roman" panose="02020603050405020304" pitchFamily="18" charset="0"/>
                 </a:rPr>
@@ -9728,14 +8981,12 @@
               </a:r>
               <a:br>
                 <a:rPr lang="en-US" sz="650" b="1" dirty="0">
-                  <a:effectLst/>
                   <a:latin typeface="Times New Roman" panose="02020603050405020304" pitchFamily="18" charset="0"/>
                   <a:ea typeface="Times New Roman" panose="02020603050405020304" pitchFamily="18" charset="0"/>
                 </a:rPr>
               </a:br>
               <a:r>
                 <a:rPr lang="en-US" sz="650" b="1" dirty="0">
-                  <a:effectLst/>
                   <a:latin typeface="Times New Roman" panose="02020603050405020304" pitchFamily="18" charset="0"/>
                   <a:ea typeface="Times New Roman" panose="02020603050405020304" pitchFamily="18" charset="0"/>
                 </a:rPr>
@@ -9743,21 +8994,18 @@
               </a:r>
               <a:br>
                 <a:rPr lang="en-US" sz="650" b="1" dirty="0">
-                  <a:effectLst/>
                   <a:latin typeface="Times New Roman" panose="02020603050405020304" pitchFamily="18" charset="0"/>
                   <a:ea typeface="Times New Roman" panose="02020603050405020304" pitchFamily="18" charset="0"/>
                 </a:rPr>
               </a:br>
               <a:r>
                 <a:rPr lang="en-US" sz="650" b="1" dirty="0">
-                  <a:effectLst/>
                   <a:latin typeface="Times New Roman" panose="02020603050405020304" pitchFamily="18" charset="0"/>
                   <a:ea typeface="Times New Roman" panose="02020603050405020304" pitchFamily="18" charset="0"/>
                 </a:rPr>
                 <a:t>Recipient</a:t>
               </a:r>
               <a:endParaRPr lang="en-US" sz="1200" dirty="0">
-                <a:effectLst/>
                 <a:latin typeface="Times New Roman" panose="02020603050405020304" pitchFamily="18" charset="0"/>
                 <a:ea typeface="Times New Roman" panose="02020603050405020304" pitchFamily="18" charset="0"/>
               </a:endParaRPr>
@@ -9782,7 +9030,7 @@
         </p:nvCxnSpPr>
         <p:spPr>
           <a:xfrm>
-            <a:off x="4097135" y="1867596"/>
+            <a:off x="2573136" y="1867596"/>
             <a:ext cx="1030897" cy="0"/>
           </a:xfrm>
           <a:prstGeom prst="line">
@@ -9825,7 +9073,7 @@
         </p:nvCxnSpPr>
         <p:spPr>
           <a:xfrm>
-            <a:off x="6154536" y="1894389"/>
+            <a:off x="4630536" y="1894389"/>
             <a:ext cx="1470660" cy="0"/>
           </a:xfrm>
           <a:prstGeom prst="line">
@@ -9866,7 +9114,7 @@
         </p:nvCxnSpPr>
         <p:spPr>
           <a:xfrm>
-            <a:off x="7752916" y="1858202"/>
+            <a:off x="6228916" y="1858202"/>
             <a:ext cx="473710" cy="0"/>
           </a:xfrm>
           <a:prstGeom prst="line">
@@ -9907,7 +9155,7 @@
         </p:nvCxnSpPr>
         <p:spPr>
           <a:xfrm>
-            <a:off x="8301974" y="1858485"/>
+            <a:off x="6777974" y="1858485"/>
             <a:ext cx="473710" cy="0"/>
           </a:xfrm>
           <a:prstGeom prst="line">
@@ -9950,7 +9198,7 @@
 <file path=ppt/theme/theme1.xml><?xml version="1.0" encoding="utf-8"?>
 <a:theme xmlns:a="http://schemas.openxmlformats.org/drawingml/2006/main" name="Office Theme">
   <a:themeElements>
-    <a:clrScheme name="Office">
+    <a:clrScheme name="Office Theme">
       <a:dk1>
         <a:sysClr val="windowText" lastClr="000000"/>
       </a:dk1>
@@ -9988,7 +9236,7 @@
         <a:srgbClr val="954F72"/>
       </a:folHlink>
     </a:clrScheme>
-    <a:fontScheme name="Office">
+    <a:fontScheme name="Office Theme">
       <a:majorFont>
         <a:latin typeface="Calibri Light" panose="020F0302020204030204"/>
         <a:ea typeface=""/>
@@ -10023,23 +9271,6 @@
         <a:font script="Viet" typeface="Times New Roman"/>
         <a:font script="Uigh" typeface="Microsoft Uighur"/>
         <a:font script="Geor" typeface="Sylfaen"/>
-        <a:font script="Armn" typeface="Arial"/>
-        <a:font script="Bugi" typeface="Leelawadee UI"/>
-        <a:font script="Bopo" typeface="Microsoft JhengHei"/>
-        <a:font script="Java" typeface="Javanese Text"/>
-        <a:font script="Lisu" typeface="Segoe UI"/>
-        <a:font script="Mymr" typeface="Myanmar Text"/>
-        <a:font script="Nkoo" typeface="Ebrima"/>
-        <a:font script="Olck" typeface="Nirmala UI"/>
-        <a:font script="Osma" typeface="Ebrima"/>
-        <a:font script="Phag" typeface="Phagspa"/>
-        <a:font script="Syrn" typeface="Estrangelo Edessa"/>
-        <a:font script="Syrj" typeface="Estrangelo Edessa"/>
-        <a:font script="Syre" typeface="Estrangelo Edessa"/>
-        <a:font script="Sora" typeface="Nirmala UI"/>
-        <a:font script="Tale" typeface="Microsoft Tai Le"/>
-        <a:font script="Talu" typeface="Microsoft New Tai Lue"/>
-        <a:font script="Tfng" typeface="Ebrima"/>
       </a:majorFont>
       <a:minorFont>
         <a:latin typeface="Calibri" panose="020F0502020204030204"/>
@@ -10075,26 +9306,9 @@
         <a:font script="Viet" typeface="Arial"/>
         <a:font script="Uigh" typeface="Microsoft Uighur"/>
         <a:font script="Geor" typeface="Sylfaen"/>
-        <a:font script="Armn" typeface="Arial"/>
-        <a:font script="Bugi" typeface="Leelawadee UI"/>
-        <a:font script="Bopo" typeface="Microsoft JhengHei"/>
-        <a:font script="Java" typeface="Javanese Text"/>
-        <a:font script="Lisu" typeface="Segoe UI"/>
-        <a:font script="Mymr" typeface="Myanmar Text"/>
-        <a:font script="Nkoo" typeface="Ebrima"/>
-        <a:font script="Olck" typeface="Nirmala UI"/>
-        <a:font script="Osma" typeface="Ebrima"/>
-        <a:font script="Phag" typeface="Phagspa"/>
-        <a:font script="Syrn" typeface="Estrangelo Edessa"/>
-        <a:font script="Syrj" typeface="Estrangelo Edessa"/>
-        <a:font script="Syre" typeface="Estrangelo Edessa"/>
-        <a:font script="Sora" typeface="Nirmala UI"/>
-        <a:font script="Tale" typeface="Microsoft Tai Le"/>
-        <a:font script="Talu" typeface="Microsoft New Tai Lue"/>
-        <a:font script="Tfng" typeface="Ebrima"/>
       </a:minorFont>
     </a:fontScheme>
-    <a:fmtScheme name="Office">
+    <a:fmtScheme name="Office Theme">
       <a:fillStyleLst>
         <a:solidFill>
           <a:schemeClr val="phClr"/>
